--- a/facebook_replier/Facebook Ai Comment Replier.pptx
+++ b/facebook_replier/Facebook Ai Comment Replier.pptx
@@ -1,47 +1,44 @@
 
 <file path=ppt/presentation.xml><?xml version="1.0" encoding="utf-8"?>
-<p:presentation xmlns:a="http://schemas.openxmlformats.org/drawingml/2006/main" xmlns:r="http://schemas.openxmlformats.org/officeDocument/2006/relationships" xmlns:mc="http://schemas.openxmlformats.org/markup-compatibility/2006" xmlns:mv="urn:schemas-microsoft-com:mac:vml" xmlns:p="http://schemas.openxmlformats.org/presentationml/2006/main" xmlns:c="http://schemas.openxmlformats.org/drawingml/2006/chart" xmlns:dgm="http://schemas.openxmlformats.org/drawingml/2006/diagram" xmlns:o="urn:schemas-microsoft-com:office:office" xmlns:v="urn:schemas-microsoft-com:vml" xmlns:pvml="urn:schemas-microsoft-com:office:powerpoint" xmlns:com="http://schemas.openxmlformats.org/drawingml/2006/compatibility" xmlns:p14="http://schemas.microsoft.com/office/powerpoint/2010/main" xmlns:p15="http://schemas.microsoft.com/office/powerpoint/2012/main" xmlns:ahyp="http://schemas.microsoft.com/office/drawing/2018/hyperlinkcolor" autoCompressPictures="0" embedTrueTypeFonts="1" strictFirstAndLastChars="0" saveSubsetFonts="1">
+<p:presentation xmlns:a="http://schemas.openxmlformats.org/drawingml/2006/main" xmlns:r="http://schemas.openxmlformats.org/officeDocument/2006/relationships" xmlns:p="http://schemas.openxmlformats.org/presentationml/2006/main" strictFirstAndLastChars="0" embedTrueTypeFonts="1" saveSubsetFonts="1" autoCompressPictures="0">
   <p:sldMasterIdLst>
-    <p:sldMasterId id="2147483659" r:id="rId4"/>
+    <p:sldMasterId id="2147483648" r:id="rId1"/>
   </p:sldMasterIdLst>
   <p:notesMasterIdLst>
-    <p:notesMasterId r:id="rId5"/>
+    <p:notesMasterId r:id="rId4"/>
   </p:notesMasterIdLst>
   <p:sldIdLst>
-    <p:sldId id="256" r:id="rId6"/>
-    <p:sldId id="257" r:id="rId7"/>
-    <p:sldId id="258" r:id="rId8"/>
-    <p:sldId id="259" r:id="rId9"/>
-    <p:sldId id="260" r:id="rId10"/>
-    <p:sldId id="261" r:id="rId11"/>
-    <p:sldId id="262" r:id="rId12"/>
-    <p:sldId id="263" r:id="rId13"/>
-    <p:sldId id="264" r:id="rId14"/>
-    <p:sldId id="265" r:id="rId15"/>
-    <p:sldId id="266" r:id="rId16"/>
-    <p:sldId id="267" r:id="rId17"/>
-    <p:sldId id="268" r:id="rId18"/>
-    <p:sldId id="269" r:id="rId19"/>
-    <p:sldId id="270" r:id="rId20"/>
-    <p:sldId id="271" r:id="rId21"/>
-    <p:sldId id="272" r:id="rId22"/>
-    <p:sldId id="273" r:id="rId23"/>
-    <p:sldId id="274" r:id="rId24"/>
-    <p:sldId id="275" r:id="rId25"/>
+    <p:sldId id="256" r:id="rId3"/>
+    <p:sldId id="257" r:id="rId5"/>
+    <p:sldId id="258" r:id="rId6"/>
+    <p:sldId id="259" r:id="rId7"/>
+    <p:sldId id="260" r:id="rId8"/>
+    <p:sldId id="261" r:id="rId9"/>
+    <p:sldId id="262" r:id="rId10"/>
+    <p:sldId id="263" r:id="rId11"/>
+    <p:sldId id="264" r:id="rId12"/>
+    <p:sldId id="265" r:id="rId13"/>
+    <p:sldId id="266" r:id="rId14"/>
+    <p:sldId id="267" r:id="rId15"/>
+    <p:sldId id="268" r:id="rId16"/>
+    <p:sldId id="269" r:id="rId17"/>
+    <p:sldId id="270" r:id="rId18"/>
+    <p:sldId id="271" r:id="rId19"/>
+    <p:sldId id="272" r:id="rId20"/>
+    <p:sldId id="273" r:id="rId21"/>
+    <p:sldId id="274" r:id="rId22"/>
+    <p:sldId id="275" r:id="rId23"/>
   </p:sldIdLst>
-  <p:sldSz cy="5143500" cx="9144000"/>
+  <p:sldSz cx="9144000" cy="5143500"/>
   <p:notesSz cx="6858000" cy="9144000"/>
   <p:embeddedFontLst>
     <p:embeddedFont>
-      <p:font typeface="Roboto"/>
-      <p:regular r:id="rId26"/>
-      <p:bold r:id="rId27"/>
-      <p:italic r:id="rId28"/>
-      <p:boldItalic r:id="rId29"/>
+      <p:font typeface="Roboto" panose="02000000000000000000"/>
+      <p:regular r:id="rId27"/>
     </p:embeddedFont>
   </p:embeddedFontLst>
   <p:defaultTextStyle>
-    <a:defPPr lvl="0" marR="0" rtl="0" algn="l">
+    <a:defPPr marR="0" lvl="0" algn="l" rtl="0">
       <a:lnSpc>
         <a:spcPct val="100000"/>
       </a:lnSpc>
@@ -52,7 +49,7 @@
         <a:spcPts val="0"/>
       </a:spcAft>
     </a:defPPr>
-    <a:lvl1pPr lvl="0" marR="0" rtl="0" algn="l">
+    <a:lvl1pPr marR="0" lvl="0" algn="l" rtl="0">
       <a:lnSpc>
         <a:spcPct val="100000"/>
       </a:lnSpc>
@@ -65,18 +62,18 @@
       <a:buClr>
         <a:srgbClr val="000000"/>
       </a:buClr>
-      <a:buFont typeface="Arial"/>
-      <a:defRPr b="0" i="0" sz="1400" u="none" cap="none" strike="noStrike">
+      <a:buFont typeface="Arial" panose="020B0604020202020204"/>
+      <a:defRPr sz="1400" b="0" i="0" u="none" strike="noStrike" cap="none">
         <a:solidFill>
           <a:srgbClr val="000000"/>
         </a:solidFill>
-        <a:latin typeface="Arial"/>
-        <a:ea typeface="Arial"/>
-        <a:cs typeface="Arial"/>
-        <a:sym typeface="Arial"/>
+        <a:latin typeface="Arial" panose="020B0604020202020204"/>
+        <a:ea typeface="Arial" panose="020B0604020202020204"/>
+        <a:cs typeface="Arial" panose="020B0604020202020204"/>
+        <a:sym typeface="Arial" panose="020B0604020202020204"/>
       </a:defRPr>
     </a:lvl1pPr>
-    <a:lvl2pPr lvl="1" marR="0" rtl="0" algn="l">
+    <a:lvl2pPr marR="0" lvl="1" algn="l" rtl="0">
       <a:lnSpc>
         <a:spcPct val="100000"/>
       </a:lnSpc>
@@ -89,18 +86,18 @@
       <a:buClr>
         <a:srgbClr val="000000"/>
       </a:buClr>
-      <a:buFont typeface="Arial"/>
-      <a:defRPr b="0" i="0" sz="1400" u="none" cap="none" strike="noStrike">
+      <a:buFont typeface="Arial" panose="020B0604020202020204"/>
+      <a:defRPr sz="1400" b="0" i="0" u="none" strike="noStrike" cap="none">
         <a:solidFill>
           <a:srgbClr val="000000"/>
         </a:solidFill>
-        <a:latin typeface="Arial"/>
-        <a:ea typeface="Arial"/>
-        <a:cs typeface="Arial"/>
-        <a:sym typeface="Arial"/>
+        <a:latin typeface="Arial" panose="020B0604020202020204"/>
+        <a:ea typeface="Arial" panose="020B0604020202020204"/>
+        <a:cs typeface="Arial" panose="020B0604020202020204"/>
+        <a:sym typeface="Arial" panose="020B0604020202020204"/>
       </a:defRPr>
     </a:lvl2pPr>
-    <a:lvl3pPr lvl="2" marR="0" rtl="0" algn="l">
+    <a:lvl3pPr marR="0" lvl="2" algn="l" rtl="0">
       <a:lnSpc>
         <a:spcPct val="100000"/>
       </a:lnSpc>
@@ -113,18 +110,18 @@
       <a:buClr>
         <a:srgbClr val="000000"/>
       </a:buClr>
-      <a:buFont typeface="Arial"/>
-      <a:defRPr b="0" i="0" sz="1400" u="none" cap="none" strike="noStrike">
+      <a:buFont typeface="Arial" panose="020B0604020202020204"/>
+      <a:defRPr sz="1400" b="0" i="0" u="none" strike="noStrike" cap="none">
         <a:solidFill>
           <a:srgbClr val="000000"/>
         </a:solidFill>
-        <a:latin typeface="Arial"/>
-        <a:ea typeface="Arial"/>
-        <a:cs typeface="Arial"/>
-        <a:sym typeface="Arial"/>
+        <a:latin typeface="Arial" panose="020B0604020202020204"/>
+        <a:ea typeface="Arial" panose="020B0604020202020204"/>
+        <a:cs typeface="Arial" panose="020B0604020202020204"/>
+        <a:sym typeface="Arial" panose="020B0604020202020204"/>
       </a:defRPr>
     </a:lvl3pPr>
-    <a:lvl4pPr lvl="3" marR="0" rtl="0" algn="l">
+    <a:lvl4pPr marR="0" lvl="3" algn="l" rtl="0">
       <a:lnSpc>
         <a:spcPct val="100000"/>
       </a:lnSpc>
@@ -137,18 +134,18 @@
       <a:buClr>
         <a:srgbClr val="000000"/>
       </a:buClr>
-      <a:buFont typeface="Arial"/>
-      <a:defRPr b="0" i="0" sz="1400" u="none" cap="none" strike="noStrike">
+      <a:buFont typeface="Arial" panose="020B0604020202020204"/>
+      <a:defRPr sz="1400" b="0" i="0" u="none" strike="noStrike" cap="none">
         <a:solidFill>
           <a:srgbClr val="000000"/>
         </a:solidFill>
-        <a:latin typeface="Arial"/>
-        <a:ea typeface="Arial"/>
-        <a:cs typeface="Arial"/>
-        <a:sym typeface="Arial"/>
+        <a:latin typeface="Arial" panose="020B0604020202020204"/>
+        <a:ea typeface="Arial" panose="020B0604020202020204"/>
+        <a:cs typeface="Arial" panose="020B0604020202020204"/>
+        <a:sym typeface="Arial" panose="020B0604020202020204"/>
       </a:defRPr>
     </a:lvl4pPr>
-    <a:lvl5pPr lvl="4" marR="0" rtl="0" algn="l">
+    <a:lvl5pPr marR="0" lvl="4" algn="l" rtl="0">
       <a:lnSpc>
         <a:spcPct val="100000"/>
       </a:lnSpc>
@@ -161,18 +158,18 @@
       <a:buClr>
         <a:srgbClr val="000000"/>
       </a:buClr>
-      <a:buFont typeface="Arial"/>
-      <a:defRPr b="0" i="0" sz="1400" u="none" cap="none" strike="noStrike">
+      <a:buFont typeface="Arial" panose="020B0604020202020204"/>
+      <a:defRPr sz="1400" b="0" i="0" u="none" strike="noStrike" cap="none">
         <a:solidFill>
           <a:srgbClr val="000000"/>
         </a:solidFill>
-        <a:latin typeface="Arial"/>
-        <a:ea typeface="Arial"/>
-        <a:cs typeface="Arial"/>
-        <a:sym typeface="Arial"/>
+        <a:latin typeface="Arial" panose="020B0604020202020204"/>
+        <a:ea typeface="Arial" panose="020B0604020202020204"/>
+        <a:cs typeface="Arial" panose="020B0604020202020204"/>
+        <a:sym typeface="Arial" panose="020B0604020202020204"/>
       </a:defRPr>
     </a:lvl5pPr>
-    <a:lvl6pPr lvl="5" marR="0" rtl="0" algn="l">
+    <a:lvl6pPr marR="0" lvl="5" algn="l" rtl="0">
       <a:lnSpc>
         <a:spcPct val="100000"/>
       </a:lnSpc>
@@ -185,18 +182,18 @@
       <a:buClr>
         <a:srgbClr val="000000"/>
       </a:buClr>
-      <a:buFont typeface="Arial"/>
-      <a:defRPr b="0" i="0" sz="1400" u="none" cap="none" strike="noStrike">
+      <a:buFont typeface="Arial" panose="020B0604020202020204"/>
+      <a:defRPr sz="1400" b="0" i="0" u="none" strike="noStrike" cap="none">
         <a:solidFill>
           <a:srgbClr val="000000"/>
         </a:solidFill>
-        <a:latin typeface="Arial"/>
-        <a:ea typeface="Arial"/>
-        <a:cs typeface="Arial"/>
-        <a:sym typeface="Arial"/>
+        <a:latin typeface="Arial" panose="020B0604020202020204"/>
+        <a:ea typeface="Arial" panose="020B0604020202020204"/>
+        <a:cs typeface="Arial" panose="020B0604020202020204"/>
+        <a:sym typeface="Arial" panose="020B0604020202020204"/>
       </a:defRPr>
     </a:lvl6pPr>
-    <a:lvl7pPr lvl="6" marR="0" rtl="0" algn="l">
+    <a:lvl7pPr marR="0" lvl="6" algn="l" rtl="0">
       <a:lnSpc>
         <a:spcPct val="100000"/>
       </a:lnSpc>
@@ -209,18 +206,18 @@
       <a:buClr>
         <a:srgbClr val="000000"/>
       </a:buClr>
-      <a:buFont typeface="Arial"/>
-      <a:defRPr b="0" i="0" sz="1400" u="none" cap="none" strike="noStrike">
+      <a:buFont typeface="Arial" panose="020B0604020202020204"/>
+      <a:defRPr sz="1400" b="0" i="0" u="none" strike="noStrike" cap="none">
         <a:solidFill>
           <a:srgbClr val="000000"/>
         </a:solidFill>
-        <a:latin typeface="Arial"/>
-        <a:ea typeface="Arial"/>
-        <a:cs typeface="Arial"/>
-        <a:sym typeface="Arial"/>
+        <a:latin typeface="Arial" panose="020B0604020202020204"/>
+        <a:ea typeface="Arial" panose="020B0604020202020204"/>
+        <a:cs typeface="Arial" panose="020B0604020202020204"/>
+        <a:sym typeface="Arial" panose="020B0604020202020204"/>
       </a:defRPr>
     </a:lvl7pPr>
-    <a:lvl8pPr lvl="7" marR="0" rtl="0" algn="l">
+    <a:lvl8pPr marR="0" lvl="7" algn="l" rtl="0">
       <a:lnSpc>
         <a:spcPct val="100000"/>
       </a:lnSpc>
@@ -233,18 +230,18 @@
       <a:buClr>
         <a:srgbClr val="000000"/>
       </a:buClr>
-      <a:buFont typeface="Arial"/>
-      <a:defRPr b="0" i="0" sz="1400" u="none" cap="none" strike="noStrike">
+      <a:buFont typeface="Arial" panose="020B0604020202020204"/>
+      <a:defRPr sz="1400" b="0" i="0" u="none" strike="noStrike" cap="none">
         <a:solidFill>
           <a:srgbClr val="000000"/>
         </a:solidFill>
-        <a:latin typeface="Arial"/>
-        <a:ea typeface="Arial"/>
-        <a:cs typeface="Arial"/>
-        <a:sym typeface="Arial"/>
+        <a:latin typeface="Arial" panose="020B0604020202020204"/>
+        <a:ea typeface="Arial" panose="020B0604020202020204"/>
+        <a:cs typeface="Arial" panose="020B0604020202020204"/>
+        <a:sym typeface="Arial" panose="020B0604020202020204"/>
       </a:defRPr>
     </a:lvl8pPr>
-    <a:lvl9pPr lvl="8" marR="0" rtl="0" algn="l">
+    <a:lvl9pPr marR="0" lvl="8" algn="l" rtl="0">
       <a:lnSpc>
         <a:spcPct val="100000"/>
       </a:lnSpc>
@@ -257,27 +254,27 @@
       <a:buClr>
         <a:srgbClr val="000000"/>
       </a:buClr>
-      <a:buFont typeface="Arial"/>
-      <a:defRPr b="0" i="0" sz="1400" u="none" cap="none" strike="noStrike">
+      <a:buFont typeface="Arial" panose="020B0604020202020204"/>
+      <a:defRPr sz="1400" b="0" i="0" u="none" strike="noStrike" cap="none">
         <a:solidFill>
           <a:srgbClr val="000000"/>
         </a:solidFill>
-        <a:latin typeface="Arial"/>
-        <a:ea typeface="Arial"/>
-        <a:cs typeface="Arial"/>
-        <a:sym typeface="Arial"/>
+        <a:latin typeface="Arial" panose="020B0604020202020204"/>
+        <a:ea typeface="Arial" panose="020B0604020202020204"/>
+        <a:cs typeface="Arial" panose="020B0604020202020204"/>
+        <a:sym typeface="Arial" panose="020B0604020202020204"/>
       </a:defRPr>
     </a:lvl9pPr>
   </p:defaultTextStyle>
   <p:extLst>
     <p:ext uri="{EFAFB233-063F-42B5-8137-9DF3F51BA10A}">
-      <p15:sldGuideLst>
-        <p15:guide id="1" orient="horz" pos="1620">
+      <p15:sldGuideLst xmlns:p15="http://schemas.microsoft.com/office/powerpoint/2012/main">
+        <p15:guide id="1" orient="horz" pos="1620" userDrawn="1">
           <p15:clr>
             <a:srgbClr val="747775"/>
           </p15:clr>
         </p15:guide>
-        <p15:guide id="2" pos="2880">
+        <p15:guide id="2" pos="2880" userDrawn="1">
           <p15:clr>
             <a:srgbClr val="747775"/>
           </p15:clr>
@@ -289,8 +286,13 @@
 </file>
 
 <file path=ppt/notesMasters/notesMaster1.xml><?xml version="1.0" encoding="utf-8"?>
-<p:notesMaster xmlns:a="http://schemas.openxmlformats.org/drawingml/2006/main" xmlns:r="http://schemas.openxmlformats.org/officeDocument/2006/relationships" xmlns:mc="http://schemas.openxmlformats.org/markup-compatibility/2006" xmlns:mv="urn:schemas-microsoft-com:mac:vml" xmlns:p="http://schemas.openxmlformats.org/presentationml/2006/main" xmlns:c="http://schemas.openxmlformats.org/drawingml/2006/chart" xmlns:dgm="http://schemas.openxmlformats.org/drawingml/2006/diagram" xmlns:o="urn:schemas-microsoft-com:office:office" xmlns:v="urn:schemas-microsoft-com:vml" xmlns:pvml="urn:schemas-microsoft-com:office:powerpoint" xmlns:com="http://schemas.openxmlformats.org/drawingml/2006/compatibility" xmlns:p14="http://schemas.microsoft.com/office/powerpoint/2010/main" xmlns:p15="http://schemas.microsoft.com/office/powerpoint/2012/main" xmlns:ahyp="http://schemas.microsoft.com/office/drawing/2018/hyperlinkcolor">
+<p:notesMaster xmlns:a="http://schemas.openxmlformats.org/drawingml/2006/main" xmlns:r="http://schemas.openxmlformats.org/officeDocument/2006/relationships" xmlns:p="http://schemas.openxmlformats.org/presentationml/2006/main">
   <p:cSld>
+    <p:bg>
+      <p:bgRef idx="1001">
+        <a:schemeClr val="bg1"/>
+      </p:bgRef>
+    </p:bg>
     <p:spTree>
       <p:nvGrpSpPr>
         <p:cNvPr id="2" name="Shape 2"/>
@@ -310,7 +312,7 @@
           <p:cNvPr id="3" name="Google Shape;3;n"/>
           <p:cNvSpPr/>
           <p:nvPr>
-            <p:ph idx="2" type="sldImg"/>
+            <p:ph type="sldImg" idx="2"/>
           </p:nvPr>
         </p:nvSpPr>
         <p:spPr>
@@ -319,9 +321,13 @@
             <a:ext cx="6096075" cy="3429000"/>
           </a:xfrm>
           <a:custGeom>
-            <a:rect b="b" l="l" r="r" t="t"/>
+            <a:avLst/>
+            <a:gdLst/>
+            <a:ahLst/>
+            <a:cxnLst/>
+            <a:rect l="l" t="t" r="r" b="b"/>
             <a:pathLst>
-              <a:path extrusionOk="0" h="120000" w="120000">
+              <a:path w="120000" h="120000" extrusionOk="0">
                 <a:moveTo>
                   <a:pt x="0" y="0"/>
                 </a:moveTo>
@@ -339,14 +345,14 @@
             </a:pathLst>
           </a:custGeom>
           <a:noFill/>
-          <a:ln cap="flat" cmpd="sng" w="9525">
+          <a:ln w="9525" cap="flat" cmpd="sng">
             <a:solidFill>
               <a:srgbClr val="000000"/>
             </a:solidFill>
             <a:prstDash val="solid"/>
             <a:round/>
-            <a:headEnd len="sm" w="sm" type="none"/>
-            <a:tailEnd len="sm" w="sm" type="none"/>
+            <a:headEnd type="none" w="sm" len="sm"/>
+            <a:tailEnd type="none" w="sm" len="sm"/>
           </a:ln>
         </p:spPr>
       </p:sp>
@@ -355,7 +361,7 @@
           <p:cNvPr id="4" name="Google Shape;4;n"/>
           <p:cNvSpPr txBox="1"/>
           <p:nvPr>
-            <p:ph idx="1" type="body"/>
+            <p:ph type="body" idx="1"/>
           </p:nvPr>
         </p:nvSpPr>
         <p:spPr>
@@ -372,11 +378,11 @@
           </a:ln>
         </p:spPr>
         <p:txBody>
-          <a:bodyPr anchorCtr="0" anchor="t" bIns="91425" lIns="91425" spcFirstLastPara="1" rIns="91425" wrap="square" tIns="91425">
+          <a:bodyPr spcFirstLastPara="1" wrap="square" lIns="91425" tIns="91425" rIns="91425" bIns="91425" anchor="t" anchorCtr="0">
             <a:noAutofit/>
           </a:bodyPr>
           <a:lstStyle>
-            <a:lvl1pPr indent="-298450" lvl="0" marL="457200">
+            <a:lvl1pPr marL="457200" lvl="0" indent="-298450">
               <a:spcBef>
                 <a:spcPts val="0"/>
               </a:spcBef>
@@ -387,7 +393,7 @@
               <a:buChar char="●"/>
               <a:defRPr sz="1100"/>
             </a:lvl1pPr>
-            <a:lvl2pPr indent="-298450" lvl="1" marL="914400">
+            <a:lvl2pPr marL="914400" lvl="1" indent="-298450">
               <a:spcBef>
                 <a:spcPts val="0"/>
               </a:spcBef>
@@ -398,7 +404,7 @@
               <a:buChar char="○"/>
               <a:defRPr sz="1100"/>
             </a:lvl2pPr>
-            <a:lvl3pPr indent="-298450" lvl="2" marL="1371600">
+            <a:lvl3pPr marL="1371600" lvl="2" indent="-298450">
               <a:spcBef>
                 <a:spcPts val="0"/>
               </a:spcBef>
@@ -409,7 +415,7 @@
               <a:buChar char="■"/>
               <a:defRPr sz="1100"/>
             </a:lvl3pPr>
-            <a:lvl4pPr indent="-298450" lvl="3" marL="1828800">
+            <a:lvl4pPr marL="1828800" lvl="3" indent="-298450">
               <a:spcBef>
                 <a:spcPts val="0"/>
               </a:spcBef>
@@ -420,7 +426,7 @@
               <a:buChar char="●"/>
               <a:defRPr sz="1100"/>
             </a:lvl4pPr>
-            <a:lvl5pPr indent="-298450" lvl="4" marL="2286000">
+            <a:lvl5pPr marL="2286000" lvl="4" indent="-298450">
               <a:spcBef>
                 <a:spcPts val="0"/>
               </a:spcBef>
@@ -431,7 +437,7 @@
               <a:buChar char="○"/>
               <a:defRPr sz="1100"/>
             </a:lvl5pPr>
-            <a:lvl6pPr indent="-298450" lvl="5" marL="2743200">
+            <a:lvl6pPr marL="2743200" lvl="5" indent="-298450">
               <a:spcBef>
                 <a:spcPts val="0"/>
               </a:spcBef>
@@ -442,7 +448,7 @@
               <a:buChar char="■"/>
               <a:defRPr sz="1100"/>
             </a:lvl6pPr>
-            <a:lvl7pPr indent="-298450" lvl="6" marL="3200400">
+            <a:lvl7pPr marL="3200400" lvl="6" indent="-298450">
               <a:spcBef>
                 <a:spcPts val="0"/>
               </a:spcBef>
@@ -453,7 +459,7 @@
               <a:buChar char="●"/>
               <a:defRPr sz="1100"/>
             </a:lvl7pPr>
-            <a:lvl8pPr indent="-298450" lvl="7" marL="3657600">
+            <a:lvl8pPr marL="3657600" lvl="7" indent="-298450">
               <a:spcBef>
                 <a:spcPts val="0"/>
               </a:spcBef>
@@ -464,7 +470,7 @@
               <a:buChar char="○"/>
               <a:defRPr sz="1100"/>
             </a:lvl8pPr>
-            <a:lvl9pPr indent="-298450" lvl="8" marL="4114800">
+            <a:lvl9pPr marL="4114800" lvl="8" indent="-298450">
               <a:spcBef>
                 <a:spcPts val="0"/>
               </a:spcBef>
@@ -481,9 +487,9 @@
       </p:sp>
     </p:spTree>
   </p:cSld>
-  <p:clrMap accent1="accent1" accent2="accent2" accent3="accent3" accent4="accent4" accent5="accent5" accent6="accent6" bg1="lt1" bg2="dk2" tx1="dk1" tx2="lt2" folHlink="folHlink" hlink="hlink"/>
+  <p:clrMap bg1="lt1" tx1="dk1" bg2="dk2" tx2="lt2" accent1="accent1" accent2="accent2" accent3="accent3" accent4="accent4" accent5="accent5" accent6="accent6" hlink="hlink" folHlink="folHlink"/>
   <p:notesStyle>
-    <a:defPPr lvl="0" marR="0" rtl="0" algn="l">
+    <a:defPPr marR="0" lvl="0" algn="l" rtl="0">
       <a:lnSpc>
         <a:spcPct val="100000"/>
       </a:lnSpc>
@@ -494,7 +500,7 @@
         <a:spcPts val="0"/>
       </a:spcAft>
     </a:defPPr>
-    <a:lvl1pPr lvl="0" marR="0" rtl="0" algn="l">
+    <a:lvl1pPr marR="0" lvl="0" algn="l" rtl="0">
       <a:lnSpc>
         <a:spcPct val="100000"/>
       </a:lnSpc>
@@ -507,18 +513,18 @@
       <a:buClr>
         <a:srgbClr val="000000"/>
       </a:buClr>
-      <a:buFont typeface="Arial"/>
-      <a:defRPr b="0" i="0" sz="1400" u="none" cap="none" strike="noStrike">
+      <a:buFont typeface="Arial" panose="020B0604020202020204"/>
+      <a:defRPr sz="1400" b="0" i="0" u="none" strike="noStrike" cap="none">
         <a:solidFill>
           <a:srgbClr val="000000"/>
         </a:solidFill>
-        <a:latin typeface="Arial"/>
-        <a:ea typeface="Arial"/>
-        <a:cs typeface="Arial"/>
-        <a:sym typeface="Arial"/>
+        <a:latin typeface="Arial" panose="020B0604020202020204"/>
+        <a:ea typeface="Arial" panose="020B0604020202020204"/>
+        <a:cs typeface="Arial" panose="020B0604020202020204"/>
+        <a:sym typeface="Arial" panose="020B0604020202020204"/>
       </a:defRPr>
     </a:lvl1pPr>
-    <a:lvl2pPr lvl="1" marR="0" rtl="0" algn="l">
+    <a:lvl2pPr marR="0" lvl="1" algn="l" rtl="0">
       <a:lnSpc>
         <a:spcPct val="100000"/>
       </a:lnSpc>
@@ -531,18 +537,18 @@
       <a:buClr>
         <a:srgbClr val="000000"/>
       </a:buClr>
-      <a:buFont typeface="Arial"/>
-      <a:defRPr b="0" i="0" sz="1400" u="none" cap="none" strike="noStrike">
+      <a:buFont typeface="Arial" panose="020B0604020202020204"/>
+      <a:defRPr sz="1400" b="0" i="0" u="none" strike="noStrike" cap="none">
         <a:solidFill>
           <a:srgbClr val="000000"/>
         </a:solidFill>
-        <a:latin typeface="Arial"/>
-        <a:ea typeface="Arial"/>
-        <a:cs typeface="Arial"/>
-        <a:sym typeface="Arial"/>
+        <a:latin typeface="Arial" panose="020B0604020202020204"/>
+        <a:ea typeface="Arial" panose="020B0604020202020204"/>
+        <a:cs typeface="Arial" panose="020B0604020202020204"/>
+        <a:sym typeface="Arial" panose="020B0604020202020204"/>
       </a:defRPr>
     </a:lvl2pPr>
-    <a:lvl3pPr lvl="2" marR="0" rtl="0" algn="l">
+    <a:lvl3pPr marR="0" lvl="2" algn="l" rtl="0">
       <a:lnSpc>
         <a:spcPct val="100000"/>
       </a:lnSpc>
@@ -555,18 +561,18 @@
       <a:buClr>
         <a:srgbClr val="000000"/>
       </a:buClr>
-      <a:buFont typeface="Arial"/>
-      <a:defRPr b="0" i="0" sz="1400" u="none" cap="none" strike="noStrike">
+      <a:buFont typeface="Arial" panose="020B0604020202020204"/>
+      <a:defRPr sz="1400" b="0" i="0" u="none" strike="noStrike" cap="none">
         <a:solidFill>
           <a:srgbClr val="000000"/>
         </a:solidFill>
-        <a:latin typeface="Arial"/>
-        <a:ea typeface="Arial"/>
-        <a:cs typeface="Arial"/>
-        <a:sym typeface="Arial"/>
+        <a:latin typeface="Arial" panose="020B0604020202020204"/>
+        <a:ea typeface="Arial" panose="020B0604020202020204"/>
+        <a:cs typeface="Arial" panose="020B0604020202020204"/>
+        <a:sym typeface="Arial" panose="020B0604020202020204"/>
       </a:defRPr>
     </a:lvl3pPr>
-    <a:lvl4pPr lvl="3" marR="0" rtl="0" algn="l">
+    <a:lvl4pPr marR="0" lvl="3" algn="l" rtl="0">
       <a:lnSpc>
         <a:spcPct val="100000"/>
       </a:lnSpc>
@@ -579,18 +585,18 @@
       <a:buClr>
         <a:srgbClr val="000000"/>
       </a:buClr>
-      <a:buFont typeface="Arial"/>
-      <a:defRPr b="0" i="0" sz="1400" u="none" cap="none" strike="noStrike">
+      <a:buFont typeface="Arial" panose="020B0604020202020204"/>
+      <a:defRPr sz="1400" b="0" i="0" u="none" strike="noStrike" cap="none">
         <a:solidFill>
           <a:srgbClr val="000000"/>
         </a:solidFill>
-        <a:latin typeface="Arial"/>
-        <a:ea typeface="Arial"/>
-        <a:cs typeface="Arial"/>
-        <a:sym typeface="Arial"/>
+        <a:latin typeface="Arial" panose="020B0604020202020204"/>
+        <a:ea typeface="Arial" panose="020B0604020202020204"/>
+        <a:cs typeface="Arial" panose="020B0604020202020204"/>
+        <a:sym typeface="Arial" panose="020B0604020202020204"/>
       </a:defRPr>
     </a:lvl4pPr>
-    <a:lvl5pPr lvl="4" marR="0" rtl="0" algn="l">
+    <a:lvl5pPr marR="0" lvl="4" algn="l" rtl="0">
       <a:lnSpc>
         <a:spcPct val="100000"/>
       </a:lnSpc>
@@ -603,18 +609,18 @@
       <a:buClr>
         <a:srgbClr val="000000"/>
       </a:buClr>
-      <a:buFont typeface="Arial"/>
-      <a:defRPr b="0" i="0" sz="1400" u="none" cap="none" strike="noStrike">
+      <a:buFont typeface="Arial" panose="020B0604020202020204"/>
+      <a:defRPr sz="1400" b="0" i="0" u="none" strike="noStrike" cap="none">
         <a:solidFill>
           <a:srgbClr val="000000"/>
         </a:solidFill>
-        <a:latin typeface="Arial"/>
-        <a:ea typeface="Arial"/>
-        <a:cs typeface="Arial"/>
-        <a:sym typeface="Arial"/>
+        <a:latin typeface="Arial" panose="020B0604020202020204"/>
+        <a:ea typeface="Arial" panose="020B0604020202020204"/>
+        <a:cs typeface="Arial" panose="020B0604020202020204"/>
+        <a:sym typeface="Arial" panose="020B0604020202020204"/>
       </a:defRPr>
     </a:lvl5pPr>
-    <a:lvl6pPr lvl="5" marR="0" rtl="0" algn="l">
+    <a:lvl6pPr marR="0" lvl="5" algn="l" rtl="0">
       <a:lnSpc>
         <a:spcPct val="100000"/>
       </a:lnSpc>
@@ -627,18 +633,18 @@
       <a:buClr>
         <a:srgbClr val="000000"/>
       </a:buClr>
-      <a:buFont typeface="Arial"/>
-      <a:defRPr b="0" i="0" sz="1400" u="none" cap="none" strike="noStrike">
+      <a:buFont typeface="Arial" panose="020B0604020202020204"/>
+      <a:defRPr sz="1400" b="0" i="0" u="none" strike="noStrike" cap="none">
         <a:solidFill>
           <a:srgbClr val="000000"/>
         </a:solidFill>
-        <a:latin typeface="Arial"/>
-        <a:ea typeface="Arial"/>
-        <a:cs typeface="Arial"/>
-        <a:sym typeface="Arial"/>
+        <a:latin typeface="Arial" panose="020B0604020202020204"/>
+        <a:ea typeface="Arial" panose="020B0604020202020204"/>
+        <a:cs typeface="Arial" panose="020B0604020202020204"/>
+        <a:sym typeface="Arial" panose="020B0604020202020204"/>
       </a:defRPr>
     </a:lvl6pPr>
-    <a:lvl7pPr lvl="6" marR="0" rtl="0" algn="l">
+    <a:lvl7pPr marR="0" lvl="6" algn="l" rtl="0">
       <a:lnSpc>
         <a:spcPct val="100000"/>
       </a:lnSpc>
@@ -651,18 +657,18 @@
       <a:buClr>
         <a:srgbClr val="000000"/>
       </a:buClr>
-      <a:buFont typeface="Arial"/>
-      <a:defRPr b="0" i="0" sz="1400" u="none" cap="none" strike="noStrike">
+      <a:buFont typeface="Arial" panose="020B0604020202020204"/>
+      <a:defRPr sz="1400" b="0" i="0" u="none" strike="noStrike" cap="none">
         <a:solidFill>
           <a:srgbClr val="000000"/>
         </a:solidFill>
-        <a:latin typeface="Arial"/>
-        <a:ea typeface="Arial"/>
-        <a:cs typeface="Arial"/>
-        <a:sym typeface="Arial"/>
+        <a:latin typeface="Arial" panose="020B0604020202020204"/>
+        <a:ea typeface="Arial" panose="020B0604020202020204"/>
+        <a:cs typeface="Arial" panose="020B0604020202020204"/>
+        <a:sym typeface="Arial" panose="020B0604020202020204"/>
       </a:defRPr>
     </a:lvl7pPr>
-    <a:lvl8pPr lvl="7" marR="0" rtl="0" algn="l">
+    <a:lvl8pPr marR="0" lvl="7" algn="l" rtl="0">
       <a:lnSpc>
         <a:spcPct val="100000"/>
       </a:lnSpc>
@@ -675,18 +681,18 @@
       <a:buClr>
         <a:srgbClr val="000000"/>
       </a:buClr>
-      <a:buFont typeface="Arial"/>
-      <a:defRPr b="0" i="0" sz="1400" u="none" cap="none" strike="noStrike">
+      <a:buFont typeface="Arial" panose="020B0604020202020204"/>
+      <a:defRPr sz="1400" b="0" i="0" u="none" strike="noStrike" cap="none">
         <a:solidFill>
           <a:srgbClr val="000000"/>
         </a:solidFill>
-        <a:latin typeface="Arial"/>
-        <a:ea typeface="Arial"/>
-        <a:cs typeface="Arial"/>
-        <a:sym typeface="Arial"/>
+        <a:latin typeface="Arial" panose="020B0604020202020204"/>
+        <a:ea typeface="Arial" panose="020B0604020202020204"/>
+        <a:cs typeface="Arial" panose="020B0604020202020204"/>
+        <a:sym typeface="Arial" panose="020B0604020202020204"/>
       </a:defRPr>
     </a:lvl8pPr>
-    <a:lvl9pPr lvl="8" marR="0" rtl="0" algn="l">
+    <a:lvl9pPr marR="0" lvl="8" algn="l" rtl="0">
       <a:lnSpc>
         <a:spcPct val="100000"/>
       </a:lnSpc>
@@ -699,15 +705,15 @@
       <a:buClr>
         <a:srgbClr val="000000"/>
       </a:buClr>
-      <a:buFont typeface="Arial"/>
-      <a:defRPr b="0" i="0" sz="1400" u="none" cap="none" strike="noStrike">
+      <a:buFont typeface="Arial" panose="020B0604020202020204"/>
+      <a:defRPr sz="1400" b="0" i="0" u="none" strike="noStrike" cap="none">
         <a:solidFill>
           <a:srgbClr val="000000"/>
         </a:solidFill>
-        <a:latin typeface="Arial"/>
-        <a:ea typeface="Arial"/>
-        <a:cs typeface="Arial"/>
-        <a:sym typeface="Arial"/>
+        <a:latin typeface="Arial" panose="020B0604020202020204"/>
+        <a:ea typeface="Arial" panose="020B0604020202020204"/>
+        <a:cs typeface="Arial" panose="020B0604020202020204"/>
+        <a:sym typeface="Arial" panose="020B0604020202020204"/>
       </a:defRPr>
     </a:lvl9pPr>
   </p:notesStyle>
@@ -715,7 +721,7 @@
 </file>
 
 <file path=ppt/notesSlides/notesSlide1.xml><?xml version="1.0" encoding="utf-8"?>
-<p:notes xmlns:a="http://schemas.openxmlformats.org/drawingml/2006/main" xmlns:r="http://schemas.openxmlformats.org/officeDocument/2006/relationships" xmlns:mc="http://schemas.openxmlformats.org/markup-compatibility/2006" xmlns:mv="urn:schemas-microsoft-com:mac:vml" xmlns:p="http://schemas.openxmlformats.org/presentationml/2006/main" xmlns:c="http://schemas.openxmlformats.org/drawingml/2006/chart" xmlns:dgm="http://schemas.openxmlformats.org/drawingml/2006/diagram" xmlns:o="urn:schemas-microsoft-com:office:office" xmlns:v="urn:schemas-microsoft-com:vml" xmlns:pvml="urn:schemas-microsoft-com:office:powerpoint" xmlns:com="http://schemas.openxmlformats.org/drawingml/2006/compatibility" xmlns:p14="http://schemas.microsoft.com/office/powerpoint/2010/main" xmlns:p15="http://schemas.microsoft.com/office/powerpoint/2012/main" xmlns:ahyp="http://schemas.microsoft.com/office/drawing/2018/hyperlinkcolor" showMasterPhAnim="0" showMasterSp="0">
+<p:notes xmlns:a="http://schemas.openxmlformats.org/drawingml/2006/main" xmlns:r="http://schemas.openxmlformats.org/officeDocument/2006/relationships" xmlns:p="http://schemas.openxmlformats.org/presentationml/2006/main" showMasterPhAnim="0" showMasterSp="0">
   <p:cSld>
     <p:spTree>
       <p:nvGrpSpPr>
@@ -736,7 +742,7 @@
           <p:cNvPr id="82" name="Google Shape;82;p:notes"/>
           <p:cNvSpPr/>
           <p:nvPr>
-            <p:ph idx="2" type="sldImg"/>
+            <p:ph type="sldImg" idx="2"/>
           </p:nvPr>
         </p:nvSpPr>
         <p:spPr>
@@ -745,9 +751,13 @@
             <a:ext cx="6096075" cy="3429000"/>
           </a:xfrm>
           <a:custGeom>
-            <a:rect b="b" l="l" r="r" t="t"/>
+            <a:avLst/>
+            <a:gdLst/>
+            <a:ahLst/>
+            <a:cxnLst/>
+            <a:rect l="l" t="t" r="r" b="b"/>
             <a:pathLst>
-              <a:path extrusionOk="0" h="120000" w="120000">
+              <a:path w="120000" h="120000" extrusionOk="0">
                 <a:moveTo>
                   <a:pt x="0" y="0"/>
                 </a:moveTo>
@@ -771,7 +781,7 @@
           <p:cNvPr id="83" name="Google Shape;83;p:notes"/>
           <p:cNvSpPr txBox="1"/>
           <p:nvPr>
-            <p:ph idx="1" type="body"/>
+            <p:ph type="body" idx="1"/>
           </p:nvPr>
         </p:nvSpPr>
         <p:spPr>
@@ -784,12 +794,12 @@
           </a:prstGeom>
         </p:spPr>
         <p:txBody>
-          <a:bodyPr anchorCtr="0" anchor="t" bIns="91425" lIns="91425" spcFirstLastPara="1" rIns="91425" wrap="square" tIns="91425">
+          <a:bodyPr spcFirstLastPara="1" wrap="square" lIns="91425" tIns="91425" rIns="91425" bIns="91425" anchor="t" anchorCtr="0">
             <a:noAutofit/>
           </a:bodyPr>
           <a:lstStyle/>
           <a:p>
-            <a:pPr indent="0" lvl="0" marL="0" rtl="0" algn="l">
+            <a:pPr marL="0" lvl="0" indent="0" algn="l" rtl="0">
               <a:spcBef>
                 <a:spcPts val="0"/>
               </a:spcBef>
@@ -798,10 +808,6 @@
               </a:spcAft>
               <a:buNone/>
             </a:pPr>
-            <a:r>
-              <a:t/>
-            </a:r>
-            <a:endParaRPr/>
           </a:p>
         </p:txBody>
       </p:sp>
@@ -814,7 +820,7 @@
 </file>
 
 <file path=ppt/notesSlides/notesSlide10.xml><?xml version="1.0" encoding="utf-8"?>
-<p:notes xmlns:a="http://schemas.openxmlformats.org/drawingml/2006/main" xmlns:r="http://schemas.openxmlformats.org/officeDocument/2006/relationships" xmlns:mc="http://schemas.openxmlformats.org/markup-compatibility/2006" xmlns:mv="urn:schemas-microsoft-com:mac:vml" xmlns:p="http://schemas.openxmlformats.org/presentationml/2006/main" xmlns:c="http://schemas.openxmlformats.org/drawingml/2006/chart" xmlns:dgm="http://schemas.openxmlformats.org/drawingml/2006/diagram" xmlns:o="urn:schemas-microsoft-com:office:office" xmlns:v="urn:schemas-microsoft-com:vml" xmlns:pvml="urn:schemas-microsoft-com:office:powerpoint" xmlns:com="http://schemas.openxmlformats.org/drawingml/2006/compatibility" xmlns:p14="http://schemas.microsoft.com/office/powerpoint/2010/main" xmlns:p15="http://schemas.microsoft.com/office/powerpoint/2012/main" xmlns:ahyp="http://schemas.microsoft.com/office/drawing/2018/hyperlinkcolor" showMasterPhAnim="0" showMasterSp="0">
+<p:notes xmlns:a="http://schemas.openxmlformats.org/drawingml/2006/main" xmlns:r="http://schemas.openxmlformats.org/officeDocument/2006/relationships" xmlns:p="http://schemas.openxmlformats.org/presentationml/2006/main" showMasterPhAnim="0" showMasterSp="0">
   <p:cSld>
     <p:spTree>
       <p:nvGrpSpPr>
@@ -835,7 +841,7 @@
           <p:cNvPr id="136" name="Google Shape;136;g3b0650a498a_0_445:notes"/>
           <p:cNvSpPr/>
           <p:nvPr>
-            <p:ph idx="2" type="sldImg"/>
+            <p:ph type="sldImg" idx="2"/>
           </p:nvPr>
         </p:nvSpPr>
         <p:spPr>
@@ -844,9 +850,13 @@
             <a:ext cx="6096000" cy="3429000"/>
           </a:xfrm>
           <a:custGeom>
-            <a:rect b="b" l="l" r="r" t="t"/>
+            <a:avLst/>
+            <a:gdLst/>
+            <a:ahLst/>
+            <a:cxnLst/>
+            <a:rect l="l" t="t" r="r" b="b"/>
             <a:pathLst>
-              <a:path extrusionOk="0" h="120000" w="120000">
+              <a:path w="120000" h="120000" extrusionOk="0">
                 <a:moveTo>
                   <a:pt x="0" y="0"/>
                 </a:moveTo>
@@ -870,7 +880,7 @@
           <p:cNvPr id="137" name="Google Shape;137;g3b0650a498a_0_445:notes"/>
           <p:cNvSpPr txBox="1"/>
           <p:nvPr>
-            <p:ph idx="1" type="body"/>
+            <p:ph type="body" idx="1"/>
           </p:nvPr>
         </p:nvSpPr>
         <p:spPr>
@@ -883,12 +893,12 @@
           </a:prstGeom>
         </p:spPr>
         <p:txBody>
-          <a:bodyPr anchorCtr="0" anchor="t" bIns="91425" lIns="91425" spcFirstLastPara="1" rIns="91425" wrap="square" tIns="91425">
+          <a:bodyPr spcFirstLastPara="1" wrap="square" lIns="91425" tIns="91425" rIns="91425" bIns="91425" anchor="t" anchorCtr="0">
             <a:noAutofit/>
           </a:bodyPr>
           <a:lstStyle/>
           <a:p>
-            <a:pPr indent="0" lvl="0" marL="0" rtl="0" algn="l">
+            <a:pPr marL="0" lvl="0" indent="0" algn="l" rtl="0">
               <a:spcBef>
                 <a:spcPts val="0"/>
               </a:spcBef>
@@ -897,10 +907,6 @@
               </a:spcAft>
               <a:buNone/>
             </a:pPr>
-            <a:r>
-              <a:t/>
-            </a:r>
-            <a:endParaRPr/>
           </a:p>
         </p:txBody>
       </p:sp>
@@ -913,7 +919,7 @@
 </file>
 
 <file path=ppt/notesSlides/notesSlide11.xml><?xml version="1.0" encoding="utf-8"?>
-<p:notes xmlns:a="http://schemas.openxmlformats.org/drawingml/2006/main" xmlns:r="http://schemas.openxmlformats.org/officeDocument/2006/relationships" xmlns:mc="http://schemas.openxmlformats.org/markup-compatibility/2006" xmlns:mv="urn:schemas-microsoft-com:mac:vml" xmlns:p="http://schemas.openxmlformats.org/presentationml/2006/main" xmlns:c="http://schemas.openxmlformats.org/drawingml/2006/chart" xmlns:dgm="http://schemas.openxmlformats.org/drawingml/2006/diagram" xmlns:o="urn:schemas-microsoft-com:office:office" xmlns:v="urn:schemas-microsoft-com:vml" xmlns:pvml="urn:schemas-microsoft-com:office:powerpoint" xmlns:com="http://schemas.openxmlformats.org/drawingml/2006/compatibility" xmlns:p14="http://schemas.microsoft.com/office/powerpoint/2010/main" xmlns:p15="http://schemas.microsoft.com/office/powerpoint/2012/main" xmlns:ahyp="http://schemas.microsoft.com/office/drawing/2018/hyperlinkcolor" showMasterPhAnim="0" showMasterSp="0">
+<p:notes xmlns:a="http://schemas.openxmlformats.org/drawingml/2006/main" xmlns:r="http://schemas.openxmlformats.org/officeDocument/2006/relationships" xmlns:p="http://schemas.openxmlformats.org/presentationml/2006/main" showMasterPhAnim="0" showMasterSp="0">
   <p:cSld>
     <p:spTree>
       <p:nvGrpSpPr>
@@ -934,7 +940,7 @@
           <p:cNvPr id="142" name="Google Shape;142;g3b0650a498a_0_452:notes"/>
           <p:cNvSpPr/>
           <p:nvPr>
-            <p:ph idx="2" type="sldImg"/>
+            <p:ph type="sldImg" idx="2"/>
           </p:nvPr>
         </p:nvSpPr>
         <p:spPr>
@@ -943,9 +949,13 @@
             <a:ext cx="6096000" cy="3429000"/>
           </a:xfrm>
           <a:custGeom>
-            <a:rect b="b" l="l" r="r" t="t"/>
+            <a:avLst/>
+            <a:gdLst/>
+            <a:ahLst/>
+            <a:cxnLst/>
+            <a:rect l="l" t="t" r="r" b="b"/>
             <a:pathLst>
-              <a:path extrusionOk="0" h="120000" w="120000">
+              <a:path w="120000" h="120000" extrusionOk="0">
                 <a:moveTo>
                   <a:pt x="0" y="0"/>
                 </a:moveTo>
@@ -969,7 +979,7 @@
           <p:cNvPr id="143" name="Google Shape;143;g3b0650a498a_0_452:notes"/>
           <p:cNvSpPr txBox="1"/>
           <p:nvPr>
-            <p:ph idx="1" type="body"/>
+            <p:ph type="body" idx="1"/>
           </p:nvPr>
         </p:nvSpPr>
         <p:spPr>
@@ -982,12 +992,12 @@
           </a:prstGeom>
         </p:spPr>
         <p:txBody>
-          <a:bodyPr anchorCtr="0" anchor="t" bIns="91425" lIns="91425" spcFirstLastPara="1" rIns="91425" wrap="square" tIns="91425">
+          <a:bodyPr spcFirstLastPara="1" wrap="square" lIns="91425" tIns="91425" rIns="91425" bIns="91425" anchor="t" anchorCtr="0">
             <a:noAutofit/>
           </a:bodyPr>
           <a:lstStyle/>
           <a:p>
-            <a:pPr indent="0" lvl="0" marL="0" rtl="0" algn="l">
+            <a:pPr marL="0" lvl="0" indent="0" algn="l" rtl="0">
               <a:spcBef>
                 <a:spcPts val="0"/>
               </a:spcBef>
@@ -996,10 +1006,6 @@
               </a:spcAft>
               <a:buNone/>
             </a:pPr>
-            <a:r>
-              <a:t/>
-            </a:r>
-            <a:endParaRPr/>
           </a:p>
         </p:txBody>
       </p:sp>
@@ -1012,7 +1018,7 @@
 </file>
 
 <file path=ppt/notesSlides/notesSlide12.xml><?xml version="1.0" encoding="utf-8"?>
-<p:notes xmlns:a="http://schemas.openxmlformats.org/drawingml/2006/main" xmlns:r="http://schemas.openxmlformats.org/officeDocument/2006/relationships" xmlns:mc="http://schemas.openxmlformats.org/markup-compatibility/2006" xmlns:mv="urn:schemas-microsoft-com:mac:vml" xmlns:p="http://schemas.openxmlformats.org/presentationml/2006/main" xmlns:c="http://schemas.openxmlformats.org/drawingml/2006/chart" xmlns:dgm="http://schemas.openxmlformats.org/drawingml/2006/diagram" xmlns:o="urn:schemas-microsoft-com:office:office" xmlns:v="urn:schemas-microsoft-com:vml" xmlns:pvml="urn:schemas-microsoft-com:office:powerpoint" xmlns:com="http://schemas.openxmlformats.org/drawingml/2006/compatibility" xmlns:p14="http://schemas.microsoft.com/office/powerpoint/2010/main" xmlns:p15="http://schemas.microsoft.com/office/powerpoint/2012/main" xmlns:ahyp="http://schemas.microsoft.com/office/drawing/2018/hyperlinkcolor" showMasterPhAnim="0" showMasterSp="0">
+<p:notes xmlns:a="http://schemas.openxmlformats.org/drawingml/2006/main" xmlns:r="http://schemas.openxmlformats.org/officeDocument/2006/relationships" xmlns:p="http://schemas.openxmlformats.org/presentationml/2006/main" showMasterPhAnim="0" showMasterSp="0">
   <p:cSld>
     <p:spTree>
       <p:nvGrpSpPr>
@@ -1033,7 +1039,7 @@
           <p:cNvPr id="148" name="Google Shape;148;g3b0650a498a_0_466:notes"/>
           <p:cNvSpPr/>
           <p:nvPr>
-            <p:ph idx="2" type="sldImg"/>
+            <p:ph type="sldImg" idx="2"/>
           </p:nvPr>
         </p:nvSpPr>
         <p:spPr>
@@ -1042,9 +1048,13 @@
             <a:ext cx="6096000" cy="3429000"/>
           </a:xfrm>
           <a:custGeom>
-            <a:rect b="b" l="l" r="r" t="t"/>
+            <a:avLst/>
+            <a:gdLst/>
+            <a:ahLst/>
+            <a:cxnLst/>
+            <a:rect l="l" t="t" r="r" b="b"/>
             <a:pathLst>
-              <a:path extrusionOk="0" h="120000" w="120000">
+              <a:path w="120000" h="120000" extrusionOk="0">
                 <a:moveTo>
                   <a:pt x="0" y="0"/>
                 </a:moveTo>
@@ -1068,7 +1078,7 @@
           <p:cNvPr id="149" name="Google Shape;149;g3b0650a498a_0_466:notes"/>
           <p:cNvSpPr txBox="1"/>
           <p:nvPr>
-            <p:ph idx="1" type="body"/>
+            <p:ph type="body" idx="1"/>
           </p:nvPr>
         </p:nvSpPr>
         <p:spPr>
@@ -1081,12 +1091,12 @@
           </a:prstGeom>
         </p:spPr>
         <p:txBody>
-          <a:bodyPr anchorCtr="0" anchor="t" bIns="91425" lIns="91425" spcFirstLastPara="1" rIns="91425" wrap="square" tIns="91425">
+          <a:bodyPr spcFirstLastPara="1" wrap="square" lIns="91425" tIns="91425" rIns="91425" bIns="91425" anchor="t" anchorCtr="0">
             <a:noAutofit/>
           </a:bodyPr>
           <a:lstStyle/>
           <a:p>
-            <a:pPr indent="0" lvl="0" marL="0" rtl="0" algn="l">
+            <a:pPr marL="0" lvl="0" indent="0" algn="l" rtl="0">
               <a:spcBef>
                 <a:spcPts val="0"/>
               </a:spcBef>
@@ -1095,10 +1105,6 @@
               </a:spcAft>
               <a:buNone/>
             </a:pPr>
-            <a:r>
-              <a:t/>
-            </a:r>
-            <a:endParaRPr/>
           </a:p>
         </p:txBody>
       </p:sp>
@@ -1111,7 +1117,7 @@
 </file>
 
 <file path=ppt/notesSlides/notesSlide13.xml><?xml version="1.0" encoding="utf-8"?>
-<p:notes xmlns:a="http://schemas.openxmlformats.org/drawingml/2006/main" xmlns:r="http://schemas.openxmlformats.org/officeDocument/2006/relationships" xmlns:mc="http://schemas.openxmlformats.org/markup-compatibility/2006" xmlns:mv="urn:schemas-microsoft-com:mac:vml" xmlns:p="http://schemas.openxmlformats.org/presentationml/2006/main" xmlns:c="http://schemas.openxmlformats.org/drawingml/2006/chart" xmlns:dgm="http://schemas.openxmlformats.org/drawingml/2006/diagram" xmlns:o="urn:schemas-microsoft-com:office:office" xmlns:v="urn:schemas-microsoft-com:vml" xmlns:pvml="urn:schemas-microsoft-com:office:powerpoint" xmlns:com="http://schemas.openxmlformats.org/drawingml/2006/compatibility" xmlns:p14="http://schemas.microsoft.com/office/powerpoint/2010/main" xmlns:p15="http://schemas.microsoft.com/office/powerpoint/2012/main" xmlns:ahyp="http://schemas.microsoft.com/office/drawing/2018/hyperlinkcolor" showMasterPhAnim="0" showMasterSp="0">
+<p:notes xmlns:a="http://schemas.openxmlformats.org/drawingml/2006/main" xmlns:r="http://schemas.openxmlformats.org/officeDocument/2006/relationships" xmlns:p="http://schemas.openxmlformats.org/presentationml/2006/main" showMasterPhAnim="0" showMasterSp="0">
   <p:cSld>
     <p:spTree>
       <p:nvGrpSpPr>
@@ -1132,7 +1138,7 @@
           <p:cNvPr id="155" name="Google Shape;155;g3b0650a498a_0_478:notes"/>
           <p:cNvSpPr/>
           <p:nvPr>
-            <p:ph idx="2" type="sldImg"/>
+            <p:ph type="sldImg" idx="2"/>
           </p:nvPr>
         </p:nvSpPr>
         <p:spPr>
@@ -1141,9 +1147,13 @@
             <a:ext cx="6096000" cy="3429000"/>
           </a:xfrm>
           <a:custGeom>
-            <a:rect b="b" l="l" r="r" t="t"/>
+            <a:avLst/>
+            <a:gdLst/>
+            <a:ahLst/>
+            <a:cxnLst/>
+            <a:rect l="l" t="t" r="r" b="b"/>
             <a:pathLst>
-              <a:path extrusionOk="0" h="120000" w="120000">
+              <a:path w="120000" h="120000" extrusionOk="0">
                 <a:moveTo>
                   <a:pt x="0" y="0"/>
                 </a:moveTo>
@@ -1167,7 +1177,7 @@
           <p:cNvPr id="156" name="Google Shape;156;g3b0650a498a_0_478:notes"/>
           <p:cNvSpPr txBox="1"/>
           <p:nvPr>
-            <p:ph idx="1" type="body"/>
+            <p:ph type="body" idx="1"/>
           </p:nvPr>
         </p:nvSpPr>
         <p:spPr>
@@ -1180,12 +1190,12 @@
           </a:prstGeom>
         </p:spPr>
         <p:txBody>
-          <a:bodyPr anchorCtr="0" anchor="t" bIns="91425" lIns="91425" spcFirstLastPara="1" rIns="91425" wrap="square" tIns="91425">
+          <a:bodyPr spcFirstLastPara="1" wrap="square" lIns="91425" tIns="91425" rIns="91425" bIns="91425" anchor="t" anchorCtr="0">
             <a:noAutofit/>
           </a:bodyPr>
           <a:lstStyle/>
           <a:p>
-            <a:pPr indent="0" lvl="0" marL="0" rtl="0" algn="l">
+            <a:pPr marL="0" lvl="0" indent="0" algn="l" rtl="0">
               <a:spcBef>
                 <a:spcPts val="0"/>
               </a:spcBef>
@@ -1194,10 +1204,6 @@
               </a:spcAft>
               <a:buNone/>
             </a:pPr>
-            <a:r>
-              <a:t/>
-            </a:r>
-            <a:endParaRPr/>
           </a:p>
         </p:txBody>
       </p:sp>
@@ -1210,7 +1216,7 @@
 </file>
 
 <file path=ppt/notesSlides/notesSlide14.xml><?xml version="1.0" encoding="utf-8"?>
-<p:notes xmlns:a="http://schemas.openxmlformats.org/drawingml/2006/main" xmlns:r="http://schemas.openxmlformats.org/officeDocument/2006/relationships" xmlns:mc="http://schemas.openxmlformats.org/markup-compatibility/2006" xmlns:mv="urn:schemas-microsoft-com:mac:vml" xmlns:p="http://schemas.openxmlformats.org/presentationml/2006/main" xmlns:c="http://schemas.openxmlformats.org/drawingml/2006/chart" xmlns:dgm="http://schemas.openxmlformats.org/drawingml/2006/diagram" xmlns:o="urn:schemas-microsoft-com:office:office" xmlns:v="urn:schemas-microsoft-com:vml" xmlns:pvml="urn:schemas-microsoft-com:office:powerpoint" xmlns:com="http://schemas.openxmlformats.org/drawingml/2006/compatibility" xmlns:p14="http://schemas.microsoft.com/office/powerpoint/2010/main" xmlns:p15="http://schemas.microsoft.com/office/powerpoint/2012/main" xmlns:ahyp="http://schemas.microsoft.com/office/drawing/2018/hyperlinkcolor" showMasterPhAnim="0" showMasterSp="0">
+<p:notes xmlns:a="http://schemas.openxmlformats.org/drawingml/2006/main" xmlns:r="http://schemas.openxmlformats.org/officeDocument/2006/relationships" xmlns:p="http://schemas.openxmlformats.org/presentationml/2006/main" showMasterPhAnim="0" showMasterSp="0">
   <p:cSld>
     <p:spTree>
       <p:nvGrpSpPr>
@@ -1231,7 +1237,7 @@
           <p:cNvPr id="161" name="Google Shape;161;g3b0650a498a_0_484:notes"/>
           <p:cNvSpPr/>
           <p:nvPr>
-            <p:ph idx="2" type="sldImg"/>
+            <p:ph type="sldImg" idx="2"/>
           </p:nvPr>
         </p:nvSpPr>
         <p:spPr>
@@ -1240,9 +1246,13 @@
             <a:ext cx="6096000" cy="3429000"/>
           </a:xfrm>
           <a:custGeom>
-            <a:rect b="b" l="l" r="r" t="t"/>
+            <a:avLst/>
+            <a:gdLst/>
+            <a:ahLst/>
+            <a:cxnLst/>
+            <a:rect l="l" t="t" r="r" b="b"/>
             <a:pathLst>
-              <a:path extrusionOk="0" h="120000" w="120000">
+              <a:path w="120000" h="120000" extrusionOk="0">
                 <a:moveTo>
                   <a:pt x="0" y="0"/>
                 </a:moveTo>
@@ -1266,7 +1276,7 @@
           <p:cNvPr id="162" name="Google Shape;162;g3b0650a498a_0_484:notes"/>
           <p:cNvSpPr txBox="1"/>
           <p:nvPr>
-            <p:ph idx="1" type="body"/>
+            <p:ph type="body" idx="1"/>
           </p:nvPr>
         </p:nvSpPr>
         <p:spPr>
@@ -1279,12 +1289,12 @@
           </a:prstGeom>
         </p:spPr>
         <p:txBody>
-          <a:bodyPr anchorCtr="0" anchor="t" bIns="91425" lIns="91425" spcFirstLastPara="1" rIns="91425" wrap="square" tIns="91425">
+          <a:bodyPr spcFirstLastPara="1" wrap="square" lIns="91425" tIns="91425" rIns="91425" bIns="91425" anchor="t" anchorCtr="0">
             <a:noAutofit/>
           </a:bodyPr>
           <a:lstStyle/>
           <a:p>
-            <a:pPr indent="0" lvl="0" marL="0" rtl="0" algn="l">
+            <a:pPr marL="0" lvl="0" indent="0" algn="l" rtl="0">
               <a:spcBef>
                 <a:spcPts val="0"/>
               </a:spcBef>
@@ -1293,10 +1303,6 @@
               </a:spcAft>
               <a:buNone/>
             </a:pPr>
-            <a:r>
-              <a:t/>
-            </a:r>
-            <a:endParaRPr/>
           </a:p>
         </p:txBody>
       </p:sp>
@@ -1309,7 +1315,7 @@
 </file>
 
 <file path=ppt/notesSlides/notesSlide15.xml><?xml version="1.0" encoding="utf-8"?>
-<p:notes xmlns:a="http://schemas.openxmlformats.org/drawingml/2006/main" xmlns:r="http://schemas.openxmlformats.org/officeDocument/2006/relationships" xmlns:mc="http://schemas.openxmlformats.org/markup-compatibility/2006" xmlns:mv="urn:schemas-microsoft-com:mac:vml" xmlns:p="http://schemas.openxmlformats.org/presentationml/2006/main" xmlns:c="http://schemas.openxmlformats.org/drawingml/2006/chart" xmlns:dgm="http://schemas.openxmlformats.org/drawingml/2006/diagram" xmlns:o="urn:schemas-microsoft-com:office:office" xmlns:v="urn:schemas-microsoft-com:vml" xmlns:pvml="urn:schemas-microsoft-com:office:powerpoint" xmlns:com="http://schemas.openxmlformats.org/drawingml/2006/compatibility" xmlns:p14="http://schemas.microsoft.com/office/powerpoint/2010/main" xmlns:p15="http://schemas.microsoft.com/office/powerpoint/2012/main" xmlns:ahyp="http://schemas.microsoft.com/office/drawing/2018/hyperlinkcolor" showMasterPhAnim="0" showMasterSp="0">
+<p:notes xmlns:a="http://schemas.openxmlformats.org/drawingml/2006/main" xmlns:r="http://schemas.openxmlformats.org/officeDocument/2006/relationships" xmlns:p="http://schemas.openxmlformats.org/presentationml/2006/main" showMasterPhAnim="0" showMasterSp="0">
   <p:cSld>
     <p:spTree>
       <p:nvGrpSpPr>
@@ -1330,7 +1336,7 @@
           <p:cNvPr id="167" name="Google Shape;167;g3b0650a498a_0_490:notes"/>
           <p:cNvSpPr/>
           <p:nvPr>
-            <p:ph idx="2" type="sldImg"/>
+            <p:ph type="sldImg" idx="2"/>
           </p:nvPr>
         </p:nvSpPr>
         <p:spPr>
@@ -1339,9 +1345,13 @@
             <a:ext cx="6096000" cy="3429000"/>
           </a:xfrm>
           <a:custGeom>
-            <a:rect b="b" l="l" r="r" t="t"/>
+            <a:avLst/>
+            <a:gdLst/>
+            <a:ahLst/>
+            <a:cxnLst/>
+            <a:rect l="l" t="t" r="r" b="b"/>
             <a:pathLst>
-              <a:path extrusionOk="0" h="120000" w="120000">
+              <a:path w="120000" h="120000" extrusionOk="0">
                 <a:moveTo>
                   <a:pt x="0" y="0"/>
                 </a:moveTo>
@@ -1365,7 +1375,7 @@
           <p:cNvPr id="168" name="Google Shape;168;g3b0650a498a_0_490:notes"/>
           <p:cNvSpPr txBox="1"/>
           <p:nvPr>
-            <p:ph idx="1" type="body"/>
+            <p:ph type="body" idx="1"/>
           </p:nvPr>
         </p:nvSpPr>
         <p:spPr>
@@ -1378,12 +1388,12 @@
           </a:prstGeom>
         </p:spPr>
         <p:txBody>
-          <a:bodyPr anchorCtr="0" anchor="t" bIns="91425" lIns="91425" spcFirstLastPara="1" rIns="91425" wrap="square" tIns="91425">
+          <a:bodyPr spcFirstLastPara="1" wrap="square" lIns="91425" tIns="91425" rIns="91425" bIns="91425" anchor="t" anchorCtr="0">
             <a:noAutofit/>
           </a:bodyPr>
           <a:lstStyle/>
           <a:p>
-            <a:pPr indent="0" lvl="0" marL="0" rtl="0" algn="l">
+            <a:pPr marL="0" lvl="0" indent="0" algn="l" rtl="0">
               <a:spcBef>
                 <a:spcPts val="0"/>
               </a:spcBef>
@@ -1392,10 +1402,6 @@
               </a:spcAft>
               <a:buNone/>
             </a:pPr>
-            <a:r>
-              <a:t/>
-            </a:r>
-            <a:endParaRPr/>
           </a:p>
         </p:txBody>
       </p:sp>
@@ -1408,7 +1414,7 @@
 </file>
 
 <file path=ppt/notesSlides/notesSlide16.xml><?xml version="1.0" encoding="utf-8"?>
-<p:notes xmlns:a="http://schemas.openxmlformats.org/drawingml/2006/main" xmlns:r="http://schemas.openxmlformats.org/officeDocument/2006/relationships" xmlns:mc="http://schemas.openxmlformats.org/markup-compatibility/2006" xmlns:mv="urn:schemas-microsoft-com:mac:vml" xmlns:p="http://schemas.openxmlformats.org/presentationml/2006/main" xmlns:c="http://schemas.openxmlformats.org/drawingml/2006/chart" xmlns:dgm="http://schemas.openxmlformats.org/drawingml/2006/diagram" xmlns:o="urn:schemas-microsoft-com:office:office" xmlns:v="urn:schemas-microsoft-com:vml" xmlns:pvml="urn:schemas-microsoft-com:office:powerpoint" xmlns:com="http://schemas.openxmlformats.org/drawingml/2006/compatibility" xmlns:p14="http://schemas.microsoft.com/office/powerpoint/2010/main" xmlns:p15="http://schemas.microsoft.com/office/powerpoint/2012/main" xmlns:ahyp="http://schemas.microsoft.com/office/drawing/2018/hyperlinkcolor" showMasterPhAnim="0" showMasterSp="0">
+<p:notes xmlns:a="http://schemas.openxmlformats.org/drawingml/2006/main" xmlns:r="http://schemas.openxmlformats.org/officeDocument/2006/relationships" xmlns:p="http://schemas.openxmlformats.org/presentationml/2006/main" showMasterPhAnim="0" showMasterSp="0">
   <p:cSld>
     <p:spTree>
       <p:nvGrpSpPr>
@@ -1429,7 +1435,7 @@
           <p:cNvPr id="173" name="Google Shape;173;g3b0650a498a_0_497:notes"/>
           <p:cNvSpPr/>
           <p:nvPr>
-            <p:ph idx="2" type="sldImg"/>
+            <p:ph type="sldImg" idx="2"/>
           </p:nvPr>
         </p:nvSpPr>
         <p:spPr>
@@ -1438,9 +1444,13 @@
             <a:ext cx="6096000" cy="3429000"/>
           </a:xfrm>
           <a:custGeom>
-            <a:rect b="b" l="l" r="r" t="t"/>
+            <a:avLst/>
+            <a:gdLst/>
+            <a:ahLst/>
+            <a:cxnLst/>
+            <a:rect l="l" t="t" r="r" b="b"/>
             <a:pathLst>
-              <a:path extrusionOk="0" h="120000" w="120000">
+              <a:path w="120000" h="120000" extrusionOk="0">
                 <a:moveTo>
                   <a:pt x="0" y="0"/>
                 </a:moveTo>
@@ -1464,7 +1474,7 @@
           <p:cNvPr id="174" name="Google Shape;174;g3b0650a498a_0_497:notes"/>
           <p:cNvSpPr txBox="1"/>
           <p:nvPr>
-            <p:ph idx="1" type="body"/>
+            <p:ph type="body" idx="1"/>
           </p:nvPr>
         </p:nvSpPr>
         <p:spPr>
@@ -1477,12 +1487,12 @@
           </a:prstGeom>
         </p:spPr>
         <p:txBody>
-          <a:bodyPr anchorCtr="0" anchor="t" bIns="91425" lIns="91425" spcFirstLastPara="1" rIns="91425" wrap="square" tIns="91425">
+          <a:bodyPr spcFirstLastPara="1" wrap="square" lIns="91425" tIns="91425" rIns="91425" bIns="91425" anchor="t" anchorCtr="0">
             <a:noAutofit/>
           </a:bodyPr>
           <a:lstStyle/>
           <a:p>
-            <a:pPr indent="0" lvl="0" marL="0" rtl="0" algn="l">
+            <a:pPr marL="0" lvl="0" indent="0" algn="l" rtl="0">
               <a:spcBef>
                 <a:spcPts val="0"/>
               </a:spcBef>
@@ -1491,10 +1501,6 @@
               </a:spcAft>
               <a:buNone/>
             </a:pPr>
-            <a:r>
-              <a:t/>
-            </a:r>
-            <a:endParaRPr/>
           </a:p>
         </p:txBody>
       </p:sp>
@@ -1507,7 +1513,7 @@
 </file>
 
 <file path=ppt/notesSlides/notesSlide17.xml><?xml version="1.0" encoding="utf-8"?>
-<p:notes xmlns:a="http://schemas.openxmlformats.org/drawingml/2006/main" xmlns:r="http://schemas.openxmlformats.org/officeDocument/2006/relationships" xmlns:mc="http://schemas.openxmlformats.org/markup-compatibility/2006" xmlns:mv="urn:schemas-microsoft-com:mac:vml" xmlns:p="http://schemas.openxmlformats.org/presentationml/2006/main" xmlns:c="http://schemas.openxmlformats.org/drawingml/2006/chart" xmlns:dgm="http://schemas.openxmlformats.org/drawingml/2006/diagram" xmlns:o="urn:schemas-microsoft-com:office:office" xmlns:v="urn:schemas-microsoft-com:vml" xmlns:pvml="urn:schemas-microsoft-com:office:powerpoint" xmlns:com="http://schemas.openxmlformats.org/drawingml/2006/compatibility" xmlns:p14="http://schemas.microsoft.com/office/powerpoint/2010/main" xmlns:p15="http://schemas.microsoft.com/office/powerpoint/2012/main" xmlns:ahyp="http://schemas.microsoft.com/office/drawing/2018/hyperlinkcolor" showMasterPhAnim="0" showMasterSp="0">
+<p:notes xmlns:a="http://schemas.openxmlformats.org/drawingml/2006/main" xmlns:r="http://schemas.openxmlformats.org/officeDocument/2006/relationships" xmlns:p="http://schemas.openxmlformats.org/presentationml/2006/main" showMasterPhAnim="0" showMasterSp="0">
   <p:cSld>
     <p:spTree>
       <p:nvGrpSpPr>
@@ -1528,7 +1534,7 @@
           <p:cNvPr id="181" name="Google Shape;181;g3b0650a498a_0_511:notes"/>
           <p:cNvSpPr/>
           <p:nvPr>
-            <p:ph idx="2" type="sldImg"/>
+            <p:ph type="sldImg" idx="2"/>
           </p:nvPr>
         </p:nvSpPr>
         <p:spPr>
@@ -1537,9 +1543,13 @@
             <a:ext cx="6096000" cy="3429000"/>
           </a:xfrm>
           <a:custGeom>
-            <a:rect b="b" l="l" r="r" t="t"/>
+            <a:avLst/>
+            <a:gdLst/>
+            <a:ahLst/>
+            <a:cxnLst/>
+            <a:rect l="l" t="t" r="r" b="b"/>
             <a:pathLst>
-              <a:path extrusionOk="0" h="120000" w="120000">
+              <a:path w="120000" h="120000" extrusionOk="0">
                 <a:moveTo>
                   <a:pt x="0" y="0"/>
                 </a:moveTo>
@@ -1563,7 +1573,7 @@
           <p:cNvPr id="182" name="Google Shape;182;g3b0650a498a_0_511:notes"/>
           <p:cNvSpPr txBox="1"/>
           <p:nvPr>
-            <p:ph idx="1" type="body"/>
+            <p:ph type="body" idx="1"/>
           </p:nvPr>
         </p:nvSpPr>
         <p:spPr>
@@ -1576,12 +1586,12 @@
           </a:prstGeom>
         </p:spPr>
         <p:txBody>
-          <a:bodyPr anchorCtr="0" anchor="t" bIns="91425" lIns="91425" spcFirstLastPara="1" rIns="91425" wrap="square" tIns="91425">
+          <a:bodyPr spcFirstLastPara="1" wrap="square" lIns="91425" tIns="91425" rIns="91425" bIns="91425" anchor="t" anchorCtr="0">
             <a:noAutofit/>
           </a:bodyPr>
           <a:lstStyle/>
           <a:p>
-            <a:pPr indent="0" lvl="0" marL="0" rtl="0" algn="l">
+            <a:pPr marL="0" lvl="0" indent="0" algn="l" rtl="0">
               <a:spcBef>
                 <a:spcPts val="0"/>
               </a:spcBef>
@@ -1590,10 +1600,6 @@
               </a:spcAft>
               <a:buNone/>
             </a:pPr>
-            <a:r>
-              <a:t/>
-            </a:r>
-            <a:endParaRPr/>
           </a:p>
         </p:txBody>
       </p:sp>
@@ -1606,7 +1612,7 @@
 </file>
 
 <file path=ppt/notesSlides/notesSlide18.xml><?xml version="1.0" encoding="utf-8"?>
-<p:notes xmlns:a="http://schemas.openxmlformats.org/drawingml/2006/main" xmlns:r="http://schemas.openxmlformats.org/officeDocument/2006/relationships" xmlns:mc="http://schemas.openxmlformats.org/markup-compatibility/2006" xmlns:mv="urn:schemas-microsoft-com:mac:vml" xmlns:p="http://schemas.openxmlformats.org/presentationml/2006/main" xmlns:c="http://schemas.openxmlformats.org/drawingml/2006/chart" xmlns:dgm="http://schemas.openxmlformats.org/drawingml/2006/diagram" xmlns:o="urn:schemas-microsoft-com:office:office" xmlns:v="urn:schemas-microsoft-com:vml" xmlns:pvml="urn:schemas-microsoft-com:office:powerpoint" xmlns:com="http://schemas.openxmlformats.org/drawingml/2006/compatibility" xmlns:p14="http://schemas.microsoft.com/office/powerpoint/2010/main" xmlns:p15="http://schemas.microsoft.com/office/powerpoint/2012/main" xmlns:ahyp="http://schemas.microsoft.com/office/drawing/2018/hyperlinkcolor" showMasterPhAnim="0" showMasterSp="0">
+<p:notes xmlns:a="http://schemas.openxmlformats.org/drawingml/2006/main" xmlns:r="http://schemas.openxmlformats.org/officeDocument/2006/relationships" xmlns:p="http://schemas.openxmlformats.org/presentationml/2006/main" showMasterPhAnim="0" showMasterSp="0">
   <p:cSld>
     <p:spTree>
       <p:nvGrpSpPr>
@@ -1627,7 +1633,7 @@
           <p:cNvPr id="189" name="Google Shape;189;g3b0650a498a_0_522:notes"/>
           <p:cNvSpPr/>
           <p:nvPr>
-            <p:ph idx="2" type="sldImg"/>
+            <p:ph type="sldImg" idx="2"/>
           </p:nvPr>
         </p:nvSpPr>
         <p:spPr>
@@ -1636,9 +1642,13 @@
             <a:ext cx="6096000" cy="3429000"/>
           </a:xfrm>
           <a:custGeom>
-            <a:rect b="b" l="l" r="r" t="t"/>
+            <a:avLst/>
+            <a:gdLst/>
+            <a:ahLst/>
+            <a:cxnLst/>
+            <a:rect l="l" t="t" r="r" b="b"/>
             <a:pathLst>
-              <a:path extrusionOk="0" h="120000" w="120000">
+              <a:path w="120000" h="120000" extrusionOk="0">
                 <a:moveTo>
                   <a:pt x="0" y="0"/>
                 </a:moveTo>
@@ -1662,7 +1672,7 @@
           <p:cNvPr id="190" name="Google Shape;190;g3b0650a498a_0_522:notes"/>
           <p:cNvSpPr txBox="1"/>
           <p:nvPr>
-            <p:ph idx="1" type="body"/>
+            <p:ph type="body" idx="1"/>
           </p:nvPr>
         </p:nvSpPr>
         <p:spPr>
@@ -1675,12 +1685,12 @@
           </a:prstGeom>
         </p:spPr>
         <p:txBody>
-          <a:bodyPr anchorCtr="0" anchor="t" bIns="91425" lIns="91425" spcFirstLastPara="1" rIns="91425" wrap="square" tIns="91425">
+          <a:bodyPr spcFirstLastPara="1" wrap="square" lIns="91425" tIns="91425" rIns="91425" bIns="91425" anchor="t" anchorCtr="0">
             <a:noAutofit/>
           </a:bodyPr>
           <a:lstStyle/>
           <a:p>
-            <a:pPr indent="0" lvl="0" marL="0" rtl="0" algn="l">
+            <a:pPr marL="0" lvl="0" indent="0" algn="l" rtl="0">
               <a:spcBef>
                 <a:spcPts val="0"/>
               </a:spcBef>
@@ -1689,10 +1699,6 @@
               </a:spcAft>
               <a:buNone/>
             </a:pPr>
-            <a:r>
-              <a:t/>
-            </a:r>
-            <a:endParaRPr/>
           </a:p>
         </p:txBody>
       </p:sp>
@@ -1705,7 +1711,7 @@
 </file>
 
 <file path=ppt/notesSlides/notesSlide19.xml><?xml version="1.0" encoding="utf-8"?>
-<p:notes xmlns:a="http://schemas.openxmlformats.org/drawingml/2006/main" xmlns:r="http://schemas.openxmlformats.org/officeDocument/2006/relationships" xmlns:mc="http://schemas.openxmlformats.org/markup-compatibility/2006" xmlns:mv="urn:schemas-microsoft-com:mac:vml" xmlns:p="http://schemas.openxmlformats.org/presentationml/2006/main" xmlns:c="http://schemas.openxmlformats.org/drawingml/2006/chart" xmlns:dgm="http://schemas.openxmlformats.org/drawingml/2006/diagram" xmlns:o="urn:schemas-microsoft-com:office:office" xmlns:v="urn:schemas-microsoft-com:vml" xmlns:pvml="urn:schemas-microsoft-com:office:powerpoint" xmlns:com="http://schemas.openxmlformats.org/drawingml/2006/compatibility" xmlns:p14="http://schemas.microsoft.com/office/powerpoint/2010/main" xmlns:p15="http://schemas.microsoft.com/office/powerpoint/2012/main" xmlns:ahyp="http://schemas.microsoft.com/office/drawing/2018/hyperlinkcolor" showMasterPhAnim="0" showMasterSp="0">
+<p:notes xmlns:a="http://schemas.openxmlformats.org/drawingml/2006/main" xmlns:r="http://schemas.openxmlformats.org/officeDocument/2006/relationships" xmlns:p="http://schemas.openxmlformats.org/presentationml/2006/main" showMasterPhAnim="0" showMasterSp="0">
   <p:cSld>
     <p:spTree>
       <p:nvGrpSpPr>
@@ -1726,7 +1732,7 @@
           <p:cNvPr id="195" name="Google Shape;195;g3b0650a498a_0_528:notes"/>
           <p:cNvSpPr/>
           <p:nvPr>
-            <p:ph idx="2" type="sldImg"/>
+            <p:ph type="sldImg" idx="2"/>
           </p:nvPr>
         </p:nvSpPr>
         <p:spPr>
@@ -1735,9 +1741,13 @@
             <a:ext cx="6096000" cy="3429000"/>
           </a:xfrm>
           <a:custGeom>
-            <a:rect b="b" l="l" r="r" t="t"/>
+            <a:avLst/>
+            <a:gdLst/>
+            <a:ahLst/>
+            <a:cxnLst/>
+            <a:rect l="l" t="t" r="r" b="b"/>
             <a:pathLst>
-              <a:path extrusionOk="0" h="120000" w="120000">
+              <a:path w="120000" h="120000" extrusionOk="0">
                 <a:moveTo>
                   <a:pt x="0" y="0"/>
                 </a:moveTo>
@@ -1761,7 +1771,7 @@
           <p:cNvPr id="196" name="Google Shape;196;g3b0650a498a_0_528:notes"/>
           <p:cNvSpPr txBox="1"/>
           <p:nvPr>
-            <p:ph idx="1" type="body"/>
+            <p:ph type="body" idx="1"/>
           </p:nvPr>
         </p:nvSpPr>
         <p:spPr>
@@ -1774,12 +1784,12 @@
           </a:prstGeom>
         </p:spPr>
         <p:txBody>
-          <a:bodyPr anchorCtr="0" anchor="t" bIns="91425" lIns="91425" spcFirstLastPara="1" rIns="91425" wrap="square" tIns="91425">
+          <a:bodyPr spcFirstLastPara="1" wrap="square" lIns="91425" tIns="91425" rIns="91425" bIns="91425" anchor="t" anchorCtr="0">
             <a:noAutofit/>
           </a:bodyPr>
           <a:lstStyle/>
           <a:p>
-            <a:pPr indent="0" lvl="0" marL="0" rtl="0" algn="l">
+            <a:pPr marL="0" lvl="0" indent="0" algn="l" rtl="0">
               <a:spcBef>
                 <a:spcPts val="0"/>
               </a:spcBef>
@@ -1788,10 +1798,6 @@
               </a:spcAft>
               <a:buNone/>
             </a:pPr>
-            <a:r>
-              <a:t/>
-            </a:r>
-            <a:endParaRPr/>
           </a:p>
         </p:txBody>
       </p:sp>
@@ -1804,7 +1810,7 @@
 </file>
 
 <file path=ppt/notesSlides/notesSlide2.xml><?xml version="1.0" encoding="utf-8"?>
-<p:notes xmlns:a="http://schemas.openxmlformats.org/drawingml/2006/main" xmlns:r="http://schemas.openxmlformats.org/officeDocument/2006/relationships" xmlns:mc="http://schemas.openxmlformats.org/markup-compatibility/2006" xmlns:mv="urn:schemas-microsoft-com:mac:vml" xmlns:p="http://schemas.openxmlformats.org/presentationml/2006/main" xmlns:c="http://schemas.openxmlformats.org/drawingml/2006/chart" xmlns:dgm="http://schemas.openxmlformats.org/drawingml/2006/diagram" xmlns:o="urn:schemas-microsoft-com:office:office" xmlns:v="urn:schemas-microsoft-com:vml" xmlns:pvml="urn:schemas-microsoft-com:office:powerpoint" xmlns:com="http://schemas.openxmlformats.org/drawingml/2006/compatibility" xmlns:p14="http://schemas.microsoft.com/office/powerpoint/2010/main" xmlns:p15="http://schemas.microsoft.com/office/powerpoint/2012/main" xmlns:ahyp="http://schemas.microsoft.com/office/drawing/2018/hyperlinkcolor" showMasterPhAnim="0" showMasterSp="0">
+<p:notes xmlns:a="http://schemas.openxmlformats.org/drawingml/2006/main" xmlns:r="http://schemas.openxmlformats.org/officeDocument/2006/relationships" xmlns:p="http://schemas.openxmlformats.org/presentationml/2006/main" showMasterPhAnim="0" showMasterSp="0">
   <p:cSld>
     <p:spTree>
       <p:nvGrpSpPr>
@@ -1825,7 +1831,7 @@
           <p:cNvPr id="88" name="Google Shape;88;g3b0650a498a_0_174:notes"/>
           <p:cNvSpPr/>
           <p:nvPr>
-            <p:ph idx="2" type="sldImg"/>
+            <p:ph type="sldImg" idx="2"/>
           </p:nvPr>
         </p:nvSpPr>
         <p:spPr>
@@ -1834,9 +1840,13 @@
             <a:ext cx="6096000" cy="3429000"/>
           </a:xfrm>
           <a:custGeom>
-            <a:rect b="b" l="l" r="r" t="t"/>
+            <a:avLst/>
+            <a:gdLst/>
+            <a:ahLst/>
+            <a:cxnLst/>
+            <a:rect l="l" t="t" r="r" b="b"/>
             <a:pathLst>
-              <a:path extrusionOk="0" h="120000" w="120000">
+              <a:path w="120000" h="120000" extrusionOk="0">
                 <a:moveTo>
                   <a:pt x="0" y="0"/>
                 </a:moveTo>
@@ -1860,7 +1870,7 @@
           <p:cNvPr id="89" name="Google Shape;89;g3b0650a498a_0_174:notes"/>
           <p:cNvSpPr txBox="1"/>
           <p:nvPr>
-            <p:ph idx="1" type="body"/>
+            <p:ph type="body" idx="1"/>
           </p:nvPr>
         </p:nvSpPr>
         <p:spPr>
@@ -1873,12 +1883,12 @@
           </a:prstGeom>
         </p:spPr>
         <p:txBody>
-          <a:bodyPr anchorCtr="0" anchor="t" bIns="91425" lIns="91425" spcFirstLastPara="1" rIns="91425" wrap="square" tIns="91425">
+          <a:bodyPr spcFirstLastPara="1" wrap="square" lIns="91425" tIns="91425" rIns="91425" bIns="91425" anchor="t" anchorCtr="0">
             <a:noAutofit/>
           </a:bodyPr>
           <a:lstStyle/>
           <a:p>
-            <a:pPr indent="0" lvl="0" marL="0" rtl="0" algn="l">
+            <a:pPr marL="0" lvl="0" indent="0" algn="l" rtl="0">
               <a:spcBef>
                 <a:spcPts val="0"/>
               </a:spcBef>
@@ -1887,10 +1897,6 @@
               </a:spcAft>
               <a:buNone/>
             </a:pPr>
-            <a:r>
-              <a:t/>
-            </a:r>
-            <a:endParaRPr/>
           </a:p>
         </p:txBody>
       </p:sp>
@@ -1903,7 +1909,7 @@
 </file>
 
 <file path=ppt/notesSlides/notesSlide20.xml><?xml version="1.0" encoding="utf-8"?>
-<p:notes xmlns:a="http://schemas.openxmlformats.org/drawingml/2006/main" xmlns:r="http://schemas.openxmlformats.org/officeDocument/2006/relationships" xmlns:mc="http://schemas.openxmlformats.org/markup-compatibility/2006" xmlns:mv="urn:schemas-microsoft-com:mac:vml" xmlns:p="http://schemas.openxmlformats.org/presentationml/2006/main" xmlns:c="http://schemas.openxmlformats.org/drawingml/2006/chart" xmlns:dgm="http://schemas.openxmlformats.org/drawingml/2006/diagram" xmlns:o="urn:schemas-microsoft-com:office:office" xmlns:v="urn:schemas-microsoft-com:vml" xmlns:pvml="urn:schemas-microsoft-com:office:powerpoint" xmlns:com="http://schemas.openxmlformats.org/drawingml/2006/compatibility" xmlns:p14="http://schemas.microsoft.com/office/powerpoint/2010/main" xmlns:p15="http://schemas.microsoft.com/office/powerpoint/2012/main" xmlns:ahyp="http://schemas.microsoft.com/office/drawing/2018/hyperlinkcolor" showMasterPhAnim="0" showMasterSp="0">
+<p:notes xmlns:a="http://schemas.openxmlformats.org/drawingml/2006/main" xmlns:r="http://schemas.openxmlformats.org/officeDocument/2006/relationships" xmlns:p="http://schemas.openxmlformats.org/presentationml/2006/main" showMasterPhAnim="0" showMasterSp="0">
   <p:cSld>
     <p:spTree>
       <p:nvGrpSpPr>
@@ -1924,7 +1930,7 @@
           <p:cNvPr id="201" name="Google Shape;201;g3b0650a498a_0_535:notes"/>
           <p:cNvSpPr/>
           <p:nvPr>
-            <p:ph idx="2" type="sldImg"/>
+            <p:ph type="sldImg" idx="2"/>
           </p:nvPr>
         </p:nvSpPr>
         <p:spPr>
@@ -1933,9 +1939,13 @@
             <a:ext cx="6096000" cy="3429000"/>
           </a:xfrm>
           <a:custGeom>
-            <a:rect b="b" l="l" r="r" t="t"/>
+            <a:avLst/>
+            <a:gdLst/>
+            <a:ahLst/>
+            <a:cxnLst/>
+            <a:rect l="l" t="t" r="r" b="b"/>
             <a:pathLst>
-              <a:path extrusionOk="0" h="120000" w="120000">
+              <a:path w="120000" h="120000" extrusionOk="0">
                 <a:moveTo>
                   <a:pt x="0" y="0"/>
                 </a:moveTo>
@@ -1959,7 +1969,7 @@
           <p:cNvPr id="202" name="Google Shape;202;g3b0650a498a_0_535:notes"/>
           <p:cNvSpPr txBox="1"/>
           <p:nvPr>
-            <p:ph idx="1" type="body"/>
+            <p:ph type="body" idx="1"/>
           </p:nvPr>
         </p:nvSpPr>
         <p:spPr>
@@ -1972,12 +1982,12 @@
           </a:prstGeom>
         </p:spPr>
         <p:txBody>
-          <a:bodyPr anchorCtr="0" anchor="t" bIns="91425" lIns="91425" spcFirstLastPara="1" rIns="91425" wrap="square" tIns="91425">
+          <a:bodyPr spcFirstLastPara="1" wrap="square" lIns="91425" tIns="91425" rIns="91425" bIns="91425" anchor="t" anchorCtr="0">
             <a:noAutofit/>
           </a:bodyPr>
           <a:lstStyle/>
           <a:p>
-            <a:pPr indent="0" lvl="0" marL="0" rtl="0" algn="l">
+            <a:pPr marL="0" lvl="0" indent="0" algn="l" rtl="0">
               <a:spcBef>
                 <a:spcPts val="0"/>
               </a:spcBef>
@@ -1986,10 +1996,6 @@
               </a:spcAft>
               <a:buNone/>
             </a:pPr>
-            <a:r>
-              <a:t/>
-            </a:r>
-            <a:endParaRPr/>
           </a:p>
         </p:txBody>
       </p:sp>
@@ -2002,7 +2008,7 @@
 </file>
 
 <file path=ppt/notesSlides/notesSlide3.xml><?xml version="1.0" encoding="utf-8"?>
-<p:notes xmlns:a="http://schemas.openxmlformats.org/drawingml/2006/main" xmlns:r="http://schemas.openxmlformats.org/officeDocument/2006/relationships" xmlns:mc="http://schemas.openxmlformats.org/markup-compatibility/2006" xmlns:mv="urn:schemas-microsoft-com:mac:vml" xmlns:p="http://schemas.openxmlformats.org/presentationml/2006/main" xmlns:c="http://schemas.openxmlformats.org/drawingml/2006/chart" xmlns:dgm="http://schemas.openxmlformats.org/drawingml/2006/diagram" xmlns:o="urn:schemas-microsoft-com:office:office" xmlns:v="urn:schemas-microsoft-com:vml" xmlns:pvml="urn:schemas-microsoft-com:office:powerpoint" xmlns:com="http://schemas.openxmlformats.org/drawingml/2006/compatibility" xmlns:p14="http://schemas.microsoft.com/office/powerpoint/2010/main" xmlns:p15="http://schemas.microsoft.com/office/powerpoint/2012/main" xmlns:ahyp="http://schemas.microsoft.com/office/drawing/2018/hyperlinkcolor" showMasterPhAnim="0" showMasterSp="0">
+<p:notes xmlns:a="http://schemas.openxmlformats.org/drawingml/2006/main" xmlns:r="http://schemas.openxmlformats.org/officeDocument/2006/relationships" xmlns:p="http://schemas.openxmlformats.org/presentationml/2006/main" showMasterPhAnim="0" showMasterSp="0">
   <p:cSld>
     <p:spTree>
       <p:nvGrpSpPr>
@@ -2023,7 +2029,7 @@
           <p:cNvPr id="94" name="Google Shape;94;g3b0650a498a_0_412:notes"/>
           <p:cNvSpPr/>
           <p:nvPr>
-            <p:ph idx="2" type="sldImg"/>
+            <p:ph type="sldImg" idx="2"/>
           </p:nvPr>
         </p:nvSpPr>
         <p:spPr>
@@ -2032,9 +2038,13 @@
             <a:ext cx="6096000" cy="3429000"/>
           </a:xfrm>
           <a:custGeom>
-            <a:rect b="b" l="l" r="r" t="t"/>
+            <a:avLst/>
+            <a:gdLst/>
+            <a:ahLst/>
+            <a:cxnLst/>
+            <a:rect l="l" t="t" r="r" b="b"/>
             <a:pathLst>
-              <a:path extrusionOk="0" h="120000" w="120000">
+              <a:path w="120000" h="120000" extrusionOk="0">
                 <a:moveTo>
                   <a:pt x="0" y="0"/>
                 </a:moveTo>
@@ -2058,7 +2068,7 @@
           <p:cNvPr id="95" name="Google Shape;95;g3b0650a498a_0_412:notes"/>
           <p:cNvSpPr txBox="1"/>
           <p:nvPr>
-            <p:ph idx="1" type="body"/>
+            <p:ph type="body" idx="1"/>
           </p:nvPr>
         </p:nvSpPr>
         <p:spPr>
@@ -2071,12 +2081,12 @@
           </a:prstGeom>
         </p:spPr>
         <p:txBody>
-          <a:bodyPr anchorCtr="0" anchor="t" bIns="91425" lIns="91425" spcFirstLastPara="1" rIns="91425" wrap="square" tIns="91425">
+          <a:bodyPr spcFirstLastPara="1" wrap="square" lIns="91425" tIns="91425" rIns="91425" bIns="91425" anchor="t" anchorCtr="0">
             <a:noAutofit/>
           </a:bodyPr>
           <a:lstStyle/>
           <a:p>
-            <a:pPr indent="0" lvl="0" marL="0" rtl="0" algn="l">
+            <a:pPr marL="0" lvl="0" indent="0" algn="l" rtl="0">
               <a:spcBef>
                 <a:spcPts val="0"/>
               </a:spcBef>
@@ -2085,10 +2095,6 @@
               </a:spcAft>
               <a:buNone/>
             </a:pPr>
-            <a:r>
-              <a:t/>
-            </a:r>
-            <a:endParaRPr/>
           </a:p>
         </p:txBody>
       </p:sp>
@@ -2101,7 +2107,7 @@
 </file>
 
 <file path=ppt/notesSlides/notesSlide4.xml><?xml version="1.0" encoding="utf-8"?>
-<p:notes xmlns:a="http://schemas.openxmlformats.org/drawingml/2006/main" xmlns:r="http://schemas.openxmlformats.org/officeDocument/2006/relationships" xmlns:mc="http://schemas.openxmlformats.org/markup-compatibility/2006" xmlns:mv="urn:schemas-microsoft-com:mac:vml" xmlns:p="http://schemas.openxmlformats.org/presentationml/2006/main" xmlns:c="http://schemas.openxmlformats.org/drawingml/2006/chart" xmlns:dgm="http://schemas.openxmlformats.org/drawingml/2006/diagram" xmlns:o="urn:schemas-microsoft-com:office:office" xmlns:v="urn:schemas-microsoft-com:vml" xmlns:pvml="urn:schemas-microsoft-com:office:powerpoint" xmlns:com="http://schemas.openxmlformats.org/drawingml/2006/compatibility" xmlns:p14="http://schemas.microsoft.com/office/powerpoint/2010/main" xmlns:p15="http://schemas.microsoft.com/office/powerpoint/2012/main" xmlns:ahyp="http://schemas.microsoft.com/office/drawing/2018/hyperlinkcolor" showMasterPhAnim="0" showMasterSp="0">
+<p:notes xmlns:a="http://schemas.openxmlformats.org/drawingml/2006/main" xmlns:r="http://schemas.openxmlformats.org/officeDocument/2006/relationships" xmlns:p="http://schemas.openxmlformats.org/presentationml/2006/main" showMasterPhAnim="0" showMasterSp="0">
   <p:cSld>
     <p:spTree>
       <p:nvGrpSpPr>
@@ -2122,7 +2128,7 @@
           <p:cNvPr id="99" name="Google Shape;99;g3b0650a498a_0_392:notes"/>
           <p:cNvSpPr/>
           <p:nvPr>
-            <p:ph idx="2" type="sldImg"/>
+            <p:ph type="sldImg" idx="2"/>
           </p:nvPr>
         </p:nvSpPr>
         <p:spPr>
@@ -2131,9 +2137,13 @@
             <a:ext cx="6096000" cy="3429000"/>
           </a:xfrm>
           <a:custGeom>
-            <a:rect b="b" l="l" r="r" t="t"/>
+            <a:avLst/>
+            <a:gdLst/>
+            <a:ahLst/>
+            <a:cxnLst/>
+            <a:rect l="l" t="t" r="r" b="b"/>
             <a:pathLst>
-              <a:path extrusionOk="0" h="120000" w="120000">
+              <a:path w="120000" h="120000" extrusionOk="0">
                 <a:moveTo>
                   <a:pt x="0" y="0"/>
                 </a:moveTo>
@@ -2157,7 +2167,7 @@
           <p:cNvPr id="100" name="Google Shape;100;g3b0650a498a_0_392:notes"/>
           <p:cNvSpPr txBox="1"/>
           <p:nvPr>
-            <p:ph idx="1" type="body"/>
+            <p:ph type="body" idx="1"/>
           </p:nvPr>
         </p:nvSpPr>
         <p:spPr>
@@ -2170,12 +2180,12 @@
           </a:prstGeom>
         </p:spPr>
         <p:txBody>
-          <a:bodyPr anchorCtr="0" anchor="t" bIns="91425" lIns="91425" spcFirstLastPara="1" rIns="91425" wrap="square" tIns="91425">
+          <a:bodyPr spcFirstLastPara="1" wrap="square" lIns="91425" tIns="91425" rIns="91425" bIns="91425" anchor="t" anchorCtr="0">
             <a:noAutofit/>
           </a:bodyPr>
           <a:lstStyle/>
           <a:p>
-            <a:pPr indent="0" lvl="0" marL="0" rtl="0" algn="l">
+            <a:pPr marL="0" lvl="0" indent="0" algn="l" rtl="0">
               <a:spcBef>
                 <a:spcPts val="0"/>
               </a:spcBef>
@@ -2184,10 +2194,6 @@
               </a:spcAft>
               <a:buNone/>
             </a:pPr>
-            <a:r>
-              <a:t/>
-            </a:r>
-            <a:endParaRPr/>
           </a:p>
         </p:txBody>
       </p:sp>
@@ -2200,7 +2206,7 @@
 </file>
 
 <file path=ppt/notesSlides/notesSlide5.xml><?xml version="1.0" encoding="utf-8"?>
-<p:notes xmlns:a="http://schemas.openxmlformats.org/drawingml/2006/main" xmlns:r="http://schemas.openxmlformats.org/officeDocument/2006/relationships" xmlns:mc="http://schemas.openxmlformats.org/markup-compatibility/2006" xmlns:mv="urn:schemas-microsoft-com:mac:vml" xmlns:p="http://schemas.openxmlformats.org/presentationml/2006/main" xmlns:c="http://schemas.openxmlformats.org/drawingml/2006/chart" xmlns:dgm="http://schemas.openxmlformats.org/drawingml/2006/diagram" xmlns:o="urn:schemas-microsoft-com:office:office" xmlns:v="urn:schemas-microsoft-com:vml" xmlns:pvml="urn:schemas-microsoft-com:office:powerpoint" xmlns:com="http://schemas.openxmlformats.org/drawingml/2006/compatibility" xmlns:p14="http://schemas.microsoft.com/office/powerpoint/2010/main" xmlns:p15="http://schemas.microsoft.com/office/powerpoint/2012/main" xmlns:ahyp="http://schemas.microsoft.com/office/drawing/2018/hyperlinkcolor" showMasterPhAnim="0" showMasterSp="0">
+<p:notes xmlns:a="http://schemas.openxmlformats.org/drawingml/2006/main" xmlns:r="http://schemas.openxmlformats.org/officeDocument/2006/relationships" xmlns:p="http://schemas.openxmlformats.org/presentationml/2006/main" showMasterPhAnim="0" showMasterSp="0">
   <p:cSld>
     <p:spTree>
       <p:nvGrpSpPr>
@@ -2221,7 +2227,7 @@
           <p:cNvPr id="106" name="Google Shape;106;g3b0650a498a_0_406:notes"/>
           <p:cNvSpPr/>
           <p:nvPr>
-            <p:ph idx="2" type="sldImg"/>
+            <p:ph type="sldImg" idx="2"/>
           </p:nvPr>
         </p:nvSpPr>
         <p:spPr>
@@ -2230,9 +2236,13 @@
             <a:ext cx="6096000" cy="3429000"/>
           </a:xfrm>
           <a:custGeom>
-            <a:rect b="b" l="l" r="r" t="t"/>
+            <a:avLst/>
+            <a:gdLst/>
+            <a:ahLst/>
+            <a:cxnLst/>
+            <a:rect l="l" t="t" r="r" b="b"/>
             <a:pathLst>
-              <a:path extrusionOk="0" h="120000" w="120000">
+              <a:path w="120000" h="120000" extrusionOk="0">
                 <a:moveTo>
                   <a:pt x="0" y="0"/>
                 </a:moveTo>
@@ -2256,7 +2266,7 @@
           <p:cNvPr id="107" name="Google Shape;107;g3b0650a498a_0_406:notes"/>
           <p:cNvSpPr txBox="1"/>
           <p:nvPr>
-            <p:ph idx="1" type="body"/>
+            <p:ph type="body" idx="1"/>
           </p:nvPr>
         </p:nvSpPr>
         <p:spPr>
@@ -2269,12 +2279,12 @@
           </a:prstGeom>
         </p:spPr>
         <p:txBody>
-          <a:bodyPr anchorCtr="0" anchor="t" bIns="91425" lIns="91425" spcFirstLastPara="1" rIns="91425" wrap="square" tIns="91425">
+          <a:bodyPr spcFirstLastPara="1" wrap="square" lIns="91425" tIns="91425" rIns="91425" bIns="91425" anchor="t" anchorCtr="0">
             <a:noAutofit/>
           </a:bodyPr>
           <a:lstStyle/>
           <a:p>
-            <a:pPr indent="0" lvl="0" marL="0" rtl="0" algn="l">
+            <a:pPr marL="0" lvl="0" indent="0" algn="l" rtl="0">
               <a:spcBef>
                 <a:spcPts val="0"/>
               </a:spcBef>
@@ -2283,10 +2293,6 @@
               </a:spcAft>
               <a:buNone/>
             </a:pPr>
-            <a:r>
-              <a:t/>
-            </a:r>
-            <a:endParaRPr/>
           </a:p>
         </p:txBody>
       </p:sp>
@@ -2299,7 +2305,7 @@
 </file>
 
 <file path=ppt/notesSlides/notesSlide6.xml><?xml version="1.0" encoding="utf-8"?>
-<p:notes xmlns:a="http://schemas.openxmlformats.org/drawingml/2006/main" xmlns:r="http://schemas.openxmlformats.org/officeDocument/2006/relationships" xmlns:mc="http://schemas.openxmlformats.org/markup-compatibility/2006" xmlns:mv="urn:schemas-microsoft-com:mac:vml" xmlns:p="http://schemas.openxmlformats.org/presentationml/2006/main" xmlns:c="http://schemas.openxmlformats.org/drawingml/2006/chart" xmlns:dgm="http://schemas.openxmlformats.org/drawingml/2006/diagram" xmlns:o="urn:schemas-microsoft-com:office:office" xmlns:v="urn:schemas-microsoft-com:vml" xmlns:pvml="urn:schemas-microsoft-com:office:powerpoint" xmlns:com="http://schemas.openxmlformats.org/drawingml/2006/compatibility" xmlns:p14="http://schemas.microsoft.com/office/powerpoint/2010/main" xmlns:p15="http://schemas.microsoft.com/office/powerpoint/2012/main" xmlns:ahyp="http://schemas.microsoft.com/office/drawing/2018/hyperlinkcolor" showMasterPhAnim="0" showMasterSp="0">
+<p:notes xmlns:a="http://schemas.openxmlformats.org/drawingml/2006/main" xmlns:r="http://schemas.openxmlformats.org/officeDocument/2006/relationships" xmlns:p="http://schemas.openxmlformats.org/presentationml/2006/main" showMasterPhAnim="0" showMasterSp="0">
   <p:cSld>
     <p:spTree>
       <p:nvGrpSpPr>
@@ -2320,7 +2326,7 @@
           <p:cNvPr id="112" name="Google Shape;112;g3b0650a498a_0_416:notes"/>
           <p:cNvSpPr/>
           <p:nvPr>
-            <p:ph idx="2" type="sldImg"/>
+            <p:ph type="sldImg" idx="2"/>
           </p:nvPr>
         </p:nvSpPr>
         <p:spPr>
@@ -2329,9 +2335,13 @@
             <a:ext cx="6096000" cy="3429000"/>
           </a:xfrm>
           <a:custGeom>
-            <a:rect b="b" l="l" r="r" t="t"/>
+            <a:avLst/>
+            <a:gdLst/>
+            <a:ahLst/>
+            <a:cxnLst/>
+            <a:rect l="l" t="t" r="r" b="b"/>
             <a:pathLst>
-              <a:path extrusionOk="0" h="120000" w="120000">
+              <a:path w="120000" h="120000" extrusionOk="0">
                 <a:moveTo>
                   <a:pt x="0" y="0"/>
                 </a:moveTo>
@@ -2355,7 +2365,7 @@
           <p:cNvPr id="113" name="Google Shape;113;g3b0650a498a_0_416:notes"/>
           <p:cNvSpPr txBox="1"/>
           <p:nvPr>
-            <p:ph idx="1" type="body"/>
+            <p:ph type="body" idx="1"/>
           </p:nvPr>
         </p:nvSpPr>
         <p:spPr>
@@ -2368,12 +2378,12 @@
           </a:prstGeom>
         </p:spPr>
         <p:txBody>
-          <a:bodyPr anchorCtr="0" anchor="t" bIns="91425" lIns="91425" spcFirstLastPara="1" rIns="91425" wrap="square" tIns="91425">
+          <a:bodyPr spcFirstLastPara="1" wrap="square" lIns="91425" tIns="91425" rIns="91425" bIns="91425" anchor="t" anchorCtr="0">
             <a:noAutofit/>
           </a:bodyPr>
           <a:lstStyle/>
           <a:p>
-            <a:pPr indent="0" lvl="0" marL="0" rtl="0" algn="l">
+            <a:pPr marL="0" lvl="0" indent="0" algn="l" rtl="0">
               <a:spcBef>
                 <a:spcPts val="0"/>
               </a:spcBef>
@@ -2382,10 +2392,6 @@
               </a:spcAft>
               <a:buNone/>
             </a:pPr>
-            <a:r>
-              <a:t/>
-            </a:r>
-            <a:endParaRPr/>
           </a:p>
         </p:txBody>
       </p:sp>
@@ -2398,7 +2404,7 @@
 </file>
 
 <file path=ppt/notesSlides/notesSlide7.xml><?xml version="1.0" encoding="utf-8"?>
-<p:notes xmlns:a="http://schemas.openxmlformats.org/drawingml/2006/main" xmlns:r="http://schemas.openxmlformats.org/officeDocument/2006/relationships" xmlns:mc="http://schemas.openxmlformats.org/markup-compatibility/2006" xmlns:mv="urn:schemas-microsoft-com:mac:vml" xmlns:p="http://schemas.openxmlformats.org/presentationml/2006/main" xmlns:c="http://schemas.openxmlformats.org/drawingml/2006/chart" xmlns:dgm="http://schemas.openxmlformats.org/drawingml/2006/diagram" xmlns:o="urn:schemas-microsoft-com:office:office" xmlns:v="urn:schemas-microsoft-com:vml" xmlns:pvml="urn:schemas-microsoft-com:office:powerpoint" xmlns:com="http://schemas.openxmlformats.org/drawingml/2006/compatibility" xmlns:p14="http://schemas.microsoft.com/office/powerpoint/2010/main" xmlns:p15="http://schemas.microsoft.com/office/powerpoint/2012/main" xmlns:ahyp="http://schemas.microsoft.com/office/drawing/2018/hyperlinkcolor" showMasterPhAnim="0" showMasterSp="0">
+<p:notes xmlns:a="http://schemas.openxmlformats.org/drawingml/2006/main" xmlns:r="http://schemas.openxmlformats.org/officeDocument/2006/relationships" xmlns:p="http://schemas.openxmlformats.org/presentationml/2006/main" showMasterPhAnim="0" showMasterSp="0">
   <p:cSld>
     <p:spTree>
       <p:nvGrpSpPr>
@@ -2419,7 +2425,7 @@
           <p:cNvPr id="118" name="Google Shape;118;g3b0650a498a_0_423:notes"/>
           <p:cNvSpPr/>
           <p:nvPr>
-            <p:ph idx="2" type="sldImg"/>
+            <p:ph type="sldImg" idx="2"/>
           </p:nvPr>
         </p:nvSpPr>
         <p:spPr>
@@ -2428,9 +2434,13 @@
             <a:ext cx="6096000" cy="3429000"/>
           </a:xfrm>
           <a:custGeom>
-            <a:rect b="b" l="l" r="r" t="t"/>
+            <a:avLst/>
+            <a:gdLst/>
+            <a:ahLst/>
+            <a:cxnLst/>
+            <a:rect l="l" t="t" r="r" b="b"/>
             <a:pathLst>
-              <a:path extrusionOk="0" h="120000" w="120000">
+              <a:path w="120000" h="120000" extrusionOk="0">
                 <a:moveTo>
                   <a:pt x="0" y="0"/>
                 </a:moveTo>
@@ -2454,7 +2464,7 @@
           <p:cNvPr id="119" name="Google Shape;119;g3b0650a498a_0_423:notes"/>
           <p:cNvSpPr txBox="1"/>
           <p:nvPr>
-            <p:ph idx="1" type="body"/>
+            <p:ph type="body" idx="1"/>
           </p:nvPr>
         </p:nvSpPr>
         <p:spPr>
@@ -2467,12 +2477,12 @@
           </a:prstGeom>
         </p:spPr>
         <p:txBody>
-          <a:bodyPr anchorCtr="0" anchor="t" bIns="91425" lIns="91425" spcFirstLastPara="1" rIns="91425" wrap="square" tIns="91425">
+          <a:bodyPr spcFirstLastPara="1" wrap="square" lIns="91425" tIns="91425" rIns="91425" bIns="91425" anchor="t" anchorCtr="0">
             <a:noAutofit/>
           </a:bodyPr>
           <a:lstStyle/>
           <a:p>
-            <a:pPr indent="0" lvl="0" marL="0" rtl="0" algn="l">
+            <a:pPr marL="0" lvl="0" indent="0" algn="l" rtl="0">
               <a:spcBef>
                 <a:spcPts val="0"/>
               </a:spcBef>
@@ -2481,10 +2491,6 @@
               </a:spcAft>
               <a:buNone/>
             </a:pPr>
-            <a:r>
-              <a:t/>
-            </a:r>
-            <a:endParaRPr/>
           </a:p>
         </p:txBody>
       </p:sp>
@@ -2497,7 +2503,7 @@
 </file>
 
 <file path=ppt/notesSlides/notesSlide8.xml><?xml version="1.0" encoding="utf-8"?>
-<p:notes xmlns:a="http://schemas.openxmlformats.org/drawingml/2006/main" xmlns:r="http://schemas.openxmlformats.org/officeDocument/2006/relationships" xmlns:mc="http://schemas.openxmlformats.org/markup-compatibility/2006" xmlns:mv="urn:schemas-microsoft-com:mac:vml" xmlns:p="http://schemas.openxmlformats.org/presentationml/2006/main" xmlns:c="http://schemas.openxmlformats.org/drawingml/2006/chart" xmlns:dgm="http://schemas.openxmlformats.org/drawingml/2006/diagram" xmlns:o="urn:schemas-microsoft-com:office:office" xmlns:v="urn:schemas-microsoft-com:vml" xmlns:pvml="urn:schemas-microsoft-com:office:powerpoint" xmlns:com="http://schemas.openxmlformats.org/drawingml/2006/compatibility" xmlns:p14="http://schemas.microsoft.com/office/powerpoint/2010/main" xmlns:p15="http://schemas.microsoft.com/office/powerpoint/2012/main" xmlns:ahyp="http://schemas.microsoft.com/office/drawing/2018/hyperlinkcolor" showMasterPhAnim="0" showMasterSp="0">
+<p:notes xmlns:a="http://schemas.openxmlformats.org/drawingml/2006/main" xmlns:r="http://schemas.openxmlformats.org/officeDocument/2006/relationships" xmlns:p="http://schemas.openxmlformats.org/presentationml/2006/main" showMasterPhAnim="0" showMasterSp="0">
   <p:cSld>
     <p:spTree>
       <p:nvGrpSpPr>
@@ -2518,7 +2524,7 @@
           <p:cNvPr id="124" name="Google Shape;124;g3b0650a498a_0_432:notes"/>
           <p:cNvSpPr/>
           <p:nvPr>
-            <p:ph idx="2" type="sldImg"/>
+            <p:ph type="sldImg" idx="2"/>
           </p:nvPr>
         </p:nvSpPr>
         <p:spPr>
@@ -2527,9 +2533,13 @@
             <a:ext cx="6096000" cy="3429000"/>
           </a:xfrm>
           <a:custGeom>
-            <a:rect b="b" l="l" r="r" t="t"/>
+            <a:avLst/>
+            <a:gdLst/>
+            <a:ahLst/>
+            <a:cxnLst/>
+            <a:rect l="l" t="t" r="r" b="b"/>
             <a:pathLst>
-              <a:path extrusionOk="0" h="120000" w="120000">
+              <a:path w="120000" h="120000" extrusionOk="0">
                 <a:moveTo>
                   <a:pt x="0" y="0"/>
                 </a:moveTo>
@@ -2553,7 +2563,7 @@
           <p:cNvPr id="125" name="Google Shape;125;g3b0650a498a_0_432:notes"/>
           <p:cNvSpPr txBox="1"/>
           <p:nvPr>
-            <p:ph idx="1" type="body"/>
+            <p:ph type="body" idx="1"/>
           </p:nvPr>
         </p:nvSpPr>
         <p:spPr>
@@ -2566,12 +2576,12 @@
           </a:prstGeom>
         </p:spPr>
         <p:txBody>
-          <a:bodyPr anchorCtr="0" anchor="t" bIns="91425" lIns="91425" spcFirstLastPara="1" rIns="91425" wrap="square" tIns="91425">
+          <a:bodyPr spcFirstLastPara="1" wrap="square" lIns="91425" tIns="91425" rIns="91425" bIns="91425" anchor="t" anchorCtr="0">
             <a:noAutofit/>
           </a:bodyPr>
           <a:lstStyle/>
           <a:p>
-            <a:pPr indent="0" lvl="0" marL="0" rtl="0" algn="l">
+            <a:pPr marL="0" lvl="0" indent="0" algn="l" rtl="0">
               <a:spcBef>
                 <a:spcPts val="0"/>
               </a:spcBef>
@@ -2580,10 +2590,6 @@
               </a:spcAft>
               <a:buNone/>
             </a:pPr>
-            <a:r>
-              <a:t/>
-            </a:r>
-            <a:endParaRPr/>
           </a:p>
         </p:txBody>
       </p:sp>
@@ -2596,7 +2602,7 @@
 </file>
 
 <file path=ppt/notesSlides/notesSlide9.xml><?xml version="1.0" encoding="utf-8"?>
-<p:notes xmlns:a="http://schemas.openxmlformats.org/drawingml/2006/main" xmlns:r="http://schemas.openxmlformats.org/officeDocument/2006/relationships" xmlns:mc="http://schemas.openxmlformats.org/markup-compatibility/2006" xmlns:mv="urn:schemas-microsoft-com:mac:vml" xmlns:p="http://schemas.openxmlformats.org/presentationml/2006/main" xmlns:c="http://schemas.openxmlformats.org/drawingml/2006/chart" xmlns:dgm="http://schemas.openxmlformats.org/drawingml/2006/diagram" xmlns:o="urn:schemas-microsoft-com:office:office" xmlns:v="urn:schemas-microsoft-com:vml" xmlns:pvml="urn:schemas-microsoft-com:office:powerpoint" xmlns:com="http://schemas.openxmlformats.org/drawingml/2006/compatibility" xmlns:p14="http://schemas.microsoft.com/office/powerpoint/2010/main" xmlns:p15="http://schemas.microsoft.com/office/powerpoint/2012/main" xmlns:ahyp="http://schemas.microsoft.com/office/drawing/2018/hyperlinkcolor" showMasterPhAnim="0" showMasterSp="0">
+<p:notes xmlns:a="http://schemas.openxmlformats.org/drawingml/2006/main" xmlns:r="http://schemas.openxmlformats.org/officeDocument/2006/relationships" xmlns:p="http://schemas.openxmlformats.org/presentationml/2006/main" showMasterPhAnim="0" showMasterSp="0">
   <p:cSld>
     <p:spTree>
       <p:nvGrpSpPr>
@@ -2617,7 +2623,7 @@
           <p:cNvPr id="130" name="Google Shape;130;g3b0650a498a_0_438:notes"/>
           <p:cNvSpPr/>
           <p:nvPr>
-            <p:ph idx="2" type="sldImg"/>
+            <p:ph type="sldImg" idx="2"/>
           </p:nvPr>
         </p:nvSpPr>
         <p:spPr>
@@ -2626,9 +2632,13 @@
             <a:ext cx="6096000" cy="3429000"/>
           </a:xfrm>
           <a:custGeom>
-            <a:rect b="b" l="l" r="r" t="t"/>
+            <a:avLst/>
+            <a:gdLst/>
+            <a:ahLst/>
+            <a:cxnLst/>
+            <a:rect l="l" t="t" r="r" b="b"/>
             <a:pathLst>
-              <a:path extrusionOk="0" h="120000" w="120000">
+              <a:path w="120000" h="120000" extrusionOk="0">
                 <a:moveTo>
                   <a:pt x="0" y="0"/>
                 </a:moveTo>
@@ -2652,7 +2662,7 @@
           <p:cNvPr id="131" name="Google Shape;131;g3b0650a498a_0_438:notes"/>
           <p:cNvSpPr txBox="1"/>
           <p:nvPr>
-            <p:ph idx="1" type="body"/>
+            <p:ph type="body" idx="1"/>
           </p:nvPr>
         </p:nvSpPr>
         <p:spPr>
@@ -2665,12 +2675,12 @@
           </a:prstGeom>
         </p:spPr>
         <p:txBody>
-          <a:bodyPr anchorCtr="0" anchor="t" bIns="91425" lIns="91425" spcFirstLastPara="1" rIns="91425" wrap="square" tIns="91425">
+          <a:bodyPr spcFirstLastPara="1" wrap="square" lIns="91425" tIns="91425" rIns="91425" bIns="91425" anchor="t" anchorCtr="0">
             <a:noAutofit/>
           </a:bodyPr>
           <a:lstStyle/>
           <a:p>
-            <a:pPr indent="0" lvl="0" marL="0" rtl="0" algn="l">
+            <a:pPr marL="0" lvl="0" indent="0" algn="l" rtl="0">
               <a:spcBef>
                 <a:spcPts val="0"/>
               </a:spcBef>
@@ -2679,10 +2689,6 @@
               </a:spcAft>
               <a:buNone/>
             </a:pPr>
-            <a:r>
-              <a:t/>
-            </a:r>
-            <a:endParaRPr/>
           </a:p>
         </p:txBody>
       </p:sp>
@@ -2695,13 +2701,14 @@
 </file>
 
 <file path=ppt/slideLayouts/slideLayout1.xml><?xml version="1.0" encoding="utf-8"?>
-<p:sldLayout xmlns:a="http://schemas.openxmlformats.org/drawingml/2006/main" xmlns:r="http://schemas.openxmlformats.org/officeDocument/2006/relationships" xmlns:mc="http://schemas.openxmlformats.org/markup-compatibility/2006" xmlns:mv="urn:schemas-microsoft-com:mac:vml" xmlns:p="http://schemas.openxmlformats.org/presentationml/2006/main" xmlns:c="http://schemas.openxmlformats.org/drawingml/2006/chart" xmlns:dgm="http://schemas.openxmlformats.org/drawingml/2006/diagram" xmlns:o="urn:schemas-microsoft-com:office:office" xmlns:v="urn:schemas-microsoft-com:vml" xmlns:pvml="urn:schemas-microsoft-com:office:powerpoint" xmlns:com="http://schemas.openxmlformats.org/drawingml/2006/compatibility" xmlns:p14="http://schemas.microsoft.com/office/powerpoint/2010/main" xmlns:p15="http://schemas.microsoft.com/office/powerpoint/2012/main" xmlns:ahyp="http://schemas.microsoft.com/office/drawing/2018/hyperlinkcolor" matchingName="Title slide" type="title">
+<p:sldLayout xmlns:a="http://schemas.openxmlformats.org/drawingml/2006/main" xmlns:r="http://schemas.openxmlformats.org/officeDocument/2006/relationships" xmlns:p="http://schemas.openxmlformats.org/presentationml/2006/main" type="title" matchingName="Title slide">
   <p:cSld name="TITLE">
     <p:bg>
       <p:bgPr>
         <a:solidFill>
           <a:schemeClr val="dk1"/>
         </a:solidFill>
+        <a:effectLst/>
       </p:bgPr>
     </p:bg>
     <p:spTree>
@@ -2754,12 +2761,12 @@
             </a:ln>
           </p:spPr>
           <p:txBody>
-            <a:bodyPr anchorCtr="0" anchor="ctr" bIns="91425" lIns="91425" spcFirstLastPara="1" rIns="91425" wrap="square" tIns="91425">
+            <a:bodyPr spcFirstLastPara="1" wrap="square" lIns="91425" tIns="91425" rIns="91425" bIns="91425" anchor="ctr" anchorCtr="0">
               <a:noAutofit/>
             </a:bodyPr>
             <a:lstStyle/>
             <a:p>
-              <a:pPr indent="0" lvl="0" marL="0" rtl="0" algn="l">
+              <a:pPr marL="0" lvl="0" indent="0" algn="l" rtl="0">
                 <a:spcBef>
                   <a:spcPts val="0"/>
                 </a:spcBef>
@@ -2768,10 +2775,6 @@
                 </a:spcAft>
                 <a:buNone/>
               </a:pPr>
-              <a:r>
-                <a:t/>
-              </a:r>
-              <a:endParaRPr/>
             </a:p>
           </p:txBody>
         </p:sp>
@@ -2797,12 +2800,12 @@
             </a:ln>
           </p:spPr>
           <p:txBody>
-            <a:bodyPr anchorCtr="0" anchor="ctr" bIns="91425" lIns="91425" spcFirstLastPara="1" rIns="91425" wrap="square" tIns="91425">
+            <a:bodyPr spcFirstLastPara="1" wrap="square" lIns="91425" tIns="91425" rIns="91425" bIns="91425" anchor="ctr" anchorCtr="0">
               <a:noAutofit/>
             </a:bodyPr>
             <a:lstStyle/>
             <a:p>
-              <a:pPr indent="0" lvl="0" marL="0" rtl="0" algn="l">
+              <a:pPr marL="0" lvl="0" indent="0" algn="l" rtl="0">
                 <a:spcBef>
                   <a:spcPts val="0"/>
                 </a:spcBef>
@@ -2811,10 +2814,6 @@
                 </a:spcAft>
                 <a:buNone/>
               </a:pPr>
-              <a:r>
-                <a:t/>
-              </a:r>
-              <a:endParaRPr/>
             </a:p>
           </p:txBody>
         </p:sp>
@@ -2825,7 +2824,7 @@
             <p:nvPr/>
           </p:nvSpPr>
           <p:spPr>
-            <a:xfrm flipH="1" rot="10800000">
+            <a:xfrm rot="10800000" flipH="1">
               <a:off x="7113588" y="107"/>
               <a:ext cx="1015200" cy="1015200"/>
             </a:xfrm>
@@ -2840,12 +2839,12 @@
             </a:ln>
           </p:spPr>
           <p:txBody>
-            <a:bodyPr anchorCtr="0" anchor="ctr" bIns="91425" lIns="91425" spcFirstLastPara="1" rIns="91425" wrap="square" tIns="91425">
+            <a:bodyPr spcFirstLastPara="1" wrap="square" lIns="91425" tIns="91425" rIns="91425" bIns="91425" anchor="ctr" anchorCtr="0">
               <a:noAutofit/>
             </a:bodyPr>
             <a:lstStyle/>
             <a:p>
-              <a:pPr indent="0" lvl="0" marL="0" rtl="0" algn="l">
+              <a:pPr marL="0" lvl="0" indent="0" algn="l" rtl="0">
                 <a:spcBef>
                   <a:spcPts val="0"/>
                 </a:spcBef>
@@ -2854,10 +2853,6 @@
                 </a:spcAft>
                 <a:buNone/>
               </a:pPr>
-              <a:r>
-                <a:t/>
-              </a:r>
-              <a:endParaRPr/>
             </a:p>
           </p:txBody>
         </p:sp>
@@ -2883,12 +2878,12 @@
             </a:ln>
           </p:spPr>
           <p:txBody>
-            <a:bodyPr anchorCtr="0" anchor="ctr" bIns="91425" lIns="91425" spcFirstLastPara="1" rIns="91425" wrap="square" tIns="91425">
+            <a:bodyPr spcFirstLastPara="1" wrap="square" lIns="91425" tIns="91425" rIns="91425" bIns="91425" anchor="ctr" anchorCtr="0">
               <a:noAutofit/>
             </a:bodyPr>
             <a:lstStyle/>
             <a:p>
-              <a:pPr indent="0" lvl="0" marL="0" rtl="0" algn="l">
+              <a:pPr marL="0" lvl="0" indent="0" algn="l" rtl="0">
                 <a:spcBef>
                   <a:spcPts val="0"/>
                 </a:spcBef>
@@ -2897,10 +2892,6 @@
                 </a:spcAft>
                 <a:buNone/>
               </a:pPr>
-              <a:r>
-                <a:t/>
-              </a:r>
-              <a:endParaRPr/>
             </a:p>
           </p:txBody>
         </p:sp>
@@ -2926,12 +2917,12 @@
             </a:ln>
           </p:spPr>
           <p:txBody>
-            <a:bodyPr anchorCtr="0" anchor="ctr" bIns="91425" lIns="91425" spcFirstLastPara="1" rIns="91425" wrap="square" tIns="91425">
+            <a:bodyPr spcFirstLastPara="1" wrap="square" lIns="91425" tIns="91425" rIns="91425" bIns="91425" anchor="ctr" anchorCtr="0">
               <a:noAutofit/>
             </a:bodyPr>
             <a:lstStyle/>
             <a:p>
-              <a:pPr indent="0" lvl="0" marL="0" rtl="0" algn="l">
+              <a:pPr marL="0" lvl="0" indent="0" algn="l" rtl="0">
                 <a:spcBef>
                   <a:spcPts val="0"/>
                 </a:spcBef>
@@ -2940,10 +2931,6 @@
                 </a:spcAft>
                 <a:buNone/>
               </a:pPr>
-              <a:r>
-                <a:t/>
-              </a:r>
-              <a:endParaRPr/>
             </a:p>
           </p:txBody>
         </p:sp>
@@ -2966,7 +2953,7 @@
           </a:prstGeom>
         </p:spPr>
         <p:txBody>
-          <a:bodyPr anchorCtr="0" anchor="b" bIns="91425" lIns="91425" spcFirstLastPara="1" rIns="91425" wrap="square" tIns="91425">
+          <a:bodyPr spcFirstLastPara="1" wrap="square" lIns="91425" tIns="91425" rIns="91425" bIns="91425" anchor="b" anchorCtr="0">
             <a:normAutofit/>
           </a:bodyPr>
           <a:lstStyle>
@@ -3141,7 +3128,7 @@
           <p:cNvPr id="17" name="Google Shape;17;p2"/>
           <p:cNvSpPr txBox="1"/>
           <p:nvPr>
-            <p:ph idx="1" type="subTitle"/>
+            <p:ph type="subTitle" idx="1"/>
           </p:nvPr>
         </p:nvSpPr>
         <p:spPr>
@@ -3154,7 +3141,7 @@
           </a:prstGeom>
         </p:spPr>
         <p:txBody>
-          <a:bodyPr anchorCtr="0" anchor="t" bIns="91425" lIns="91425" spcFirstLastPara="1" rIns="91425" wrap="square" tIns="91425">
+          <a:bodyPr spcFirstLastPara="1" wrap="square" lIns="91425" tIns="91425" rIns="91425" bIns="91425" anchor="t" anchorCtr="0">
             <a:normAutofit/>
           </a:bodyPr>
           <a:lstStyle>
@@ -3356,7 +3343,7 @@
           <p:cNvPr id="18" name="Google Shape;18;p2"/>
           <p:cNvSpPr txBox="1"/>
           <p:nvPr>
-            <p:ph idx="12" type="sldNum"/>
+            <p:ph type="sldNum" idx="12"/>
           </p:nvPr>
         </p:nvSpPr>
         <p:spPr>
@@ -3369,7 +3356,7 @@
           </a:prstGeom>
         </p:spPr>
         <p:txBody>
-          <a:bodyPr anchorCtr="0" anchor="ctr" bIns="91425" lIns="91425" spcFirstLastPara="1" rIns="91425" wrap="square" tIns="91425">
+          <a:bodyPr spcFirstLastPara="1" wrap="square" lIns="91425" tIns="91425" rIns="91425" bIns="91425" anchor="ctr" anchorCtr="0">
             <a:normAutofit/>
           </a:bodyPr>
           <a:lstStyle>
@@ -3411,7 +3398,7 @@
             </a:lvl9pPr>
           </a:lstStyle>
           <a:p>
-            <a:pPr indent="0" lvl="0" marL="0" rtl="0" algn="r">
+            <a:pPr marL="0" lvl="0" indent="0" algn="r" rtl="0">
               <a:spcBef>
                 <a:spcPts val="0"/>
               </a:spcBef>
@@ -3422,9 +3409,8 @@
             </a:pPr>
             <a:fld id="{00000000-1234-1234-1234-123412341234}" type="slidenum">
               <a:rPr lang="en-GB"/>
-              <a:t>‹#›</a:t>
             </a:fld>
-            <a:endParaRPr/>
+            <a:endParaRPr lang="en-GB"/>
           </a:p>
         </p:txBody>
       </p:sp>
@@ -3437,13 +3423,14 @@
 </file>
 
 <file path=ppt/slideLayouts/slideLayout10.xml><?xml version="1.0" encoding="utf-8"?>
-<p:sldLayout xmlns:a="http://schemas.openxmlformats.org/drawingml/2006/main" xmlns:r="http://schemas.openxmlformats.org/officeDocument/2006/relationships" xmlns:mc="http://schemas.openxmlformats.org/markup-compatibility/2006" xmlns:mv="urn:schemas-microsoft-com:mac:vml" xmlns:p="http://schemas.openxmlformats.org/presentationml/2006/main" xmlns:c="http://schemas.openxmlformats.org/drawingml/2006/chart" xmlns:dgm="http://schemas.openxmlformats.org/drawingml/2006/diagram" xmlns:o="urn:schemas-microsoft-com:office:office" xmlns:v="urn:schemas-microsoft-com:vml" xmlns:pvml="urn:schemas-microsoft-com:office:powerpoint" xmlns:com="http://schemas.openxmlformats.org/drawingml/2006/compatibility" xmlns:p14="http://schemas.microsoft.com/office/powerpoint/2010/main" xmlns:p15="http://schemas.microsoft.com/office/powerpoint/2012/main" xmlns:ahyp="http://schemas.microsoft.com/office/drawing/2018/hyperlinkcolor" matchingName="Big number">
+<p:sldLayout xmlns:a="http://schemas.openxmlformats.org/drawingml/2006/main" xmlns:r="http://schemas.openxmlformats.org/officeDocument/2006/relationships" xmlns:p="http://schemas.openxmlformats.org/presentationml/2006/main" matchingName="Big number">
   <p:cSld name="BIG_NUMBER">
     <p:bg>
       <p:bgPr>
         <a:solidFill>
           <a:schemeClr val="dk1"/>
         </a:solidFill>
+        <a:effectLst/>
       </p:bgPr>
     </p:bg>
     <p:spTree>
@@ -3496,12 +3483,12 @@
             </a:ln>
           </p:spPr>
           <p:txBody>
-            <a:bodyPr anchorCtr="0" anchor="ctr" bIns="91425" lIns="91425" spcFirstLastPara="1" rIns="91425" wrap="square" tIns="91425">
+            <a:bodyPr spcFirstLastPara="1" wrap="square" lIns="91425" tIns="91425" rIns="91425" bIns="91425" anchor="ctr" anchorCtr="0">
               <a:noAutofit/>
             </a:bodyPr>
             <a:lstStyle/>
             <a:p>
-              <a:pPr indent="0" lvl="0" marL="0" rtl="0" algn="l">
+              <a:pPr marL="0" lvl="0" indent="0" algn="l" rtl="0">
                 <a:spcBef>
                   <a:spcPts val="0"/>
                 </a:spcBef>
@@ -3510,10 +3497,6 @@
                 </a:spcAft>
                 <a:buNone/>
               </a:pPr>
-              <a:r>
-                <a:t/>
-              </a:r>
-              <a:endParaRPr/>
             </a:p>
           </p:txBody>
         </p:sp>
@@ -3539,12 +3522,12 @@
             </a:ln>
           </p:spPr>
           <p:txBody>
-            <a:bodyPr anchorCtr="0" anchor="ctr" bIns="91425" lIns="91425" spcFirstLastPara="1" rIns="91425" wrap="square" tIns="91425">
+            <a:bodyPr spcFirstLastPara="1" wrap="square" lIns="91425" tIns="91425" rIns="91425" bIns="91425" anchor="ctr" anchorCtr="0">
               <a:noAutofit/>
             </a:bodyPr>
             <a:lstStyle/>
             <a:p>
-              <a:pPr indent="0" lvl="0" marL="0" rtl="0" algn="l">
+              <a:pPr marL="0" lvl="0" indent="0" algn="l" rtl="0">
                 <a:spcBef>
                   <a:spcPts val="0"/>
                 </a:spcBef>
@@ -3553,10 +3536,6 @@
                 </a:spcAft>
                 <a:buNone/>
               </a:pPr>
-              <a:r>
-                <a:t/>
-              </a:r>
-              <a:endParaRPr/>
             </a:p>
           </p:txBody>
         </p:sp>
@@ -3567,7 +3546,7 @@
             <p:nvPr/>
           </p:nvSpPr>
           <p:spPr>
-            <a:xfrm flipH="1" rot="10800000">
+            <a:xfrm rot="10800000" flipH="1">
               <a:off x="7113588" y="107"/>
               <a:ext cx="1015200" cy="1015200"/>
             </a:xfrm>
@@ -3582,12 +3561,12 @@
             </a:ln>
           </p:spPr>
           <p:txBody>
-            <a:bodyPr anchorCtr="0" anchor="ctr" bIns="91425" lIns="91425" spcFirstLastPara="1" rIns="91425" wrap="square" tIns="91425">
+            <a:bodyPr spcFirstLastPara="1" wrap="square" lIns="91425" tIns="91425" rIns="91425" bIns="91425" anchor="ctr" anchorCtr="0">
               <a:noAutofit/>
             </a:bodyPr>
             <a:lstStyle/>
             <a:p>
-              <a:pPr indent="0" lvl="0" marL="0" rtl="0" algn="l">
+              <a:pPr marL="0" lvl="0" indent="0" algn="l" rtl="0">
                 <a:spcBef>
                   <a:spcPts val="0"/>
                 </a:spcBef>
@@ -3596,10 +3575,6 @@
                 </a:spcAft>
                 <a:buNone/>
               </a:pPr>
-              <a:r>
-                <a:t/>
-              </a:r>
-              <a:endParaRPr/>
             </a:p>
           </p:txBody>
         </p:sp>
@@ -3625,12 +3600,12 @@
             </a:ln>
           </p:spPr>
           <p:txBody>
-            <a:bodyPr anchorCtr="0" anchor="ctr" bIns="91425" lIns="91425" spcFirstLastPara="1" rIns="91425" wrap="square" tIns="91425">
+            <a:bodyPr spcFirstLastPara="1" wrap="square" lIns="91425" tIns="91425" rIns="91425" bIns="91425" anchor="ctr" anchorCtr="0">
               <a:noAutofit/>
             </a:bodyPr>
             <a:lstStyle/>
             <a:p>
-              <a:pPr indent="0" lvl="0" marL="0" rtl="0" algn="l">
+              <a:pPr marL="0" lvl="0" indent="0" algn="l" rtl="0">
                 <a:spcBef>
                   <a:spcPts val="0"/>
                 </a:spcBef>
@@ -3639,10 +3614,6 @@
                 </a:spcAft>
                 <a:buNone/>
               </a:pPr>
-              <a:r>
-                <a:t/>
-              </a:r>
-              <a:endParaRPr/>
             </a:p>
           </p:txBody>
         </p:sp>
@@ -3668,12 +3639,12 @@
             </a:ln>
           </p:spPr>
           <p:txBody>
-            <a:bodyPr anchorCtr="0" anchor="ctr" bIns="91425" lIns="91425" spcFirstLastPara="1" rIns="91425" wrap="square" tIns="91425">
+            <a:bodyPr spcFirstLastPara="1" wrap="square" lIns="91425" tIns="91425" rIns="91425" bIns="91425" anchor="ctr" anchorCtr="0">
               <a:noAutofit/>
             </a:bodyPr>
             <a:lstStyle/>
             <a:p>
-              <a:pPr indent="0" lvl="0" marL="0" rtl="0" algn="l">
+              <a:pPr marL="0" lvl="0" indent="0" algn="l" rtl="0">
                 <a:spcBef>
                   <a:spcPts val="0"/>
                 </a:spcBef>
@@ -3682,10 +3653,6 @@
                 </a:spcAft>
                 <a:buNone/>
               </a:pPr>
-              <a:r>
-                <a:t/>
-              </a:r>
-              <a:endParaRPr/>
             </a:p>
           </p:txBody>
         </p:sp>
@@ -3695,7 +3662,7 @@
           <p:cNvPr id="76" name="Google Shape;76;p11"/>
           <p:cNvSpPr txBox="1"/>
           <p:nvPr>
-            <p:ph hasCustomPrompt="1" type="title"/>
+            <p:ph type="title" hasCustomPrompt="1"/>
           </p:nvPr>
         </p:nvSpPr>
         <p:spPr>
@@ -3708,7 +3675,7 @@
           </a:prstGeom>
         </p:spPr>
         <p:txBody>
-          <a:bodyPr anchorCtr="0" anchor="b" bIns="91425" lIns="91425" spcFirstLastPara="1" rIns="91425" wrap="square" tIns="91425">
+          <a:bodyPr spcFirstLastPara="1" wrap="square" lIns="91425" tIns="91425" rIns="91425" bIns="91425" anchor="b" anchorCtr="0">
             <a:normAutofit/>
           </a:bodyPr>
           <a:lstStyle>
@@ -3887,7 +3854,7 @@
           <p:cNvPr id="77" name="Google Shape;77;p11"/>
           <p:cNvSpPr txBox="1"/>
           <p:nvPr>
-            <p:ph idx="1" type="body"/>
+            <p:ph type="body" idx="1"/>
           </p:nvPr>
         </p:nvSpPr>
         <p:spPr>
@@ -3900,11 +3867,11 @@
           </a:prstGeom>
         </p:spPr>
         <p:txBody>
-          <a:bodyPr anchorCtr="0" anchor="t" bIns="91425" lIns="91425" spcFirstLastPara="1" rIns="91425" wrap="square" tIns="91425">
+          <a:bodyPr spcFirstLastPara="1" wrap="square" lIns="91425" tIns="91425" rIns="91425" bIns="91425" anchor="t" anchorCtr="0">
             <a:normAutofit/>
           </a:bodyPr>
           <a:lstStyle>
-            <a:lvl1pPr indent="-342900" lvl="0" marL="457200" algn="ctr">
+            <a:lvl1pPr marL="457200" lvl="0" indent="-342900" algn="ctr">
               <a:spcBef>
                 <a:spcPts val="0"/>
               </a:spcBef>
@@ -3922,7 +3889,7 @@
                 </a:solidFill>
               </a:defRPr>
             </a:lvl1pPr>
-            <a:lvl2pPr indent="-317500" lvl="1" marL="914400" algn="ctr">
+            <a:lvl2pPr marL="914400" lvl="1" indent="-317500" algn="ctr">
               <a:spcBef>
                 <a:spcPts val="0"/>
               </a:spcBef>
@@ -3940,7 +3907,7 @@
                 </a:solidFill>
               </a:defRPr>
             </a:lvl2pPr>
-            <a:lvl3pPr indent="-317500" lvl="2" marL="1371600" algn="ctr">
+            <a:lvl3pPr marL="1371600" lvl="2" indent="-317500" algn="ctr">
               <a:spcBef>
                 <a:spcPts val="0"/>
               </a:spcBef>
@@ -3958,7 +3925,7 @@
                 </a:solidFill>
               </a:defRPr>
             </a:lvl3pPr>
-            <a:lvl4pPr indent="-317500" lvl="3" marL="1828800" algn="ctr">
+            <a:lvl4pPr marL="1828800" lvl="3" indent="-317500" algn="ctr">
               <a:spcBef>
                 <a:spcPts val="0"/>
               </a:spcBef>
@@ -3976,7 +3943,7 @@
                 </a:solidFill>
               </a:defRPr>
             </a:lvl4pPr>
-            <a:lvl5pPr indent="-317500" lvl="4" marL="2286000" algn="ctr">
+            <a:lvl5pPr marL="2286000" lvl="4" indent="-317500" algn="ctr">
               <a:spcBef>
                 <a:spcPts val="0"/>
               </a:spcBef>
@@ -3994,7 +3961,7 @@
                 </a:solidFill>
               </a:defRPr>
             </a:lvl5pPr>
-            <a:lvl6pPr indent="-317500" lvl="5" marL="2743200" algn="ctr">
+            <a:lvl6pPr marL="2743200" lvl="5" indent="-317500" algn="ctr">
               <a:spcBef>
                 <a:spcPts val="0"/>
               </a:spcBef>
@@ -4012,7 +3979,7 @@
                 </a:solidFill>
               </a:defRPr>
             </a:lvl6pPr>
-            <a:lvl7pPr indent="-317500" lvl="6" marL="3200400" algn="ctr">
+            <a:lvl7pPr marL="3200400" lvl="6" indent="-317500" algn="ctr">
               <a:spcBef>
                 <a:spcPts val="0"/>
               </a:spcBef>
@@ -4030,7 +3997,7 @@
                 </a:solidFill>
               </a:defRPr>
             </a:lvl7pPr>
-            <a:lvl8pPr indent="-317500" lvl="7" marL="3657600" algn="ctr">
+            <a:lvl8pPr marL="3657600" lvl="7" indent="-317500" algn="ctr">
               <a:spcBef>
                 <a:spcPts val="0"/>
               </a:spcBef>
@@ -4048,7 +4015,7 @@
                 </a:solidFill>
               </a:defRPr>
             </a:lvl8pPr>
-            <a:lvl9pPr indent="-317500" lvl="8" marL="4114800" algn="ctr">
+            <a:lvl9pPr marL="4114800" lvl="8" indent="-317500" algn="ctr">
               <a:spcBef>
                 <a:spcPts val="0"/>
               </a:spcBef>
@@ -4075,7 +4042,7 @@
           <p:cNvPr id="78" name="Google Shape;78;p11"/>
           <p:cNvSpPr txBox="1"/>
           <p:nvPr>
-            <p:ph idx="12" type="sldNum"/>
+            <p:ph type="sldNum" idx="12"/>
           </p:nvPr>
         </p:nvSpPr>
         <p:spPr>
@@ -4088,7 +4055,7 @@
           </a:prstGeom>
         </p:spPr>
         <p:txBody>
-          <a:bodyPr anchorCtr="0" anchor="ctr" bIns="91425" lIns="91425" spcFirstLastPara="1" rIns="91425" wrap="square" tIns="91425">
+          <a:bodyPr spcFirstLastPara="1" wrap="square" lIns="91425" tIns="91425" rIns="91425" bIns="91425" anchor="ctr" anchorCtr="0">
             <a:normAutofit/>
           </a:bodyPr>
           <a:lstStyle>
@@ -4130,7 +4097,7 @@
             </a:lvl9pPr>
           </a:lstStyle>
           <a:p>
-            <a:pPr indent="0" lvl="0" marL="0" rtl="0" algn="r">
+            <a:pPr marL="0" lvl="0" indent="0" algn="r" rtl="0">
               <a:spcBef>
                 <a:spcPts val="0"/>
               </a:spcBef>
@@ -4141,9 +4108,8 @@
             </a:pPr>
             <a:fld id="{00000000-1234-1234-1234-123412341234}" type="slidenum">
               <a:rPr lang="en-GB"/>
-              <a:t>‹#›</a:t>
             </a:fld>
-            <a:endParaRPr/>
+            <a:endParaRPr lang="en-GB"/>
           </a:p>
         </p:txBody>
       </p:sp>
@@ -4156,7 +4122,7 @@
 </file>
 
 <file path=ppt/slideLayouts/slideLayout11.xml><?xml version="1.0" encoding="utf-8"?>
-<p:sldLayout xmlns:a="http://schemas.openxmlformats.org/drawingml/2006/main" xmlns:r="http://schemas.openxmlformats.org/officeDocument/2006/relationships" xmlns:mc="http://schemas.openxmlformats.org/markup-compatibility/2006" xmlns:mv="urn:schemas-microsoft-com:mac:vml" xmlns:p="http://schemas.openxmlformats.org/presentationml/2006/main" xmlns:c="http://schemas.openxmlformats.org/drawingml/2006/chart" xmlns:dgm="http://schemas.openxmlformats.org/drawingml/2006/diagram" xmlns:o="urn:schemas-microsoft-com:office:office" xmlns:v="urn:schemas-microsoft-com:vml" xmlns:pvml="urn:schemas-microsoft-com:office:powerpoint" xmlns:com="http://schemas.openxmlformats.org/drawingml/2006/compatibility" xmlns:p14="http://schemas.microsoft.com/office/powerpoint/2010/main" xmlns:p15="http://schemas.microsoft.com/office/powerpoint/2012/main" xmlns:ahyp="http://schemas.microsoft.com/office/drawing/2018/hyperlinkcolor" matchingName="Blank" type="blank">
+<p:sldLayout xmlns:a="http://schemas.openxmlformats.org/drawingml/2006/main" xmlns:r="http://schemas.openxmlformats.org/officeDocument/2006/relationships" xmlns:p="http://schemas.openxmlformats.org/presentationml/2006/main" type="blank" matchingName="Blank">
   <p:cSld name="BLANK">
     <p:spTree>
       <p:nvGrpSpPr>
@@ -4177,7 +4143,7 @@
           <p:cNvPr id="80" name="Google Shape;80;p12"/>
           <p:cNvSpPr txBox="1"/>
           <p:nvPr>
-            <p:ph idx="12" type="sldNum"/>
+            <p:ph type="sldNum" idx="12"/>
           </p:nvPr>
         </p:nvSpPr>
         <p:spPr>
@@ -4190,7 +4156,7 @@
           </a:prstGeom>
         </p:spPr>
         <p:txBody>
-          <a:bodyPr anchorCtr="0" anchor="ctr" bIns="91425" lIns="91425" spcFirstLastPara="1" rIns="91425" wrap="square" tIns="91425">
+          <a:bodyPr spcFirstLastPara="1" wrap="square" lIns="91425" tIns="91425" rIns="91425" bIns="91425" anchor="ctr" anchorCtr="0">
             <a:normAutofit/>
           </a:bodyPr>
           <a:lstStyle>
@@ -4268,7 +4234,7 @@
             </a:lvl9pPr>
           </a:lstStyle>
           <a:p>
-            <a:pPr indent="0" lvl="0" marL="0" rtl="0" algn="r">
+            <a:pPr marL="0" lvl="0" indent="0" algn="r" rtl="0">
               <a:spcBef>
                 <a:spcPts val="0"/>
               </a:spcBef>
@@ -4279,9 +4245,8 @@
             </a:pPr>
             <a:fld id="{00000000-1234-1234-1234-123412341234}" type="slidenum">
               <a:rPr lang="en-GB"/>
-              <a:t>‹#›</a:t>
             </a:fld>
-            <a:endParaRPr/>
+            <a:endParaRPr lang="en-GB"/>
           </a:p>
         </p:txBody>
       </p:sp>
@@ -4294,13 +4259,14 @@
 </file>
 
 <file path=ppt/slideLayouts/slideLayout2.xml><?xml version="1.0" encoding="utf-8"?>
-<p:sldLayout xmlns:a="http://schemas.openxmlformats.org/drawingml/2006/main" xmlns:r="http://schemas.openxmlformats.org/officeDocument/2006/relationships" xmlns:mc="http://schemas.openxmlformats.org/markup-compatibility/2006" xmlns:mv="urn:schemas-microsoft-com:mac:vml" xmlns:p="http://schemas.openxmlformats.org/presentationml/2006/main" xmlns:c="http://schemas.openxmlformats.org/drawingml/2006/chart" xmlns:dgm="http://schemas.openxmlformats.org/drawingml/2006/diagram" xmlns:o="urn:schemas-microsoft-com:office:office" xmlns:v="urn:schemas-microsoft-com:vml" xmlns:pvml="urn:schemas-microsoft-com:office:powerpoint" xmlns:com="http://schemas.openxmlformats.org/drawingml/2006/compatibility" xmlns:p14="http://schemas.microsoft.com/office/powerpoint/2010/main" xmlns:p15="http://schemas.microsoft.com/office/powerpoint/2012/main" xmlns:ahyp="http://schemas.microsoft.com/office/drawing/2018/hyperlinkcolor" matchingName="Section header" type="secHead">
+<p:sldLayout xmlns:a="http://schemas.openxmlformats.org/drawingml/2006/main" xmlns:r="http://schemas.openxmlformats.org/officeDocument/2006/relationships" xmlns:p="http://schemas.openxmlformats.org/presentationml/2006/main" type="secHead" matchingName="Section header">
   <p:cSld name="SECTION_HEADER">
     <p:bg>
       <p:bgPr>
         <a:solidFill>
           <a:schemeClr val="dk1"/>
         </a:solidFill>
+        <a:effectLst/>
       </p:bgPr>
     </p:bg>
     <p:spTree>
@@ -4353,12 +4319,12 @@
             </a:ln>
           </p:spPr>
           <p:txBody>
-            <a:bodyPr anchorCtr="0" anchor="ctr" bIns="91425" lIns="91425" spcFirstLastPara="1" rIns="91425" wrap="square" tIns="91425">
+            <a:bodyPr spcFirstLastPara="1" wrap="square" lIns="91425" tIns="91425" rIns="91425" bIns="91425" anchor="ctr" anchorCtr="0">
               <a:noAutofit/>
             </a:bodyPr>
             <a:lstStyle/>
             <a:p>
-              <a:pPr indent="0" lvl="0" marL="0" rtl="0" algn="l">
+              <a:pPr marL="0" lvl="0" indent="0" algn="l" rtl="0">
                 <a:spcBef>
                   <a:spcPts val="0"/>
                 </a:spcBef>
@@ -4367,10 +4333,6 @@
                 </a:spcAft>
                 <a:buNone/>
               </a:pPr>
-              <a:r>
-                <a:t/>
-              </a:r>
-              <a:endParaRPr/>
             </a:p>
           </p:txBody>
         </p:sp>
@@ -4396,12 +4358,12 @@
             </a:ln>
           </p:spPr>
           <p:txBody>
-            <a:bodyPr anchorCtr="0" anchor="ctr" bIns="91425" lIns="91425" spcFirstLastPara="1" rIns="91425" wrap="square" tIns="91425">
+            <a:bodyPr spcFirstLastPara="1" wrap="square" lIns="91425" tIns="91425" rIns="91425" bIns="91425" anchor="ctr" anchorCtr="0">
               <a:noAutofit/>
             </a:bodyPr>
             <a:lstStyle/>
             <a:p>
-              <a:pPr indent="0" lvl="0" marL="0" rtl="0" algn="l">
+              <a:pPr marL="0" lvl="0" indent="0" algn="l" rtl="0">
                 <a:spcBef>
                   <a:spcPts val="0"/>
                 </a:spcBef>
@@ -4410,10 +4372,6 @@
                 </a:spcAft>
                 <a:buNone/>
               </a:pPr>
-              <a:r>
-                <a:t/>
-              </a:r>
-              <a:endParaRPr/>
             </a:p>
           </p:txBody>
         </p:sp>
@@ -4424,7 +4382,7 @@
             <p:nvPr/>
           </p:nvSpPr>
           <p:spPr>
-            <a:xfrm flipH="1" rot="10800000">
+            <a:xfrm rot="10800000" flipH="1">
               <a:off x="7113588" y="107"/>
               <a:ext cx="1015200" cy="1015200"/>
             </a:xfrm>
@@ -4439,12 +4397,12 @@
             </a:ln>
           </p:spPr>
           <p:txBody>
-            <a:bodyPr anchorCtr="0" anchor="ctr" bIns="91425" lIns="91425" spcFirstLastPara="1" rIns="91425" wrap="square" tIns="91425">
+            <a:bodyPr spcFirstLastPara="1" wrap="square" lIns="91425" tIns="91425" rIns="91425" bIns="91425" anchor="ctr" anchorCtr="0">
               <a:noAutofit/>
             </a:bodyPr>
             <a:lstStyle/>
             <a:p>
-              <a:pPr indent="0" lvl="0" marL="0" rtl="0" algn="l">
+              <a:pPr marL="0" lvl="0" indent="0" algn="l" rtl="0">
                 <a:spcBef>
                   <a:spcPts val="0"/>
                 </a:spcBef>
@@ -4453,10 +4411,6 @@
                 </a:spcAft>
                 <a:buNone/>
               </a:pPr>
-              <a:r>
-                <a:t/>
-              </a:r>
-              <a:endParaRPr/>
             </a:p>
           </p:txBody>
         </p:sp>
@@ -4482,12 +4436,12 @@
             </a:ln>
           </p:spPr>
           <p:txBody>
-            <a:bodyPr anchorCtr="0" anchor="ctr" bIns="91425" lIns="91425" spcFirstLastPara="1" rIns="91425" wrap="square" tIns="91425">
+            <a:bodyPr spcFirstLastPara="1" wrap="square" lIns="91425" tIns="91425" rIns="91425" bIns="91425" anchor="ctr" anchorCtr="0">
               <a:noAutofit/>
             </a:bodyPr>
             <a:lstStyle/>
             <a:p>
-              <a:pPr indent="0" lvl="0" marL="0" rtl="0" algn="l">
+              <a:pPr marL="0" lvl="0" indent="0" algn="l" rtl="0">
                 <a:spcBef>
                   <a:spcPts val="0"/>
                 </a:spcBef>
@@ -4496,10 +4450,6 @@
                 </a:spcAft>
                 <a:buNone/>
               </a:pPr>
-              <a:r>
-                <a:t/>
-              </a:r>
-              <a:endParaRPr/>
             </a:p>
           </p:txBody>
         </p:sp>
@@ -4525,12 +4475,12 @@
             </a:ln>
           </p:spPr>
           <p:txBody>
-            <a:bodyPr anchorCtr="0" anchor="ctr" bIns="91425" lIns="91425" spcFirstLastPara="1" rIns="91425" wrap="square" tIns="91425">
+            <a:bodyPr spcFirstLastPara="1" wrap="square" lIns="91425" tIns="91425" rIns="91425" bIns="91425" anchor="ctr" anchorCtr="0">
               <a:noAutofit/>
             </a:bodyPr>
             <a:lstStyle/>
             <a:p>
-              <a:pPr indent="0" lvl="0" marL="0" rtl="0" algn="l">
+              <a:pPr marL="0" lvl="0" indent="0" algn="l" rtl="0">
                 <a:spcBef>
                   <a:spcPts val="0"/>
                 </a:spcBef>
@@ -4539,10 +4489,6 @@
                 </a:spcAft>
                 <a:buNone/>
               </a:pPr>
-              <a:r>
-                <a:t/>
-              </a:r>
-              <a:endParaRPr/>
             </a:p>
           </p:txBody>
         </p:sp>
@@ -4565,7 +4511,7 @@
           </a:prstGeom>
         </p:spPr>
         <p:txBody>
-          <a:bodyPr anchorCtr="0" anchor="ctr" bIns="91425" lIns="91425" spcFirstLastPara="1" rIns="91425" wrap="square" tIns="91425">
+          <a:bodyPr spcFirstLastPara="1" wrap="square" lIns="91425" tIns="91425" rIns="91425" bIns="91425" anchor="ctr" anchorCtr="0">
             <a:normAutofit/>
           </a:bodyPr>
           <a:lstStyle>
@@ -4740,7 +4686,7 @@
           <p:cNvPr id="27" name="Google Shape;27;p3"/>
           <p:cNvSpPr txBox="1"/>
           <p:nvPr>
-            <p:ph idx="12" type="sldNum"/>
+            <p:ph type="sldNum" idx="12"/>
           </p:nvPr>
         </p:nvSpPr>
         <p:spPr>
@@ -4753,7 +4699,7 @@
           </a:prstGeom>
         </p:spPr>
         <p:txBody>
-          <a:bodyPr anchorCtr="0" anchor="ctr" bIns="91425" lIns="91425" spcFirstLastPara="1" rIns="91425" wrap="square" tIns="91425">
+          <a:bodyPr spcFirstLastPara="1" wrap="square" lIns="91425" tIns="91425" rIns="91425" bIns="91425" anchor="ctr" anchorCtr="0">
             <a:normAutofit/>
           </a:bodyPr>
           <a:lstStyle>
@@ -4795,7 +4741,7 @@
             </a:lvl9pPr>
           </a:lstStyle>
           <a:p>
-            <a:pPr indent="0" lvl="0" marL="0" rtl="0" algn="r">
+            <a:pPr marL="0" lvl="0" indent="0" algn="r" rtl="0">
               <a:spcBef>
                 <a:spcPts val="0"/>
               </a:spcBef>
@@ -4806,9 +4752,8 @@
             </a:pPr>
             <a:fld id="{00000000-1234-1234-1234-123412341234}" type="slidenum">
               <a:rPr lang="en-GB"/>
-              <a:t>‹#›</a:t>
             </a:fld>
-            <a:endParaRPr/>
+            <a:endParaRPr lang="en-GB"/>
           </a:p>
         </p:txBody>
       </p:sp>
@@ -4821,7 +4766,7 @@
 </file>
 
 <file path=ppt/slideLayouts/slideLayout3.xml><?xml version="1.0" encoding="utf-8"?>
-<p:sldLayout xmlns:a="http://schemas.openxmlformats.org/drawingml/2006/main" xmlns:r="http://schemas.openxmlformats.org/officeDocument/2006/relationships" xmlns:mc="http://schemas.openxmlformats.org/markup-compatibility/2006" xmlns:mv="urn:schemas-microsoft-com:mac:vml" xmlns:p="http://schemas.openxmlformats.org/presentationml/2006/main" xmlns:c="http://schemas.openxmlformats.org/drawingml/2006/chart" xmlns:dgm="http://schemas.openxmlformats.org/drawingml/2006/diagram" xmlns:o="urn:schemas-microsoft-com:office:office" xmlns:v="urn:schemas-microsoft-com:vml" xmlns:pvml="urn:schemas-microsoft-com:office:powerpoint" xmlns:com="http://schemas.openxmlformats.org/drawingml/2006/compatibility" xmlns:p14="http://schemas.microsoft.com/office/powerpoint/2010/main" xmlns:p15="http://schemas.microsoft.com/office/powerpoint/2012/main" xmlns:ahyp="http://schemas.microsoft.com/office/drawing/2018/hyperlinkcolor" matchingName="Title and body" type="tx">
+<p:sldLayout xmlns:a="http://schemas.openxmlformats.org/drawingml/2006/main" xmlns:r="http://schemas.openxmlformats.org/officeDocument/2006/relationships" xmlns:p="http://schemas.openxmlformats.org/presentationml/2006/main" type="tx" matchingName="Title and body">
   <p:cSld name="TITLE_AND_BODY">
     <p:spTree>
       <p:nvGrpSpPr>
@@ -4873,12 +4818,12 @@
             </a:ln>
           </p:spPr>
           <p:txBody>
-            <a:bodyPr anchorCtr="0" anchor="ctr" bIns="91425" lIns="91425" spcFirstLastPara="1" rIns="91425" wrap="square" tIns="91425">
+            <a:bodyPr spcFirstLastPara="1" wrap="square" lIns="91425" tIns="91425" rIns="91425" bIns="91425" anchor="ctr" anchorCtr="0">
               <a:noAutofit/>
             </a:bodyPr>
             <a:lstStyle/>
             <a:p>
-              <a:pPr indent="0" lvl="0" marL="0" rtl="0" algn="l">
+              <a:pPr marL="0" lvl="0" indent="0" algn="l" rtl="0">
                 <a:spcBef>
                   <a:spcPts val="0"/>
                 </a:spcBef>
@@ -4887,10 +4832,6 @@
                 </a:spcAft>
                 <a:buNone/>
               </a:pPr>
-              <a:r>
-                <a:t/>
-              </a:r>
-              <a:endParaRPr/>
             </a:p>
           </p:txBody>
         </p:sp>
@@ -4916,12 +4857,12 @@
             </a:ln>
           </p:spPr>
           <p:txBody>
-            <a:bodyPr anchorCtr="0" anchor="ctr" bIns="91425" lIns="91425" spcFirstLastPara="1" rIns="91425" wrap="square" tIns="91425">
+            <a:bodyPr spcFirstLastPara="1" wrap="square" lIns="91425" tIns="91425" rIns="91425" bIns="91425" anchor="ctr" anchorCtr="0">
               <a:noAutofit/>
             </a:bodyPr>
             <a:lstStyle/>
             <a:p>
-              <a:pPr indent="0" lvl="0" marL="0" rtl="0" algn="l">
+              <a:pPr marL="0" lvl="0" indent="0" algn="l" rtl="0">
                 <a:spcBef>
                   <a:spcPts val="0"/>
                 </a:spcBef>
@@ -4930,10 +4871,6 @@
                 </a:spcAft>
                 <a:buNone/>
               </a:pPr>
-              <a:r>
-                <a:t/>
-              </a:r>
-              <a:endParaRPr/>
             </a:p>
           </p:txBody>
         </p:sp>
@@ -4959,12 +4896,12 @@
             </a:ln>
           </p:spPr>
           <p:txBody>
-            <a:bodyPr anchorCtr="0" anchor="ctr" bIns="91425" lIns="91425" spcFirstLastPara="1" rIns="91425" wrap="square" tIns="91425">
+            <a:bodyPr spcFirstLastPara="1" wrap="square" lIns="91425" tIns="91425" rIns="91425" bIns="91425" anchor="ctr" anchorCtr="0">
               <a:noAutofit/>
             </a:bodyPr>
             <a:lstStyle/>
             <a:p>
-              <a:pPr indent="0" lvl="0" marL="0" rtl="0" algn="l">
+              <a:pPr marL="0" lvl="0" indent="0" algn="l" rtl="0">
                 <a:spcBef>
                   <a:spcPts val="0"/>
                 </a:spcBef>
@@ -4973,10 +4910,6 @@
                 </a:spcAft>
                 <a:buNone/>
               </a:pPr>
-              <a:r>
-                <a:t/>
-              </a:r>
-              <a:endParaRPr/>
             </a:p>
           </p:txBody>
         </p:sp>
@@ -5002,12 +4935,12 @@
             </a:ln>
           </p:spPr>
           <p:txBody>
-            <a:bodyPr anchorCtr="0" anchor="ctr" bIns="91425" lIns="91425" spcFirstLastPara="1" rIns="91425" wrap="square" tIns="91425">
+            <a:bodyPr spcFirstLastPara="1" wrap="square" lIns="91425" tIns="91425" rIns="91425" bIns="91425" anchor="ctr" anchorCtr="0">
               <a:noAutofit/>
             </a:bodyPr>
             <a:lstStyle/>
             <a:p>
-              <a:pPr indent="0" lvl="0" marL="0" rtl="0" algn="l">
+              <a:pPr marL="0" lvl="0" indent="0" algn="l" rtl="0">
                 <a:spcBef>
                   <a:spcPts val="0"/>
                 </a:spcBef>
@@ -5016,10 +4949,6 @@
                 </a:spcAft>
                 <a:buNone/>
               </a:pPr>
-              <a:r>
-                <a:t/>
-              </a:r>
-              <a:endParaRPr/>
             </a:p>
           </p:txBody>
         </p:sp>
@@ -5045,12 +4974,12 @@
             </a:ln>
           </p:spPr>
           <p:txBody>
-            <a:bodyPr anchorCtr="0" anchor="ctr" bIns="91425" lIns="91425" spcFirstLastPara="1" rIns="91425" wrap="square" tIns="91425">
+            <a:bodyPr spcFirstLastPara="1" wrap="square" lIns="91425" tIns="91425" rIns="91425" bIns="91425" anchor="ctr" anchorCtr="0">
               <a:noAutofit/>
             </a:bodyPr>
             <a:lstStyle/>
             <a:p>
-              <a:pPr indent="0" lvl="0" marL="0" rtl="0" algn="l">
+              <a:pPr marL="0" lvl="0" indent="0" algn="l" rtl="0">
                 <a:spcBef>
                   <a:spcPts val="0"/>
                 </a:spcBef>
@@ -5059,10 +4988,6 @@
                 </a:spcAft>
                 <a:buNone/>
               </a:pPr>
-              <a:r>
-                <a:t/>
-              </a:r>
-              <a:endParaRPr/>
             </a:p>
           </p:txBody>
         </p:sp>
@@ -5085,7 +5010,7 @@
           </a:prstGeom>
         </p:spPr>
         <p:txBody>
-          <a:bodyPr anchorCtr="0" anchor="t" bIns="91425" lIns="91425" spcFirstLastPara="1" rIns="91425" wrap="square" tIns="91425">
+          <a:bodyPr spcFirstLastPara="1" wrap="square" lIns="91425" tIns="91425" rIns="91425" bIns="91425" anchor="t" anchorCtr="0">
             <a:normAutofit/>
           </a:bodyPr>
           <a:lstStyle>
@@ -5197,7 +5122,7 @@
           <p:cNvPr id="36" name="Google Shape;36;p4"/>
           <p:cNvSpPr txBox="1"/>
           <p:nvPr>
-            <p:ph idx="1" type="body"/>
+            <p:ph type="body" idx="1"/>
           </p:nvPr>
         </p:nvSpPr>
         <p:spPr>
@@ -5210,11 +5135,11 @@
           </a:prstGeom>
         </p:spPr>
         <p:txBody>
-          <a:bodyPr anchorCtr="0" anchor="t" bIns="91425" lIns="91425" spcFirstLastPara="1" rIns="91425" wrap="square" tIns="91425">
+          <a:bodyPr spcFirstLastPara="1" wrap="square" lIns="91425" tIns="91425" rIns="91425" bIns="91425" anchor="t" anchorCtr="0">
             <a:normAutofit/>
           </a:bodyPr>
           <a:lstStyle>
-            <a:lvl1pPr indent="-342900" lvl="0" marL="457200">
+            <a:lvl1pPr marL="457200" lvl="0" indent="-342900">
               <a:spcBef>
                 <a:spcPts val="0"/>
               </a:spcBef>
@@ -5225,7 +5150,7 @@
               <a:buChar char="●"/>
               <a:defRPr/>
             </a:lvl1pPr>
-            <a:lvl2pPr indent="-317500" lvl="1" marL="914400">
+            <a:lvl2pPr marL="914400" lvl="1" indent="-317500">
               <a:spcBef>
                 <a:spcPts val="0"/>
               </a:spcBef>
@@ -5236,7 +5161,7 @@
               <a:buChar char="○"/>
               <a:defRPr/>
             </a:lvl2pPr>
-            <a:lvl3pPr indent="-317500" lvl="2" marL="1371600">
+            <a:lvl3pPr marL="1371600" lvl="2" indent="-317500">
               <a:spcBef>
                 <a:spcPts val="0"/>
               </a:spcBef>
@@ -5247,7 +5172,7 @@
               <a:buChar char="■"/>
               <a:defRPr/>
             </a:lvl3pPr>
-            <a:lvl4pPr indent="-317500" lvl="3" marL="1828800">
+            <a:lvl4pPr marL="1828800" lvl="3" indent="-317500">
               <a:spcBef>
                 <a:spcPts val="0"/>
               </a:spcBef>
@@ -5258,7 +5183,7 @@
               <a:buChar char="●"/>
               <a:defRPr/>
             </a:lvl4pPr>
-            <a:lvl5pPr indent="-317500" lvl="4" marL="2286000">
+            <a:lvl5pPr marL="2286000" lvl="4" indent="-317500">
               <a:spcBef>
                 <a:spcPts val="0"/>
               </a:spcBef>
@@ -5269,7 +5194,7 @@
               <a:buChar char="○"/>
               <a:defRPr/>
             </a:lvl5pPr>
-            <a:lvl6pPr indent="-317500" lvl="5" marL="2743200">
+            <a:lvl6pPr marL="2743200" lvl="5" indent="-317500">
               <a:spcBef>
                 <a:spcPts val="0"/>
               </a:spcBef>
@@ -5280,7 +5205,7 @@
               <a:buChar char="■"/>
               <a:defRPr/>
             </a:lvl6pPr>
-            <a:lvl7pPr indent="-317500" lvl="6" marL="3200400">
+            <a:lvl7pPr marL="3200400" lvl="6" indent="-317500">
               <a:spcBef>
                 <a:spcPts val="0"/>
               </a:spcBef>
@@ -5291,7 +5216,7 @@
               <a:buChar char="●"/>
               <a:defRPr/>
             </a:lvl7pPr>
-            <a:lvl8pPr indent="-317500" lvl="7" marL="3657600">
+            <a:lvl8pPr marL="3657600" lvl="7" indent="-317500">
               <a:spcBef>
                 <a:spcPts val="0"/>
               </a:spcBef>
@@ -5302,7 +5227,7 @@
               <a:buChar char="○"/>
               <a:defRPr/>
             </a:lvl8pPr>
-            <a:lvl9pPr indent="-317500" lvl="8" marL="4114800">
+            <a:lvl9pPr marL="4114800" lvl="8" indent="-317500">
               <a:spcBef>
                 <a:spcPts val="0"/>
               </a:spcBef>
@@ -5322,7 +5247,7 @@
           <p:cNvPr id="37" name="Google Shape;37;p4"/>
           <p:cNvSpPr txBox="1"/>
           <p:nvPr>
-            <p:ph idx="12" type="sldNum"/>
+            <p:ph type="sldNum" idx="12"/>
           </p:nvPr>
         </p:nvSpPr>
         <p:spPr>
@@ -5335,7 +5260,7 @@
           </a:prstGeom>
         </p:spPr>
         <p:txBody>
-          <a:bodyPr anchorCtr="0" anchor="ctr" bIns="91425" lIns="91425" spcFirstLastPara="1" rIns="91425" wrap="square" tIns="91425">
+          <a:bodyPr spcFirstLastPara="1" wrap="square" lIns="91425" tIns="91425" rIns="91425" bIns="91425" anchor="ctr" anchorCtr="0">
             <a:normAutofit/>
           </a:bodyPr>
           <a:lstStyle>
@@ -5377,7 +5302,7 @@
             </a:lvl9pPr>
           </a:lstStyle>
           <a:p>
-            <a:pPr indent="0" lvl="0" marL="0" rtl="0" algn="r">
+            <a:pPr marL="0" lvl="0" indent="0" algn="r" rtl="0">
               <a:spcBef>
                 <a:spcPts val="0"/>
               </a:spcBef>
@@ -5388,9 +5313,8 @@
             </a:pPr>
             <a:fld id="{00000000-1234-1234-1234-123412341234}" type="slidenum">
               <a:rPr lang="en-GB"/>
-              <a:t>‹#›</a:t>
             </a:fld>
-            <a:endParaRPr/>
+            <a:endParaRPr lang="en-GB"/>
           </a:p>
         </p:txBody>
       </p:sp>
@@ -5403,7 +5327,7 @@
 </file>
 
 <file path=ppt/slideLayouts/slideLayout4.xml><?xml version="1.0" encoding="utf-8"?>
-<p:sldLayout xmlns:a="http://schemas.openxmlformats.org/drawingml/2006/main" xmlns:r="http://schemas.openxmlformats.org/officeDocument/2006/relationships" xmlns:mc="http://schemas.openxmlformats.org/markup-compatibility/2006" xmlns:mv="urn:schemas-microsoft-com:mac:vml" xmlns:p="http://schemas.openxmlformats.org/presentationml/2006/main" xmlns:c="http://schemas.openxmlformats.org/drawingml/2006/chart" xmlns:dgm="http://schemas.openxmlformats.org/drawingml/2006/diagram" xmlns:o="urn:schemas-microsoft-com:office:office" xmlns:v="urn:schemas-microsoft-com:vml" xmlns:pvml="urn:schemas-microsoft-com:office:powerpoint" xmlns:com="http://schemas.openxmlformats.org/drawingml/2006/compatibility" xmlns:p14="http://schemas.microsoft.com/office/powerpoint/2010/main" xmlns:p15="http://schemas.microsoft.com/office/powerpoint/2012/main" xmlns:ahyp="http://schemas.microsoft.com/office/drawing/2018/hyperlinkcolor" matchingName="Title and two columns" type="twoColTx">
+<p:sldLayout xmlns:a="http://schemas.openxmlformats.org/drawingml/2006/main" xmlns:r="http://schemas.openxmlformats.org/officeDocument/2006/relationships" xmlns:p="http://schemas.openxmlformats.org/presentationml/2006/main" type="twoColTx" matchingName="Title and two columns">
   <p:cSld name="TITLE_AND_TWO_COLUMNS">
     <p:spTree>
       <p:nvGrpSpPr>
@@ -5437,7 +5361,7 @@
           </a:prstGeom>
         </p:spPr>
         <p:txBody>
-          <a:bodyPr anchorCtr="0" anchor="t" bIns="91425" lIns="91425" spcFirstLastPara="1" rIns="91425" wrap="square" tIns="91425">
+          <a:bodyPr spcFirstLastPara="1" wrap="square" lIns="91425" tIns="91425" rIns="91425" bIns="91425" anchor="t" anchorCtr="0">
             <a:normAutofit/>
           </a:bodyPr>
           <a:lstStyle>
@@ -5549,7 +5473,7 @@
           <p:cNvPr id="40" name="Google Shape;40;p5"/>
           <p:cNvSpPr txBox="1"/>
           <p:nvPr>
-            <p:ph idx="1" type="body"/>
+            <p:ph type="body" idx="1"/>
           </p:nvPr>
         </p:nvSpPr>
         <p:spPr>
@@ -5562,11 +5486,11 @@
           </a:prstGeom>
         </p:spPr>
         <p:txBody>
-          <a:bodyPr anchorCtr="0" anchor="t" bIns="91425" lIns="91425" spcFirstLastPara="1" rIns="91425" wrap="square" tIns="91425">
+          <a:bodyPr spcFirstLastPara="1" wrap="square" lIns="91425" tIns="91425" rIns="91425" bIns="91425" anchor="t" anchorCtr="0">
             <a:normAutofit/>
           </a:bodyPr>
           <a:lstStyle>
-            <a:lvl1pPr indent="-317500" lvl="0" marL="457200">
+            <a:lvl1pPr marL="457200" lvl="0" indent="-317500">
               <a:spcBef>
                 <a:spcPts val="0"/>
               </a:spcBef>
@@ -5577,7 +5501,7 @@
               <a:buChar char="●"/>
               <a:defRPr sz="1400"/>
             </a:lvl1pPr>
-            <a:lvl2pPr indent="-304800" lvl="1" marL="914400">
+            <a:lvl2pPr marL="914400" lvl="1" indent="-304800">
               <a:spcBef>
                 <a:spcPts val="0"/>
               </a:spcBef>
@@ -5588,7 +5512,7 @@
               <a:buChar char="○"/>
               <a:defRPr sz="1200"/>
             </a:lvl2pPr>
-            <a:lvl3pPr indent="-304800" lvl="2" marL="1371600">
+            <a:lvl3pPr marL="1371600" lvl="2" indent="-304800">
               <a:spcBef>
                 <a:spcPts val="0"/>
               </a:spcBef>
@@ -5599,7 +5523,7 @@
               <a:buChar char="■"/>
               <a:defRPr sz="1200"/>
             </a:lvl3pPr>
-            <a:lvl4pPr indent="-304800" lvl="3" marL="1828800">
+            <a:lvl4pPr marL="1828800" lvl="3" indent="-304800">
               <a:spcBef>
                 <a:spcPts val="0"/>
               </a:spcBef>
@@ -5610,7 +5534,7 @@
               <a:buChar char="●"/>
               <a:defRPr sz="1200"/>
             </a:lvl4pPr>
-            <a:lvl5pPr indent="-304800" lvl="4" marL="2286000">
+            <a:lvl5pPr marL="2286000" lvl="4" indent="-304800">
               <a:spcBef>
                 <a:spcPts val="0"/>
               </a:spcBef>
@@ -5621,7 +5545,7 @@
               <a:buChar char="○"/>
               <a:defRPr sz="1200"/>
             </a:lvl5pPr>
-            <a:lvl6pPr indent="-304800" lvl="5" marL="2743200">
+            <a:lvl6pPr marL="2743200" lvl="5" indent="-304800">
               <a:spcBef>
                 <a:spcPts val="0"/>
               </a:spcBef>
@@ -5632,7 +5556,7 @@
               <a:buChar char="■"/>
               <a:defRPr sz="1200"/>
             </a:lvl6pPr>
-            <a:lvl7pPr indent="-304800" lvl="6" marL="3200400">
+            <a:lvl7pPr marL="3200400" lvl="6" indent="-304800">
               <a:spcBef>
                 <a:spcPts val="0"/>
               </a:spcBef>
@@ -5643,7 +5567,7 @@
               <a:buChar char="●"/>
               <a:defRPr sz="1200"/>
             </a:lvl7pPr>
-            <a:lvl8pPr indent="-304800" lvl="7" marL="3657600">
+            <a:lvl8pPr marL="3657600" lvl="7" indent="-304800">
               <a:spcBef>
                 <a:spcPts val="0"/>
               </a:spcBef>
@@ -5654,7 +5578,7 @@
               <a:buChar char="○"/>
               <a:defRPr sz="1200"/>
             </a:lvl8pPr>
-            <a:lvl9pPr indent="-304800" lvl="8" marL="4114800">
+            <a:lvl9pPr marL="4114800" lvl="8" indent="-304800">
               <a:spcBef>
                 <a:spcPts val="0"/>
               </a:spcBef>
@@ -5674,7 +5598,7 @@
           <p:cNvPr id="41" name="Google Shape;41;p5"/>
           <p:cNvSpPr txBox="1"/>
           <p:nvPr>
-            <p:ph idx="2" type="body"/>
+            <p:ph type="body" idx="2"/>
           </p:nvPr>
         </p:nvSpPr>
         <p:spPr>
@@ -5687,11 +5611,11 @@
           </a:prstGeom>
         </p:spPr>
         <p:txBody>
-          <a:bodyPr anchorCtr="0" anchor="t" bIns="91425" lIns="91425" spcFirstLastPara="1" rIns="91425" wrap="square" tIns="91425">
+          <a:bodyPr spcFirstLastPara="1" wrap="square" lIns="91425" tIns="91425" rIns="91425" bIns="91425" anchor="t" anchorCtr="0">
             <a:normAutofit/>
           </a:bodyPr>
           <a:lstStyle>
-            <a:lvl1pPr indent="-317500" lvl="0" marL="457200">
+            <a:lvl1pPr marL="457200" lvl="0" indent="-317500">
               <a:spcBef>
                 <a:spcPts val="0"/>
               </a:spcBef>
@@ -5702,7 +5626,7 @@
               <a:buChar char="●"/>
               <a:defRPr sz="1400"/>
             </a:lvl1pPr>
-            <a:lvl2pPr indent="-304800" lvl="1" marL="914400">
+            <a:lvl2pPr marL="914400" lvl="1" indent="-304800">
               <a:spcBef>
                 <a:spcPts val="0"/>
               </a:spcBef>
@@ -5713,7 +5637,7 @@
               <a:buChar char="○"/>
               <a:defRPr sz="1200"/>
             </a:lvl2pPr>
-            <a:lvl3pPr indent="-304800" lvl="2" marL="1371600">
+            <a:lvl3pPr marL="1371600" lvl="2" indent="-304800">
               <a:spcBef>
                 <a:spcPts val="0"/>
               </a:spcBef>
@@ -5724,7 +5648,7 @@
               <a:buChar char="■"/>
               <a:defRPr sz="1200"/>
             </a:lvl3pPr>
-            <a:lvl4pPr indent="-304800" lvl="3" marL="1828800">
+            <a:lvl4pPr marL="1828800" lvl="3" indent="-304800">
               <a:spcBef>
                 <a:spcPts val="0"/>
               </a:spcBef>
@@ -5735,7 +5659,7 @@
               <a:buChar char="●"/>
               <a:defRPr sz="1200"/>
             </a:lvl4pPr>
-            <a:lvl5pPr indent="-304800" lvl="4" marL="2286000">
+            <a:lvl5pPr marL="2286000" lvl="4" indent="-304800">
               <a:spcBef>
                 <a:spcPts val="0"/>
               </a:spcBef>
@@ -5746,7 +5670,7 @@
               <a:buChar char="○"/>
               <a:defRPr sz="1200"/>
             </a:lvl5pPr>
-            <a:lvl6pPr indent="-304800" lvl="5" marL="2743200">
+            <a:lvl6pPr marL="2743200" lvl="5" indent="-304800">
               <a:spcBef>
                 <a:spcPts val="0"/>
               </a:spcBef>
@@ -5757,7 +5681,7 @@
               <a:buChar char="■"/>
               <a:defRPr sz="1200"/>
             </a:lvl6pPr>
-            <a:lvl7pPr indent="-304800" lvl="6" marL="3200400">
+            <a:lvl7pPr marL="3200400" lvl="6" indent="-304800">
               <a:spcBef>
                 <a:spcPts val="0"/>
               </a:spcBef>
@@ -5768,7 +5692,7 @@
               <a:buChar char="●"/>
               <a:defRPr sz="1200"/>
             </a:lvl7pPr>
-            <a:lvl8pPr indent="-304800" lvl="7" marL="3657600">
+            <a:lvl8pPr marL="3657600" lvl="7" indent="-304800">
               <a:spcBef>
                 <a:spcPts val="0"/>
               </a:spcBef>
@@ -5779,7 +5703,7 @@
               <a:buChar char="○"/>
               <a:defRPr sz="1200"/>
             </a:lvl8pPr>
-            <a:lvl9pPr indent="-304800" lvl="8" marL="4114800">
+            <a:lvl9pPr marL="4114800" lvl="8" indent="-304800">
               <a:spcBef>
                 <a:spcPts val="0"/>
               </a:spcBef>
@@ -5799,7 +5723,7 @@
           <p:cNvPr id="42" name="Google Shape;42;p5"/>
           <p:cNvSpPr txBox="1"/>
           <p:nvPr>
-            <p:ph idx="12" type="sldNum"/>
+            <p:ph type="sldNum" idx="12"/>
           </p:nvPr>
         </p:nvSpPr>
         <p:spPr>
@@ -5812,7 +5736,7 @@
           </a:prstGeom>
         </p:spPr>
         <p:txBody>
-          <a:bodyPr anchorCtr="0" anchor="ctr" bIns="91425" lIns="91425" spcFirstLastPara="1" rIns="91425" wrap="square" tIns="91425">
+          <a:bodyPr spcFirstLastPara="1" wrap="square" lIns="91425" tIns="91425" rIns="91425" bIns="91425" anchor="ctr" anchorCtr="0">
             <a:normAutofit/>
           </a:bodyPr>
           <a:lstStyle>
@@ -5890,7 +5814,7 @@
             </a:lvl9pPr>
           </a:lstStyle>
           <a:p>
-            <a:pPr indent="0" lvl="0" marL="0" rtl="0" algn="r">
+            <a:pPr marL="0" lvl="0" indent="0" algn="r" rtl="0">
               <a:spcBef>
                 <a:spcPts val="0"/>
               </a:spcBef>
@@ -5901,9 +5825,8 @@
             </a:pPr>
             <a:fld id="{00000000-1234-1234-1234-123412341234}" type="slidenum">
               <a:rPr lang="en-GB"/>
-              <a:t>‹#›</a:t>
             </a:fld>
-            <a:endParaRPr/>
+            <a:endParaRPr lang="en-GB"/>
           </a:p>
         </p:txBody>
       </p:sp>
@@ -5916,7 +5839,7 @@
 </file>
 
 <file path=ppt/slideLayouts/slideLayout5.xml><?xml version="1.0" encoding="utf-8"?>
-<p:sldLayout xmlns:a="http://schemas.openxmlformats.org/drawingml/2006/main" xmlns:r="http://schemas.openxmlformats.org/officeDocument/2006/relationships" xmlns:mc="http://schemas.openxmlformats.org/markup-compatibility/2006" xmlns:mv="urn:schemas-microsoft-com:mac:vml" xmlns:p="http://schemas.openxmlformats.org/presentationml/2006/main" xmlns:c="http://schemas.openxmlformats.org/drawingml/2006/chart" xmlns:dgm="http://schemas.openxmlformats.org/drawingml/2006/diagram" xmlns:o="urn:schemas-microsoft-com:office:office" xmlns:v="urn:schemas-microsoft-com:vml" xmlns:pvml="urn:schemas-microsoft-com:office:powerpoint" xmlns:com="http://schemas.openxmlformats.org/drawingml/2006/compatibility" xmlns:p14="http://schemas.microsoft.com/office/powerpoint/2010/main" xmlns:p15="http://schemas.microsoft.com/office/powerpoint/2012/main" xmlns:ahyp="http://schemas.microsoft.com/office/drawing/2018/hyperlinkcolor" matchingName="Title only" type="titleOnly">
+<p:sldLayout xmlns:a="http://schemas.openxmlformats.org/drawingml/2006/main" xmlns:r="http://schemas.openxmlformats.org/officeDocument/2006/relationships" xmlns:p="http://schemas.openxmlformats.org/presentationml/2006/main" type="titleOnly" matchingName="Title only">
   <p:cSld name="TITLE_ONLY">
     <p:spTree>
       <p:nvGrpSpPr>
@@ -5950,7 +5873,7 @@
           </a:prstGeom>
         </p:spPr>
         <p:txBody>
-          <a:bodyPr anchorCtr="0" anchor="t" bIns="91425" lIns="91425" spcFirstLastPara="1" rIns="91425" wrap="square" tIns="91425">
+          <a:bodyPr spcFirstLastPara="1" wrap="square" lIns="91425" tIns="91425" rIns="91425" bIns="91425" anchor="t" anchorCtr="0">
             <a:normAutofit/>
           </a:bodyPr>
           <a:lstStyle>
@@ -6062,7 +5985,7 @@
           <p:cNvPr id="45" name="Google Shape;45;p6"/>
           <p:cNvSpPr txBox="1"/>
           <p:nvPr>
-            <p:ph idx="12" type="sldNum"/>
+            <p:ph type="sldNum" idx="12"/>
           </p:nvPr>
         </p:nvSpPr>
         <p:spPr>
@@ -6075,7 +5998,7 @@
           </a:prstGeom>
         </p:spPr>
         <p:txBody>
-          <a:bodyPr anchorCtr="0" anchor="ctr" bIns="91425" lIns="91425" spcFirstLastPara="1" rIns="91425" wrap="square" tIns="91425">
+          <a:bodyPr spcFirstLastPara="1" wrap="square" lIns="91425" tIns="91425" rIns="91425" bIns="91425" anchor="ctr" anchorCtr="0">
             <a:normAutofit/>
           </a:bodyPr>
           <a:lstStyle>
@@ -6153,7 +6076,7 @@
             </a:lvl9pPr>
           </a:lstStyle>
           <a:p>
-            <a:pPr indent="0" lvl="0" marL="0" rtl="0" algn="r">
+            <a:pPr marL="0" lvl="0" indent="0" algn="r" rtl="0">
               <a:spcBef>
                 <a:spcPts val="0"/>
               </a:spcBef>
@@ -6164,9 +6087,8 @@
             </a:pPr>
             <a:fld id="{00000000-1234-1234-1234-123412341234}" type="slidenum">
               <a:rPr lang="en-GB"/>
-              <a:t>‹#›</a:t>
             </a:fld>
-            <a:endParaRPr/>
+            <a:endParaRPr lang="en-GB"/>
           </a:p>
         </p:txBody>
       </p:sp>
@@ -6179,7 +6101,7 @@
 </file>
 
 <file path=ppt/slideLayouts/slideLayout6.xml><?xml version="1.0" encoding="utf-8"?>
-<p:sldLayout xmlns:a="http://schemas.openxmlformats.org/drawingml/2006/main" xmlns:r="http://schemas.openxmlformats.org/officeDocument/2006/relationships" xmlns:mc="http://schemas.openxmlformats.org/markup-compatibility/2006" xmlns:mv="urn:schemas-microsoft-com:mac:vml" xmlns:p="http://schemas.openxmlformats.org/presentationml/2006/main" xmlns:c="http://schemas.openxmlformats.org/drawingml/2006/chart" xmlns:dgm="http://schemas.openxmlformats.org/drawingml/2006/diagram" xmlns:o="urn:schemas-microsoft-com:office:office" xmlns:v="urn:schemas-microsoft-com:vml" xmlns:pvml="urn:schemas-microsoft-com:office:powerpoint" xmlns:com="http://schemas.openxmlformats.org/drawingml/2006/compatibility" xmlns:p14="http://schemas.microsoft.com/office/powerpoint/2010/main" xmlns:p15="http://schemas.microsoft.com/office/powerpoint/2012/main" xmlns:ahyp="http://schemas.microsoft.com/office/drawing/2018/hyperlinkcolor" matchingName="One column text">
+<p:sldLayout xmlns:a="http://schemas.openxmlformats.org/drawingml/2006/main" xmlns:r="http://schemas.openxmlformats.org/officeDocument/2006/relationships" xmlns:p="http://schemas.openxmlformats.org/presentationml/2006/main" matchingName="One column text">
   <p:cSld name="ONE_COLUMN_TEXT">
     <p:spTree>
       <p:nvGrpSpPr>
@@ -6213,7 +6135,7 @@
           </a:prstGeom>
         </p:spPr>
         <p:txBody>
-          <a:bodyPr anchorCtr="0" anchor="b" bIns="91425" lIns="91425" spcFirstLastPara="1" rIns="91425" wrap="square" tIns="91425">
+          <a:bodyPr spcFirstLastPara="1" wrap="square" lIns="91425" tIns="91425" rIns="91425" bIns="91425" anchor="b" anchorCtr="0">
             <a:normAutofit/>
           </a:bodyPr>
           <a:lstStyle>
@@ -6325,7 +6247,7 @@
           <p:cNvPr id="48" name="Google Shape;48;p7"/>
           <p:cNvSpPr txBox="1"/>
           <p:nvPr>
-            <p:ph idx="1" type="body"/>
+            <p:ph type="body" idx="1"/>
           </p:nvPr>
         </p:nvSpPr>
         <p:spPr>
@@ -6338,11 +6260,11 @@
           </a:prstGeom>
         </p:spPr>
         <p:txBody>
-          <a:bodyPr anchorCtr="0" anchor="t" bIns="91425" lIns="91425" spcFirstLastPara="1" rIns="91425" wrap="square" tIns="91425">
+          <a:bodyPr spcFirstLastPara="1" wrap="square" lIns="91425" tIns="91425" rIns="91425" bIns="91425" anchor="t" anchorCtr="0">
             <a:normAutofit/>
           </a:bodyPr>
           <a:lstStyle>
-            <a:lvl1pPr indent="-304800" lvl="0" marL="457200">
+            <a:lvl1pPr marL="457200" lvl="0" indent="-304800">
               <a:spcBef>
                 <a:spcPts val="0"/>
               </a:spcBef>
@@ -6353,7 +6275,7 @@
               <a:buChar char="●"/>
               <a:defRPr sz="1200"/>
             </a:lvl1pPr>
-            <a:lvl2pPr indent="-304800" lvl="1" marL="914400">
+            <a:lvl2pPr marL="914400" lvl="1" indent="-304800">
               <a:spcBef>
                 <a:spcPts val="0"/>
               </a:spcBef>
@@ -6364,7 +6286,7 @@
               <a:buChar char="○"/>
               <a:defRPr sz="1200"/>
             </a:lvl2pPr>
-            <a:lvl3pPr indent="-304800" lvl="2" marL="1371600">
+            <a:lvl3pPr marL="1371600" lvl="2" indent="-304800">
               <a:spcBef>
                 <a:spcPts val="0"/>
               </a:spcBef>
@@ -6375,7 +6297,7 @@
               <a:buChar char="■"/>
               <a:defRPr sz="1200"/>
             </a:lvl3pPr>
-            <a:lvl4pPr indent="-304800" lvl="3" marL="1828800">
+            <a:lvl4pPr marL="1828800" lvl="3" indent="-304800">
               <a:spcBef>
                 <a:spcPts val="0"/>
               </a:spcBef>
@@ -6386,7 +6308,7 @@
               <a:buChar char="●"/>
               <a:defRPr sz="1200"/>
             </a:lvl4pPr>
-            <a:lvl5pPr indent="-304800" lvl="4" marL="2286000">
+            <a:lvl5pPr marL="2286000" lvl="4" indent="-304800">
               <a:spcBef>
                 <a:spcPts val="0"/>
               </a:spcBef>
@@ -6397,7 +6319,7 @@
               <a:buChar char="○"/>
               <a:defRPr sz="1200"/>
             </a:lvl5pPr>
-            <a:lvl6pPr indent="-304800" lvl="5" marL="2743200">
+            <a:lvl6pPr marL="2743200" lvl="5" indent="-304800">
               <a:spcBef>
                 <a:spcPts val="0"/>
               </a:spcBef>
@@ -6408,7 +6330,7 @@
               <a:buChar char="■"/>
               <a:defRPr sz="1200"/>
             </a:lvl6pPr>
-            <a:lvl7pPr indent="-304800" lvl="6" marL="3200400">
+            <a:lvl7pPr marL="3200400" lvl="6" indent="-304800">
               <a:spcBef>
                 <a:spcPts val="0"/>
               </a:spcBef>
@@ -6419,7 +6341,7 @@
               <a:buChar char="●"/>
               <a:defRPr sz="1200"/>
             </a:lvl7pPr>
-            <a:lvl8pPr indent="-304800" lvl="7" marL="3657600">
+            <a:lvl8pPr marL="3657600" lvl="7" indent="-304800">
               <a:spcBef>
                 <a:spcPts val="0"/>
               </a:spcBef>
@@ -6430,7 +6352,7 @@
               <a:buChar char="○"/>
               <a:defRPr sz="1200"/>
             </a:lvl8pPr>
-            <a:lvl9pPr indent="-304800" lvl="8" marL="4114800">
+            <a:lvl9pPr marL="4114800" lvl="8" indent="-304800">
               <a:spcBef>
                 <a:spcPts val="0"/>
               </a:spcBef>
@@ -6450,7 +6372,7 @@
           <p:cNvPr id="49" name="Google Shape;49;p7"/>
           <p:cNvSpPr txBox="1"/>
           <p:nvPr>
-            <p:ph idx="12" type="sldNum"/>
+            <p:ph type="sldNum" idx="12"/>
           </p:nvPr>
         </p:nvSpPr>
         <p:spPr>
@@ -6463,7 +6385,7 @@
           </a:prstGeom>
         </p:spPr>
         <p:txBody>
-          <a:bodyPr anchorCtr="0" anchor="ctr" bIns="91425" lIns="91425" spcFirstLastPara="1" rIns="91425" wrap="square" tIns="91425">
+          <a:bodyPr spcFirstLastPara="1" wrap="square" lIns="91425" tIns="91425" rIns="91425" bIns="91425" anchor="ctr" anchorCtr="0">
             <a:normAutofit/>
           </a:bodyPr>
           <a:lstStyle>
@@ -6541,7 +6463,7 @@
             </a:lvl9pPr>
           </a:lstStyle>
           <a:p>
-            <a:pPr indent="0" lvl="0" marL="0" rtl="0" algn="r">
+            <a:pPr marL="0" lvl="0" indent="0" algn="r" rtl="0">
               <a:spcBef>
                 <a:spcPts val="0"/>
               </a:spcBef>
@@ -6552,9 +6474,8 @@
             </a:pPr>
             <a:fld id="{00000000-1234-1234-1234-123412341234}" type="slidenum">
               <a:rPr lang="en-GB"/>
-              <a:t>‹#›</a:t>
             </a:fld>
-            <a:endParaRPr/>
+            <a:endParaRPr lang="en-GB"/>
           </a:p>
         </p:txBody>
       </p:sp>
@@ -6567,13 +6488,14 @@
 </file>
 
 <file path=ppt/slideLayouts/slideLayout7.xml><?xml version="1.0" encoding="utf-8"?>
-<p:sldLayout xmlns:a="http://schemas.openxmlformats.org/drawingml/2006/main" xmlns:r="http://schemas.openxmlformats.org/officeDocument/2006/relationships" xmlns:mc="http://schemas.openxmlformats.org/markup-compatibility/2006" xmlns:mv="urn:schemas-microsoft-com:mac:vml" xmlns:p="http://schemas.openxmlformats.org/presentationml/2006/main" xmlns:c="http://schemas.openxmlformats.org/drawingml/2006/chart" xmlns:dgm="http://schemas.openxmlformats.org/drawingml/2006/diagram" xmlns:o="urn:schemas-microsoft-com:office:office" xmlns:v="urn:schemas-microsoft-com:vml" xmlns:pvml="urn:schemas-microsoft-com:office:powerpoint" xmlns:com="http://schemas.openxmlformats.org/drawingml/2006/compatibility" xmlns:p14="http://schemas.microsoft.com/office/powerpoint/2010/main" xmlns:p15="http://schemas.microsoft.com/office/powerpoint/2012/main" xmlns:ahyp="http://schemas.microsoft.com/office/drawing/2018/hyperlinkcolor" matchingName="Main point">
+<p:sldLayout xmlns:a="http://schemas.openxmlformats.org/drawingml/2006/main" xmlns:r="http://schemas.openxmlformats.org/officeDocument/2006/relationships" xmlns:p="http://schemas.openxmlformats.org/presentationml/2006/main" matchingName="Main point">
   <p:cSld name="MAIN_POINT">
     <p:bg>
       <p:bgPr>
         <a:solidFill>
           <a:schemeClr val="accent4"/>
         </a:solidFill>
+        <a:effectLst/>
       </p:bgPr>
     </p:bg>
     <p:spTree>
@@ -6626,12 +6548,12 @@
             </a:ln>
           </p:spPr>
           <p:txBody>
-            <a:bodyPr anchorCtr="0" anchor="ctr" bIns="91425" lIns="91425" spcFirstLastPara="1" rIns="91425" wrap="square" tIns="91425">
+            <a:bodyPr spcFirstLastPara="1" wrap="square" lIns="91425" tIns="91425" rIns="91425" bIns="91425" anchor="ctr" anchorCtr="0">
               <a:noAutofit/>
             </a:bodyPr>
             <a:lstStyle/>
             <a:p>
-              <a:pPr indent="0" lvl="0" marL="0" rtl="0" algn="l">
+              <a:pPr marL="0" lvl="0" indent="0" algn="l" rtl="0">
                 <a:spcBef>
                   <a:spcPts val="0"/>
                 </a:spcBef>
@@ -6640,10 +6562,6 @@
                 </a:spcAft>
                 <a:buNone/>
               </a:pPr>
-              <a:r>
-                <a:t/>
-              </a:r>
-              <a:endParaRPr/>
             </a:p>
           </p:txBody>
         </p:sp>
@@ -6669,12 +6587,12 @@
             </a:ln>
           </p:spPr>
           <p:txBody>
-            <a:bodyPr anchorCtr="0" anchor="ctr" bIns="91425" lIns="91425" spcFirstLastPara="1" rIns="91425" wrap="square" tIns="91425">
+            <a:bodyPr spcFirstLastPara="1" wrap="square" lIns="91425" tIns="91425" rIns="91425" bIns="91425" anchor="ctr" anchorCtr="0">
               <a:noAutofit/>
             </a:bodyPr>
             <a:lstStyle/>
             <a:p>
-              <a:pPr indent="0" lvl="0" marL="0" rtl="0" algn="l">
+              <a:pPr marL="0" lvl="0" indent="0" algn="l" rtl="0">
                 <a:spcBef>
                   <a:spcPts val="0"/>
                 </a:spcBef>
@@ -6683,10 +6601,6 @@
                 </a:spcAft>
                 <a:buNone/>
               </a:pPr>
-              <a:r>
-                <a:t/>
-              </a:r>
-              <a:endParaRPr/>
             </a:p>
           </p:txBody>
         </p:sp>
@@ -6697,7 +6611,7 @@
             <p:nvPr/>
           </p:nvSpPr>
           <p:spPr>
-            <a:xfrm flipH="1" rot="10800000">
+            <a:xfrm rot="10800000" flipH="1">
               <a:off x="7113588" y="107"/>
               <a:ext cx="1015200" cy="1015200"/>
             </a:xfrm>
@@ -6712,12 +6626,12 @@
             </a:ln>
           </p:spPr>
           <p:txBody>
-            <a:bodyPr anchorCtr="0" anchor="ctr" bIns="91425" lIns="91425" spcFirstLastPara="1" rIns="91425" wrap="square" tIns="91425">
+            <a:bodyPr spcFirstLastPara="1" wrap="square" lIns="91425" tIns="91425" rIns="91425" bIns="91425" anchor="ctr" anchorCtr="0">
               <a:noAutofit/>
             </a:bodyPr>
             <a:lstStyle/>
             <a:p>
-              <a:pPr indent="0" lvl="0" marL="0" rtl="0" algn="l">
+              <a:pPr marL="0" lvl="0" indent="0" algn="l" rtl="0">
                 <a:spcBef>
                   <a:spcPts val="0"/>
                 </a:spcBef>
@@ -6726,10 +6640,6 @@
                 </a:spcAft>
                 <a:buNone/>
               </a:pPr>
-              <a:r>
-                <a:t/>
-              </a:r>
-              <a:endParaRPr/>
             </a:p>
           </p:txBody>
         </p:sp>
@@ -6755,12 +6665,12 @@
             </a:ln>
           </p:spPr>
           <p:txBody>
-            <a:bodyPr anchorCtr="0" anchor="ctr" bIns="91425" lIns="91425" spcFirstLastPara="1" rIns="91425" wrap="square" tIns="91425">
+            <a:bodyPr spcFirstLastPara="1" wrap="square" lIns="91425" tIns="91425" rIns="91425" bIns="91425" anchor="ctr" anchorCtr="0">
               <a:noAutofit/>
             </a:bodyPr>
             <a:lstStyle/>
             <a:p>
-              <a:pPr indent="0" lvl="0" marL="0" rtl="0" algn="l">
+              <a:pPr marL="0" lvl="0" indent="0" algn="l" rtl="0">
                 <a:spcBef>
                   <a:spcPts val="0"/>
                 </a:spcBef>
@@ -6769,10 +6679,6 @@
                 </a:spcAft>
                 <a:buNone/>
               </a:pPr>
-              <a:r>
-                <a:t/>
-              </a:r>
-              <a:endParaRPr/>
             </a:p>
           </p:txBody>
         </p:sp>
@@ -6798,12 +6704,12 @@
             </a:ln>
           </p:spPr>
           <p:txBody>
-            <a:bodyPr anchorCtr="0" anchor="ctr" bIns="91425" lIns="91425" spcFirstLastPara="1" rIns="91425" wrap="square" tIns="91425">
+            <a:bodyPr spcFirstLastPara="1" wrap="square" lIns="91425" tIns="91425" rIns="91425" bIns="91425" anchor="ctr" anchorCtr="0">
               <a:noAutofit/>
             </a:bodyPr>
             <a:lstStyle/>
             <a:p>
-              <a:pPr indent="0" lvl="0" marL="0" rtl="0" algn="l">
+              <a:pPr marL="0" lvl="0" indent="0" algn="l" rtl="0">
                 <a:spcBef>
                   <a:spcPts val="0"/>
                 </a:spcBef>
@@ -6812,10 +6718,6 @@
                 </a:spcAft>
                 <a:buNone/>
               </a:pPr>
-              <a:r>
-                <a:t/>
-              </a:r>
-              <a:endParaRPr/>
             </a:p>
           </p:txBody>
         </p:sp>
@@ -6838,7 +6740,7 @@
           </a:prstGeom>
         </p:spPr>
         <p:txBody>
-          <a:bodyPr anchorCtr="0" anchor="ctr" bIns="91425" lIns="91425" spcFirstLastPara="1" rIns="91425" wrap="square" tIns="91425">
+          <a:bodyPr spcFirstLastPara="1" wrap="square" lIns="91425" tIns="91425" rIns="91425" bIns="91425" anchor="ctr" anchorCtr="0">
             <a:normAutofit/>
           </a:bodyPr>
           <a:lstStyle>
@@ -7013,7 +6915,7 @@
           <p:cNvPr id="58" name="Google Shape;58;p8"/>
           <p:cNvSpPr txBox="1"/>
           <p:nvPr>
-            <p:ph idx="12" type="sldNum"/>
+            <p:ph type="sldNum" idx="12"/>
           </p:nvPr>
         </p:nvSpPr>
         <p:spPr>
@@ -7026,7 +6928,7 @@
           </a:prstGeom>
         </p:spPr>
         <p:txBody>
-          <a:bodyPr anchorCtr="0" anchor="ctr" bIns="91425" lIns="91425" spcFirstLastPara="1" rIns="91425" wrap="square" tIns="91425">
+          <a:bodyPr spcFirstLastPara="1" wrap="square" lIns="91425" tIns="91425" rIns="91425" bIns="91425" anchor="ctr" anchorCtr="0">
             <a:normAutofit/>
           </a:bodyPr>
           <a:lstStyle>
@@ -7068,7 +6970,7 @@
             </a:lvl9pPr>
           </a:lstStyle>
           <a:p>
-            <a:pPr indent="0" lvl="0" marL="0" rtl="0" algn="r">
+            <a:pPr marL="0" lvl="0" indent="0" algn="r" rtl="0">
               <a:spcBef>
                 <a:spcPts val="0"/>
               </a:spcBef>
@@ -7079,9 +6981,8 @@
             </a:pPr>
             <a:fld id="{00000000-1234-1234-1234-123412341234}" type="slidenum">
               <a:rPr lang="en-GB"/>
-              <a:t>‹#›</a:t>
             </a:fld>
-            <a:endParaRPr/>
+            <a:endParaRPr lang="en-GB"/>
           </a:p>
         </p:txBody>
       </p:sp>
@@ -7094,7 +6995,7 @@
 </file>
 
 <file path=ppt/slideLayouts/slideLayout8.xml><?xml version="1.0" encoding="utf-8"?>
-<p:sldLayout xmlns:a="http://schemas.openxmlformats.org/drawingml/2006/main" xmlns:r="http://schemas.openxmlformats.org/officeDocument/2006/relationships" xmlns:mc="http://schemas.openxmlformats.org/markup-compatibility/2006" xmlns:mv="urn:schemas-microsoft-com:mac:vml" xmlns:p="http://schemas.openxmlformats.org/presentationml/2006/main" xmlns:c="http://schemas.openxmlformats.org/drawingml/2006/chart" xmlns:dgm="http://schemas.openxmlformats.org/drawingml/2006/diagram" xmlns:o="urn:schemas-microsoft-com:office:office" xmlns:v="urn:schemas-microsoft-com:vml" xmlns:pvml="urn:schemas-microsoft-com:office:powerpoint" xmlns:com="http://schemas.openxmlformats.org/drawingml/2006/compatibility" xmlns:p14="http://schemas.microsoft.com/office/powerpoint/2010/main" xmlns:p15="http://schemas.microsoft.com/office/powerpoint/2012/main" xmlns:ahyp="http://schemas.microsoft.com/office/drawing/2018/hyperlinkcolor" matchingName="Section title and description">
+<p:sldLayout xmlns:a="http://schemas.openxmlformats.org/drawingml/2006/main" xmlns:r="http://schemas.openxmlformats.org/officeDocument/2006/relationships" xmlns:p="http://schemas.openxmlformats.org/presentationml/2006/main" matchingName="Section title and description">
   <p:cSld name="SECTION_TITLE_AND_DESCRIPTION">
     <p:spTree>
       <p:nvGrpSpPr>
@@ -7132,12 +7033,12 @@
           </a:ln>
         </p:spPr>
         <p:txBody>
-          <a:bodyPr anchorCtr="0" anchor="ctr" bIns="91425" lIns="91425" spcFirstLastPara="1" rIns="91425" wrap="square" tIns="91425">
+          <a:bodyPr spcFirstLastPara="1" wrap="square" lIns="91425" tIns="91425" rIns="91425" bIns="91425" anchor="ctr" anchorCtr="0">
             <a:noAutofit/>
           </a:bodyPr>
           <a:lstStyle/>
           <a:p>
-            <a:pPr indent="0" lvl="0" marL="0" rtl="0" algn="l">
+            <a:pPr marL="0" lvl="0" indent="0" algn="l" rtl="0">
               <a:spcBef>
                 <a:spcPts val="0"/>
               </a:spcBef>
@@ -7146,10 +7047,6 @@
               </a:spcAft>
               <a:buNone/>
             </a:pPr>
-            <a:r>
-              <a:t/>
-            </a:r>
-            <a:endParaRPr/>
           </a:p>
         </p:txBody>
       </p:sp>
@@ -7168,14 +7065,14 @@
             <a:avLst/>
           </a:prstGeom>
           <a:noFill/>
-          <a:ln cap="flat" cmpd="sng" w="19050">
+          <a:ln w="19050" cap="flat" cmpd="sng">
             <a:solidFill>
               <a:schemeClr val="lt1"/>
             </a:solidFill>
             <a:prstDash val="solid"/>
             <a:round/>
-            <a:headEnd len="sm" w="sm" type="none"/>
-            <a:tailEnd len="sm" w="sm" type="none"/>
+            <a:headEnd type="none" w="sm" len="sm"/>
+            <a:tailEnd type="none" w="sm" len="sm"/>
           </a:ln>
         </p:spPr>
       </p:cxnSp>
@@ -7197,7 +7094,7 @@
           </a:prstGeom>
         </p:spPr>
         <p:txBody>
-          <a:bodyPr anchorCtr="0" anchor="b" bIns="91425" lIns="91425" spcFirstLastPara="1" rIns="91425" wrap="square" tIns="91425">
+          <a:bodyPr spcFirstLastPara="1" wrap="square" lIns="91425" tIns="91425" rIns="91425" bIns="91425" anchor="b" anchorCtr="0">
             <a:normAutofit/>
           </a:bodyPr>
           <a:lstStyle>
@@ -7309,7 +7206,7 @@
           <p:cNvPr id="63" name="Google Shape;63;p9"/>
           <p:cNvSpPr txBox="1"/>
           <p:nvPr>
-            <p:ph idx="1" type="subTitle"/>
+            <p:ph type="subTitle" idx="1"/>
           </p:nvPr>
         </p:nvSpPr>
         <p:spPr>
@@ -7322,7 +7219,7 @@
           </a:prstGeom>
         </p:spPr>
         <p:txBody>
-          <a:bodyPr anchorCtr="0" anchor="t" bIns="91425" lIns="91425" spcFirstLastPara="1" rIns="91425" wrap="square" tIns="91425">
+          <a:bodyPr spcFirstLastPara="1" wrap="square" lIns="91425" tIns="91425" rIns="91425" bIns="91425" anchor="t" anchorCtr="0">
             <a:normAutofit/>
           </a:bodyPr>
           <a:lstStyle>
@@ -7461,7 +7358,7 @@
           <p:cNvPr id="64" name="Google Shape;64;p9"/>
           <p:cNvSpPr txBox="1"/>
           <p:nvPr>
-            <p:ph idx="2" type="body"/>
+            <p:ph type="body" idx="2"/>
           </p:nvPr>
         </p:nvSpPr>
         <p:spPr>
@@ -7474,11 +7371,11 @@
           </a:prstGeom>
         </p:spPr>
         <p:txBody>
-          <a:bodyPr anchorCtr="0" anchor="ctr" bIns="91425" lIns="91425" spcFirstLastPara="1" rIns="91425" wrap="square" tIns="91425">
+          <a:bodyPr spcFirstLastPara="1" wrap="square" lIns="91425" tIns="91425" rIns="91425" bIns="91425" anchor="ctr" anchorCtr="0">
             <a:normAutofit/>
           </a:bodyPr>
           <a:lstStyle>
-            <a:lvl1pPr indent="-342900" lvl="0" marL="457200">
+            <a:lvl1pPr marL="457200" lvl="0" indent="-342900">
               <a:spcBef>
                 <a:spcPts val="0"/>
               </a:spcBef>
@@ -7496,7 +7393,7 @@
                 </a:solidFill>
               </a:defRPr>
             </a:lvl1pPr>
-            <a:lvl2pPr indent="-317500" lvl="1" marL="914400">
+            <a:lvl2pPr marL="914400" lvl="1" indent="-317500">
               <a:spcBef>
                 <a:spcPts val="0"/>
               </a:spcBef>
@@ -7514,7 +7411,7 @@
                 </a:solidFill>
               </a:defRPr>
             </a:lvl2pPr>
-            <a:lvl3pPr indent="-317500" lvl="2" marL="1371600">
+            <a:lvl3pPr marL="1371600" lvl="2" indent="-317500">
               <a:spcBef>
                 <a:spcPts val="0"/>
               </a:spcBef>
@@ -7532,7 +7429,7 @@
                 </a:solidFill>
               </a:defRPr>
             </a:lvl3pPr>
-            <a:lvl4pPr indent="-317500" lvl="3" marL="1828800">
+            <a:lvl4pPr marL="1828800" lvl="3" indent="-317500">
               <a:spcBef>
                 <a:spcPts val="0"/>
               </a:spcBef>
@@ -7550,7 +7447,7 @@
                 </a:solidFill>
               </a:defRPr>
             </a:lvl4pPr>
-            <a:lvl5pPr indent="-317500" lvl="4" marL="2286000">
+            <a:lvl5pPr marL="2286000" lvl="4" indent="-317500">
               <a:spcBef>
                 <a:spcPts val="0"/>
               </a:spcBef>
@@ -7568,7 +7465,7 @@
                 </a:solidFill>
               </a:defRPr>
             </a:lvl5pPr>
-            <a:lvl6pPr indent="-317500" lvl="5" marL="2743200">
+            <a:lvl6pPr marL="2743200" lvl="5" indent="-317500">
               <a:spcBef>
                 <a:spcPts val="0"/>
               </a:spcBef>
@@ -7586,7 +7483,7 @@
                 </a:solidFill>
               </a:defRPr>
             </a:lvl6pPr>
-            <a:lvl7pPr indent="-317500" lvl="6" marL="3200400">
+            <a:lvl7pPr marL="3200400" lvl="6" indent="-317500">
               <a:spcBef>
                 <a:spcPts val="0"/>
               </a:spcBef>
@@ -7604,7 +7501,7 @@
                 </a:solidFill>
               </a:defRPr>
             </a:lvl7pPr>
-            <a:lvl8pPr indent="-317500" lvl="7" marL="3657600">
+            <a:lvl8pPr marL="3657600" lvl="7" indent="-317500">
               <a:spcBef>
                 <a:spcPts val="0"/>
               </a:spcBef>
@@ -7622,7 +7519,7 @@
                 </a:solidFill>
               </a:defRPr>
             </a:lvl8pPr>
-            <a:lvl9pPr indent="-317500" lvl="8" marL="4114800">
+            <a:lvl9pPr marL="4114800" lvl="8" indent="-317500">
               <a:spcBef>
                 <a:spcPts val="0"/>
               </a:spcBef>
@@ -7649,7 +7546,7 @@
           <p:cNvPr id="65" name="Google Shape;65;p9"/>
           <p:cNvSpPr txBox="1"/>
           <p:nvPr>
-            <p:ph idx="12" type="sldNum"/>
+            <p:ph type="sldNum" idx="12"/>
           </p:nvPr>
         </p:nvSpPr>
         <p:spPr>
@@ -7662,7 +7559,7 @@
           </a:prstGeom>
         </p:spPr>
         <p:txBody>
-          <a:bodyPr anchorCtr="0" anchor="ctr" bIns="91425" lIns="91425" spcFirstLastPara="1" rIns="91425" wrap="square" tIns="91425">
+          <a:bodyPr spcFirstLastPara="1" wrap="square" lIns="91425" tIns="91425" rIns="91425" bIns="91425" anchor="ctr" anchorCtr="0">
             <a:normAutofit/>
           </a:bodyPr>
           <a:lstStyle>
@@ -7704,7 +7601,7 @@
             </a:lvl9pPr>
           </a:lstStyle>
           <a:p>
-            <a:pPr indent="0" lvl="0" marL="0" rtl="0" algn="r">
+            <a:pPr marL="0" lvl="0" indent="0" algn="r" rtl="0">
               <a:spcBef>
                 <a:spcPts val="0"/>
               </a:spcBef>
@@ -7715,9 +7612,8 @@
             </a:pPr>
             <a:fld id="{00000000-1234-1234-1234-123412341234}" type="slidenum">
               <a:rPr lang="en-GB"/>
-              <a:t>‹#›</a:t>
             </a:fld>
-            <a:endParaRPr/>
+            <a:endParaRPr lang="en-GB"/>
           </a:p>
         </p:txBody>
       </p:sp>
@@ -7730,7 +7626,7 @@
 </file>
 
 <file path=ppt/slideLayouts/slideLayout9.xml><?xml version="1.0" encoding="utf-8"?>
-<p:sldLayout xmlns:a="http://schemas.openxmlformats.org/drawingml/2006/main" xmlns:r="http://schemas.openxmlformats.org/officeDocument/2006/relationships" xmlns:mc="http://schemas.openxmlformats.org/markup-compatibility/2006" xmlns:mv="urn:schemas-microsoft-com:mac:vml" xmlns:p="http://schemas.openxmlformats.org/presentationml/2006/main" xmlns:c="http://schemas.openxmlformats.org/drawingml/2006/chart" xmlns:dgm="http://schemas.openxmlformats.org/drawingml/2006/diagram" xmlns:o="urn:schemas-microsoft-com:office:office" xmlns:v="urn:schemas-microsoft-com:vml" xmlns:pvml="urn:schemas-microsoft-com:office:powerpoint" xmlns:com="http://schemas.openxmlformats.org/drawingml/2006/compatibility" xmlns:p14="http://schemas.microsoft.com/office/powerpoint/2010/main" xmlns:p15="http://schemas.microsoft.com/office/powerpoint/2012/main" xmlns:ahyp="http://schemas.microsoft.com/office/drawing/2018/hyperlinkcolor" matchingName="Caption">
+<p:sldLayout xmlns:a="http://schemas.openxmlformats.org/drawingml/2006/main" xmlns:r="http://schemas.openxmlformats.org/officeDocument/2006/relationships" xmlns:p="http://schemas.openxmlformats.org/presentationml/2006/main" matchingName="Caption">
   <p:cSld name="CAPTION_ONLY">
     <p:spTree>
       <p:nvGrpSpPr>
@@ -7751,7 +7647,7 @@
           <p:cNvPr id="67" name="Google Shape;67;p10"/>
           <p:cNvSpPr txBox="1"/>
           <p:nvPr>
-            <p:ph idx="1" type="body"/>
+            <p:ph type="body" idx="1"/>
           </p:nvPr>
         </p:nvSpPr>
         <p:spPr>
@@ -7764,11 +7660,11 @@
           </a:prstGeom>
         </p:spPr>
         <p:txBody>
-          <a:bodyPr anchorCtr="0" anchor="ctr" bIns="91425" lIns="91425" spcFirstLastPara="1" rIns="91425" wrap="square" tIns="91425">
+          <a:bodyPr spcFirstLastPara="1" wrap="square" lIns="91425" tIns="91425" rIns="91425" bIns="91425" anchor="ctr" anchorCtr="0">
             <a:normAutofit/>
           </a:bodyPr>
           <a:lstStyle>
-            <a:lvl1pPr indent="-228600" lvl="0" marL="457200">
+            <a:lvl1pPr marL="457200" lvl="0" indent="-228600">
               <a:lnSpc>
                 <a:spcPct val="100000"/>
               </a:lnSpc>
@@ -7791,7 +7687,7 @@
           <p:cNvPr id="68" name="Google Shape;68;p10"/>
           <p:cNvSpPr txBox="1"/>
           <p:nvPr>
-            <p:ph idx="12" type="sldNum"/>
+            <p:ph type="sldNum" idx="12"/>
           </p:nvPr>
         </p:nvSpPr>
         <p:spPr>
@@ -7804,7 +7700,7 @@
           </a:prstGeom>
         </p:spPr>
         <p:txBody>
-          <a:bodyPr anchorCtr="0" anchor="ctr" bIns="91425" lIns="91425" spcFirstLastPara="1" rIns="91425" wrap="square" tIns="91425">
+          <a:bodyPr spcFirstLastPara="1" wrap="square" lIns="91425" tIns="91425" rIns="91425" bIns="91425" anchor="ctr" anchorCtr="0">
             <a:normAutofit/>
           </a:bodyPr>
           <a:lstStyle>
@@ -7882,7 +7778,7 @@
             </a:lvl9pPr>
           </a:lstStyle>
           <a:p>
-            <a:pPr indent="0" lvl="0" marL="0" rtl="0" algn="r">
+            <a:pPr marL="0" lvl="0" indent="0" algn="r" rtl="0">
               <a:spcBef>
                 <a:spcPts val="0"/>
               </a:spcBef>
@@ -7893,9 +7789,8 @@
             </a:pPr>
             <a:fld id="{00000000-1234-1234-1234-123412341234}" type="slidenum">
               <a:rPr lang="en-GB"/>
-              <a:t>‹#›</a:t>
             </a:fld>
-            <a:endParaRPr/>
+            <a:endParaRPr lang="en-GB"/>
           </a:p>
         </p:txBody>
       </p:sp>
@@ -7908,13 +7803,14 @@
 </file>
 
 <file path=ppt/slideMasters/slideMaster1.xml><?xml version="1.0" encoding="utf-8"?>
-<p:sldMaster xmlns:a="http://schemas.openxmlformats.org/drawingml/2006/main" xmlns:r="http://schemas.openxmlformats.org/officeDocument/2006/relationships" xmlns:mc="http://schemas.openxmlformats.org/markup-compatibility/2006" xmlns:mv="urn:schemas-microsoft-com:mac:vml" xmlns:p="http://schemas.openxmlformats.org/presentationml/2006/main" xmlns:c="http://schemas.openxmlformats.org/drawingml/2006/chart" xmlns:dgm="http://schemas.openxmlformats.org/drawingml/2006/diagram" xmlns:o="urn:schemas-microsoft-com:office:office" xmlns:v="urn:schemas-microsoft-com:vml" xmlns:pvml="urn:schemas-microsoft-com:office:powerpoint" xmlns:com="http://schemas.openxmlformats.org/drawingml/2006/compatibility" xmlns:p14="http://schemas.microsoft.com/office/powerpoint/2010/main" xmlns:p15="http://schemas.microsoft.com/office/powerpoint/2012/main" xmlns:ahyp="http://schemas.microsoft.com/office/drawing/2018/hyperlinkcolor">
-  <p:cSld name="geometric">
+<p:sldMaster xmlns:a="http://schemas.openxmlformats.org/drawingml/2006/main" xmlns:r="http://schemas.openxmlformats.org/officeDocument/2006/relationships" xmlns:p="http://schemas.openxmlformats.org/presentationml/2006/main">
+  <p:cSld>
     <p:bg>
       <p:bgPr>
         <a:solidFill>
           <a:schemeClr val="lt1"/>
         </a:solidFill>
+        <a:effectLst/>
       </p:bgPr>
     </p:bg>
     <p:spTree>
@@ -7953,7 +7849,7 @@
           </a:ln>
         </p:spPr>
         <p:txBody>
-          <a:bodyPr anchorCtr="0" anchor="t" bIns="91425" lIns="91425" spcFirstLastPara="1" rIns="91425" wrap="square" tIns="91425">
+          <a:bodyPr spcFirstLastPara="1" wrap="square" lIns="91425" tIns="91425" rIns="91425" bIns="91425" anchor="t" anchorCtr="0">
             <a:normAutofit/>
           </a:bodyPr>
           <a:lstStyle>
@@ -7968,16 +7864,16 @@
                 <a:schemeClr val="dk1"/>
               </a:buClr>
               <a:buSzPts val="3000"/>
-              <a:buFont typeface="Roboto"/>
+              <a:buFont typeface="Roboto" panose="02000000000000000000"/>
               <a:buNone/>
               <a:defRPr sz="3000">
                 <a:solidFill>
                   <a:schemeClr val="dk1"/>
                 </a:solidFill>
-                <a:latin typeface="Roboto"/>
-                <a:ea typeface="Roboto"/>
-                <a:cs typeface="Roboto"/>
-                <a:sym typeface="Roboto"/>
+                <a:latin typeface="Roboto" panose="02000000000000000000"/>
+                <a:ea typeface="Roboto" panose="02000000000000000000"/>
+                <a:cs typeface="Roboto" panose="02000000000000000000"/>
+                <a:sym typeface="Roboto" panose="02000000000000000000"/>
               </a:defRPr>
             </a:lvl1pPr>
             <a:lvl2pPr lvl="1">
@@ -7991,16 +7887,16 @@
                 <a:schemeClr val="dk1"/>
               </a:buClr>
               <a:buSzPts val="3000"/>
-              <a:buFont typeface="Roboto"/>
+              <a:buFont typeface="Roboto" panose="02000000000000000000"/>
               <a:buNone/>
               <a:defRPr sz="3000">
                 <a:solidFill>
                   <a:schemeClr val="dk1"/>
                 </a:solidFill>
-                <a:latin typeface="Roboto"/>
-                <a:ea typeface="Roboto"/>
-                <a:cs typeface="Roboto"/>
-                <a:sym typeface="Roboto"/>
+                <a:latin typeface="Roboto" panose="02000000000000000000"/>
+                <a:ea typeface="Roboto" panose="02000000000000000000"/>
+                <a:cs typeface="Roboto" panose="02000000000000000000"/>
+                <a:sym typeface="Roboto" panose="02000000000000000000"/>
               </a:defRPr>
             </a:lvl2pPr>
             <a:lvl3pPr lvl="2">
@@ -8014,16 +7910,16 @@
                 <a:schemeClr val="dk1"/>
               </a:buClr>
               <a:buSzPts val="3000"/>
-              <a:buFont typeface="Roboto"/>
+              <a:buFont typeface="Roboto" panose="02000000000000000000"/>
               <a:buNone/>
               <a:defRPr sz="3000">
                 <a:solidFill>
                   <a:schemeClr val="dk1"/>
                 </a:solidFill>
-                <a:latin typeface="Roboto"/>
-                <a:ea typeface="Roboto"/>
-                <a:cs typeface="Roboto"/>
-                <a:sym typeface="Roboto"/>
+                <a:latin typeface="Roboto" panose="02000000000000000000"/>
+                <a:ea typeface="Roboto" panose="02000000000000000000"/>
+                <a:cs typeface="Roboto" panose="02000000000000000000"/>
+                <a:sym typeface="Roboto" panose="02000000000000000000"/>
               </a:defRPr>
             </a:lvl3pPr>
             <a:lvl4pPr lvl="3">
@@ -8037,16 +7933,16 @@
                 <a:schemeClr val="dk1"/>
               </a:buClr>
               <a:buSzPts val="3000"/>
-              <a:buFont typeface="Roboto"/>
+              <a:buFont typeface="Roboto" panose="02000000000000000000"/>
               <a:buNone/>
               <a:defRPr sz="3000">
                 <a:solidFill>
                   <a:schemeClr val="dk1"/>
                 </a:solidFill>
-                <a:latin typeface="Roboto"/>
-                <a:ea typeface="Roboto"/>
-                <a:cs typeface="Roboto"/>
-                <a:sym typeface="Roboto"/>
+                <a:latin typeface="Roboto" panose="02000000000000000000"/>
+                <a:ea typeface="Roboto" panose="02000000000000000000"/>
+                <a:cs typeface="Roboto" panose="02000000000000000000"/>
+                <a:sym typeface="Roboto" panose="02000000000000000000"/>
               </a:defRPr>
             </a:lvl4pPr>
             <a:lvl5pPr lvl="4">
@@ -8060,16 +7956,16 @@
                 <a:schemeClr val="dk1"/>
               </a:buClr>
               <a:buSzPts val="3000"/>
-              <a:buFont typeface="Roboto"/>
+              <a:buFont typeface="Roboto" panose="02000000000000000000"/>
               <a:buNone/>
               <a:defRPr sz="3000">
                 <a:solidFill>
                   <a:schemeClr val="dk1"/>
                 </a:solidFill>
-                <a:latin typeface="Roboto"/>
-                <a:ea typeface="Roboto"/>
-                <a:cs typeface="Roboto"/>
-                <a:sym typeface="Roboto"/>
+                <a:latin typeface="Roboto" panose="02000000000000000000"/>
+                <a:ea typeface="Roboto" panose="02000000000000000000"/>
+                <a:cs typeface="Roboto" panose="02000000000000000000"/>
+                <a:sym typeface="Roboto" panose="02000000000000000000"/>
               </a:defRPr>
             </a:lvl5pPr>
             <a:lvl6pPr lvl="5">
@@ -8083,16 +7979,16 @@
                 <a:schemeClr val="dk1"/>
               </a:buClr>
               <a:buSzPts val="3000"/>
-              <a:buFont typeface="Roboto"/>
+              <a:buFont typeface="Roboto" panose="02000000000000000000"/>
               <a:buNone/>
               <a:defRPr sz="3000">
                 <a:solidFill>
                   <a:schemeClr val="dk1"/>
                 </a:solidFill>
-                <a:latin typeface="Roboto"/>
-                <a:ea typeface="Roboto"/>
-                <a:cs typeface="Roboto"/>
-                <a:sym typeface="Roboto"/>
+                <a:latin typeface="Roboto" panose="02000000000000000000"/>
+                <a:ea typeface="Roboto" panose="02000000000000000000"/>
+                <a:cs typeface="Roboto" panose="02000000000000000000"/>
+                <a:sym typeface="Roboto" panose="02000000000000000000"/>
               </a:defRPr>
             </a:lvl6pPr>
             <a:lvl7pPr lvl="6">
@@ -8106,16 +8002,16 @@
                 <a:schemeClr val="dk1"/>
               </a:buClr>
               <a:buSzPts val="3000"/>
-              <a:buFont typeface="Roboto"/>
+              <a:buFont typeface="Roboto" panose="02000000000000000000"/>
               <a:buNone/>
               <a:defRPr sz="3000">
                 <a:solidFill>
                   <a:schemeClr val="dk1"/>
                 </a:solidFill>
-                <a:latin typeface="Roboto"/>
-                <a:ea typeface="Roboto"/>
-                <a:cs typeface="Roboto"/>
-                <a:sym typeface="Roboto"/>
+                <a:latin typeface="Roboto" panose="02000000000000000000"/>
+                <a:ea typeface="Roboto" panose="02000000000000000000"/>
+                <a:cs typeface="Roboto" panose="02000000000000000000"/>
+                <a:sym typeface="Roboto" panose="02000000000000000000"/>
               </a:defRPr>
             </a:lvl7pPr>
             <a:lvl8pPr lvl="7">
@@ -8129,16 +8025,16 @@
                 <a:schemeClr val="dk1"/>
               </a:buClr>
               <a:buSzPts val="3000"/>
-              <a:buFont typeface="Roboto"/>
+              <a:buFont typeface="Roboto" panose="02000000000000000000"/>
               <a:buNone/>
               <a:defRPr sz="3000">
                 <a:solidFill>
                   <a:schemeClr val="dk1"/>
                 </a:solidFill>
-                <a:latin typeface="Roboto"/>
-                <a:ea typeface="Roboto"/>
-                <a:cs typeface="Roboto"/>
-                <a:sym typeface="Roboto"/>
+                <a:latin typeface="Roboto" panose="02000000000000000000"/>
+                <a:ea typeface="Roboto" panose="02000000000000000000"/>
+                <a:cs typeface="Roboto" panose="02000000000000000000"/>
+                <a:sym typeface="Roboto" panose="02000000000000000000"/>
               </a:defRPr>
             </a:lvl8pPr>
             <a:lvl9pPr lvl="8">
@@ -8152,16 +8048,16 @@
                 <a:schemeClr val="dk1"/>
               </a:buClr>
               <a:buSzPts val="3000"/>
-              <a:buFont typeface="Roboto"/>
+              <a:buFont typeface="Roboto" panose="02000000000000000000"/>
               <a:buNone/>
               <a:defRPr sz="3000">
                 <a:solidFill>
                   <a:schemeClr val="dk1"/>
                 </a:solidFill>
-                <a:latin typeface="Roboto"/>
-                <a:ea typeface="Roboto"/>
-                <a:cs typeface="Roboto"/>
-                <a:sym typeface="Roboto"/>
+                <a:latin typeface="Roboto" panose="02000000000000000000"/>
+                <a:ea typeface="Roboto" panose="02000000000000000000"/>
+                <a:cs typeface="Roboto" panose="02000000000000000000"/>
+                <a:sym typeface="Roboto" panose="02000000000000000000"/>
               </a:defRPr>
             </a:lvl9pPr>
           </a:lstStyle>
@@ -8173,7 +8069,7 @@
           <p:cNvPr id="7" name="Google Shape;7;p1"/>
           <p:cNvSpPr txBox="1"/>
           <p:nvPr>
-            <p:ph idx="1" type="body"/>
+            <p:ph type="body" idx="1"/>
           </p:nvPr>
         </p:nvSpPr>
         <p:spPr>
@@ -8190,11 +8086,11 @@
           </a:ln>
         </p:spPr>
         <p:txBody>
-          <a:bodyPr anchorCtr="0" anchor="t" bIns="91425" lIns="91425" spcFirstLastPara="1" rIns="91425" wrap="square" tIns="91425">
+          <a:bodyPr spcFirstLastPara="1" wrap="square" lIns="91425" tIns="91425" rIns="91425" bIns="91425" anchor="t" anchorCtr="0">
             <a:normAutofit/>
           </a:bodyPr>
           <a:lstStyle>
-            <a:lvl1pPr indent="-342900" lvl="0" marL="457200">
+            <a:lvl1pPr marL="457200" lvl="0" indent="-342900">
               <a:lnSpc>
                 <a:spcPct val="115000"/>
               </a:lnSpc>
@@ -8208,19 +8104,19 @@
                 <a:schemeClr val="dk2"/>
               </a:buClr>
               <a:buSzPts val="1800"/>
-              <a:buFont typeface="Roboto"/>
+              <a:buFont typeface="Roboto" panose="02000000000000000000"/>
               <a:buChar char="●"/>
               <a:defRPr sz="1800">
                 <a:solidFill>
                   <a:schemeClr val="dk2"/>
                 </a:solidFill>
-                <a:latin typeface="Roboto"/>
-                <a:ea typeface="Roboto"/>
-                <a:cs typeface="Roboto"/>
-                <a:sym typeface="Roboto"/>
+                <a:latin typeface="Roboto" panose="02000000000000000000"/>
+                <a:ea typeface="Roboto" panose="02000000000000000000"/>
+                <a:cs typeface="Roboto" panose="02000000000000000000"/>
+                <a:sym typeface="Roboto" panose="02000000000000000000"/>
               </a:defRPr>
             </a:lvl1pPr>
-            <a:lvl2pPr indent="-317500" lvl="1" marL="914400">
+            <a:lvl2pPr marL="914400" lvl="1" indent="-317500">
               <a:lnSpc>
                 <a:spcPct val="115000"/>
               </a:lnSpc>
@@ -8234,19 +8130,19 @@
                 <a:schemeClr val="dk2"/>
               </a:buClr>
               <a:buSzPts val="1400"/>
-              <a:buFont typeface="Roboto"/>
+              <a:buFont typeface="Roboto" panose="02000000000000000000"/>
               <a:buChar char="○"/>
               <a:defRPr>
                 <a:solidFill>
                   <a:schemeClr val="dk2"/>
                 </a:solidFill>
-                <a:latin typeface="Roboto"/>
-                <a:ea typeface="Roboto"/>
-                <a:cs typeface="Roboto"/>
-                <a:sym typeface="Roboto"/>
+                <a:latin typeface="Roboto" panose="02000000000000000000"/>
+                <a:ea typeface="Roboto" panose="02000000000000000000"/>
+                <a:cs typeface="Roboto" panose="02000000000000000000"/>
+                <a:sym typeface="Roboto" panose="02000000000000000000"/>
               </a:defRPr>
             </a:lvl2pPr>
-            <a:lvl3pPr indent="-317500" lvl="2" marL="1371600">
+            <a:lvl3pPr marL="1371600" lvl="2" indent="-317500">
               <a:lnSpc>
                 <a:spcPct val="115000"/>
               </a:lnSpc>
@@ -8260,19 +8156,19 @@
                 <a:schemeClr val="dk2"/>
               </a:buClr>
               <a:buSzPts val="1400"/>
-              <a:buFont typeface="Roboto"/>
+              <a:buFont typeface="Roboto" panose="02000000000000000000"/>
               <a:buChar char="■"/>
               <a:defRPr>
                 <a:solidFill>
                   <a:schemeClr val="dk2"/>
                 </a:solidFill>
-                <a:latin typeface="Roboto"/>
-                <a:ea typeface="Roboto"/>
-                <a:cs typeface="Roboto"/>
-                <a:sym typeface="Roboto"/>
+                <a:latin typeface="Roboto" panose="02000000000000000000"/>
+                <a:ea typeface="Roboto" panose="02000000000000000000"/>
+                <a:cs typeface="Roboto" panose="02000000000000000000"/>
+                <a:sym typeface="Roboto" panose="02000000000000000000"/>
               </a:defRPr>
             </a:lvl3pPr>
-            <a:lvl4pPr indent="-317500" lvl="3" marL="1828800">
+            <a:lvl4pPr marL="1828800" lvl="3" indent="-317500">
               <a:lnSpc>
                 <a:spcPct val="115000"/>
               </a:lnSpc>
@@ -8286,19 +8182,19 @@
                 <a:schemeClr val="dk2"/>
               </a:buClr>
               <a:buSzPts val="1400"/>
-              <a:buFont typeface="Roboto"/>
+              <a:buFont typeface="Roboto" panose="02000000000000000000"/>
               <a:buChar char="●"/>
               <a:defRPr>
                 <a:solidFill>
                   <a:schemeClr val="dk2"/>
                 </a:solidFill>
-                <a:latin typeface="Roboto"/>
-                <a:ea typeface="Roboto"/>
-                <a:cs typeface="Roboto"/>
-                <a:sym typeface="Roboto"/>
+                <a:latin typeface="Roboto" panose="02000000000000000000"/>
+                <a:ea typeface="Roboto" panose="02000000000000000000"/>
+                <a:cs typeface="Roboto" panose="02000000000000000000"/>
+                <a:sym typeface="Roboto" panose="02000000000000000000"/>
               </a:defRPr>
             </a:lvl4pPr>
-            <a:lvl5pPr indent="-317500" lvl="4" marL="2286000">
+            <a:lvl5pPr marL="2286000" lvl="4" indent="-317500">
               <a:lnSpc>
                 <a:spcPct val="115000"/>
               </a:lnSpc>
@@ -8312,19 +8208,19 @@
                 <a:schemeClr val="dk2"/>
               </a:buClr>
               <a:buSzPts val="1400"/>
-              <a:buFont typeface="Roboto"/>
+              <a:buFont typeface="Roboto" panose="02000000000000000000"/>
               <a:buChar char="○"/>
               <a:defRPr>
                 <a:solidFill>
                   <a:schemeClr val="dk2"/>
                 </a:solidFill>
-                <a:latin typeface="Roboto"/>
-                <a:ea typeface="Roboto"/>
-                <a:cs typeface="Roboto"/>
-                <a:sym typeface="Roboto"/>
+                <a:latin typeface="Roboto" panose="02000000000000000000"/>
+                <a:ea typeface="Roboto" panose="02000000000000000000"/>
+                <a:cs typeface="Roboto" panose="02000000000000000000"/>
+                <a:sym typeface="Roboto" panose="02000000000000000000"/>
               </a:defRPr>
             </a:lvl5pPr>
-            <a:lvl6pPr indent="-317500" lvl="5" marL="2743200">
+            <a:lvl6pPr marL="2743200" lvl="5" indent="-317500">
               <a:lnSpc>
                 <a:spcPct val="115000"/>
               </a:lnSpc>
@@ -8338,19 +8234,19 @@
                 <a:schemeClr val="dk2"/>
               </a:buClr>
               <a:buSzPts val="1400"/>
-              <a:buFont typeface="Roboto"/>
+              <a:buFont typeface="Roboto" panose="02000000000000000000"/>
               <a:buChar char="■"/>
               <a:defRPr>
                 <a:solidFill>
                   <a:schemeClr val="dk2"/>
                 </a:solidFill>
-                <a:latin typeface="Roboto"/>
-                <a:ea typeface="Roboto"/>
-                <a:cs typeface="Roboto"/>
-                <a:sym typeface="Roboto"/>
+                <a:latin typeface="Roboto" panose="02000000000000000000"/>
+                <a:ea typeface="Roboto" panose="02000000000000000000"/>
+                <a:cs typeface="Roboto" panose="02000000000000000000"/>
+                <a:sym typeface="Roboto" panose="02000000000000000000"/>
               </a:defRPr>
             </a:lvl6pPr>
-            <a:lvl7pPr indent="-317500" lvl="6" marL="3200400">
+            <a:lvl7pPr marL="3200400" lvl="6" indent="-317500">
               <a:lnSpc>
                 <a:spcPct val="115000"/>
               </a:lnSpc>
@@ -8364,19 +8260,19 @@
                 <a:schemeClr val="dk2"/>
               </a:buClr>
               <a:buSzPts val="1400"/>
-              <a:buFont typeface="Roboto"/>
+              <a:buFont typeface="Roboto" panose="02000000000000000000"/>
               <a:buChar char="●"/>
               <a:defRPr>
                 <a:solidFill>
                   <a:schemeClr val="dk2"/>
                 </a:solidFill>
-                <a:latin typeface="Roboto"/>
-                <a:ea typeface="Roboto"/>
-                <a:cs typeface="Roboto"/>
-                <a:sym typeface="Roboto"/>
+                <a:latin typeface="Roboto" panose="02000000000000000000"/>
+                <a:ea typeface="Roboto" panose="02000000000000000000"/>
+                <a:cs typeface="Roboto" panose="02000000000000000000"/>
+                <a:sym typeface="Roboto" panose="02000000000000000000"/>
               </a:defRPr>
             </a:lvl7pPr>
-            <a:lvl8pPr indent="-317500" lvl="7" marL="3657600">
+            <a:lvl8pPr marL="3657600" lvl="7" indent="-317500">
               <a:lnSpc>
                 <a:spcPct val="115000"/>
               </a:lnSpc>
@@ -8390,19 +8286,19 @@
                 <a:schemeClr val="dk2"/>
               </a:buClr>
               <a:buSzPts val="1400"/>
-              <a:buFont typeface="Roboto"/>
+              <a:buFont typeface="Roboto" panose="02000000000000000000"/>
               <a:buChar char="○"/>
               <a:defRPr>
                 <a:solidFill>
                   <a:schemeClr val="dk2"/>
                 </a:solidFill>
-                <a:latin typeface="Roboto"/>
-                <a:ea typeface="Roboto"/>
-                <a:cs typeface="Roboto"/>
-                <a:sym typeface="Roboto"/>
+                <a:latin typeface="Roboto" panose="02000000000000000000"/>
+                <a:ea typeface="Roboto" panose="02000000000000000000"/>
+                <a:cs typeface="Roboto" panose="02000000000000000000"/>
+                <a:sym typeface="Roboto" panose="02000000000000000000"/>
               </a:defRPr>
             </a:lvl8pPr>
-            <a:lvl9pPr indent="-317500" lvl="8" marL="4114800">
+            <a:lvl9pPr marL="4114800" lvl="8" indent="-317500">
               <a:lnSpc>
                 <a:spcPct val="115000"/>
               </a:lnSpc>
@@ -8416,16 +8312,16 @@
                 <a:schemeClr val="dk2"/>
               </a:buClr>
               <a:buSzPts val="1400"/>
-              <a:buFont typeface="Roboto"/>
+              <a:buFont typeface="Roboto" panose="02000000000000000000"/>
               <a:buChar char="■"/>
               <a:defRPr>
                 <a:solidFill>
                   <a:schemeClr val="dk2"/>
                 </a:solidFill>
-                <a:latin typeface="Roboto"/>
-                <a:ea typeface="Roboto"/>
-                <a:cs typeface="Roboto"/>
-                <a:sym typeface="Roboto"/>
+                <a:latin typeface="Roboto" panose="02000000000000000000"/>
+                <a:ea typeface="Roboto" panose="02000000000000000000"/>
+                <a:cs typeface="Roboto" panose="02000000000000000000"/>
+                <a:sym typeface="Roboto" panose="02000000000000000000"/>
               </a:defRPr>
             </a:lvl9pPr>
           </a:lstStyle>
@@ -8437,7 +8333,7 @@
           <p:cNvPr id="8" name="Google Shape;8;p1"/>
           <p:cNvSpPr txBox="1"/>
           <p:nvPr>
-            <p:ph idx="12" type="sldNum"/>
+            <p:ph type="sldNum" idx="12"/>
           </p:nvPr>
         </p:nvSpPr>
         <p:spPr>
@@ -8454,7 +8350,7 @@
           </a:ln>
         </p:spPr>
         <p:txBody>
-          <a:bodyPr anchorCtr="0" anchor="ctr" bIns="91425" lIns="91425" spcFirstLastPara="1" rIns="91425" wrap="square" tIns="91425">
+          <a:bodyPr spcFirstLastPara="1" wrap="square" lIns="91425" tIns="91425" rIns="91425" bIns="91425" anchor="ctr" anchorCtr="0">
             <a:normAutofit/>
           </a:bodyPr>
           <a:lstStyle>
@@ -8464,10 +8360,10 @@
                 <a:solidFill>
                   <a:schemeClr val="lt1"/>
                 </a:solidFill>
-                <a:latin typeface="Roboto"/>
-                <a:ea typeface="Roboto"/>
-                <a:cs typeface="Roboto"/>
-                <a:sym typeface="Roboto"/>
+                <a:latin typeface="Roboto" panose="02000000000000000000"/>
+                <a:ea typeface="Roboto" panose="02000000000000000000"/>
+                <a:cs typeface="Roboto" panose="02000000000000000000"/>
+                <a:sym typeface="Roboto" panose="02000000000000000000"/>
               </a:defRPr>
             </a:lvl1pPr>
             <a:lvl2pPr lvl="1" algn="r">
@@ -8476,10 +8372,10 @@
                 <a:solidFill>
                   <a:schemeClr val="lt1"/>
                 </a:solidFill>
-                <a:latin typeface="Roboto"/>
-                <a:ea typeface="Roboto"/>
-                <a:cs typeface="Roboto"/>
-                <a:sym typeface="Roboto"/>
+                <a:latin typeface="Roboto" panose="02000000000000000000"/>
+                <a:ea typeface="Roboto" panose="02000000000000000000"/>
+                <a:cs typeface="Roboto" panose="02000000000000000000"/>
+                <a:sym typeface="Roboto" panose="02000000000000000000"/>
               </a:defRPr>
             </a:lvl2pPr>
             <a:lvl3pPr lvl="2" algn="r">
@@ -8488,10 +8384,10 @@
                 <a:solidFill>
                   <a:schemeClr val="lt1"/>
                 </a:solidFill>
-                <a:latin typeface="Roboto"/>
-                <a:ea typeface="Roboto"/>
-                <a:cs typeface="Roboto"/>
-                <a:sym typeface="Roboto"/>
+                <a:latin typeface="Roboto" panose="02000000000000000000"/>
+                <a:ea typeface="Roboto" panose="02000000000000000000"/>
+                <a:cs typeface="Roboto" panose="02000000000000000000"/>
+                <a:sym typeface="Roboto" panose="02000000000000000000"/>
               </a:defRPr>
             </a:lvl3pPr>
             <a:lvl4pPr lvl="3" algn="r">
@@ -8500,10 +8396,10 @@
                 <a:solidFill>
                   <a:schemeClr val="lt1"/>
                 </a:solidFill>
-                <a:latin typeface="Roboto"/>
-                <a:ea typeface="Roboto"/>
-                <a:cs typeface="Roboto"/>
-                <a:sym typeface="Roboto"/>
+                <a:latin typeface="Roboto" panose="02000000000000000000"/>
+                <a:ea typeface="Roboto" panose="02000000000000000000"/>
+                <a:cs typeface="Roboto" panose="02000000000000000000"/>
+                <a:sym typeface="Roboto" panose="02000000000000000000"/>
               </a:defRPr>
             </a:lvl4pPr>
             <a:lvl5pPr lvl="4" algn="r">
@@ -8512,10 +8408,10 @@
                 <a:solidFill>
                   <a:schemeClr val="lt1"/>
                 </a:solidFill>
-                <a:latin typeface="Roboto"/>
-                <a:ea typeface="Roboto"/>
-                <a:cs typeface="Roboto"/>
-                <a:sym typeface="Roboto"/>
+                <a:latin typeface="Roboto" panose="02000000000000000000"/>
+                <a:ea typeface="Roboto" panose="02000000000000000000"/>
+                <a:cs typeface="Roboto" panose="02000000000000000000"/>
+                <a:sym typeface="Roboto" panose="02000000000000000000"/>
               </a:defRPr>
             </a:lvl5pPr>
             <a:lvl6pPr lvl="5" algn="r">
@@ -8524,10 +8420,10 @@
                 <a:solidFill>
                   <a:schemeClr val="lt1"/>
                 </a:solidFill>
-                <a:latin typeface="Roboto"/>
-                <a:ea typeface="Roboto"/>
-                <a:cs typeface="Roboto"/>
-                <a:sym typeface="Roboto"/>
+                <a:latin typeface="Roboto" panose="02000000000000000000"/>
+                <a:ea typeface="Roboto" panose="02000000000000000000"/>
+                <a:cs typeface="Roboto" panose="02000000000000000000"/>
+                <a:sym typeface="Roboto" panose="02000000000000000000"/>
               </a:defRPr>
             </a:lvl6pPr>
             <a:lvl7pPr lvl="6" algn="r">
@@ -8536,10 +8432,10 @@
                 <a:solidFill>
                   <a:schemeClr val="lt1"/>
                 </a:solidFill>
-                <a:latin typeface="Roboto"/>
-                <a:ea typeface="Roboto"/>
-                <a:cs typeface="Roboto"/>
-                <a:sym typeface="Roboto"/>
+                <a:latin typeface="Roboto" panose="02000000000000000000"/>
+                <a:ea typeface="Roboto" panose="02000000000000000000"/>
+                <a:cs typeface="Roboto" panose="02000000000000000000"/>
+                <a:sym typeface="Roboto" panose="02000000000000000000"/>
               </a:defRPr>
             </a:lvl7pPr>
             <a:lvl8pPr lvl="7" algn="r">
@@ -8548,10 +8444,10 @@
                 <a:solidFill>
                   <a:schemeClr val="lt1"/>
                 </a:solidFill>
-                <a:latin typeface="Roboto"/>
-                <a:ea typeface="Roboto"/>
-                <a:cs typeface="Roboto"/>
-                <a:sym typeface="Roboto"/>
+                <a:latin typeface="Roboto" panose="02000000000000000000"/>
+                <a:ea typeface="Roboto" panose="02000000000000000000"/>
+                <a:cs typeface="Roboto" panose="02000000000000000000"/>
+                <a:sym typeface="Roboto" panose="02000000000000000000"/>
               </a:defRPr>
             </a:lvl8pPr>
             <a:lvl9pPr lvl="8" algn="r">
@@ -8560,15 +8456,15 @@
                 <a:solidFill>
                   <a:schemeClr val="lt1"/>
                 </a:solidFill>
-                <a:latin typeface="Roboto"/>
-                <a:ea typeface="Roboto"/>
-                <a:cs typeface="Roboto"/>
-                <a:sym typeface="Roboto"/>
+                <a:latin typeface="Roboto" panose="02000000000000000000"/>
+                <a:ea typeface="Roboto" panose="02000000000000000000"/>
+                <a:cs typeface="Roboto" panose="02000000000000000000"/>
+                <a:sym typeface="Roboto" panose="02000000000000000000"/>
               </a:defRPr>
             </a:lvl9pPr>
           </a:lstStyle>
           <a:p>
-            <a:pPr indent="0" lvl="0" marL="0" rtl="0" algn="r">
+            <a:pPr marL="0" lvl="0" indent="0" algn="r" rtl="0">
               <a:spcBef>
                 <a:spcPts val="0"/>
               </a:spcBef>
@@ -8579,32 +8475,31 @@
             </a:pPr>
             <a:fld id="{00000000-1234-1234-1234-123412341234}" type="slidenum">
               <a:rPr lang="en-GB"/>
-              <a:t>‹#›</a:t>
             </a:fld>
-            <a:endParaRPr/>
+            <a:endParaRPr lang="en-GB"/>
           </a:p>
         </p:txBody>
       </p:sp>
     </p:spTree>
   </p:cSld>
-  <p:clrMap accent1="accent1" accent2="accent2" accent3="accent3" accent4="accent4" accent5="accent5" accent6="accent6" bg1="lt1" bg2="dk2" tx1="dk1" tx2="lt2" folHlink="folHlink" hlink="hlink"/>
+  <p:clrMap bg1="lt1" tx1="dk1" bg2="dk2" tx2="lt2" accent1="accent1" accent2="accent2" accent3="accent3" accent4="accent4" accent5="accent5" accent6="accent6" hlink="hlink" folHlink="folHlink"/>
   <p:sldLayoutIdLst>
-    <p:sldLayoutId id="2147483648" r:id="rId1"/>
-    <p:sldLayoutId id="2147483649" r:id="rId2"/>
-    <p:sldLayoutId id="2147483650" r:id="rId3"/>
-    <p:sldLayoutId id="2147483651" r:id="rId4"/>
-    <p:sldLayoutId id="2147483652" r:id="rId5"/>
-    <p:sldLayoutId id="2147483653" r:id="rId6"/>
-    <p:sldLayoutId id="2147483654" r:id="rId7"/>
-    <p:sldLayoutId id="2147483655" r:id="rId8"/>
-    <p:sldLayoutId id="2147483656" r:id="rId9"/>
-    <p:sldLayoutId id="2147483657" r:id="rId10"/>
-    <p:sldLayoutId id="2147483658" r:id="rId11"/>
+    <p:sldLayoutId id="2147483649" r:id="rId1"/>
+    <p:sldLayoutId id="2147483650" r:id="rId2"/>
+    <p:sldLayoutId id="2147483651" r:id="rId3"/>
+    <p:sldLayoutId id="2147483652" r:id="rId4"/>
+    <p:sldLayoutId id="2147483653" r:id="rId5"/>
+    <p:sldLayoutId id="2147483654" r:id="rId6"/>
+    <p:sldLayoutId id="2147483655" r:id="rId7"/>
+    <p:sldLayoutId id="2147483656" r:id="rId8"/>
+    <p:sldLayoutId id="2147483657" r:id="rId9"/>
+    <p:sldLayoutId id="2147483658" r:id="rId10"/>
+    <p:sldLayoutId id="2147483659" r:id="rId11"/>
   </p:sldLayoutIdLst>
-  <p:hf dt="0" ftr="0" hdr="0" sldNum="0"/>
+  <p:hf sldNum="0" hdr="0" ftr="0" dt="0"/>
   <p:txStyles>
     <p:titleStyle>
-      <a:defPPr lvl="0" marR="0" rtl="0" algn="l">
+      <a:defPPr marR="0" lvl="0" algn="l" rtl="0">
         <a:lnSpc>
           <a:spcPct val="100000"/>
         </a:lnSpc>
@@ -8615,7 +8510,7 @@
           <a:spcPts val="0"/>
         </a:spcAft>
       </a:defPPr>
-      <a:lvl1pPr lvl="0" marR="0" rtl="0" algn="l">
+      <a:lvl1pPr marR="0" lvl="0" algn="l" rtl="0">
         <a:lnSpc>
           <a:spcPct val="100000"/>
         </a:lnSpc>
@@ -8628,18 +8523,18 @@
         <a:buClr>
           <a:srgbClr val="000000"/>
         </a:buClr>
-        <a:buFont typeface="Arial"/>
-        <a:defRPr b="0" i="0" sz="1400" u="none" cap="none" strike="noStrike">
+        <a:buFont typeface="Arial" panose="020B0604020202020204"/>
+        <a:defRPr sz="1400" b="0" i="0" u="none" strike="noStrike" cap="none">
           <a:solidFill>
             <a:srgbClr val="000000"/>
           </a:solidFill>
-          <a:latin typeface="Arial"/>
-          <a:ea typeface="Arial"/>
-          <a:cs typeface="Arial"/>
-          <a:sym typeface="Arial"/>
+          <a:latin typeface="Arial" panose="020B0604020202020204"/>
+          <a:ea typeface="Arial" panose="020B0604020202020204"/>
+          <a:cs typeface="Arial" panose="020B0604020202020204"/>
+          <a:sym typeface="Arial" panose="020B0604020202020204"/>
         </a:defRPr>
       </a:lvl1pPr>
-      <a:lvl2pPr lvl="1" marR="0" rtl="0" algn="l">
+      <a:lvl2pPr marR="0" lvl="1" algn="l" rtl="0">
         <a:lnSpc>
           <a:spcPct val="100000"/>
         </a:lnSpc>
@@ -8652,18 +8547,18 @@
         <a:buClr>
           <a:srgbClr val="000000"/>
         </a:buClr>
-        <a:buFont typeface="Arial"/>
-        <a:defRPr b="0" i="0" sz="1400" u="none" cap="none" strike="noStrike">
+        <a:buFont typeface="Arial" panose="020B0604020202020204"/>
+        <a:defRPr sz="1400" b="0" i="0" u="none" strike="noStrike" cap="none">
           <a:solidFill>
             <a:srgbClr val="000000"/>
           </a:solidFill>
-          <a:latin typeface="Arial"/>
-          <a:ea typeface="Arial"/>
-          <a:cs typeface="Arial"/>
-          <a:sym typeface="Arial"/>
+          <a:latin typeface="Arial" panose="020B0604020202020204"/>
+          <a:ea typeface="Arial" panose="020B0604020202020204"/>
+          <a:cs typeface="Arial" panose="020B0604020202020204"/>
+          <a:sym typeface="Arial" panose="020B0604020202020204"/>
         </a:defRPr>
       </a:lvl2pPr>
-      <a:lvl3pPr lvl="2" marR="0" rtl="0" algn="l">
+      <a:lvl3pPr marR="0" lvl="2" algn="l" rtl="0">
         <a:lnSpc>
           <a:spcPct val="100000"/>
         </a:lnSpc>
@@ -8676,18 +8571,18 @@
         <a:buClr>
           <a:srgbClr val="000000"/>
         </a:buClr>
-        <a:buFont typeface="Arial"/>
-        <a:defRPr b="0" i="0" sz="1400" u="none" cap="none" strike="noStrike">
+        <a:buFont typeface="Arial" panose="020B0604020202020204"/>
+        <a:defRPr sz="1400" b="0" i="0" u="none" strike="noStrike" cap="none">
           <a:solidFill>
             <a:srgbClr val="000000"/>
           </a:solidFill>
-          <a:latin typeface="Arial"/>
-          <a:ea typeface="Arial"/>
-          <a:cs typeface="Arial"/>
-          <a:sym typeface="Arial"/>
+          <a:latin typeface="Arial" panose="020B0604020202020204"/>
+          <a:ea typeface="Arial" panose="020B0604020202020204"/>
+          <a:cs typeface="Arial" panose="020B0604020202020204"/>
+          <a:sym typeface="Arial" panose="020B0604020202020204"/>
         </a:defRPr>
       </a:lvl3pPr>
-      <a:lvl4pPr lvl="3" marR="0" rtl="0" algn="l">
+      <a:lvl4pPr marR="0" lvl="3" algn="l" rtl="0">
         <a:lnSpc>
           <a:spcPct val="100000"/>
         </a:lnSpc>
@@ -8700,18 +8595,18 @@
         <a:buClr>
           <a:srgbClr val="000000"/>
         </a:buClr>
-        <a:buFont typeface="Arial"/>
-        <a:defRPr b="0" i="0" sz="1400" u="none" cap="none" strike="noStrike">
+        <a:buFont typeface="Arial" panose="020B0604020202020204"/>
+        <a:defRPr sz="1400" b="0" i="0" u="none" strike="noStrike" cap="none">
           <a:solidFill>
             <a:srgbClr val="000000"/>
           </a:solidFill>
-          <a:latin typeface="Arial"/>
-          <a:ea typeface="Arial"/>
-          <a:cs typeface="Arial"/>
-          <a:sym typeface="Arial"/>
+          <a:latin typeface="Arial" panose="020B0604020202020204"/>
+          <a:ea typeface="Arial" panose="020B0604020202020204"/>
+          <a:cs typeface="Arial" panose="020B0604020202020204"/>
+          <a:sym typeface="Arial" panose="020B0604020202020204"/>
         </a:defRPr>
       </a:lvl4pPr>
-      <a:lvl5pPr lvl="4" marR="0" rtl="0" algn="l">
+      <a:lvl5pPr marR="0" lvl="4" algn="l" rtl="0">
         <a:lnSpc>
           <a:spcPct val="100000"/>
         </a:lnSpc>
@@ -8724,18 +8619,18 @@
         <a:buClr>
           <a:srgbClr val="000000"/>
         </a:buClr>
-        <a:buFont typeface="Arial"/>
-        <a:defRPr b="0" i="0" sz="1400" u="none" cap="none" strike="noStrike">
+        <a:buFont typeface="Arial" panose="020B0604020202020204"/>
+        <a:defRPr sz="1400" b="0" i="0" u="none" strike="noStrike" cap="none">
           <a:solidFill>
             <a:srgbClr val="000000"/>
           </a:solidFill>
-          <a:latin typeface="Arial"/>
-          <a:ea typeface="Arial"/>
-          <a:cs typeface="Arial"/>
-          <a:sym typeface="Arial"/>
+          <a:latin typeface="Arial" panose="020B0604020202020204"/>
+          <a:ea typeface="Arial" panose="020B0604020202020204"/>
+          <a:cs typeface="Arial" panose="020B0604020202020204"/>
+          <a:sym typeface="Arial" panose="020B0604020202020204"/>
         </a:defRPr>
       </a:lvl5pPr>
-      <a:lvl6pPr lvl="5" marR="0" rtl="0" algn="l">
+      <a:lvl6pPr marR="0" lvl="5" algn="l" rtl="0">
         <a:lnSpc>
           <a:spcPct val="100000"/>
         </a:lnSpc>
@@ -8748,18 +8643,18 @@
         <a:buClr>
           <a:srgbClr val="000000"/>
         </a:buClr>
-        <a:buFont typeface="Arial"/>
-        <a:defRPr b="0" i="0" sz="1400" u="none" cap="none" strike="noStrike">
+        <a:buFont typeface="Arial" panose="020B0604020202020204"/>
+        <a:defRPr sz="1400" b="0" i="0" u="none" strike="noStrike" cap="none">
           <a:solidFill>
             <a:srgbClr val="000000"/>
           </a:solidFill>
-          <a:latin typeface="Arial"/>
-          <a:ea typeface="Arial"/>
-          <a:cs typeface="Arial"/>
-          <a:sym typeface="Arial"/>
+          <a:latin typeface="Arial" panose="020B0604020202020204"/>
+          <a:ea typeface="Arial" panose="020B0604020202020204"/>
+          <a:cs typeface="Arial" panose="020B0604020202020204"/>
+          <a:sym typeface="Arial" panose="020B0604020202020204"/>
         </a:defRPr>
       </a:lvl6pPr>
-      <a:lvl7pPr lvl="6" marR="0" rtl="0" algn="l">
+      <a:lvl7pPr marR="0" lvl="6" algn="l" rtl="0">
         <a:lnSpc>
           <a:spcPct val="100000"/>
         </a:lnSpc>
@@ -8772,18 +8667,18 @@
         <a:buClr>
           <a:srgbClr val="000000"/>
         </a:buClr>
-        <a:buFont typeface="Arial"/>
-        <a:defRPr b="0" i="0" sz="1400" u="none" cap="none" strike="noStrike">
+        <a:buFont typeface="Arial" panose="020B0604020202020204"/>
+        <a:defRPr sz="1400" b="0" i="0" u="none" strike="noStrike" cap="none">
           <a:solidFill>
             <a:srgbClr val="000000"/>
           </a:solidFill>
-          <a:latin typeface="Arial"/>
-          <a:ea typeface="Arial"/>
-          <a:cs typeface="Arial"/>
-          <a:sym typeface="Arial"/>
+          <a:latin typeface="Arial" panose="020B0604020202020204"/>
+          <a:ea typeface="Arial" panose="020B0604020202020204"/>
+          <a:cs typeface="Arial" panose="020B0604020202020204"/>
+          <a:sym typeface="Arial" panose="020B0604020202020204"/>
         </a:defRPr>
       </a:lvl7pPr>
-      <a:lvl8pPr lvl="7" marR="0" rtl="0" algn="l">
+      <a:lvl8pPr marR="0" lvl="7" algn="l" rtl="0">
         <a:lnSpc>
           <a:spcPct val="100000"/>
         </a:lnSpc>
@@ -8796,18 +8691,18 @@
         <a:buClr>
           <a:srgbClr val="000000"/>
         </a:buClr>
-        <a:buFont typeface="Arial"/>
-        <a:defRPr b="0" i="0" sz="1400" u="none" cap="none" strike="noStrike">
+        <a:buFont typeface="Arial" panose="020B0604020202020204"/>
+        <a:defRPr sz="1400" b="0" i="0" u="none" strike="noStrike" cap="none">
           <a:solidFill>
             <a:srgbClr val="000000"/>
           </a:solidFill>
-          <a:latin typeface="Arial"/>
-          <a:ea typeface="Arial"/>
-          <a:cs typeface="Arial"/>
-          <a:sym typeface="Arial"/>
+          <a:latin typeface="Arial" panose="020B0604020202020204"/>
+          <a:ea typeface="Arial" panose="020B0604020202020204"/>
+          <a:cs typeface="Arial" panose="020B0604020202020204"/>
+          <a:sym typeface="Arial" panose="020B0604020202020204"/>
         </a:defRPr>
       </a:lvl8pPr>
-      <a:lvl9pPr lvl="8" marR="0" rtl="0" algn="l">
+      <a:lvl9pPr marR="0" lvl="8" algn="l" rtl="0">
         <a:lnSpc>
           <a:spcPct val="100000"/>
         </a:lnSpc>
@@ -8820,20 +8715,20 @@
         <a:buClr>
           <a:srgbClr val="000000"/>
         </a:buClr>
-        <a:buFont typeface="Arial"/>
-        <a:defRPr b="0" i="0" sz="1400" u="none" cap="none" strike="noStrike">
+        <a:buFont typeface="Arial" panose="020B0604020202020204"/>
+        <a:defRPr sz="1400" b="0" i="0" u="none" strike="noStrike" cap="none">
           <a:solidFill>
             <a:srgbClr val="000000"/>
           </a:solidFill>
-          <a:latin typeface="Arial"/>
-          <a:ea typeface="Arial"/>
-          <a:cs typeface="Arial"/>
-          <a:sym typeface="Arial"/>
+          <a:latin typeface="Arial" panose="020B0604020202020204"/>
+          <a:ea typeface="Arial" panose="020B0604020202020204"/>
+          <a:cs typeface="Arial" panose="020B0604020202020204"/>
+          <a:sym typeface="Arial" panose="020B0604020202020204"/>
         </a:defRPr>
       </a:lvl9pPr>
     </p:titleStyle>
     <p:bodyStyle>
-      <a:defPPr lvl="0" marR="0" rtl="0" algn="l">
+      <a:defPPr marR="0" lvl="0" algn="l" rtl="0">
         <a:lnSpc>
           <a:spcPct val="100000"/>
         </a:lnSpc>
@@ -8844,7 +8739,7 @@
           <a:spcPts val="0"/>
         </a:spcAft>
       </a:defPPr>
-      <a:lvl1pPr lvl="0" marR="0" rtl="0" algn="l">
+      <a:lvl1pPr marR="0" lvl="0" algn="l" rtl="0">
         <a:lnSpc>
           <a:spcPct val="100000"/>
         </a:lnSpc>
@@ -8857,18 +8752,18 @@
         <a:buClr>
           <a:srgbClr val="000000"/>
         </a:buClr>
-        <a:buFont typeface="Arial"/>
-        <a:defRPr b="0" i="0" sz="1400" u="none" cap="none" strike="noStrike">
+        <a:buFont typeface="Arial" panose="020B0604020202020204"/>
+        <a:defRPr sz="1400" b="0" i="0" u="none" strike="noStrike" cap="none">
           <a:solidFill>
             <a:srgbClr val="000000"/>
           </a:solidFill>
-          <a:latin typeface="Arial"/>
-          <a:ea typeface="Arial"/>
-          <a:cs typeface="Arial"/>
-          <a:sym typeface="Arial"/>
+          <a:latin typeface="Arial" panose="020B0604020202020204"/>
+          <a:ea typeface="Arial" panose="020B0604020202020204"/>
+          <a:cs typeface="Arial" panose="020B0604020202020204"/>
+          <a:sym typeface="Arial" panose="020B0604020202020204"/>
         </a:defRPr>
       </a:lvl1pPr>
-      <a:lvl2pPr lvl="1" marR="0" rtl="0" algn="l">
+      <a:lvl2pPr marR="0" lvl="1" algn="l" rtl="0">
         <a:lnSpc>
           <a:spcPct val="100000"/>
         </a:lnSpc>
@@ -8881,18 +8776,18 @@
         <a:buClr>
           <a:srgbClr val="000000"/>
         </a:buClr>
-        <a:buFont typeface="Arial"/>
-        <a:defRPr b="0" i="0" sz="1400" u="none" cap="none" strike="noStrike">
+        <a:buFont typeface="Arial" panose="020B0604020202020204"/>
+        <a:defRPr sz="1400" b="0" i="0" u="none" strike="noStrike" cap="none">
           <a:solidFill>
             <a:srgbClr val="000000"/>
           </a:solidFill>
-          <a:latin typeface="Arial"/>
-          <a:ea typeface="Arial"/>
-          <a:cs typeface="Arial"/>
-          <a:sym typeface="Arial"/>
+          <a:latin typeface="Arial" panose="020B0604020202020204"/>
+          <a:ea typeface="Arial" panose="020B0604020202020204"/>
+          <a:cs typeface="Arial" panose="020B0604020202020204"/>
+          <a:sym typeface="Arial" panose="020B0604020202020204"/>
         </a:defRPr>
       </a:lvl2pPr>
-      <a:lvl3pPr lvl="2" marR="0" rtl="0" algn="l">
+      <a:lvl3pPr marR="0" lvl="2" algn="l" rtl="0">
         <a:lnSpc>
           <a:spcPct val="100000"/>
         </a:lnSpc>
@@ -8905,18 +8800,18 @@
         <a:buClr>
           <a:srgbClr val="000000"/>
         </a:buClr>
-        <a:buFont typeface="Arial"/>
-        <a:defRPr b="0" i="0" sz="1400" u="none" cap="none" strike="noStrike">
+        <a:buFont typeface="Arial" panose="020B0604020202020204"/>
+        <a:defRPr sz="1400" b="0" i="0" u="none" strike="noStrike" cap="none">
           <a:solidFill>
             <a:srgbClr val="000000"/>
           </a:solidFill>
-          <a:latin typeface="Arial"/>
-          <a:ea typeface="Arial"/>
-          <a:cs typeface="Arial"/>
-          <a:sym typeface="Arial"/>
+          <a:latin typeface="Arial" panose="020B0604020202020204"/>
+          <a:ea typeface="Arial" panose="020B0604020202020204"/>
+          <a:cs typeface="Arial" panose="020B0604020202020204"/>
+          <a:sym typeface="Arial" panose="020B0604020202020204"/>
         </a:defRPr>
       </a:lvl3pPr>
-      <a:lvl4pPr lvl="3" marR="0" rtl="0" algn="l">
+      <a:lvl4pPr marR="0" lvl="3" algn="l" rtl="0">
         <a:lnSpc>
           <a:spcPct val="100000"/>
         </a:lnSpc>
@@ -8929,18 +8824,18 @@
         <a:buClr>
           <a:srgbClr val="000000"/>
         </a:buClr>
-        <a:buFont typeface="Arial"/>
-        <a:defRPr b="0" i="0" sz="1400" u="none" cap="none" strike="noStrike">
+        <a:buFont typeface="Arial" panose="020B0604020202020204"/>
+        <a:defRPr sz="1400" b="0" i="0" u="none" strike="noStrike" cap="none">
           <a:solidFill>
             <a:srgbClr val="000000"/>
           </a:solidFill>
-          <a:latin typeface="Arial"/>
-          <a:ea typeface="Arial"/>
-          <a:cs typeface="Arial"/>
-          <a:sym typeface="Arial"/>
+          <a:latin typeface="Arial" panose="020B0604020202020204"/>
+          <a:ea typeface="Arial" panose="020B0604020202020204"/>
+          <a:cs typeface="Arial" panose="020B0604020202020204"/>
+          <a:sym typeface="Arial" panose="020B0604020202020204"/>
         </a:defRPr>
       </a:lvl4pPr>
-      <a:lvl5pPr lvl="4" marR="0" rtl="0" algn="l">
+      <a:lvl5pPr marR="0" lvl="4" algn="l" rtl="0">
         <a:lnSpc>
           <a:spcPct val="100000"/>
         </a:lnSpc>
@@ -8953,18 +8848,18 @@
         <a:buClr>
           <a:srgbClr val="000000"/>
         </a:buClr>
-        <a:buFont typeface="Arial"/>
-        <a:defRPr b="0" i="0" sz="1400" u="none" cap="none" strike="noStrike">
+        <a:buFont typeface="Arial" panose="020B0604020202020204"/>
+        <a:defRPr sz="1400" b="0" i="0" u="none" strike="noStrike" cap="none">
           <a:solidFill>
             <a:srgbClr val="000000"/>
           </a:solidFill>
-          <a:latin typeface="Arial"/>
-          <a:ea typeface="Arial"/>
-          <a:cs typeface="Arial"/>
-          <a:sym typeface="Arial"/>
+          <a:latin typeface="Arial" panose="020B0604020202020204"/>
+          <a:ea typeface="Arial" panose="020B0604020202020204"/>
+          <a:cs typeface="Arial" panose="020B0604020202020204"/>
+          <a:sym typeface="Arial" panose="020B0604020202020204"/>
         </a:defRPr>
       </a:lvl5pPr>
-      <a:lvl6pPr lvl="5" marR="0" rtl="0" algn="l">
+      <a:lvl6pPr marR="0" lvl="5" algn="l" rtl="0">
         <a:lnSpc>
           <a:spcPct val="100000"/>
         </a:lnSpc>
@@ -8977,18 +8872,18 @@
         <a:buClr>
           <a:srgbClr val="000000"/>
         </a:buClr>
-        <a:buFont typeface="Arial"/>
-        <a:defRPr b="0" i="0" sz="1400" u="none" cap="none" strike="noStrike">
+        <a:buFont typeface="Arial" panose="020B0604020202020204"/>
+        <a:defRPr sz="1400" b="0" i="0" u="none" strike="noStrike" cap="none">
           <a:solidFill>
             <a:srgbClr val="000000"/>
           </a:solidFill>
-          <a:latin typeface="Arial"/>
-          <a:ea typeface="Arial"/>
-          <a:cs typeface="Arial"/>
-          <a:sym typeface="Arial"/>
+          <a:latin typeface="Arial" panose="020B0604020202020204"/>
+          <a:ea typeface="Arial" panose="020B0604020202020204"/>
+          <a:cs typeface="Arial" panose="020B0604020202020204"/>
+          <a:sym typeface="Arial" panose="020B0604020202020204"/>
         </a:defRPr>
       </a:lvl6pPr>
-      <a:lvl7pPr lvl="6" marR="0" rtl="0" algn="l">
+      <a:lvl7pPr marR="0" lvl="6" algn="l" rtl="0">
         <a:lnSpc>
           <a:spcPct val="100000"/>
         </a:lnSpc>
@@ -9001,18 +8896,18 @@
         <a:buClr>
           <a:srgbClr val="000000"/>
         </a:buClr>
-        <a:buFont typeface="Arial"/>
-        <a:defRPr b="0" i="0" sz="1400" u="none" cap="none" strike="noStrike">
+        <a:buFont typeface="Arial" panose="020B0604020202020204"/>
+        <a:defRPr sz="1400" b="0" i="0" u="none" strike="noStrike" cap="none">
           <a:solidFill>
             <a:srgbClr val="000000"/>
           </a:solidFill>
-          <a:latin typeface="Arial"/>
-          <a:ea typeface="Arial"/>
-          <a:cs typeface="Arial"/>
-          <a:sym typeface="Arial"/>
+          <a:latin typeface="Arial" panose="020B0604020202020204"/>
+          <a:ea typeface="Arial" panose="020B0604020202020204"/>
+          <a:cs typeface="Arial" panose="020B0604020202020204"/>
+          <a:sym typeface="Arial" panose="020B0604020202020204"/>
         </a:defRPr>
       </a:lvl7pPr>
-      <a:lvl8pPr lvl="7" marR="0" rtl="0" algn="l">
+      <a:lvl8pPr marR="0" lvl="7" algn="l" rtl="0">
         <a:lnSpc>
           <a:spcPct val="100000"/>
         </a:lnSpc>
@@ -9025,18 +8920,18 @@
         <a:buClr>
           <a:srgbClr val="000000"/>
         </a:buClr>
-        <a:buFont typeface="Arial"/>
-        <a:defRPr b="0" i="0" sz="1400" u="none" cap="none" strike="noStrike">
+        <a:buFont typeface="Arial" panose="020B0604020202020204"/>
+        <a:defRPr sz="1400" b="0" i="0" u="none" strike="noStrike" cap="none">
           <a:solidFill>
             <a:srgbClr val="000000"/>
           </a:solidFill>
-          <a:latin typeface="Arial"/>
-          <a:ea typeface="Arial"/>
-          <a:cs typeface="Arial"/>
-          <a:sym typeface="Arial"/>
+          <a:latin typeface="Arial" panose="020B0604020202020204"/>
+          <a:ea typeface="Arial" panose="020B0604020202020204"/>
+          <a:cs typeface="Arial" panose="020B0604020202020204"/>
+          <a:sym typeface="Arial" panose="020B0604020202020204"/>
         </a:defRPr>
       </a:lvl8pPr>
-      <a:lvl9pPr lvl="8" marR="0" rtl="0" algn="l">
+      <a:lvl9pPr marR="0" lvl="8" algn="l" rtl="0">
         <a:lnSpc>
           <a:spcPct val="100000"/>
         </a:lnSpc>
@@ -9049,20 +8944,20 @@
         <a:buClr>
           <a:srgbClr val="000000"/>
         </a:buClr>
-        <a:buFont typeface="Arial"/>
-        <a:defRPr b="0" i="0" sz="1400" u="none" cap="none" strike="noStrike">
+        <a:buFont typeface="Arial" panose="020B0604020202020204"/>
+        <a:defRPr sz="1400" b="0" i="0" u="none" strike="noStrike" cap="none">
           <a:solidFill>
             <a:srgbClr val="000000"/>
           </a:solidFill>
-          <a:latin typeface="Arial"/>
-          <a:ea typeface="Arial"/>
-          <a:cs typeface="Arial"/>
-          <a:sym typeface="Arial"/>
+          <a:latin typeface="Arial" panose="020B0604020202020204"/>
+          <a:ea typeface="Arial" panose="020B0604020202020204"/>
+          <a:cs typeface="Arial" panose="020B0604020202020204"/>
+          <a:sym typeface="Arial" panose="020B0604020202020204"/>
         </a:defRPr>
       </a:lvl9pPr>
     </p:bodyStyle>
     <p:otherStyle>
-      <a:defPPr lvl="0" marR="0" rtl="0" algn="l">
+      <a:defPPr marR="0" lvl="0" algn="l" rtl="0">
         <a:lnSpc>
           <a:spcPct val="100000"/>
         </a:lnSpc>
@@ -9073,7 +8968,7 @@
           <a:spcPts val="0"/>
         </a:spcAft>
       </a:defPPr>
-      <a:lvl1pPr lvl="0" marR="0" rtl="0" algn="l">
+      <a:lvl1pPr marR="0" lvl="0" algn="l" rtl="0">
         <a:lnSpc>
           <a:spcPct val="100000"/>
         </a:lnSpc>
@@ -9086,18 +8981,18 @@
         <a:buClr>
           <a:srgbClr val="000000"/>
         </a:buClr>
-        <a:buFont typeface="Arial"/>
-        <a:defRPr b="0" i="0" sz="1400" u="none" cap="none" strike="noStrike">
+        <a:buFont typeface="Arial" panose="020B0604020202020204"/>
+        <a:defRPr sz="1400" b="0" i="0" u="none" strike="noStrike" cap="none">
           <a:solidFill>
             <a:srgbClr val="000000"/>
           </a:solidFill>
-          <a:latin typeface="Arial"/>
-          <a:ea typeface="Arial"/>
-          <a:cs typeface="Arial"/>
-          <a:sym typeface="Arial"/>
+          <a:latin typeface="Arial" panose="020B0604020202020204"/>
+          <a:ea typeface="Arial" panose="020B0604020202020204"/>
+          <a:cs typeface="Arial" panose="020B0604020202020204"/>
+          <a:sym typeface="Arial" panose="020B0604020202020204"/>
         </a:defRPr>
       </a:lvl1pPr>
-      <a:lvl2pPr lvl="1" marR="0" rtl="0" algn="l">
+      <a:lvl2pPr marR="0" lvl="1" algn="l" rtl="0">
         <a:lnSpc>
           <a:spcPct val="100000"/>
         </a:lnSpc>
@@ -9110,18 +9005,18 @@
         <a:buClr>
           <a:srgbClr val="000000"/>
         </a:buClr>
-        <a:buFont typeface="Arial"/>
-        <a:defRPr b="0" i="0" sz="1400" u="none" cap="none" strike="noStrike">
+        <a:buFont typeface="Arial" panose="020B0604020202020204"/>
+        <a:defRPr sz="1400" b="0" i="0" u="none" strike="noStrike" cap="none">
           <a:solidFill>
             <a:srgbClr val="000000"/>
           </a:solidFill>
-          <a:latin typeface="Arial"/>
-          <a:ea typeface="Arial"/>
-          <a:cs typeface="Arial"/>
-          <a:sym typeface="Arial"/>
+          <a:latin typeface="Arial" panose="020B0604020202020204"/>
+          <a:ea typeface="Arial" panose="020B0604020202020204"/>
+          <a:cs typeface="Arial" panose="020B0604020202020204"/>
+          <a:sym typeface="Arial" panose="020B0604020202020204"/>
         </a:defRPr>
       </a:lvl2pPr>
-      <a:lvl3pPr lvl="2" marR="0" rtl="0" algn="l">
+      <a:lvl3pPr marR="0" lvl="2" algn="l" rtl="0">
         <a:lnSpc>
           <a:spcPct val="100000"/>
         </a:lnSpc>
@@ -9134,18 +9029,18 @@
         <a:buClr>
           <a:srgbClr val="000000"/>
         </a:buClr>
-        <a:buFont typeface="Arial"/>
-        <a:defRPr b="0" i="0" sz="1400" u="none" cap="none" strike="noStrike">
+        <a:buFont typeface="Arial" panose="020B0604020202020204"/>
+        <a:defRPr sz="1400" b="0" i="0" u="none" strike="noStrike" cap="none">
           <a:solidFill>
             <a:srgbClr val="000000"/>
           </a:solidFill>
-          <a:latin typeface="Arial"/>
-          <a:ea typeface="Arial"/>
-          <a:cs typeface="Arial"/>
-          <a:sym typeface="Arial"/>
+          <a:latin typeface="Arial" panose="020B0604020202020204"/>
+          <a:ea typeface="Arial" panose="020B0604020202020204"/>
+          <a:cs typeface="Arial" panose="020B0604020202020204"/>
+          <a:sym typeface="Arial" panose="020B0604020202020204"/>
         </a:defRPr>
       </a:lvl3pPr>
-      <a:lvl4pPr lvl="3" marR="0" rtl="0" algn="l">
+      <a:lvl4pPr marR="0" lvl="3" algn="l" rtl="0">
         <a:lnSpc>
           <a:spcPct val="100000"/>
         </a:lnSpc>
@@ -9158,18 +9053,18 @@
         <a:buClr>
           <a:srgbClr val="000000"/>
         </a:buClr>
-        <a:buFont typeface="Arial"/>
-        <a:defRPr b="0" i="0" sz="1400" u="none" cap="none" strike="noStrike">
+        <a:buFont typeface="Arial" panose="020B0604020202020204"/>
+        <a:defRPr sz="1400" b="0" i="0" u="none" strike="noStrike" cap="none">
           <a:solidFill>
             <a:srgbClr val="000000"/>
           </a:solidFill>
-          <a:latin typeface="Arial"/>
-          <a:ea typeface="Arial"/>
-          <a:cs typeface="Arial"/>
-          <a:sym typeface="Arial"/>
+          <a:latin typeface="Arial" panose="020B0604020202020204"/>
+          <a:ea typeface="Arial" panose="020B0604020202020204"/>
+          <a:cs typeface="Arial" panose="020B0604020202020204"/>
+          <a:sym typeface="Arial" panose="020B0604020202020204"/>
         </a:defRPr>
       </a:lvl4pPr>
-      <a:lvl5pPr lvl="4" marR="0" rtl="0" algn="l">
+      <a:lvl5pPr marR="0" lvl="4" algn="l" rtl="0">
         <a:lnSpc>
           <a:spcPct val="100000"/>
         </a:lnSpc>
@@ -9182,18 +9077,18 @@
         <a:buClr>
           <a:srgbClr val="000000"/>
         </a:buClr>
-        <a:buFont typeface="Arial"/>
-        <a:defRPr b="0" i="0" sz="1400" u="none" cap="none" strike="noStrike">
+        <a:buFont typeface="Arial" panose="020B0604020202020204"/>
+        <a:defRPr sz="1400" b="0" i="0" u="none" strike="noStrike" cap="none">
           <a:solidFill>
             <a:srgbClr val="000000"/>
           </a:solidFill>
-          <a:latin typeface="Arial"/>
-          <a:ea typeface="Arial"/>
-          <a:cs typeface="Arial"/>
-          <a:sym typeface="Arial"/>
+          <a:latin typeface="Arial" panose="020B0604020202020204"/>
+          <a:ea typeface="Arial" panose="020B0604020202020204"/>
+          <a:cs typeface="Arial" panose="020B0604020202020204"/>
+          <a:sym typeface="Arial" panose="020B0604020202020204"/>
         </a:defRPr>
       </a:lvl5pPr>
-      <a:lvl6pPr lvl="5" marR="0" rtl="0" algn="l">
+      <a:lvl6pPr marR="0" lvl="5" algn="l" rtl="0">
         <a:lnSpc>
           <a:spcPct val="100000"/>
         </a:lnSpc>
@@ -9206,18 +9101,18 @@
         <a:buClr>
           <a:srgbClr val="000000"/>
         </a:buClr>
-        <a:buFont typeface="Arial"/>
-        <a:defRPr b="0" i="0" sz="1400" u="none" cap="none" strike="noStrike">
+        <a:buFont typeface="Arial" panose="020B0604020202020204"/>
+        <a:defRPr sz="1400" b="0" i="0" u="none" strike="noStrike" cap="none">
           <a:solidFill>
             <a:srgbClr val="000000"/>
           </a:solidFill>
-          <a:latin typeface="Arial"/>
-          <a:ea typeface="Arial"/>
-          <a:cs typeface="Arial"/>
-          <a:sym typeface="Arial"/>
+          <a:latin typeface="Arial" panose="020B0604020202020204"/>
+          <a:ea typeface="Arial" panose="020B0604020202020204"/>
+          <a:cs typeface="Arial" panose="020B0604020202020204"/>
+          <a:sym typeface="Arial" panose="020B0604020202020204"/>
         </a:defRPr>
       </a:lvl6pPr>
-      <a:lvl7pPr lvl="6" marR="0" rtl="0" algn="l">
+      <a:lvl7pPr marR="0" lvl="6" algn="l" rtl="0">
         <a:lnSpc>
           <a:spcPct val="100000"/>
         </a:lnSpc>
@@ -9230,18 +9125,18 @@
         <a:buClr>
           <a:srgbClr val="000000"/>
         </a:buClr>
-        <a:buFont typeface="Arial"/>
-        <a:defRPr b="0" i="0" sz="1400" u="none" cap="none" strike="noStrike">
+        <a:buFont typeface="Arial" panose="020B0604020202020204"/>
+        <a:defRPr sz="1400" b="0" i="0" u="none" strike="noStrike" cap="none">
           <a:solidFill>
             <a:srgbClr val="000000"/>
           </a:solidFill>
-          <a:latin typeface="Arial"/>
-          <a:ea typeface="Arial"/>
-          <a:cs typeface="Arial"/>
-          <a:sym typeface="Arial"/>
+          <a:latin typeface="Arial" panose="020B0604020202020204"/>
+          <a:ea typeface="Arial" panose="020B0604020202020204"/>
+          <a:cs typeface="Arial" panose="020B0604020202020204"/>
+          <a:sym typeface="Arial" panose="020B0604020202020204"/>
         </a:defRPr>
       </a:lvl7pPr>
-      <a:lvl8pPr lvl="7" marR="0" rtl="0" algn="l">
+      <a:lvl8pPr marR="0" lvl="7" algn="l" rtl="0">
         <a:lnSpc>
           <a:spcPct val="100000"/>
         </a:lnSpc>
@@ -9254,18 +9149,18 @@
         <a:buClr>
           <a:srgbClr val="000000"/>
         </a:buClr>
-        <a:buFont typeface="Arial"/>
-        <a:defRPr b="0" i="0" sz="1400" u="none" cap="none" strike="noStrike">
+        <a:buFont typeface="Arial" panose="020B0604020202020204"/>
+        <a:defRPr sz="1400" b="0" i="0" u="none" strike="noStrike" cap="none">
           <a:solidFill>
             <a:srgbClr val="000000"/>
           </a:solidFill>
-          <a:latin typeface="Arial"/>
-          <a:ea typeface="Arial"/>
-          <a:cs typeface="Arial"/>
-          <a:sym typeface="Arial"/>
+          <a:latin typeface="Arial" panose="020B0604020202020204"/>
+          <a:ea typeface="Arial" panose="020B0604020202020204"/>
+          <a:cs typeface="Arial" panose="020B0604020202020204"/>
+          <a:sym typeface="Arial" panose="020B0604020202020204"/>
         </a:defRPr>
       </a:lvl8pPr>
-      <a:lvl9pPr lvl="8" marR="0" rtl="0" algn="l">
+      <a:lvl9pPr marR="0" lvl="8" algn="l" rtl="0">
         <a:lnSpc>
           <a:spcPct val="100000"/>
         </a:lnSpc>
@@ -9278,15 +9173,15 @@
         <a:buClr>
           <a:srgbClr val="000000"/>
         </a:buClr>
-        <a:buFont typeface="Arial"/>
-        <a:defRPr b="0" i="0" sz="1400" u="none" cap="none" strike="noStrike">
+        <a:buFont typeface="Arial" panose="020B0604020202020204"/>
+        <a:defRPr sz="1400" b="0" i="0" u="none" strike="noStrike" cap="none">
           <a:solidFill>
             <a:srgbClr val="000000"/>
           </a:solidFill>
-          <a:latin typeface="Arial"/>
-          <a:ea typeface="Arial"/>
-          <a:cs typeface="Arial"/>
-          <a:sym typeface="Arial"/>
+          <a:latin typeface="Arial" panose="020B0604020202020204"/>
+          <a:ea typeface="Arial" panose="020B0604020202020204"/>
+          <a:cs typeface="Arial" panose="020B0604020202020204"/>
+          <a:sym typeface="Arial" panose="020B0604020202020204"/>
         </a:defRPr>
       </a:lvl9pPr>
     </p:otherStyle>
@@ -9295,7 +9190,7 @@
 </file>
 
 <file path=ppt/slides/slide1.xml><?xml version="1.0" encoding="utf-8"?>
-<p:sld xmlns:a="http://schemas.openxmlformats.org/drawingml/2006/main" xmlns:r="http://schemas.openxmlformats.org/officeDocument/2006/relationships" xmlns:mc="http://schemas.openxmlformats.org/markup-compatibility/2006" xmlns:mv="urn:schemas-microsoft-com:mac:vml" xmlns:p="http://schemas.openxmlformats.org/presentationml/2006/main" xmlns:c="http://schemas.openxmlformats.org/drawingml/2006/chart" xmlns:dgm="http://schemas.openxmlformats.org/drawingml/2006/diagram" xmlns:o="urn:schemas-microsoft-com:office:office" xmlns:v="urn:schemas-microsoft-com:vml" xmlns:pvml="urn:schemas-microsoft-com:office:powerpoint" xmlns:com="http://schemas.openxmlformats.org/drawingml/2006/compatibility" xmlns:p14="http://schemas.microsoft.com/office/powerpoint/2010/main" xmlns:p15="http://schemas.microsoft.com/office/powerpoint/2012/main" xmlns:ahyp="http://schemas.microsoft.com/office/drawing/2018/hyperlinkcolor">
+<p:sld xmlns:a="http://schemas.openxmlformats.org/drawingml/2006/main" xmlns:r="http://schemas.openxmlformats.org/officeDocument/2006/relationships" xmlns:p="http://schemas.openxmlformats.org/presentationml/2006/main">
   <p:cSld>
     <p:spTree>
       <p:nvGrpSpPr>
@@ -9329,12 +9224,12 @@
           </a:prstGeom>
         </p:spPr>
         <p:txBody>
-          <a:bodyPr anchorCtr="0" anchor="b" bIns="91425" lIns="91425" spcFirstLastPara="1" rIns="91425" wrap="square" tIns="91425">
+          <a:bodyPr spcFirstLastPara="1" wrap="square" lIns="91425" tIns="91425" rIns="91425" bIns="91425" anchor="b" anchorCtr="0">
             <a:normAutofit fontScale="90000"/>
           </a:bodyPr>
           <a:lstStyle/>
           <a:p>
-            <a:pPr indent="0" lvl="0" marL="0" rtl="0" algn="l">
+            <a:pPr marL="0" lvl="0" indent="0" algn="l" rtl="0">
               <a:spcBef>
                 <a:spcPts val="0"/>
               </a:spcBef>
@@ -9347,7 +9242,14 @@
               <a:rPr lang="en-GB"/>
               <a:t>AI Social Media Coordinator (Facebook)</a:t>
             </a:r>
-            <a:endParaRPr/>
+            <a:br>
+              <a:rPr lang="en-GB"/>
+            </a:br>
+            <a:r>
+              <a:rPr lang="en-US" altLang="en-GB"/>
+              <a:t>By Hesham Ahmed Mohamed</a:t>
+            </a:r>
+            <a:endParaRPr lang="en-US" altLang="en-GB"/>
           </a:p>
         </p:txBody>
       </p:sp>
@@ -9356,7 +9258,7 @@
           <p:cNvPr id="86" name="Google Shape;86;p13"/>
           <p:cNvSpPr txBox="1"/>
           <p:nvPr>
-            <p:ph idx="1" type="subTitle"/>
+            <p:ph type="subTitle" idx="1"/>
           </p:nvPr>
         </p:nvSpPr>
         <p:spPr>
@@ -9369,12 +9271,12 @@
           </a:prstGeom>
         </p:spPr>
         <p:txBody>
-          <a:bodyPr anchorCtr="0" anchor="t" bIns="91425" lIns="91425" spcFirstLastPara="1" rIns="91425" wrap="square" tIns="91425">
+          <a:bodyPr spcFirstLastPara="1" wrap="square" lIns="91425" tIns="91425" rIns="91425" bIns="91425" anchor="t" anchorCtr="0">
             <a:spAutoFit/>
           </a:bodyPr>
           <a:lstStyle/>
           <a:p>
-            <a:pPr indent="0" lvl="0" marL="0" rtl="0" algn="l">
+            <a:pPr marL="0" lvl="0" indent="0" algn="l" rtl="0">
               <a:spcBef>
                 <a:spcPts val="0"/>
               </a:spcBef>
@@ -9387,10 +9289,10 @@
               <a:rPr lang="en-GB"/>
               <a:t>What I Built:</a:t>
             </a:r>
-            <a:endParaRPr/>
+            <a:endParaRPr lang="en-GB"/>
           </a:p>
           <a:p>
-            <a:pPr indent="0" lvl="0" marL="0" rtl="0" algn="l">
+            <a:pPr marL="0" lvl="0" indent="0" algn="l" rtl="0">
               <a:spcBef>
                 <a:spcPts val="0"/>
               </a:spcBef>
@@ -9403,7 +9305,7 @@
               <a:rPr lang="en-GB"/>
               <a:t>a local Llama 3.1 agent that reads Page comments and replies via the Facebook Graph API</a:t>
             </a:r>
-            <a:endParaRPr/>
+            <a:endParaRPr lang="en-GB"/>
           </a:p>
         </p:txBody>
       </p:sp>
@@ -9416,7 +9318,7 @@
 </file>
 
 <file path=ppt/slides/slide10.xml><?xml version="1.0" encoding="utf-8"?>
-<p:sld xmlns:a="http://schemas.openxmlformats.org/drawingml/2006/main" xmlns:r="http://schemas.openxmlformats.org/officeDocument/2006/relationships" xmlns:mc="http://schemas.openxmlformats.org/markup-compatibility/2006" xmlns:mv="urn:schemas-microsoft-com:mac:vml" xmlns:p="http://schemas.openxmlformats.org/presentationml/2006/main" xmlns:c="http://schemas.openxmlformats.org/drawingml/2006/chart" xmlns:dgm="http://schemas.openxmlformats.org/drawingml/2006/diagram" xmlns:o="urn:schemas-microsoft-com:office:office" xmlns:v="urn:schemas-microsoft-com:vml" xmlns:pvml="urn:schemas-microsoft-com:office:powerpoint" xmlns:com="http://schemas.openxmlformats.org/drawingml/2006/compatibility" xmlns:p14="http://schemas.microsoft.com/office/powerpoint/2010/main" xmlns:p15="http://schemas.microsoft.com/office/powerpoint/2012/main" xmlns:ahyp="http://schemas.microsoft.com/office/drawing/2018/hyperlinkcolor">
+<p:sld xmlns:a="http://schemas.openxmlformats.org/drawingml/2006/main" xmlns:r="http://schemas.openxmlformats.org/officeDocument/2006/relationships" xmlns:p="http://schemas.openxmlformats.org/presentationml/2006/main">
   <p:cSld>
     <p:spTree>
       <p:nvGrpSpPr>
@@ -9450,12 +9352,12 @@
           </a:prstGeom>
         </p:spPr>
         <p:txBody>
-          <a:bodyPr anchorCtr="0" anchor="b" bIns="91425" lIns="91425" spcFirstLastPara="1" rIns="91425" wrap="square" tIns="91425">
+          <a:bodyPr spcFirstLastPara="1" wrap="square" lIns="91425" tIns="91425" rIns="91425" bIns="91425" anchor="b" anchorCtr="0">
             <a:normAutofit/>
           </a:bodyPr>
           <a:lstStyle/>
           <a:p>
-            <a:pPr indent="0" lvl="0" marL="0" rtl="0" algn="l">
+            <a:pPr marL="0" lvl="0" indent="0" algn="l" rtl="0">
               <a:spcBef>
                 <a:spcPts val="0"/>
               </a:spcBef>
@@ -9468,7 +9370,7 @@
               <a:rPr lang="en-GB"/>
               <a:t>System Design &amp; Workflow</a:t>
             </a:r>
-            <a:endParaRPr/>
+            <a:endParaRPr lang="en-GB"/>
           </a:p>
         </p:txBody>
       </p:sp>
@@ -9477,7 +9379,7 @@
           <p:cNvPr id="140" name="Google Shape;140;p22"/>
           <p:cNvSpPr txBox="1"/>
           <p:nvPr>
-            <p:ph idx="1" type="subTitle"/>
+            <p:ph type="subTitle" idx="1"/>
           </p:nvPr>
         </p:nvSpPr>
         <p:spPr>
@@ -9490,12 +9392,12 @@
           </a:prstGeom>
         </p:spPr>
         <p:txBody>
-          <a:bodyPr anchorCtr="0" anchor="t" bIns="91425" lIns="91425" spcFirstLastPara="1" rIns="91425" wrap="square" tIns="91425">
+          <a:bodyPr spcFirstLastPara="1" wrap="square" lIns="91425" tIns="91425" rIns="91425" bIns="91425" anchor="t" anchorCtr="0">
             <a:normAutofit fontScale="47500" lnSpcReduction="20000"/>
           </a:bodyPr>
           <a:lstStyle/>
           <a:p>
-            <a:pPr indent="0" lvl="0" marL="0" rtl="0" algn="l">
+            <a:pPr marL="0" lvl="0" indent="0" algn="l" rtl="0">
               <a:spcBef>
                 <a:spcPts val="0"/>
               </a:spcBef>
@@ -9521,7 +9423,7 @@
 </file>
 
 <file path=ppt/slides/slide11.xml><?xml version="1.0" encoding="utf-8"?>
-<p:sld xmlns:a="http://schemas.openxmlformats.org/drawingml/2006/main" xmlns:r="http://schemas.openxmlformats.org/officeDocument/2006/relationships" xmlns:mc="http://schemas.openxmlformats.org/markup-compatibility/2006" xmlns:mv="urn:schemas-microsoft-com:mac:vml" xmlns:p="http://schemas.openxmlformats.org/presentationml/2006/main" xmlns:c="http://schemas.openxmlformats.org/drawingml/2006/chart" xmlns:dgm="http://schemas.openxmlformats.org/drawingml/2006/diagram" xmlns:o="urn:schemas-microsoft-com:office:office" xmlns:v="urn:schemas-microsoft-com:vml" xmlns:pvml="urn:schemas-microsoft-com:office:powerpoint" xmlns:com="http://schemas.openxmlformats.org/drawingml/2006/compatibility" xmlns:p14="http://schemas.microsoft.com/office/powerpoint/2010/main" xmlns:p15="http://schemas.microsoft.com/office/powerpoint/2012/main" xmlns:ahyp="http://schemas.microsoft.com/office/drawing/2018/hyperlinkcolor">
+<p:sld xmlns:a="http://schemas.openxmlformats.org/drawingml/2006/main" xmlns:r="http://schemas.openxmlformats.org/officeDocument/2006/relationships" xmlns:p="http://schemas.openxmlformats.org/presentationml/2006/main">
   <p:cSld>
     <p:spTree>
       <p:nvGrpSpPr>
@@ -9555,12 +9457,12 @@
           </a:prstGeom>
         </p:spPr>
         <p:txBody>
-          <a:bodyPr anchorCtr="0" anchor="t" bIns="91425" lIns="91425" spcFirstLastPara="1" rIns="91425" wrap="square" tIns="91425">
+          <a:bodyPr spcFirstLastPara="1" wrap="square" lIns="91425" tIns="91425" rIns="91425" bIns="91425" anchor="t" anchorCtr="0">
             <a:normAutofit fontScale="90000"/>
           </a:bodyPr>
           <a:lstStyle/>
           <a:p>
-            <a:pPr indent="0" lvl="0" marL="0" rtl="0" algn="l">
+            <a:pPr marL="0" lvl="0" indent="0" algn="l" rtl="0">
               <a:spcBef>
                 <a:spcPts val="0"/>
               </a:spcBef>
@@ -9573,7 +9475,7 @@
               <a:rPr lang="en-GB"/>
               <a:t>High-Level Architecture</a:t>
             </a:r>
-            <a:endParaRPr/>
+            <a:endParaRPr lang="en-GB"/>
           </a:p>
         </p:txBody>
       </p:sp>
@@ -9584,9 +9486,7 @@
           <p:nvPr/>
         </p:nvPicPr>
         <p:blipFill>
-          <a:blip r:embed="rId3">
-            <a:alphaModFix/>
-          </a:blip>
+          <a:blip r:embed="rId1"/>
           <a:stretch>
             <a:fillRect/>
           </a:stretch>
@@ -9614,7 +9514,7 @@
 </file>
 
 <file path=ppt/slides/slide12.xml><?xml version="1.0" encoding="utf-8"?>
-<p:sld xmlns:a="http://schemas.openxmlformats.org/drawingml/2006/main" xmlns:r="http://schemas.openxmlformats.org/officeDocument/2006/relationships" xmlns:mc="http://schemas.openxmlformats.org/markup-compatibility/2006" xmlns:mv="urn:schemas-microsoft-com:mac:vml" xmlns:p="http://schemas.openxmlformats.org/presentationml/2006/main" xmlns:c="http://schemas.openxmlformats.org/drawingml/2006/chart" xmlns:dgm="http://schemas.openxmlformats.org/drawingml/2006/diagram" xmlns:o="urn:schemas-microsoft-com:office:office" xmlns:v="urn:schemas-microsoft-com:vml" xmlns:pvml="urn:schemas-microsoft-com:office:powerpoint" xmlns:com="http://schemas.openxmlformats.org/drawingml/2006/compatibility" xmlns:p14="http://schemas.microsoft.com/office/powerpoint/2010/main" xmlns:p15="http://schemas.microsoft.com/office/powerpoint/2012/main" xmlns:ahyp="http://schemas.microsoft.com/office/drawing/2018/hyperlinkcolor">
+<p:sld xmlns:a="http://schemas.openxmlformats.org/drawingml/2006/main" xmlns:r="http://schemas.openxmlformats.org/officeDocument/2006/relationships" xmlns:p="http://schemas.openxmlformats.org/presentationml/2006/main">
   <p:cSld>
     <p:spTree>
       <p:nvGrpSpPr>
@@ -9648,12 +9548,12 @@
           </a:prstGeom>
         </p:spPr>
         <p:txBody>
-          <a:bodyPr anchorCtr="0" anchor="t" bIns="91425" lIns="91425" spcFirstLastPara="1" rIns="91425" wrap="square" tIns="91425">
+          <a:bodyPr spcFirstLastPara="1" wrap="square" lIns="91425" tIns="91425" rIns="91425" bIns="91425" anchor="t" anchorCtr="0">
             <a:normAutofit fontScale="90000"/>
           </a:bodyPr>
           <a:lstStyle/>
           <a:p>
-            <a:pPr indent="0" lvl="0" marL="0" rtl="0" algn="l">
+            <a:pPr marL="0" lvl="0" indent="0" algn="l" rtl="0">
               <a:spcBef>
                 <a:spcPts val="0"/>
               </a:spcBef>
@@ -9666,10 +9566,10 @@
               <a:rPr lang="en-GB"/>
               <a:t>Main loop (poll → decide → generate → post)</a:t>
             </a:r>
-            <a:endParaRPr/>
+            <a:endParaRPr lang="en-GB"/>
           </a:p>
           <a:p>
-            <a:pPr indent="0" lvl="0" marL="0" rtl="0" algn="l">
+            <a:pPr marL="0" lvl="0" indent="0" algn="l" rtl="0">
               <a:spcBef>
                 <a:spcPts val="0"/>
               </a:spcBef>
@@ -9678,13 +9578,9 @@
               </a:spcAft>
               <a:buNone/>
             </a:pPr>
-            <a:r>
-              <a:t/>
-            </a:r>
-            <a:endParaRPr/>
           </a:p>
           <a:p>
-            <a:pPr indent="0" lvl="0" marL="0" rtl="0" algn="l">
+            <a:pPr marL="0" lvl="0" indent="0" algn="l" rtl="0">
               <a:spcBef>
                 <a:spcPts val="0"/>
               </a:spcBef>
@@ -9693,10 +9589,6 @@
               </a:spcAft>
               <a:buNone/>
             </a:pPr>
-            <a:r>
-              <a:t/>
-            </a:r>
-            <a:endParaRPr/>
           </a:p>
         </p:txBody>
       </p:sp>
@@ -9707,9 +9599,7 @@
           <p:nvPr/>
         </p:nvPicPr>
         <p:blipFill>
-          <a:blip r:embed="rId3">
-            <a:alphaModFix/>
-          </a:blip>
+          <a:blip r:embed="rId1"/>
           <a:stretch>
             <a:fillRect/>
           </a:stretch>
@@ -9743,14 +9633,14 @@
             <a:avLst/>
           </a:prstGeom>
           <a:noFill/>
-          <a:ln cap="flat" cmpd="sng" w="9525">
+          <a:ln w="9525" cap="flat" cmpd="sng">
             <a:solidFill>
               <a:schemeClr val="dk1"/>
             </a:solidFill>
             <a:prstDash val="solid"/>
             <a:round/>
-            <a:headEnd len="med" w="med" type="none"/>
-            <a:tailEnd len="med" w="med" type="triangle"/>
+            <a:headEnd type="none" w="med" len="med"/>
+            <a:tailEnd type="triangle" w="med" len="med"/>
           </a:ln>
         </p:spPr>
       </p:cxnSp>
@@ -9763,7 +9653,7 @@
 </file>
 
 <file path=ppt/slides/slide13.xml><?xml version="1.0" encoding="utf-8"?>
-<p:sld xmlns:a="http://schemas.openxmlformats.org/drawingml/2006/main" xmlns:r="http://schemas.openxmlformats.org/officeDocument/2006/relationships" xmlns:mc="http://schemas.openxmlformats.org/markup-compatibility/2006" xmlns:mv="urn:schemas-microsoft-com:mac:vml" xmlns:p="http://schemas.openxmlformats.org/presentationml/2006/main" xmlns:c="http://schemas.openxmlformats.org/drawingml/2006/chart" xmlns:dgm="http://schemas.openxmlformats.org/drawingml/2006/diagram" xmlns:o="urn:schemas-microsoft-com:office:office" xmlns:v="urn:schemas-microsoft-com:vml" xmlns:pvml="urn:schemas-microsoft-com:office:powerpoint" xmlns:com="http://schemas.openxmlformats.org/drawingml/2006/compatibility" xmlns:p14="http://schemas.microsoft.com/office/powerpoint/2010/main" xmlns:p15="http://schemas.microsoft.com/office/powerpoint/2012/main" xmlns:ahyp="http://schemas.microsoft.com/office/drawing/2018/hyperlinkcolor">
+<p:sld xmlns:a="http://schemas.openxmlformats.org/drawingml/2006/main" xmlns:r="http://schemas.openxmlformats.org/officeDocument/2006/relationships" xmlns:p="http://schemas.openxmlformats.org/presentationml/2006/main">
   <p:cSld>
     <p:spTree>
       <p:nvGrpSpPr>
@@ -9797,12 +9687,12 @@
           </a:prstGeom>
         </p:spPr>
         <p:txBody>
-          <a:bodyPr anchorCtr="0" anchor="t" bIns="91425" lIns="91425" spcFirstLastPara="1" rIns="91425" wrap="square" tIns="91425">
+          <a:bodyPr spcFirstLastPara="1" wrap="square" lIns="91425" tIns="91425" rIns="91425" bIns="91425" anchor="t" anchorCtr="0">
             <a:normAutofit fontScale="90000"/>
           </a:bodyPr>
           <a:lstStyle/>
           <a:p>
-            <a:pPr indent="0" lvl="0" marL="0" rtl="0" algn="l">
+            <a:pPr marL="0" lvl="0" indent="0" algn="l" rtl="0">
               <a:spcBef>
                 <a:spcPts val="0"/>
               </a:spcBef>
@@ -9815,7 +9705,7 @@
               <a:rPr lang="en-GB"/>
               <a:t>Decision Tree (Should We Reply ?)</a:t>
             </a:r>
-            <a:endParaRPr/>
+            <a:endParaRPr lang="en-GB"/>
           </a:p>
         </p:txBody>
       </p:sp>
@@ -9826,9 +9716,7 @@
           <p:nvPr/>
         </p:nvPicPr>
         <p:blipFill>
-          <a:blip r:embed="rId3">
-            <a:alphaModFix/>
-          </a:blip>
+          <a:blip r:embed="rId1"/>
           <a:stretch>
             <a:fillRect/>
           </a:stretch>
@@ -9856,7 +9744,7 @@
 </file>
 
 <file path=ppt/slides/slide14.xml><?xml version="1.0" encoding="utf-8"?>
-<p:sld xmlns:a="http://schemas.openxmlformats.org/drawingml/2006/main" xmlns:r="http://schemas.openxmlformats.org/officeDocument/2006/relationships" xmlns:mc="http://schemas.openxmlformats.org/markup-compatibility/2006" xmlns:mv="urn:schemas-microsoft-com:mac:vml" xmlns:p="http://schemas.openxmlformats.org/presentationml/2006/main" xmlns:c="http://schemas.openxmlformats.org/drawingml/2006/chart" xmlns:dgm="http://schemas.openxmlformats.org/drawingml/2006/diagram" xmlns:o="urn:schemas-microsoft-com:office:office" xmlns:v="urn:schemas-microsoft-com:vml" xmlns:pvml="urn:schemas-microsoft-com:office:powerpoint" xmlns:com="http://schemas.openxmlformats.org/drawingml/2006/compatibility" xmlns:p14="http://schemas.microsoft.com/office/powerpoint/2010/main" xmlns:p15="http://schemas.microsoft.com/office/powerpoint/2012/main" xmlns:ahyp="http://schemas.microsoft.com/office/drawing/2018/hyperlinkcolor">
+<p:sld xmlns:a="http://schemas.openxmlformats.org/drawingml/2006/main" xmlns:r="http://schemas.openxmlformats.org/officeDocument/2006/relationships" xmlns:p="http://schemas.openxmlformats.org/presentationml/2006/main">
   <p:cSld>
     <p:spTree>
       <p:nvGrpSpPr>
@@ -9890,12 +9778,12 @@
           </a:prstGeom>
         </p:spPr>
         <p:txBody>
-          <a:bodyPr anchorCtr="0" anchor="t" bIns="91425" lIns="91425" spcFirstLastPara="1" rIns="91425" wrap="square" tIns="91425">
+          <a:bodyPr spcFirstLastPara="1" wrap="square" lIns="91425" tIns="91425" rIns="91425" bIns="91425" anchor="t" anchorCtr="0">
             <a:normAutofit fontScale="90000"/>
           </a:bodyPr>
           <a:lstStyle/>
           <a:p>
-            <a:pPr indent="0" lvl="0" marL="0" rtl="0" algn="l">
+            <a:pPr marL="0" lvl="0" indent="0" algn="l" rtl="0">
               <a:spcBef>
                 <a:spcPts val="0"/>
               </a:spcBef>
@@ -9908,7 +9796,7 @@
               <a:rPr lang="en-GB"/>
               <a:t>Post + Verify Visibility (Sequence)</a:t>
             </a:r>
-            <a:endParaRPr/>
+            <a:endParaRPr lang="en-GB"/>
           </a:p>
         </p:txBody>
       </p:sp>
@@ -9919,9 +9807,7 @@
           <p:nvPr/>
         </p:nvPicPr>
         <p:blipFill>
-          <a:blip r:embed="rId3">
-            <a:alphaModFix/>
-          </a:blip>
+          <a:blip r:embed="rId1"/>
           <a:stretch>
             <a:fillRect/>
           </a:stretch>
@@ -9949,7 +9835,7 @@
 </file>
 
 <file path=ppt/slides/slide15.xml><?xml version="1.0" encoding="utf-8"?>
-<p:sld xmlns:a="http://schemas.openxmlformats.org/drawingml/2006/main" xmlns:r="http://schemas.openxmlformats.org/officeDocument/2006/relationships" xmlns:mc="http://schemas.openxmlformats.org/markup-compatibility/2006" xmlns:mv="urn:schemas-microsoft-com:mac:vml" xmlns:p="http://schemas.openxmlformats.org/presentationml/2006/main" xmlns:c="http://schemas.openxmlformats.org/drawingml/2006/chart" xmlns:dgm="http://schemas.openxmlformats.org/drawingml/2006/diagram" xmlns:o="urn:schemas-microsoft-com:office:office" xmlns:v="urn:schemas-microsoft-com:vml" xmlns:pvml="urn:schemas-microsoft-com:office:powerpoint" xmlns:com="http://schemas.openxmlformats.org/drawingml/2006/compatibility" xmlns:p14="http://schemas.microsoft.com/office/powerpoint/2010/main" xmlns:p15="http://schemas.microsoft.com/office/powerpoint/2012/main" xmlns:ahyp="http://schemas.microsoft.com/office/drawing/2018/hyperlinkcolor">
+<p:sld xmlns:a="http://schemas.openxmlformats.org/drawingml/2006/main" xmlns:r="http://schemas.openxmlformats.org/officeDocument/2006/relationships" xmlns:p="http://schemas.openxmlformats.org/presentationml/2006/main">
   <p:cSld>
     <p:spTree>
       <p:nvGrpSpPr>
@@ -9983,12 +9869,12 @@
           </a:prstGeom>
         </p:spPr>
         <p:txBody>
-          <a:bodyPr anchorCtr="0" anchor="b" bIns="91425" lIns="91425" spcFirstLastPara="1" rIns="91425" wrap="square" tIns="91425">
+          <a:bodyPr spcFirstLastPara="1" wrap="square" lIns="91425" tIns="91425" rIns="91425" bIns="91425" anchor="b" anchorCtr="0">
             <a:normAutofit fontScale="90000"/>
           </a:bodyPr>
           <a:lstStyle/>
           <a:p>
-            <a:pPr indent="0" lvl="0" marL="0" rtl="0" algn="l">
+            <a:pPr marL="0" lvl="0" indent="0" algn="l" rtl="0">
               <a:spcBef>
                 <a:spcPts val="0"/>
               </a:spcBef>
@@ -10001,7 +9887,7 @@
               <a:rPr lang="en-GB"/>
               <a:t>Reliability, Safety &amp; Troubleshooting</a:t>
             </a:r>
-            <a:endParaRPr/>
+            <a:endParaRPr lang="en-GB"/>
           </a:p>
         </p:txBody>
       </p:sp>
@@ -10010,7 +9896,7 @@
           <p:cNvPr id="171" name="Google Shape;171;p27"/>
           <p:cNvSpPr txBox="1"/>
           <p:nvPr>
-            <p:ph idx="1" type="subTitle"/>
+            <p:ph type="subTitle" idx="1"/>
           </p:nvPr>
         </p:nvSpPr>
         <p:spPr>
@@ -10023,12 +9909,12 @@
           </a:prstGeom>
         </p:spPr>
         <p:txBody>
-          <a:bodyPr anchorCtr="0" anchor="t" bIns="91425" lIns="91425" spcFirstLastPara="1" rIns="91425" wrap="square" tIns="91425">
+          <a:bodyPr spcFirstLastPara="1" wrap="square" lIns="91425" tIns="91425" rIns="91425" bIns="91425" anchor="t" anchorCtr="0">
             <a:normAutofit fontScale="92500" lnSpcReduction="20000"/>
           </a:bodyPr>
           <a:lstStyle/>
           <a:p>
-            <a:pPr indent="0" lvl="0" marL="0" rtl="0" algn="l">
+            <a:pPr marL="0" lvl="0" indent="0" algn="l" rtl="0">
               <a:spcBef>
                 <a:spcPts val="0"/>
               </a:spcBef>
@@ -10041,7 +9927,7 @@
               <a:rPr lang="en-GB"/>
               <a:t>What we changed to make it robust in real usage</a:t>
             </a:r>
-            <a:endParaRPr/>
+            <a:endParaRPr lang="en-GB"/>
           </a:p>
         </p:txBody>
       </p:sp>
@@ -10054,7 +9940,7 @@
 </file>
 
 <file path=ppt/slides/slide16.xml><?xml version="1.0" encoding="utf-8"?>
-<p:sld xmlns:a="http://schemas.openxmlformats.org/drawingml/2006/main" xmlns:r="http://schemas.openxmlformats.org/officeDocument/2006/relationships" xmlns:mc="http://schemas.openxmlformats.org/markup-compatibility/2006" xmlns:mv="urn:schemas-microsoft-com:mac:vml" xmlns:p="http://schemas.openxmlformats.org/presentationml/2006/main" xmlns:c="http://schemas.openxmlformats.org/drawingml/2006/chart" xmlns:dgm="http://schemas.openxmlformats.org/drawingml/2006/diagram" xmlns:o="urn:schemas-microsoft-com:office:office" xmlns:v="urn:schemas-microsoft-com:vml" xmlns:pvml="urn:schemas-microsoft-com:office:powerpoint" xmlns:com="http://schemas.openxmlformats.org/drawingml/2006/compatibility" xmlns:p14="http://schemas.microsoft.com/office/powerpoint/2010/main" xmlns:p15="http://schemas.microsoft.com/office/powerpoint/2012/main" xmlns:ahyp="http://schemas.microsoft.com/office/drawing/2018/hyperlinkcolor">
+<p:sld xmlns:a="http://schemas.openxmlformats.org/drawingml/2006/main" xmlns:r="http://schemas.openxmlformats.org/officeDocument/2006/relationships" xmlns:p="http://schemas.openxmlformats.org/presentationml/2006/main">
   <p:cSld>
     <p:spTree>
       <p:nvGrpSpPr>
@@ -10088,12 +9974,12 @@
           </a:prstGeom>
         </p:spPr>
         <p:txBody>
-          <a:bodyPr anchorCtr="0" anchor="t" bIns="91425" lIns="91425" spcFirstLastPara="1" rIns="91425" wrap="square" tIns="91425">
+          <a:bodyPr spcFirstLastPara="1" wrap="square" lIns="91425" tIns="91425" rIns="91425" bIns="91425" anchor="t" anchorCtr="0">
             <a:normAutofit fontScale="90000"/>
           </a:bodyPr>
           <a:lstStyle/>
           <a:p>
-            <a:pPr indent="0" lvl="0" marL="0" rtl="0" algn="l">
+            <a:pPr marL="0" lvl="0" indent="0" algn="l" rtl="0">
               <a:spcBef>
                 <a:spcPts val="0"/>
               </a:spcBef>
@@ -10106,7 +9992,7 @@
               <a:rPr lang="en-GB"/>
               <a:t>Safety &amp; quality controls</a:t>
             </a:r>
-            <a:endParaRPr/>
+            <a:endParaRPr lang="en-GB"/>
           </a:p>
         </p:txBody>
       </p:sp>
@@ -10117,9 +10003,7 @@
           <p:nvPr/>
         </p:nvPicPr>
         <p:blipFill>
-          <a:blip r:embed="rId3">
-            <a:alphaModFix/>
-          </a:blip>
+          <a:blip r:embed="rId1"/>
           <a:stretch>
             <a:fillRect/>
           </a:stretch>
@@ -10153,23 +10037,23 @@
             <a:avLst/>
           </a:prstGeom>
           <a:noFill/>
-          <a:ln cap="flat" cmpd="sng" w="9525">
+          <a:ln w="9525" cap="flat" cmpd="sng">
             <a:solidFill>
               <a:srgbClr val="000000"/>
             </a:solidFill>
             <a:prstDash val="solid"/>
             <a:round/>
-            <a:headEnd len="sm" w="sm" type="none"/>
-            <a:tailEnd len="sm" w="sm" type="none"/>
+            <a:headEnd type="none" w="sm" len="sm"/>
+            <a:tailEnd type="none" w="sm" len="sm"/>
           </a:ln>
         </p:spPr>
         <p:txBody>
-          <a:bodyPr anchorCtr="0" anchor="t" bIns="91425" lIns="91425" spcFirstLastPara="1" rIns="91425" wrap="square" tIns="91425">
+          <a:bodyPr spcFirstLastPara="1" wrap="square" lIns="91425" tIns="91425" rIns="91425" bIns="91425" anchor="t" anchorCtr="0">
             <a:spAutoFit/>
           </a:bodyPr>
           <a:lstStyle/>
           <a:p>
-            <a:pPr indent="0" lvl="0" marL="0" rtl="0" algn="l">
+            <a:pPr marL="0" lvl="0" indent="0" algn="l" rtl="0">
               <a:spcBef>
                 <a:spcPts val="0"/>
               </a:spcBef>
@@ -10183,10 +10067,10 @@
                 <a:solidFill>
                   <a:schemeClr val="dk2"/>
                 </a:solidFill>
-                <a:latin typeface="Roboto"/>
-                <a:ea typeface="Roboto"/>
-                <a:cs typeface="Roboto"/>
-                <a:sym typeface="Roboto"/>
+                <a:latin typeface="Roboto" panose="02000000000000000000"/>
+                <a:ea typeface="Roboto" panose="02000000000000000000"/>
+                <a:cs typeface="Roboto" panose="02000000000000000000"/>
+                <a:sym typeface="Roboto" panose="02000000000000000000"/>
               </a:rPr>
               <a:t>Short replies (1–3 sentences)</a:t>
             </a:r>
@@ -10194,14 +10078,14 @@
               <a:solidFill>
                 <a:schemeClr val="dk2"/>
               </a:solidFill>
-              <a:latin typeface="Roboto"/>
-              <a:ea typeface="Roboto"/>
-              <a:cs typeface="Roboto"/>
-              <a:sym typeface="Roboto"/>
+              <a:latin typeface="Roboto" panose="02000000000000000000"/>
+              <a:ea typeface="Roboto" panose="02000000000000000000"/>
+              <a:cs typeface="Roboto" panose="02000000000000000000"/>
+              <a:sym typeface="Roboto" panose="02000000000000000000"/>
             </a:endParaRPr>
           </a:p>
           <a:p>
-            <a:pPr indent="0" lvl="0" marL="0" rtl="0" algn="l">
+            <a:pPr marL="0" lvl="0" indent="0" algn="l" rtl="0">
               <a:spcBef>
                 <a:spcPts val="0"/>
               </a:spcBef>
@@ -10215,10 +10099,10 @@
                 <a:solidFill>
                   <a:schemeClr val="dk2"/>
                 </a:solidFill>
-                <a:latin typeface="Roboto"/>
-                <a:ea typeface="Roboto"/>
-                <a:cs typeface="Roboto"/>
-                <a:sym typeface="Roboto"/>
+                <a:latin typeface="Roboto" panose="02000000000000000000"/>
+                <a:ea typeface="Roboto" panose="02000000000000000000"/>
+                <a:cs typeface="Roboto" panose="02000000000000000000"/>
+                <a:sym typeface="Roboto" panose="02000000000000000000"/>
               </a:rPr>
               <a:t>No "I’m an AI" disclosure</a:t>
             </a:r>
@@ -10226,14 +10110,14 @@
               <a:solidFill>
                 <a:schemeClr val="dk2"/>
               </a:solidFill>
-              <a:latin typeface="Roboto"/>
-              <a:ea typeface="Roboto"/>
-              <a:cs typeface="Roboto"/>
-              <a:sym typeface="Roboto"/>
+              <a:latin typeface="Roboto" panose="02000000000000000000"/>
+              <a:ea typeface="Roboto" panose="02000000000000000000"/>
+              <a:cs typeface="Roboto" panose="02000000000000000000"/>
+              <a:sym typeface="Roboto" panose="02000000000000000000"/>
             </a:endParaRPr>
           </a:p>
           <a:p>
-            <a:pPr indent="0" lvl="0" marL="0" rtl="0" algn="l">
+            <a:pPr marL="0" lvl="0" indent="0" algn="l" rtl="0">
               <a:spcBef>
                 <a:spcPts val="0"/>
               </a:spcBef>
@@ -10247,10 +10131,10 @@
                 <a:solidFill>
                   <a:schemeClr val="dk2"/>
                 </a:solidFill>
-                <a:latin typeface="Roboto"/>
-                <a:ea typeface="Roboto"/>
-                <a:cs typeface="Roboto"/>
-                <a:sym typeface="Roboto"/>
+                <a:latin typeface="Roboto" panose="02000000000000000000"/>
+                <a:ea typeface="Roboto" panose="02000000000000000000"/>
+                <a:cs typeface="Roboto" panose="02000000000000000000"/>
+                <a:sym typeface="Roboto" panose="02000000000000000000"/>
               </a:rPr>
               <a:t>No invented facts (prices/hours/policies)</a:t>
             </a:r>
@@ -10258,14 +10142,14 @@
               <a:solidFill>
                 <a:schemeClr val="dk2"/>
               </a:solidFill>
-              <a:latin typeface="Roboto"/>
-              <a:ea typeface="Roboto"/>
-              <a:cs typeface="Roboto"/>
-              <a:sym typeface="Roboto"/>
+              <a:latin typeface="Roboto" panose="02000000000000000000"/>
+              <a:ea typeface="Roboto" panose="02000000000000000000"/>
+              <a:cs typeface="Roboto" panose="02000000000000000000"/>
+              <a:sym typeface="Roboto" panose="02000000000000000000"/>
             </a:endParaRPr>
           </a:p>
           <a:p>
-            <a:pPr indent="0" lvl="0" marL="0" rtl="0" algn="l">
+            <a:pPr marL="0" lvl="0" indent="0" algn="l" rtl="0">
               <a:spcBef>
                 <a:spcPts val="0"/>
               </a:spcBef>
@@ -10279,10 +10163,10 @@
                 <a:solidFill>
                   <a:schemeClr val="dk2"/>
                 </a:solidFill>
-                <a:latin typeface="Roboto"/>
-                <a:ea typeface="Roboto"/>
-                <a:cs typeface="Roboto"/>
-                <a:sym typeface="Roboto"/>
+                <a:latin typeface="Roboto" panose="02000000000000000000"/>
+                <a:ea typeface="Roboto" panose="02000000000000000000"/>
+                <a:cs typeface="Roboto" panose="02000000000000000000"/>
+                <a:sym typeface="Roboto" panose="02000000000000000000"/>
               </a:rPr>
               <a:t>Complaint handling: apologize + one clarifying question</a:t>
             </a:r>
@@ -10290,10 +10174,10 @@
               <a:solidFill>
                 <a:schemeClr val="dk2"/>
               </a:solidFill>
-              <a:latin typeface="Roboto"/>
-              <a:ea typeface="Roboto"/>
-              <a:cs typeface="Roboto"/>
-              <a:sym typeface="Roboto"/>
+              <a:latin typeface="Roboto" panose="02000000000000000000"/>
+              <a:ea typeface="Roboto" panose="02000000000000000000"/>
+              <a:cs typeface="Roboto" panose="02000000000000000000"/>
+              <a:sym typeface="Roboto" panose="02000000000000000000"/>
             </a:endParaRPr>
           </a:p>
         </p:txBody>
@@ -10313,23 +10197,23 @@
             <a:avLst/>
           </a:prstGeom>
           <a:noFill/>
-          <a:ln cap="flat" cmpd="sng" w="9525">
+          <a:ln w="9525" cap="flat" cmpd="sng">
             <a:solidFill>
               <a:srgbClr val="000000"/>
             </a:solidFill>
             <a:prstDash val="solid"/>
             <a:round/>
-            <a:headEnd len="sm" w="sm" type="none"/>
-            <a:tailEnd len="sm" w="sm" type="none"/>
+            <a:headEnd type="none" w="sm" len="sm"/>
+            <a:tailEnd type="none" w="sm" len="sm"/>
           </a:ln>
         </p:spPr>
         <p:txBody>
-          <a:bodyPr anchorCtr="0" anchor="t" bIns="91425" lIns="91425" spcFirstLastPara="1" rIns="91425" wrap="square" tIns="91425">
+          <a:bodyPr spcFirstLastPara="1" wrap="square" lIns="91425" tIns="91425" rIns="91425" bIns="91425" anchor="t" anchorCtr="0">
             <a:spAutoFit/>
           </a:bodyPr>
           <a:lstStyle/>
           <a:p>
-            <a:pPr indent="0" lvl="0" marL="0" rtl="0" algn="l">
+            <a:pPr marL="0" lvl="0" indent="0" algn="l" rtl="0">
               <a:spcBef>
                 <a:spcPts val="0"/>
               </a:spcBef>
@@ -10343,10 +10227,10 @@
                 <a:solidFill>
                   <a:schemeClr val="dk2"/>
                 </a:solidFill>
-                <a:latin typeface="Roboto"/>
-                <a:ea typeface="Roboto"/>
-                <a:cs typeface="Roboto"/>
-                <a:sym typeface="Roboto"/>
+                <a:latin typeface="Roboto" panose="02000000000000000000"/>
+                <a:ea typeface="Roboto" panose="02000000000000000000"/>
+                <a:cs typeface="Roboto" panose="02000000000000000000"/>
+                <a:sym typeface="Roboto" panose="02000000000000000000"/>
               </a:rPr>
               <a:t>SQLite de-duplication (prevents spam/double replies)</a:t>
             </a:r>
@@ -10354,14 +10238,14 @@
               <a:solidFill>
                 <a:schemeClr val="dk2"/>
               </a:solidFill>
-              <a:latin typeface="Roboto"/>
-              <a:ea typeface="Roboto"/>
-              <a:cs typeface="Roboto"/>
-              <a:sym typeface="Roboto"/>
+              <a:latin typeface="Roboto" panose="02000000000000000000"/>
+              <a:ea typeface="Roboto" panose="02000000000000000000"/>
+              <a:cs typeface="Roboto" panose="02000000000000000000"/>
+              <a:sym typeface="Roboto" panose="02000000000000000000"/>
             </a:endParaRPr>
           </a:p>
           <a:p>
-            <a:pPr indent="0" lvl="0" marL="0" rtl="0" algn="l">
+            <a:pPr marL="0" lvl="0" indent="0" algn="l" rtl="0">
               <a:spcBef>
                 <a:spcPts val="0"/>
               </a:spcBef>
@@ -10375,10 +10259,10 @@
                 <a:solidFill>
                   <a:schemeClr val="dk2"/>
                 </a:solidFill>
-                <a:latin typeface="Roboto"/>
-                <a:ea typeface="Roboto"/>
-                <a:cs typeface="Roboto"/>
-                <a:sym typeface="Roboto"/>
+                <a:latin typeface="Roboto" panose="02000000000000000000"/>
+                <a:ea typeface="Roboto" panose="02000000000000000000"/>
+                <a:cs typeface="Roboto" panose="02000000000000000000"/>
+                <a:sym typeface="Roboto" panose="02000000000000000000"/>
               </a:rPr>
               <a:t>DRY_RUN mode for safe testing</a:t>
             </a:r>
@@ -10386,14 +10270,14 @@
               <a:solidFill>
                 <a:schemeClr val="dk2"/>
               </a:solidFill>
-              <a:latin typeface="Roboto"/>
-              <a:ea typeface="Roboto"/>
-              <a:cs typeface="Roboto"/>
-              <a:sym typeface="Roboto"/>
+              <a:latin typeface="Roboto" panose="02000000000000000000"/>
+              <a:ea typeface="Roboto" panose="02000000000000000000"/>
+              <a:cs typeface="Roboto" panose="02000000000000000000"/>
+              <a:sym typeface="Roboto" panose="02000000000000000000"/>
             </a:endParaRPr>
           </a:p>
           <a:p>
-            <a:pPr indent="0" lvl="0" marL="0" rtl="0" algn="l">
+            <a:pPr marL="0" lvl="0" indent="0" algn="l" rtl="0">
               <a:spcBef>
                 <a:spcPts val="0"/>
               </a:spcBef>
@@ -10407,10 +10291,10 @@
                 <a:solidFill>
                   <a:schemeClr val="dk2"/>
                 </a:solidFill>
-                <a:latin typeface="Roboto"/>
-                <a:ea typeface="Roboto"/>
-                <a:cs typeface="Roboto"/>
-                <a:sym typeface="Roboto"/>
+                <a:latin typeface="Roboto" panose="02000000000000000000"/>
+                <a:ea typeface="Roboto" panose="02000000000000000000"/>
+                <a:cs typeface="Roboto" panose="02000000000000000000"/>
+                <a:sym typeface="Roboto" panose="02000000000000000000"/>
               </a:rPr>
               <a:t>Unicode sanitization (prevents blank/invisible replies)</a:t>
             </a:r>
@@ -10418,14 +10302,14 @@
               <a:solidFill>
                 <a:schemeClr val="dk2"/>
               </a:solidFill>
-              <a:latin typeface="Roboto"/>
-              <a:ea typeface="Roboto"/>
-              <a:cs typeface="Roboto"/>
-              <a:sym typeface="Roboto"/>
+              <a:latin typeface="Roboto" panose="02000000000000000000"/>
+              <a:ea typeface="Roboto" panose="02000000000000000000"/>
+              <a:cs typeface="Roboto" panose="02000000000000000000"/>
+              <a:sym typeface="Roboto" panose="02000000000000000000"/>
             </a:endParaRPr>
           </a:p>
           <a:p>
-            <a:pPr indent="0" lvl="0" marL="0" rtl="0" algn="l">
+            <a:pPr marL="0" lvl="0" indent="0" algn="l" rtl="0">
               <a:spcBef>
                 <a:spcPts val="0"/>
               </a:spcBef>
@@ -10439,10 +10323,10 @@
                 <a:solidFill>
                   <a:schemeClr val="dk2"/>
                 </a:solidFill>
-                <a:latin typeface="Roboto"/>
-                <a:ea typeface="Roboto"/>
-                <a:cs typeface="Roboto"/>
-                <a:sym typeface="Roboto"/>
+                <a:latin typeface="Roboto" panose="02000000000000000000"/>
+                <a:ea typeface="Roboto" panose="02000000000000000000"/>
+                <a:cs typeface="Roboto" panose="02000000000000000000"/>
+                <a:sym typeface="Roboto" panose="02000000000000000000"/>
               </a:rPr>
               <a:t>Visibility checks (detect hidden/private replies)</a:t>
             </a:r>
@@ -10450,14 +10334,14 @@
               <a:solidFill>
                 <a:schemeClr val="dk2"/>
               </a:solidFill>
-              <a:latin typeface="Roboto"/>
-              <a:ea typeface="Roboto"/>
-              <a:cs typeface="Roboto"/>
-              <a:sym typeface="Roboto"/>
+              <a:latin typeface="Roboto" panose="02000000000000000000"/>
+              <a:ea typeface="Roboto" panose="02000000000000000000"/>
+              <a:cs typeface="Roboto" panose="02000000000000000000"/>
+              <a:sym typeface="Roboto" panose="02000000000000000000"/>
             </a:endParaRPr>
           </a:p>
           <a:p>
-            <a:pPr indent="0" lvl="0" marL="0" rtl="0" algn="l">
+            <a:pPr marL="0" lvl="0" indent="0" algn="l" rtl="0">
               <a:spcBef>
                 <a:spcPts val="0"/>
               </a:spcBef>
@@ -10471,10 +10355,10 @@
                 <a:solidFill>
                   <a:schemeClr val="dk2"/>
                 </a:solidFill>
-                <a:latin typeface="Roboto"/>
-                <a:ea typeface="Roboto"/>
-                <a:cs typeface="Roboto"/>
-                <a:sym typeface="Roboto"/>
+                <a:latin typeface="Roboto" panose="02000000000000000000"/>
+                <a:ea typeface="Roboto" panose="02000000000000000000"/>
+                <a:cs typeface="Roboto" panose="02000000000000000000"/>
+                <a:sym typeface="Roboto" panose="02000000000000000000"/>
               </a:rPr>
               <a:t>Token redaction in error logs</a:t>
             </a:r>
@@ -10482,10 +10366,10 @@
               <a:solidFill>
                 <a:schemeClr val="dk2"/>
               </a:solidFill>
-              <a:latin typeface="Roboto"/>
-              <a:ea typeface="Roboto"/>
-              <a:cs typeface="Roboto"/>
-              <a:sym typeface="Roboto"/>
+              <a:latin typeface="Roboto" panose="02000000000000000000"/>
+              <a:ea typeface="Roboto" panose="02000000000000000000"/>
+              <a:cs typeface="Roboto" panose="02000000000000000000"/>
+              <a:sym typeface="Roboto" panose="02000000000000000000"/>
             </a:endParaRPr>
           </a:p>
         </p:txBody>
@@ -10499,7 +10383,7 @@
 </file>
 
 <file path=ppt/slides/slide17.xml><?xml version="1.0" encoding="utf-8"?>
-<p:sld xmlns:a="http://schemas.openxmlformats.org/drawingml/2006/main" xmlns:r="http://schemas.openxmlformats.org/officeDocument/2006/relationships" xmlns:mc="http://schemas.openxmlformats.org/markup-compatibility/2006" xmlns:mv="urn:schemas-microsoft-com:mac:vml" xmlns:p="http://schemas.openxmlformats.org/presentationml/2006/main" xmlns:c="http://schemas.openxmlformats.org/drawingml/2006/chart" xmlns:dgm="http://schemas.openxmlformats.org/drawingml/2006/diagram" xmlns:o="urn:schemas-microsoft-com:office:office" xmlns:v="urn:schemas-microsoft-com:vml" xmlns:pvml="urn:schemas-microsoft-com:office:powerpoint" xmlns:com="http://schemas.openxmlformats.org/drawingml/2006/compatibility" xmlns:p14="http://schemas.microsoft.com/office/powerpoint/2010/main" xmlns:p15="http://schemas.microsoft.com/office/powerpoint/2012/main" xmlns:ahyp="http://schemas.microsoft.com/office/drawing/2018/hyperlinkcolor">
+<p:sld xmlns:a="http://schemas.openxmlformats.org/drawingml/2006/main" xmlns:r="http://schemas.openxmlformats.org/officeDocument/2006/relationships" xmlns:p="http://schemas.openxmlformats.org/presentationml/2006/main">
   <p:cSld>
     <p:spTree>
       <p:nvGrpSpPr>
@@ -10533,12 +10417,12 @@
           </a:prstGeom>
         </p:spPr>
         <p:txBody>
-          <a:bodyPr anchorCtr="0" anchor="t" bIns="91425" lIns="91425" spcFirstLastPara="1" rIns="91425" wrap="square" tIns="91425">
+          <a:bodyPr spcFirstLastPara="1" wrap="square" lIns="91425" tIns="91425" rIns="91425" bIns="91425" anchor="t" anchorCtr="0">
             <a:normAutofit fontScale="90000"/>
           </a:bodyPr>
           <a:lstStyle/>
           <a:p>
-            <a:pPr indent="0" lvl="0" marL="0" rtl="0" algn="l">
+            <a:pPr marL="0" lvl="0" indent="0" algn="l" rtl="0">
               <a:spcBef>
                 <a:spcPts val="0"/>
               </a:spcBef>
@@ -10551,7 +10435,7 @@
               <a:rPr lang="en-GB"/>
               <a:t>Trouble Shooting Highlights</a:t>
             </a:r>
-            <a:endParaRPr/>
+            <a:endParaRPr lang="en-GB"/>
           </a:p>
         </p:txBody>
       </p:sp>
@@ -10570,23 +10454,23 @@
             <a:avLst/>
           </a:prstGeom>
           <a:noFill/>
-          <a:ln cap="flat" cmpd="sng" w="9525">
+          <a:ln w="9525" cap="flat" cmpd="sng">
             <a:solidFill>
               <a:srgbClr val="000000"/>
             </a:solidFill>
             <a:prstDash val="solid"/>
             <a:round/>
-            <a:headEnd len="sm" w="sm" type="none"/>
-            <a:tailEnd len="sm" w="sm" type="none"/>
+            <a:headEnd type="none" w="sm" len="sm"/>
+            <a:tailEnd type="none" w="sm" len="sm"/>
           </a:ln>
         </p:spPr>
         <p:txBody>
-          <a:bodyPr anchorCtr="0" anchor="t" bIns="91425" lIns="91425" spcFirstLastPara="1" rIns="91425" wrap="square" tIns="91425">
+          <a:bodyPr spcFirstLastPara="1" wrap="square" lIns="91425" tIns="91425" rIns="91425" bIns="91425" anchor="t" anchorCtr="0">
             <a:spAutoFit/>
           </a:bodyPr>
           <a:lstStyle/>
           <a:p>
-            <a:pPr indent="0" lvl="0" marL="0" rtl="0" algn="l">
+            <a:pPr marL="0" lvl="0" indent="0" algn="l" rtl="0">
               <a:spcBef>
                 <a:spcPts val="0"/>
               </a:spcBef>
@@ -10600,10 +10484,10 @@
                 <a:solidFill>
                   <a:schemeClr val="dk2"/>
                 </a:solidFill>
-                <a:latin typeface="Roboto"/>
-                <a:ea typeface="Roboto"/>
-                <a:cs typeface="Roboto"/>
-                <a:sym typeface="Roboto"/>
+                <a:latin typeface="Roboto" panose="02000000000000000000"/>
+                <a:ea typeface="Roboto" panose="02000000000000000000"/>
+                <a:cs typeface="Roboto" panose="02000000000000000000"/>
+                <a:sym typeface="Roboto" panose="02000000000000000000"/>
               </a:rPr>
               <a:t>DNS error: failed to resolve graph.facebook.com → network/DNS/VPN/proxy issue</a:t>
             </a:r>
@@ -10611,14 +10495,14 @@
               <a:solidFill>
                 <a:schemeClr val="dk2"/>
               </a:solidFill>
-              <a:latin typeface="Roboto"/>
-              <a:ea typeface="Roboto"/>
-              <a:cs typeface="Roboto"/>
-              <a:sym typeface="Roboto"/>
+              <a:latin typeface="Roboto" panose="02000000000000000000"/>
+              <a:ea typeface="Roboto" panose="02000000000000000000"/>
+              <a:cs typeface="Roboto" panose="02000000000000000000"/>
+              <a:sym typeface="Roboto" panose="02000000000000000000"/>
             </a:endParaRPr>
           </a:p>
           <a:p>
-            <a:pPr indent="0" lvl="0" marL="0" rtl="0" algn="l">
+            <a:pPr marL="0" lvl="0" indent="0" algn="l" rtl="0">
               <a:spcBef>
                 <a:spcPts val="0"/>
               </a:spcBef>
@@ -10632,10 +10516,10 @@
                 <a:solidFill>
                   <a:schemeClr val="dk2"/>
                 </a:solidFill>
-                <a:latin typeface="Roboto"/>
-                <a:ea typeface="Roboto"/>
-                <a:cs typeface="Roboto"/>
-                <a:sym typeface="Roboto"/>
+                <a:latin typeface="Roboto" panose="02000000000000000000"/>
+                <a:ea typeface="Roboto" panose="02000000000000000000"/>
+                <a:cs typeface="Roboto" panose="02000000000000000000"/>
+                <a:sym typeface="Roboto" panose="02000000000000000000"/>
               </a:rPr>
               <a:t>Fix: nslookup, switch DNS, disable </a:t>
             </a:r>
@@ -10643,14 +10527,14 @@
               <a:solidFill>
                 <a:schemeClr val="dk2"/>
               </a:solidFill>
-              <a:latin typeface="Roboto"/>
-              <a:ea typeface="Roboto"/>
-              <a:cs typeface="Roboto"/>
-              <a:sym typeface="Roboto"/>
+              <a:latin typeface="Roboto" panose="02000000000000000000"/>
+              <a:ea typeface="Roboto" panose="02000000000000000000"/>
+              <a:cs typeface="Roboto" panose="02000000000000000000"/>
+              <a:sym typeface="Roboto" panose="02000000000000000000"/>
             </a:endParaRPr>
           </a:p>
           <a:p>
-            <a:pPr indent="0" lvl="0" marL="0" rtl="0" algn="l">
+            <a:pPr marL="0" lvl="0" indent="0" algn="l" rtl="0">
               <a:spcBef>
                 <a:spcPts val="0"/>
               </a:spcBef>
@@ -10664,10 +10548,10 @@
                 <a:solidFill>
                   <a:schemeClr val="dk2"/>
                 </a:solidFill>
-                <a:latin typeface="Roboto"/>
-                <a:ea typeface="Roboto"/>
-                <a:cs typeface="Roboto"/>
-                <a:sym typeface="Roboto"/>
+                <a:latin typeface="Roboto" panose="02000000000000000000"/>
+                <a:ea typeface="Roboto" panose="02000000000000000000"/>
+                <a:cs typeface="Roboto" panose="02000000000000000000"/>
+                <a:sym typeface="Roboto" panose="02000000000000000000"/>
               </a:rPr>
               <a:t>proxy/VPN, firewall allow Python</a:t>
             </a:r>
@@ -10675,10 +10559,10 @@
               <a:solidFill>
                 <a:schemeClr val="dk2"/>
               </a:solidFill>
-              <a:latin typeface="Roboto"/>
-              <a:ea typeface="Roboto"/>
-              <a:cs typeface="Roboto"/>
-              <a:sym typeface="Roboto"/>
+              <a:latin typeface="Roboto" panose="02000000000000000000"/>
+              <a:ea typeface="Roboto" panose="02000000000000000000"/>
+              <a:cs typeface="Roboto" panose="02000000000000000000"/>
+              <a:sym typeface="Roboto" panose="02000000000000000000"/>
             </a:endParaRPr>
           </a:p>
         </p:txBody>
@@ -10698,23 +10582,23 @@
             <a:avLst/>
           </a:prstGeom>
           <a:noFill/>
-          <a:ln cap="flat" cmpd="sng" w="9525">
+          <a:ln w="9525" cap="flat" cmpd="sng">
             <a:solidFill>
               <a:srgbClr val="000000"/>
             </a:solidFill>
             <a:prstDash val="solid"/>
             <a:round/>
-            <a:headEnd len="sm" w="sm" type="none"/>
-            <a:tailEnd len="sm" w="sm" type="none"/>
+            <a:headEnd type="none" w="sm" len="sm"/>
+            <a:tailEnd type="none" w="sm" len="sm"/>
           </a:ln>
         </p:spPr>
         <p:txBody>
-          <a:bodyPr anchorCtr="0" anchor="t" bIns="91425" lIns="91425" spcFirstLastPara="1" rIns="91425" wrap="square" tIns="91425">
+          <a:bodyPr spcFirstLastPara="1" wrap="square" lIns="91425" tIns="91425" rIns="91425" bIns="91425" anchor="t" anchorCtr="0">
             <a:spAutoFit/>
           </a:bodyPr>
           <a:lstStyle/>
           <a:p>
-            <a:pPr indent="0" lvl="0" marL="0" rtl="0" algn="l">
+            <a:pPr marL="0" lvl="0" indent="0" algn="l" rtl="0">
               <a:spcBef>
                 <a:spcPts val="0"/>
               </a:spcBef>
@@ -10728,10 +10612,10 @@
                 <a:solidFill>
                   <a:schemeClr val="dk2"/>
                 </a:solidFill>
-                <a:latin typeface="Roboto"/>
-                <a:ea typeface="Roboto"/>
-                <a:cs typeface="Roboto"/>
-                <a:sym typeface="Roboto"/>
+                <a:latin typeface="Roboto" panose="02000000000000000000"/>
+                <a:ea typeface="Roboto" panose="02000000000000000000"/>
+                <a:cs typeface="Roboto" panose="02000000000000000000"/>
+                <a:sym typeface="Roboto" panose="02000000000000000000"/>
               </a:rPr>
               <a:t>Owner sees replies but public doesn't → likely is_hidden/is_private or moderation settings</a:t>
             </a:r>
@@ -10739,14 +10623,14 @@
               <a:solidFill>
                 <a:schemeClr val="dk2"/>
               </a:solidFill>
-              <a:latin typeface="Roboto"/>
-              <a:ea typeface="Roboto"/>
-              <a:cs typeface="Roboto"/>
-              <a:sym typeface="Roboto"/>
+              <a:latin typeface="Roboto" panose="02000000000000000000"/>
+              <a:ea typeface="Roboto" panose="02000000000000000000"/>
+              <a:cs typeface="Roboto" panose="02000000000000000000"/>
+              <a:sym typeface="Roboto" panose="02000000000000000000"/>
             </a:endParaRPr>
           </a:p>
           <a:p>
-            <a:pPr indent="0" lvl="0" marL="0" rtl="0" algn="l">
+            <a:pPr marL="0" lvl="0" indent="0" algn="l" rtl="0">
               <a:spcBef>
                 <a:spcPts val="0"/>
               </a:spcBef>
@@ -10760,10 +10644,10 @@
                 <a:solidFill>
                   <a:schemeClr val="dk2"/>
                 </a:solidFill>
-                <a:latin typeface="Roboto"/>
-                <a:ea typeface="Roboto"/>
-                <a:cs typeface="Roboto"/>
-                <a:sym typeface="Roboto"/>
+                <a:latin typeface="Roboto" panose="02000000000000000000"/>
+                <a:ea typeface="Roboto" panose="02000000000000000000"/>
+                <a:cs typeface="Roboto" panose="02000000000000000000"/>
+                <a:sym typeface="Roboto" panose="02000000000000000000"/>
               </a:rPr>
               <a:t>Fix: check reply flags via Graph API; unhide with POST ?is_hidden=false</a:t>
             </a:r>
@@ -10771,14 +10655,14 @@
               <a:solidFill>
                 <a:schemeClr val="dk2"/>
               </a:solidFill>
-              <a:latin typeface="Roboto"/>
-              <a:ea typeface="Roboto"/>
-              <a:cs typeface="Roboto"/>
-              <a:sym typeface="Roboto"/>
+              <a:latin typeface="Roboto" panose="02000000000000000000"/>
+              <a:ea typeface="Roboto" panose="02000000000000000000"/>
+              <a:cs typeface="Roboto" panose="02000000000000000000"/>
+              <a:sym typeface="Roboto" panose="02000000000000000000"/>
             </a:endParaRPr>
           </a:p>
           <a:p>
-            <a:pPr indent="0" lvl="0" marL="0" rtl="0" algn="l">
+            <a:pPr marL="0" lvl="0" indent="0" algn="l" rtl="0">
               <a:spcBef>
                 <a:spcPts val="0"/>
               </a:spcBef>
@@ -10792,10 +10676,10 @@
                 <a:solidFill>
                   <a:schemeClr val="dk2"/>
                 </a:solidFill>
-                <a:latin typeface="Roboto"/>
-                <a:ea typeface="Roboto"/>
-                <a:cs typeface="Roboto"/>
-                <a:sym typeface="Roboto"/>
+                <a:latin typeface="Roboto" panose="02000000000000000000"/>
+                <a:ea typeface="Roboto" panose="02000000000000000000"/>
+                <a:cs typeface="Roboto" panose="02000000000000000000"/>
+                <a:sym typeface="Roboto" panose="02000000000000000000"/>
               </a:rPr>
               <a:t>Also review Meta Business Suite moderation filters</a:t>
             </a:r>
@@ -10803,10 +10687,10 @@
               <a:solidFill>
                 <a:schemeClr val="dk2"/>
               </a:solidFill>
-              <a:latin typeface="Roboto"/>
-              <a:ea typeface="Roboto"/>
-              <a:cs typeface="Roboto"/>
-              <a:sym typeface="Roboto"/>
+              <a:latin typeface="Roboto" panose="02000000000000000000"/>
+              <a:ea typeface="Roboto" panose="02000000000000000000"/>
+              <a:cs typeface="Roboto" panose="02000000000000000000"/>
+              <a:sym typeface="Roboto" panose="02000000000000000000"/>
             </a:endParaRPr>
           </a:p>
         </p:txBody>
@@ -10818,9 +10702,7 @@
           <p:nvPr/>
         </p:nvPicPr>
         <p:blipFill>
-          <a:blip r:embed="rId3">
-            <a:alphaModFix/>
-          </a:blip>
+          <a:blip r:embed="rId1"/>
           <a:stretch>
             <a:fillRect/>
           </a:stretch>
@@ -10848,7 +10730,7 @@
 </file>
 
 <file path=ppt/slides/slide18.xml><?xml version="1.0" encoding="utf-8"?>
-<p:sld xmlns:a="http://schemas.openxmlformats.org/drawingml/2006/main" xmlns:r="http://schemas.openxmlformats.org/officeDocument/2006/relationships" xmlns:mc="http://schemas.openxmlformats.org/markup-compatibility/2006" xmlns:mv="urn:schemas-microsoft-com:mac:vml" xmlns:p="http://schemas.openxmlformats.org/presentationml/2006/main" xmlns:c="http://schemas.openxmlformats.org/drawingml/2006/chart" xmlns:dgm="http://schemas.openxmlformats.org/drawingml/2006/diagram" xmlns:o="urn:schemas-microsoft-com:office:office" xmlns:v="urn:schemas-microsoft-com:vml" xmlns:pvml="urn:schemas-microsoft-com:office:powerpoint" xmlns:com="http://schemas.openxmlformats.org/drawingml/2006/compatibility" xmlns:p14="http://schemas.microsoft.com/office/powerpoint/2010/main" xmlns:p15="http://schemas.microsoft.com/office/powerpoint/2012/main" xmlns:ahyp="http://schemas.microsoft.com/office/drawing/2018/hyperlinkcolor">
+<p:sld xmlns:a="http://schemas.openxmlformats.org/drawingml/2006/main" xmlns:r="http://schemas.openxmlformats.org/officeDocument/2006/relationships" xmlns:p="http://schemas.openxmlformats.org/presentationml/2006/main">
   <p:cSld>
     <p:spTree>
       <p:nvGrpSpPr>
@@ -10882,12 +10764,12 @@
           </a:prstGeom>
         </p:spPr>
         <p:txBody>
-          <a:bodyPr anchorCtr="0" anchor="b" bIns="91425" lIns="91425" spcFirstLastPara="1" rIns="91425" wrap="square" tIns="91425">
+          <a:bodyPr spcFirstLastPara="1" wrap="square" lIns="91425" tIns="91425" rIns="91425" bIns="91425" anchor="b" anchorCtr="0">
             <a:normAutofit/>
           </a:bodyPr>
           <a:lstStyle/>
           <a:p>
-            <a:pPr indent="0" lvl="0" marL="0" rtl="0" algn="l">
+            <a:pPr marL="0" lvl="0" indent="0" algn="l" rtl="0">
               <a:spcBef>
                 <a:spcPts val="0"/>
               </a:spcBef>
@@ -10900,7 +10782,7 @@
               <a:rPr lang="en-GB"/>
               <a:t>Next Steps</a:t>
             </a:r>
-            <a:endParaRPr/>
+            <a:endParaRPr lang="en-GB"/>
           </a:p>
         </p:txBody>
       </p:sp>
@@ -10909,7 +10791,7 @@
           <p:cNvPr id="193" name="Google Shape;193;p30"/>
           <p:cNvSpPr txBox="1"/>
           <p:nvPr>
-            <p:ph idx="1" type="subTitle"/>
+            <p:ph type="subTitle" idx="1"/>
           </p:nvPr>
         </p:nvSpPr>
         <p:spPr>
@@ -10922,12 +10804,12 @@
           </a:prstGeom>
         </p:spPr>
         <p:txBody>
-          <a:bodyPr anchorCtr="0" anchor="t" bIns="91425" lIns="91425" spcFirstLastPara="1" rIns="91425" wrap="square" tIns="91425">
+          <a:bodyPr spcFirstLastPara="1" wrap="square" lIns="91425" tIns="91425" rIns="91425" bIns="91425" anchor="t" anchorCtr="0">
             <a:normAutofit fontScale="92500" lnSpcReduction="20000"/>
           </a:bodyPr>
           <a:lstStyle/>
           <a:p>
-            <a:pPr indent="0" lvl="0" marL="0" rtl="0" algn="l">
+            <a:pPr marL="0" lvl="0" indent="0" algn="l" rtl="0">
               <a:spcBef>
                 <a:spcPts val="0"/>
               </a:spcBef>
@@ -10940,7 +10822,7 @@
               <a:rPr lang="en-GB"/>
               <a:t>improvements for production</a:t>
             </a:r>
-            <a:endParaRPr/>
+            <a:endParaRPr lang="en-GB"/>
           </a:p>
         </p:txBody>
       </p:sp>
@@ -10953,7 +10835,7 @@
 </file>
 
 <file path=ppt/slides/slide19.xml><?xml version="1.0" encoding="utf-8"?>
-<p:sld xmlns:a="http://schemas.openxmlformats.org/drawingml/2006/main" xmlns:r="http://schemas.openxmlformats.org/officeDocument/2006/relationships" xmlns:mc="http://schemas.openxmlformats.org/markup-compatibility/2006" xmlns:mv="urn:schemas-microsoft-com:mac:vml" xmlns:p="http://schemas.openxmlformats.org/presentationml/2006/main" xmlns:c="http://schemas.openxmlformats.org/drawingml/2006/chart" xmlns:dgm="http://schemas.openxmlformats.org/drawingml/2006/diagram" xmlns:o="urn:schemas-microsoft-com:office:office" xmlns:v="urn:schemas-microsoft-com:vml" xmlns:pvml="urn:schemas-microsoft-com:office:powerpoint" xmlns:com="http://schemas.openxmlformats.org/drawingml/2006/compatibility" xmlns:p14="http://schemas.microsoft.com/office/powerpoint/2010/main" xmlns:p15="http://schemas.microsoft.com/office/powerpoint/2012/main" xmlns:ahyp="http://schemas.microsoft.com/office/drawing/2018/hyperlinkcolor">
+<p:sld xmlns:a="http://schemas.openxmlformats.org/drawingml/2006/main" xmlns:r="http://schemas.openxmlformats.org/officeDocument/2006/relationships" xmlns:p="http://schemas.openxmlformats.org/presentationml/2006/main">
   <p:cSld>
     <p:spTree>
       <p:nvGrpSpPr>
@@ -10987,12 +10869,12 @@
           </a:prstGeom>
         </p:spPr>
         <p:txBody>
-          <a:bodyPr anchorCtr="0" anchor="t" bIns="91425" lIns="91425" spcFirstLastPara="1" rIns="91425" wrap="square" tIns="91425">
+          <a:bodyPr spcFirstLastPara="1" wrap="square" lIns="91425" tIns="91425" rIns="91425" bIns="91425" anchor="t" anchorCtr="0">
             <a:normAutofit fontScale="90000"/>
           </a:bodyPr>
           <a:lstStyle/>
           <a:p>
-            <a:pPr indent="0" lvl="0" marL="0" rtl="0" algn="l">
+            <a:pPr marL="0" lvl="0" indent="0" algn="l" rtl="0">
               <a:spcBef>
                 <a:spcPts val="0"/>
               </a:spcBef>
@@ -11005,7 +10887,7 @@
               <a:rPr lang="en-GB"/>
               <a:t>Roadmap</a:t>
             </a:r>
-            <a:endParaRPr/>
+            <a:endParaRPr lang="en-GB"/>
           </a:p>
         </p:txBody>
       </p:sp>
@@ -11014,7 +10896,7 @@
           <p:cNvPr id="199" name="Google Shape;199;p31"/>
           <p:cNvSpPr txBox="1"/>
           <p:nvPr>
-            <p:ph idx="1" type="body"/>
+            <p:ph type="body" idx="1"/>
           </p:nvPr>
         </p:nvSpPr>
         <p:spPr>
@@ -11027,12 +10909,12 @@
           </a:prstGeom>
         </p:spPr>
         <p:txBody>
-          <a:bodyPr anchorCtr="0" anchor="t" bIns="91425" lIns="91425" spcFirstLastPara="1" rIns="91425" wrap="square" tIns="91425">
+          <a:bodyPr spcFirstLastPara="1" wrap="square" lIns="91425" tIns="91425" rIns="91425" bIns="91425" anchor="t" anchorCtr="0">
             <a:normAutofit/>
           </a:bodyPr>
           <a:lstStyle/>
           <a:p>
-            <a:pPr indent="0" lvl="0" marL="0" rtl="0" algn="l">
+            <a:pPr marL="0" lvl="0" indent="0" algn="l" rtl="0">
               <a:spcBef>
                 <a:spcPts val="0"/>
               </a:spcBef>
@@ -11045,10 +10927,10 @@
               <a:rPr lang="en-GB"/>
               <a:t>Webhooks (real-time) instead of polling</a:t>
             </a:r>
-            <a:endParaRPr/>
+            <a:endParaRPr lang="en-GB"/>
           </a:p>
           <a:p>
-            <a:pPr indent="0" lvl="0" marL="0" rtl="0" algn="l">
+            <a:pPr marL="0" lvl="0" indent="0" algn="l" rtl="0">
               <a:spcBef>
                 <a:spcPts val="1200"/>
               </a:spcBef>
@@ -11061,10 +10943,10 @@
               <a:rPr lang="en-GB"/>
               <a:t>Approval workflow (human-in-the-loop) for high-risk comments</a:t>
             </a:r>
-            <a:endParaRPr/>
+            <a:endParaRPr lang="en-GB"/>
           </a:p>
           <a:p>
-            <a:pPr indent="0" lvl="0" marL="0" rtl="0" algn="l">
+            <a:pPr marL="0" lvl="0" indent="0" algn="l" rtl="0">
               <a:spcBef>
                 <a:spcPts val="1200"/>
               </a:spcBef>
@@ -11077,10 +10959,10 @@
               <a:rPr lang="en-GB"/>
               <a:t>Spam detection + keyword rules + escalation to DM</a:t>
             </a:r>
-            <a:endParaRPr/>
+            <a:endParaRPr lang="en-GB"/>
           </a:p>
           <a:p>
-            <a:pPr indent="0" lvl="0" marL="0" rtl="0" algn="l">
+            <a:pPr marL="0" lvl="0" indent="0" algn="l" rtl="0">
               <a:spcBef>
                 <a:spcPts val="1200"/>
               </a:spcBef>
@@ -11093,10 +10975,10 @@
               <a:rPr lang="en-GB"/>
               <a:t>Rate limiting + exponential backoff + structured logging</a:t>
             </a:r>
-            <a:endParaRPr/>
+            <a:endParaRPr lang="en-GB"/>
           </a:p>
           <a:p>
-            <a:pPr indent="0" lvl="0" marL="0" rtl="0" algn="l">
+            <a:pPr marL="0" lvl="0" indent="0" algn="l" rtl="0">
               <a:spcBef>
                 <a:spcPts val="1200"/>
               </a:spcBef>
@@ -11109,7 +10991,7 @@
               <a:rPr lang="en-GB"/>
               <a:t>Multi-platform: Instagram comments, WhatsApp/DM triage</a:t>
             </a:r>
-            <a:endParaRPr/>
+            <a:endParaRPr lang="en-GB"/>
           </a:p>
         </p:txBody>
       </p:sp>
@@ -11122,7 +11004,7 @@
 </file>
 
 <file path=ppt/slides/slide2.xml><?xml version="1.0" encoding="utf-8"?>
-<p:sld xmlns:a="http://schemas.openxmlformats.org/drawingml/2006/main" xmlns:r="http://schemas.openxmlformats.org/officeDocument/2006/relationships" xmlns:mc="http://schemas.openxmlformats.org/markup-compatibility/2006" xmlns:mv="urn:schemas-microsoft-com:mac:vml" xmlns:p="http://schemas.openxmlformats.org/presentationml/2006/main" xmlns:c="http://schemas.openxmlformats.org/drawingml/2006/chart" xmlns:dgm="http://schemas.openxmlformats.org/drawingml/2006/diagram" xmlns:o="urn:schemas-microsoft-com:office:office" xmlns:v="urn:schemas-microsoft-com:vml" xmlns:pvml="urn:schemas-microsoft-com:office:powerpoint" xmlns:com="http://schemas.openxmlformats.org/drawingml/2006/compatibility" xmlns:p14="http://schemas.microsoft.com/office/powerpoint/2010/main" xmlns:p15="http://schemas.microsoft.com/office/powerpoint/2012/main" xmlns:ahyp="http://schemas.microsoft.com/office/drawing/2018/hyperlinkcolor">
+<p:sld xmlns:a="http://schemas.openxmlformats.org/drawingml/2006/main" xmlns:r="http://schemas.openxmlformats.org/officeDocument/2006/relationships" xmlns:p="http://schemas.openxmlformats.org/presentationml/2006/main">
   <p:cSld>
     <p:spTree>
       <p:nvGrpSpPr>
@@ -11156,12 +11038,12 @@
           </a:prstGeom>
         </p:spPr>
         <p:txBody>
-          <a:bodyPr anchorCtr="0" anchor="t" bIns="91425" lIns="91425" spcFirstLastPara="1" rIns="91425" wrap="square" tIns="91425">
+          <a:bodyPr spcFirstLastPara="1" wrap="square" lIns="91425" tIns="91425" rIns="91425" bIns="91425" anchor="t" anchorCtr="0">
             <a:normAutofit fontScale="90000"/>
           </a:bodyPr>
           <a:lstStyle/>
           <a:p>
-            <a:pPr indent="0" lvl="0" marL="0" rtl="0" algn="l">
+            <a:pPr marL="0" lvl="0" indent="0" algn="l" rtl="0">
               <a:spcBef>
                 <a:spcPts val="0"/>
               </a:spcBef>
@@ -11174,10 +11056,10 @@
               <a:rPr lang="en-GB"/>
               <a:t>Agenda</a:t>
             </a:r>
-            <a:endParaRPr/>
+            <a:endParaRPr lang="en-GB"/>
           </a:p>
           <a:p>
-            <a:pPr indent="0" lvl="0" marL="0" rtl="0" algn="l">
+            <a:pPr marL="0" lvl="0" indent="0" algn="l" rtl="0">
               <a:spcBef>
                 <a:spcPts val="0"/>
               </a:spcBef>
@@ -11186,13 +11068,9 @@
               </a:spcAft>
               <a:buNone/>
             </a:pPr>
-            <a:r>
-              <a:t/>
-            </a:r>
-            <a:endParaRPr/>
           </a:p>
           <a:p>
-            <a:pPr indent="0" lvl="0" marL="0" rtl="0" algn="l">
+            <a:pPr marL="0" lvl="0" indent="0" algn="l" rtl="0">
               <a:spcBef>
                 <a:spcPts val="0"/>
               </a:spcBef>
@@ -11201,10 +11079,6 @@
               </a:spcAft>
               <a:buNone/>
             </a:pPr>
-            <a:r>
-              <a:t/>
-            </a:r>
-            <a:endParaRPr/>
           </a:p>
         </p:txBody>
       </p:sp>
@@ -11213,7 +11087,7 @@
           <p:cNvPr id="92" name="Google Shape;92;p14"/>
           <p:cNvSpPr txBox="1"/>
           <p:nvPr>
-            <p:ph idx="1" type="body"/>
+            <p:ph type="body" idx="1"/>
           </p:nvPr>
         </p:nvSpPr>
         <p:spPr>
@@ -11224,23 +11098,23 @@
           <a:prstGeom prst="rect">
             <a:avLst/>
           </a:prstGeom>
-          <a:ln cap="flat" cmpd="sng" w="9525">
+          <a:ln w="9525" cap="flat" cmpd="sng">
             <a:solidFill>
               <a:schemeClr val="lt1"/>
             </a:solidFill>
             <a:prstDash val="dot"/>
             <a:round/>
-            <a:headEnd len="sm" w="sm" type="none"/>
-            <a:tailEnd len="sm" w="sm" type="none"/>
+            <a:headEnd type="none" w="sm" len="sm"/>
+            <a:tailEnd type="none" w="sm" len="sm"/>
           </a:ln>
         </p:spPr>
         <p:txBody>
-          <a:bodyPr anchorCtr="0" anchor="t" bIns="91425" lIns="91425" spcFirstLastPara="1" rIns="91425" wrap="square" tIns="91425">
+          <a:bodyPr spcFirstLastPara="1" wrap="square" lIns="91425" tIns="91425" rIns="91425" bIns="91425" anchor="t" anchorCtr="0">
             <a:normAutofit/>
           </a:bodyPr>
           <a:lstStyle/>
           <a:p>
-            <a:pPr indent="-342900" lvl="0" marL="457200" rtl="0" algn="l">
+            <a:pPr marL="457200" lvl="0" indent="-342900" algn="l" rtl="0">
               <a:spcBef>
                 <a:spcPts val="0"/>
               </a:spcBef>
@@ -11254,10 +11128,10 @@
               <a:rPr lang="en-GB"/>
               <a:t>Business goal and constraints</a:t>
             </a:r>
-            <a:endParaRPr/>
+            <a:endParaRPr lang="en-GB"/>
           </a:p>
           <a:p>
-            <a:pPr indent="-342900" lvl="0" marL="457200" rtl="0" algn="l">
+            <a:pPr marL="457200" lvl="0" indent="-342900" algn="l" rtl="0">
               <a:spcBef>
                 <a:spcPts val="0"/>
               </a:spcBef>
@@ -11271,10 +11145,10 @@
               <a:rPr lang="en-GB"/>
               <a:t>What we built (repo + components)</a:t>
             </a:r>
-            <a:endParaRPr/>
+            <a:endParaRPr lang="en-GB"/>
           </a:p>
           <a:p>
-            <a:pPr indent="-342900" lvl="0" marL="457200" rtl="0" algn="l">
+            <a:pPr marL="457200" lvl="0" indent="-342900" algn="l" rtl="0">
               <a:spcBef>
                 <a:spcPts val="0"/>
               </a:spcBef>
@@ -11288,10 +11162,10 @@
               <a:rPr lang="en-GB"/>
               <a:t>Meta/Facebook developer setup (tokens + permissions)</a:t>
             </a:r>
-            <a:endParaRPr/>
+            <a:endParaRPr lang="en-GB"/>
           </a:p>
           <a:p>
-            <a:pPr indent="-342900" lvl="0" marL="457200" rtl="0" algn="l">
+            <a:pPr marL="457200" lvl="0" indent="-342900" algn="l" rtl="0">
               <a:spcBef>
                 <a:spcPts val="0"/>
               </a:spcBef>
@@ -11305,10 +11179,10 @@
               <a:rPr lang="en-GB"/>
               <a:t>How the agent works (polling + LLM + posting)</a:t>
             </a:r>
-            <a:endParaRPr/>
+            <a:endParaRPr lang="en-GB"/>
           </a:p>
           <a:p>
-            <a:pPr indent="-342900" lvl="0" marL="457200" rtl="0" algn="l">
+            <a:pPr marL="457200" lvl="0" indent="-342900" algn="l" rtl="0">
               <a:spcBef>
                 <a:spcPts val="0"/>
               </a:spcBef>
@@ -11322,10 +11196,10 @@
               <a:rPr lang="en-GB"/>
               <a:t>Reliability, safety, and troubleshooting</a:t>
             </a:r>
-            <a:endParaRPr/>
+            <a:endParaRPr lang="en-GB"/>
           </a:p>
           <a:p>
-            <a:pPr indent="-342900" lvl="0" marL="457200" rtl="0" algn="l">
+            <a:pPr marL="457200" lvl="0" indent="-342900" algn="l" rtl="0">
               <a:spcBef>
                 <a:spcPts val="0"/>
               </a:spcBef>
@@ -11339,7 +11213,7 @@
               <a:rPr lang="en-GB"/>
               <a:t>Next steps / roadmap</a:t>
             </a:r>
-            <a:endParaRPr/>
+            <a:endParaRPr lang="en-GB"/>
           </a:p>
         </p:txBody>
       </p:sp>
@@ -11351,32 +11225,32 @@
   <p:timing>
     <p:tnLst>
       <p:par>
-        <p:cTn dur="indefinite" nodeType="tmRoot" restart="never">
+        <p:cTn id="1" dur="indefinite" restart="never" nodeType="tmRoot">
           <p:childTnLst>
             <p:seq concurrent="1" nextAc="seek">
-              <p:cTn dur="indefinite" id="2" nodeType="mainSeq">
+              <p:cTn id="2" dur="indefinite" nodeType="mainSeq">
                 <p:childTnLst>
                   <p:par>
-                    <p:cTn fill="hold">
+                    <p:cTn id="3" fill="hold">
                       <p:stCondLst>
                         <p:cond delay="indefinite"/>
                       </p:stCondLst>
                       <p:childTnLst>
                         <p:par>
-                          <p:cTn fill="hold">
+                          <p:cTn id="4" fill="hold">
                             <p:stCondLst>
                               <p:cond delay="0"/>
                             </p:stCondLst>
                             <p:childTnLst>
                               <p:par>
-                                <p:cTn fill="hold" nodeType="clickEffect" presetClass="entr" presetID="2" presetSubtype="8">
+                                <p:cTn id="5" presetID="2" presetClass="entr" presetSubtype="8" fill="hold" nodeType="clickEffect">
                                   <p:stCondLst>
                                     <p:cond delay="0"/>
                                   </p:stCondLst>
                                   <p:childTnLst>
                                     <p:set>
                                       <p:cBhvr>
-                                        <p:cTn dur="1" fill="hold">
+                                        <p:cTn id="6" dur="1" fill="hold">
                                           <p:stCondLst>
                                             <p:cond delay="0"/>
                                           </p:stCondLst>
@@ -11394,7 +11268,7 @@
                                     </p:set>
                                     <p:anim calcmode="lin" valueType="num">
                                       <p:cBhvr additive="base">
-                                        <p:cTn dur="1000"/>
+                                        <p:cTn id="7" dur="1000"/>
                                         <p:tgtEl>
                                           <p:spTgt spid="92"/>
                                         </p:tgtEl>
@@ -11403,12 +11277,12 @@
                                         </p:attrNameLst>
                                       </p:cBhvr>
                                       <p:tavLst>
-                                        <p:tav fmla="" tm="0">
+                                        <p:tav tm="0" fmla="">
                                           <p:val>
                                             <p:strVal val="#ppt_x-1"/>
                                           </p:val>
                                         </p:tav>
-                                        <p:tav fmla="" tm="100000">
+                                        <p:tav tm="100000" fmla="">
                                           <p:val>
                                             <p:strVal val="#ppt_x"/>
                                           </p:val>
@@ -11450,7 +11324,7 @@
 </file>
 
 <file path=ppt/slides/slide20.xml><?xml version="1.0" encoding="utf-8"?>
-<p:sld xmlns:a="http://schemas.openxmlformats.org/drawingml/2006/main" xmlns:r="http://schemas.openxmlformats.org/officeDocument/2006/relationships" xmlns:mc="http://schemas.openxmlformats.org/markup-compatibility/2006" xmlns:mv="urn:schemas-microsoft-com:mac:vml" xmlns:p="http://schemas.openxmlformats.org/presentationml/2006/main" xmlns:c="http://schemas.openxmlformats.org/drawingml/2006/chart" xmlns:dgm="http://schemas.openxmlformats.org/drawingml/2006/diagram" xmlns:o="urn:schemas-microsoft-com:office:office" xmlns:v="urn:schemas-microsoft-com:vml" xmlns:pvml="urn:schemas-microsoft-com:office:powerpoint" xmlns:com="http://schemas.openxmlformats.org/drawingml/2006/compatibility" xmlns:p14="http://schemas.microsoft.com/office/powerpoint/2010/main" xmlns:p15="http://schemas.microsoft.com/office/powerpoint/2012/main" xmlns:ahyp="http://schemas.microsoft.com/office/drawing/2018/hyperlinkcolor">
+<p:sld xmlns:a="http://schemas.openxmlformats.org/drawingml/2006/main" xmlns:r="http://schemas.openxmlformats.org/officeDocument/2006/relationships" xmlns:p="http://schemas.openxmlformats.org/presentationml/2006/main">
   <p:cSld>
     <p:spTree>
       <p:nvGrpSpPr>
@@ -11484,12 +11358,12 @@
           </a:prstGeom>
         </p:spPr>
         <p:txBody>
-          <a:bodyPr anchorCtr="0" anchor="ctr" bIns="91425" lIns="91425" spcFirstLastPara="1" rIns="91425" wrap="square" tIns="91425">
+          <a:bodyPr spcFirstLastPara="1" wrap="square" lIns="91425" tIns="91425" rIns="91425" bIns="91425" anchor="ctr" anchorCtr="0">
             <a:normAutofit/>
           </a:bodyPr>
           <a:lstStyle/>
           <a:p>
-            <a:pPr indent="0" lvl="0" marL="0" rtl="0" algn="l">
+            <a:pPr marL="0" lvl="0" indent="0" algn="l" rtl="0">
               <a:spcBef>
                 <a:spcPts val="0"/>
               </a:spcBef>
@@ -11502,7 +11376,7 @@
               <a:rPr lang="en-GB"/>
               <a:t>Thank You !</a:t>
             </a:r>
-            <a:endParaRPr/>
+            <a:endParaRPr lang="en-GB"/>
           </a:p>
         </p:txBody>
       </p:sp>
@@ -11515,7 +11389,7 @@
 </file>
 
 <file path=ppt/slides/slide3.xml><?xml version="1.0" encoding="utf-8"?>
-<p:sld xmlns:a="http://schemas.openxmlformats.org/drawingml/2006/main" xmlns:r="http://schemas.openxmlformats.org/officeDocument/2006/relationships" xmlns:mc="http://schemas.openxmlformats.org/markup-compatibility/2006" xmlns:mv="urn:schemas-microsoft-com:mac:vml" xmlns:p="http://schemas.openxmlformats.org/presentationml/2006/main" xmlns:c="http://schemas.openxmlformats.org/drawingml/2006/chart" xmlns:dgm="http://schemas.openxmlformats.org/drawingml/2006/diagram" xmlns:o="urn:schemas-microsoft-com:office:office" xmlns:v="urn:schemas-microsoft-com:vml" xmlns:pvml="urn:schemas-microsoft-com:office:powerpoint" xmlns:com="http://schemas.openxmlformats.org/drawingml/2006/compatibility" xmlns:p14="http://schemas.microsoft.com/office/powerpoint/2010/main" xmlns:p15="http://schemas.microsoft.com/office/powerpoint/2012/main" xmlns:ahyp="http://schemas.microsoft.com/office/drawing/2018/hyperlinkcolor">
+<p:sld xmlns:a="http://schemas.openxmlformats.org/drawingml/2006/main" xmlns:r="http://schemas.openxmlformats.org/officeDocument/2006/relationships" xmlns:p="http://schemas.openxmlformats.org/presentationml/2006/main">
   <p:cSld>
     <p:spTree>
       <p:nvGrpSpPr>
@@ -11549,12 +11423,12 @@
           </a:prstGeom>
         </p:spPr>
         <p:txBody>
-          <a:bodyPr anchorCtr="0" anchor="ctr" bIns="91425" lIns="91425" spcFirstLastPara="1" rIns="91425" wrap="square" tIns="91425">
+          <a:bodyPr spcFirstLastPara="1" wrap="square" lIns="91425" tIns="91425" rIns="91425" bIns="91425" anchor="ctr" anchorCtr="0">
             <a:normAutofit/>
           </a:bodyPr>
           <a:lstStyle/>
           <a:p>
-            <a:pPr indent="0" lvl="0" marL="0" rtl="0" algn="l">
+            <a:pPr marL="0" lvl="0" indent="0" algn="l" rtl="0">
               <a:spcBef>
                 <a:spcPts val="0"/>
               </a:spcBef>
@@ -11567,7 +11441,7 @@
               <a:rPr lang="en-GB"/>
               <a:t>Problem And Solution</a:t>
             </a:r>
-            <a:endParaRPr/>
+            <a:endParaRPr lang="en-GB"/>
           </a:p>
         </p:txBody>
       </p:sp>
@@ -11580,7 +11454,7 @@
 </file>
 
 <file path=ppt/slides/slide4.xml><?xml version="1.0" encoding="utf-8"?>
-<p:sld xmlns:a="http://schemas.openxmlformats.org/drawingml/2006/main" xmlns:r="http://schemas.openxmlformats.org/officeDocument/2006/relationships" xmlns:mc="http://schemas.openxmlformats.org/markup-compatibility/2006" xmlns:mv="urn:schemas-microsoft-com:mac:vml" xmlns:p="http://schemas.openxmlformats.org/presentationml/2006/main" xmlns:c="http://schemas.openxmlformats.org/drawingml/2006/chart" xmlns:dgm="http://schemas.openxmlformats.org/drawingml/2006/diagram" xmlns:o="urn:schemas-microsoft-com:office:office" xmlns:v="urn:schemas-microsoft-com:vml" xmlns:pvml="urn:schemas-microsoft-com:office:powerpoint" xmlns:com="http://schemas.openxmlformats.org/drawingml/2006/compatibility" xmlns:p14="http://schemas.microsoft.com/office/powerpoint/2010/main" xmlns:p15="http://schemas.microsoft.com/office/powerpoint/2012/main" xmlns:ahyp="http://schemas.microsoft.com/office/drawing/2018/hyperlinkcolor">
+<p:sld xmlns:a="http://schemas.openxmlformats.org/drawingml/2006/main" xmlns:r="http://schemas.openxmlformats.org/officeDocument/2006/relationships" xmlns:p="http://schemas.openxmlformats.org/presentationml/2006/main">
   <p:cSld>
     <p:spTree>
       <p:nvGrpSpPr>
@@ -11614,12 +11488,12 @@
           </a:prstGeom>
         </p:spPr>
         <p:txBody>
-          <a:bodyPr anchorCtr="0" anchor="t" bIns="91425" lIns="91425" spcFirstLastPara="1" rIns="91425" wrap="square" tIns="91425">
+          <a:bodyPr spcFirstLastPara="1" wrap="square" lIns="91425" tIns="91425" rIns="91425" bIns="91425" anchor="t" anchorCtr="0">
             <a:normAutofit fontScale="90000"/>
           </a:bodyPr>
           <a:lstStyle/>
           <a:p>
-            <a:pPr indent="0" lvl="0" marL="0" rtl="0" algn="l">
+            <a:pPr marL="0" lvl="0" indent="0" algn="l" rtl="0">
               <a:spcBef>
                 <a:spcPts val="0"/>
               </a:spcBef>
@@ -11632,7 +11506,7 @@
               <a:rPr lang="en-GB"/>
               <a:t>Business Goal</a:t>
             </a:r>
-            <a:endParaRPr/>
+            <a:endParaRPr lang="en-GB"/>
           </a:p>
         </p:txBody>
       </p:sp>
@@ -11641,7 +11515,7 @@
           <p:cNvPr id="103" name="Google Shape;103;p16"/>
           <p:cNvSpPr txBox="1"/>
           <p:nvPr>
-            <p:ph idx="1" type="body"/>
+            <p:ph type="body" idx="1"/>
           </p:nvPr>
         </p:nvSpPr>
         <p:spPr>
@@ -11652,23 +11526,23 @@
           <a:prstGeom prst="rect">
             <a:avLst/>
           </a:prstGeom>
-          <a:ln cap="flat" cmpd="sng" w="38100">
+          <a:ln w="38100" cap="flat" cmpd="sng">
             <a:solidFill>
               <a:srgbClr val="000000"/>
             </a:solidFill>
             <a:prstDash val="solid"/>
             <a:round/>
-            <a:headEnd len="sm" w="sm" type="none"/>
-            <a:tailEnd len="sm" w="sm" type="none"/>
+            <a:headEnd type="none" w="sm" len="sm"/>
+            <a:tailEnd type="none" w="sm" len="sm"/>
           </a:ln>
         </p:spPr>
         <p:txBody>
-          <a:bodyPr anchorCtr="0" anchor="t" bIns="91425" lIns="91425" spcFirstLastPara="1" rIns="91425" wrap="square" tIns="91425">
+          <a:bodyPr spcFirstLastPara="1" wrap="square" lIns="91425" tIns="91425" rIns="91425" bIns="91425" anchor="t" anchorCtr="0">
             <a:normAutofit lnSpcReduction="10000"/>
           </a:bodyPr>
           <a:lstStyle/>
           <a:p>
-            <a:pPr indent="0" lvl="0" marL="0" rtl="0" algn="l">
+            <a:pPr marL="0" lvl="0" indent="0" algn="l" rtl="0">
               <a:spcBef>
                 <a:spcPts val="0"/>
               </a:spcBef>
@@ -11684,7 +11558,7 @@
             <a:endParaRPr sz="2400"/>
           </a:p>
           <a:p>
-            <a:pPr indent="0" lvl="0" marL="0" rtl="0" algn="l">
+            <a:pPr marL="0" lvl="0" indent="0" algn="l" rtl="0">
               <a:spcBef>
                 <a:spcPts val="1200"/>
               </a:spcBef>
@@ -11700,7 +11574,7 @@
             <a:endParaRPr sz="1500"/>
           </a:p>
           <a:p>
-            <a:pPr indent="0" lvl="0" marL="0" rtl="0" algn="l">
+            <a:pPr marL="0" lvl="0" indent="0" algn="l" rtl="0">
               <a:spcBef>
                 <a:spcPts val="1200"/>
               </a:spcBef>
@@ -11716,7 +11590,7 @@
             <a:endParaRPr sz="1500"/>
           </a:p>
           <a:p>
-            <a:pPr indent="0" lvl="0" marL="0" rtl="0" algn="l">
+            <a:pPr marL="0" lvl="0" indent="0" algn="l" rtl="0">
               <a:spcBef>
                 <a:spcPts val="1200"/>
               </a:spcBef>
@@ -11732,7 +11606,7 @@
             <a:endParaRPr sz="1500"/>
           </a:p>
           <a:p>
-            <a:pPr indent="0" lvl="0" marL="0" rtl="0" algn="l">
+            <a:pPr marL="0" lvl="0" indent="0" algn="l" rtl="0">
               <a:spcBef>
                 <a:spcPts val="1200"/>
               </a:spcBef>
@@ -11741,13 +11615,10 @@
               </a:spcAft>
               <a:buNone/>
             </a:pPr>
-            <a:r>
-              <a:t/>
-            </a:r>
             <a:endParaRPr sz="1500"/>
           </a:p>
           <a:p>
-            <a:pPr indent="0" lvl="0" marL="0" rtl="0" algn="l">
+            <a:pPr marL="0" lvl="0" indent="0" algn="l" rtl="0">
               <a:spcBef>
                 <a:spcPts val="1200"/>
               </a:spcBef>
@@ -11756,10 +11627,6 @@
               </a:spcAft>
               <a:buNone/>
             </a:pPr>
-            <a:r>
-              <a:t/>
-            </a:r>
-            <a:endParaRPr/>
           </a:p>
         </p:txBody>
       </p:sp>
@@ -11768,7 +11635,7 @@
           <p:cNvPr id="104" name="Google Shape;104;p16"/>
           <p:cNvSpPr txBox="1"/>
           <p:nvPr>
-            <p:ph idx="2" type="body"/>
+            <p:ph type="body" idx="2"/>
           </p:nvPr>
         </p:nvSpPr>
         <p:spPr>
@@ -11779,23 +11646,23 @@
           <a:prstGeom prst="rect">
             <a:avLst/>
           </a:prstGeom>
-          <a:ln cap="flat" cmpd="sng" w="38100">
+          <a:ln w="38100" cap="flat" cmpd="sng">
             <a:solidFill>
               <a:srgbClr val="000000"/>
             </a:solidFill>
             <a:prstDash val="solid"/>
             <a:round/>
-            <a:headEnd len="sm" w="sm" type="none"/>
-            <a:tailEnd len="sm" w="sm" type="none"/>
+            <a:headEnd type="none" w="sm" len="sm"/>
+            <a:tailEnd type="none" w="sm" len="sm"/>
           </a:ln>
         </p:spPr>
         <p:txBody>
-          <a:bodyPr anchorCtr="0" anchor="t" bIns="91425" lIns="91425" spcFirstLastPara="1" rIns="91425" wrap="square" tIns="91425">
+          <a:bodyPr spcFirstLastPara="1" wrap="square" lIns="91425" tIns="91425" rIns="91425" bIns="91425" anchor="t" anchorCtr="0">
             <a:normAutofit/>
           </a:bodyPr>
           <a:lstStyle/>
           <a:p>
-            <a:pPr indent="0" lvl="0" marL="0" rtl="0" algn="l">
+            <a:pPr marL="0" lvl="0" indent="0" algn="l" rtl="0">
               <a:spcBef>
                 <a:spcPts val="0"/>
               </a:spcBef>
@@ -11811,7 +11678,7 @@
             <a:endParaRPr sz="2400"/>
           </a:p>
           <a:p>
-            <a:pPr indent="0" lvl="0" marL="0" rtl="0" algn="l">
+            <a:pPr marL="0" lvl="0" indent="0" algn="l" rtl="0">
               <a:spcBef>
                 <a:spcPts val="1200"/>
               </a:spcBef>
@@ -11827,7 +11694,7 @@
             <a:endParaRPr sz="1500"/>
           </a:p>
           <a:p>
-            <a:pPr indent="0" lvl="0" marL="0" rtl="0" algn="l">
+            <a:pPr marL="0" lvl="0" indent="0" algn="l" rtl="0">
               <a:spcBef>
                 <a:spcPts val="1200"/>
               </a:spcBef>
@@ -11843,7 +11710,7 @@
             <a:endParaRPr sz="1500"/>
           </a:p>
           <a:p>
-            <a:pPr indent="0" lvl="0" marL="0" rtl="0" algn="l">
+            <a:pPr marL="0" lvl="0" indent="0" algn="l" rtl="0">
               <a:spcBef>
                 <a:spcPts val="1200"/>
               </a:spcBef>
@@ -11869,7 +11736,7 @@
 </file>
 
 <file path=ppt/slides/slide5.xml><?xml version="1.0" encoding="utf-8"?>
-<p:sld xmlns:a="http://schemas.openxmlformats.org/drawingml/2006/main" xmlns:r="http://schemas.openxmlformats.org/officeDocument/2006/relationships" xmlns:mc="http://schemas.openxmlformats.org/markup-compatibility/2006" xmlns:mv="urn:schemas-microsoft-com:mac:vml" xmlns:p="http://schemas.openxmlformats.org/presentationml/2006/main" xmlns:c="http://schemas.openxmlformats.org/drawingml/2006/chart" xmlns:dgm="http://schemas.openxmlformats.org/drawingml/2006/diagram" xmlns:o="urn:schemas-microsoft-com:office:office" xmlns:v="urn:schemas-microsoft-com:vml" xmlns:pvml="urn:schemas-microsoft-com:office:powerpoint" xmlns:com="http://schemas.openxmlformats.org/drawingml/2006/compatibility" xmlns:p14="http://schemas.microsoft.com/office/powerpoint/2010/main" xmlns:p15="http://schemas.microsoft.com/office/powerpoint/2012/main" xmlns:ahyp="http://schemas.microsoft.com/office/drawing/2018/hyperlinkcolor">
+<p:sld xmlns:a="http://schemas.openxmlformats.org/drawingml/2006/main" xmlns:r="http://schemas.openxmlformats.org/officeDocument/2006/relationships" xmlns:p="http://schemas.openxmlformats.org/presentationml/2006/main">
   <p:cSld>
     <p:spTree>
       <p:nvGrpSpPr>
@@ -11903,12 +11770,12 @@
           </a:prstGeom>
         </p:spPr>
         <p:txBody>
-          <a:bodyPr anchorCtr="0" anchor="t" bIns="91425" lIns="91425" spcFirstLastPara="1" rIns="91425" wrap="square" tIns="91425">
+          <a:bodyPr spcFirstLastPara="1" wrap="square" lIns="91425" tIns="91425" rIns="91425" bIns="91425" anchor="t" anchorCtr="0">
             <a:normAutofit fontScale="90000"/>
           </a:bodyPr>
           <a:lstStyle/>
           <a:p>
-            <a:pPr indent="0" lvl="0" marL="0" rtl="0" algn="l">
+            <a:pPr marL="0" lvl="0" indent="0" algn="l" rtl="0">
               <a:spcBef>
                 <a:spcPts val="0"/>
               </a:spcBef>
@@ -11921,7 +11788,7 @@
               <a:rPr lang="en-GB"/>
               <a:t>What I Built:</a:t>
             </a:r>
-            <a:endParaRPr/>
+            <a:endParaRPr lang="en-GB"/>
           </a:p>
         </p:txBody>
       </p:sp>
@@ -11930,7 +11797,7 @@
           <p:cNvPr id="110" name="Google Shape;110;p17"/>
           <p:cNvSpPr txBox="1"/>
           <p:nvPr>
-            <p:ph idx="1" type="body"/>
+            <p:ph type="body" idx="1"/>
           </p:nvPr>
         </p:nvSpPr>
         <p:spPr>
@@ -11943,12 +11810,12 @@
           </a:prstGeom>
         </p:spPr>
         <p:txBody>
-          <a:bodyPr anchorCtr="0" anchor="t" bIns="91425" lIns="91425" spcFirstLastPara="1" rIns="91425" wrap="square" tIns="91425">
+          <a:bodyPr spcFirstLastPara="1" wrap="square" lIns="91425" tIns="91425" rIns="91425" bIns="91425" anchor="t" anchorCtr="0">
             <a:normAutofit/>
           </a:bodyPr>
           <a:lstStyle/>
           <a:p>
-            <a:pPr indent="-342900" lvl="0" marL="457200" rtl="0" algn="l">
+            <a:pPr marL="457200" lvl="0" indent="-342900" algn="l" rtl="0">
               <a:spcBef>
                 <a:spcPts val="0"/>
               </a:spcBef>
@@ -11962,10 +11829,10 @@
               <a:rPr lang="en-GB"/>
               <a:t>Python agent that polls Page posts and reads new comments (Graph API)</a:t>
             </a:r>
-            <a:endParaRPr/>
+            <a:endParaRPr lang="en-GB"/>
           </a:p>
           <a:p>
-            <a:pPr indent="-342900" lvl="0" marL="457200" rtl="0" algn="l">
+            <a:pPr marL="457200" lvl="0" indent="-342900" algn="l" rtl="0">
               <a:spcBef>
                 <a:spcPts val="0"/>
               </a:spcBef>
@@ -11979,10 +11846,10 @@
               <a:rPr lang="en-GB"/>
               <a:t>Reply generation using local Ollama model: llama3.1</a:t>
             </a:r>
-            <a:endParaRPr/>
+            <a:endParaRPr lang="en-GB"/>
           </a:p>
           <a:p>
-            <a:pPr indent="-342900" lvl="0" marL="457200" rtl="0" algn="l">
+            <a:pPr marL="457200" lvl="0" indent="-342900" algn="l" rtl="0">
               <a:spcBef>
                 <a:spcPts val="0"/>
               </a:spcBef>
@@ -11996,10 +11863,10 @@
               <a:rPr lang="en-GB"/>
               <a:t>Auto-reply posting back to Facebook comments</a:t>
             </a:r>
-            <a:endParaRPr/>
+            <a:endParaRPr lang="en-GB"/>
           </a:p>
           <a:p>
-            <a:pPr indent="-342900" lvl="0" marL="457200" rtl="0" algn="l">
+            <a:pPr marL="457200" lvl="0" indent="-342900" algn="l" rtl="0">
               <a:spcBef>
                 <a:spcPts val="0"/>
               </a:spcBef>
@@ -12013,10 +11880,10 @@
               <a:rPr lang="en-GB"/>
               <a:t>SQLite state to prevent double replies</a:t>
             </a:r>
-            <a:endParaRPr/>
+            <a:endParaRPr lang="en-GB"/>
           </a:p>
           <a:p>
-            <a:pPr indent="-342900" lvl="0" marL="457200" rtl="0" algn="l">
+            <a:pPr marL="457200" lvl="0" indent="-342900" algn="l" rtl="0">
               <a:spcBef>
                 <a:spcPts val="0"/>
               </a:spcBef>
@@ -12030,10 +11897,10 @@
               <a:rPr lang="en-GB"/>
               <a:t>Reply sanitization (removes invisible/control chars)</a:t>
             </a:r>
-            <a:endParaRPr/>
+            <a:endParaRPr lang="en-GB"/>
           </a:p>
           <a:p>
-            <a:pPr indent="-342900" lvl="0" marL="457200" rtl="0" algn="l">
+            <a:pPr marL="457200" lvl="0" indent="-342900" algn="l" rtl="0">
               <a:spcBef>
                 <a:spcPts val="0"/>
               </a:spcBef>
@@ -12047,10 +11914,10 @@
               <a:rPr lang="en-GB"/>
               <a:t>Visibility checks (is_hidden/is_private) + auto-unhide attempt</a:t>
             </a:r>
-            <a:endParaRPr/>
+            <a:endParaRPr lang="en-GB"/>
           </a:p>
           <a:p>
-            <a:pPr indent="-342900" lvl="0" marL="457200" rtl="0" algn="l">
+            <a:pPr marL="457200" lvl="0" indent="-342900" algn="l" rtl="0">
               <a:lnSpc>
                 <a:spcPct val="200000"/>
               </a:lnSpc>
@@ -12067,7 +11934,7 @@
               <a:rPr lang="en-GB"/>
               <a:t>Dry-run mode for safe testing</a:t>
             </a:r>
-            <a:endParaRPr/>
+            <a:endParaRPr lang="en-GB"/>
           </a:p>
         </p:txBody>
       </p:sp>
@@ -12080,7 +11947,7 @@
 </file>
 
 <file path=ppt/slides/slide6.xml><?xml version="1.0" encoding="utf-8"?>
-<p:sld xmlns:a="http://schemas.openxmlformats.org/drawingml/2006/main" xmlns:r="http://schemas.openxmlformats.org/officeDocument/2006/relationships" xmlns:mc="http://schemas.openxmlformats.org/markup-compatibility/2006" xmlns:mv="urn:schemas-microsoft-com:mac:vml" xmlns:p="http://schemas.openxmlformats.org/presentationml/2006/main" xmlns:c="http://schemas.openxmlformats.org/drawingml/2006/chart" xmlns:dgm="http://schemas.openxmlformats.org/drawingml/2006/diagram" xmlns:o="urn:schemas-microsoft-com:office:office" xmlns:v="urn:schemas-microsoft-com:vml" xmlns:pvml="urn:schemas-microsoft-com:office:powerpoint" xmlns:com="http://schemas.openxmlformats.org/drawingml/2006/compatibility" xmlns:p14="http://schemas.microsoft.com/office/powerpoint/2010/main" xmlns:p15="http://schemas.microsoft.com/office/powerpoint/2012/main" xmlns:ahyp="http://schemas.microsoft.com/office/drawing/2018/hyperlinkcolor">
+<p:sld xmlns:a="http://schemas.openxmlformats.org/drawingml/2006/main" xmlns:r="http://schemas.openxmlformats.org/officeDocument/2006/relationships" xmlns:p="http://schemas.openxmlformats.org/presentationml/2006/main">
   <p:cSld>
     <p:spTree>
       <p:nvGrpSpPr>
@@ -12114,12 +11981,12 @@
           </a:prstGeom>
         </p:spPr>
         <p:txBody>
-          <a:bodyPr anchorCtr="0" anchor="b" bIns="91425" lIns="91425" spcFirstLastPara="1" rIns="91425" wrap="square" tIns="91425">
+          <a:bodyPr spcFirstLastPara="1" wrap="square" lIns="91425" tIns="91425" rIns="91425" bIns="91425" anchor="b" anchorCtr="0">
             <a:normAutofit/>
           </a:bodyPr>
           <a:lstStyle/>
           <a:p>
-            <a:pPr indent="0" lvl="0" marL="0" rtl="0" algn="l">
+            <a:pPr marL="0" lvl="0" indent="0" algn="l" rtl="0">
               <a:spcBef>
                 <a:spcPts val="0"/>
               </a:spcBef>
@@ -12132,7 +11999,7 @@
               <a:rPr lang="en-GB"/>
               <a:t>Meta / Facebook Developer Setup</a:t>
             </a:r>
-            <a:endParaRPr/>
+            <a:endParaRPr lang="en-GB"/>
           </a:p>
         </p:txBody>
       </p:sp>
@@ -12141,7 +12008,7 @@
           <p:cNvPr id="116" name="Google Shape;116;p18"/>
           <p:cNvSpPr txBox="1"/>
           <p:nvPr>
-            <p:ph idx="1" type="subTitle"/>
+            <p:ph type="subTitle" idx="1"/>
           </p:nvPr>
         </p:nvSpPr>
         <p:spPr>
@@ -12154,12 +12021,12 @@
           </a:prstGeom>
         </p:spPr>
         <p:txBody>
-          <a:bodyPr anchorCtr="0" anchor="t" bIns="91425" lIns="91425" spcFirstLastPara="1" rIns="91425" wrap="square" tIns="91425">
+          <a:bodyPr spcFirstLastPara="1" wrap="square" lIns="91425" tIns="91425" rIns="91425" bIns="91425" anchor="t" anchorCtr="0">
             <a:normAutofit fontScale="85000" lnSpcReduction="10000"/>
           </a:bodyPr>
           <a:lstStyle/>
           <a:p>
-            <a:pPr indent="0" lvl="0" marL="0" rtl="0" algn="l">
+            <a:pPr marL="0" lvl="0" indent="0" algn="l" rtl="0">
               <a:spcBef>
                 <a:spcPts val="0"/>
               </a:spcBef>
@@ -12172,7 +12039,7 @@
               <a:rPr lang="en-GB"/>
               <a:t>Create app → permissions → generate Page access token → configure .env</a:t>
             </a:r>
-            <a:endParaRPr/>
+            <a:endParaRPr lang="en-GB"/>
           </a:p>
         </p:txBody>
       </p:sp>
@@ -12185,7 +12052,7 @@
 </file>
 
 <file path=ppt/slides/slide7.xml><?xml version="1.0" encoding="utf-8"?>
-<p:sld xmlns:a="http://schemas.openxmlformats.org/drawingml/2006/main" xmlns:r="http://schemas.openxmlformats.org/officeDocument/2006/relationships" xmlns:mc="http://schemas.openxmlformats.org/markup-compatibility/2006" xmlns:mv="urn:schemas-microsoft-com:mac:vml" xmlns:p="http://schemas.openxmlformats.org/presentationml/2006/main" xmlns:c="http://schemas.openxmlformats.org/drawingml/2006/chart" xmlns:dgm="http://schemas.openxmlformats.org/drawingml/2006/diagram" xmlns:o="urn:schemas-microsoft-com:office:office" xmlns:v="urn:schemas-microsoft-com:vml" xmlns:pvml="urn:schemas-microsoft-com:office:powerpoint" xmlns:com="http://schemas.openxmlformats.org/drawingml/2006/compatibility" xmlns:p14="http://schemas.microsoft.com/office/powerpoint/2010/main" xmlns:p15="http://schemas.microsoft.com/office/powerpoint/2012/main" xmlns:ahyp="http://schemas.microsoft.com/office/drawing/2018/hyperlinkcolor">
+<p:sld xmlns:a="http://schemas.openxmlformats.org/drawingml/2006/main" xmlns:r="http://schemas.openxmlformats.org/officeDocument/2006/relationships" xmlns:p="http://schemas.openxmlformats.org/presentationml/2006/main">
   <p:cSld>
     <p:spTree>
       <p:nvGrpSpPr>
@@ -12219,12 +12086,12 @@
           </a:prstGeom>
         </p:spPr>
         <p:txBody>
-          <a:bodyPr anchorCtr="0" anchor="t" bIns="91425" lIns="91425" spcFirstLastPara="1" rIns="91425" wrap="square" tIns="91425">
+          <a:bodyPr spcFirstLastPara="1" wrap="square" lIns="91425" tIns="91425" rIns="91425" bIns="91425" anchor="t" anchorCtr="0">
             <a:noAutofit/>
           </a:bodyPr>
           <a:lstStyle/>
           <a:p>
-            <a:pPr indent="0" lvl="0" marL="0" rtl="0" algn="l">
+            <a:pPr marL="0" lvl="0" indent="0" algn="l" rtl="0">
               <a:spcBef>
                 <a:spcPts val="0"/>
               </a:spcBef>
@@ -12235,10 +12102,10 @@
               <a:buNone/>
             </a:pPr>
             <a:r>
-              <a:rPr lang="en-GB" sz="1988"/>
+              <a:rPr lang="en-GB" sz="1990"/>
               <a:t>Required Permissions (Typical For Page Comment Reply)</a:t>
             </a:r>
-            <a:endParaRPr sz="1988"/>
+            <a:endParaRPr sz="1990"/>
           </a:p>
         </p:txBody>
       </p:sp>
@@ -12247,7 +12114,7 @@
           <p:cNvPr id="122" name="Google Shape;122;p19"/>
           <p:cNvSpPr txBox="1"/>
           <p:nvPr>
-            <p:ph idx="1" type="body"/>
+            <p:ph type="body" idx="1"/>
           </p:nvPr>
         </p:nvSpPr>
         <p:spPr>
@@ -12260,12 +12127,12 @@
           </a:prstGeom>
         </p:spPr>
         <p:txBody>
-          <a:bodyPr anchorCtr="0" anchor="t" bIns="91425" lIns="91425" spcFirstLastPara="1" rIns="91425" wrap="square" tIns="91425">
+          <a:bodyPr spcFirstLastPara="1" wrap="square" lIns="91425" tIns="91425" rIns="91425" bIns="91425" anchor="t" anchorCtr="0">
             <a:noAutofit/>
           </a:bodyPr>
           <a:lstStyle/>
           <a:p>
-            <a:pPr indent="-342900" lvl="0" marL="457200" rtl="0" algn="l">
+            <a:pPr marL="457200" lvl="0" indent="-342900" algn="l" rtl="0">
               <a:spcBef>
                 <a:spcPts val="0"/>
               </a:spcBef>
@@ -12279,10 +12146,10 @@
               <a:rPr lang="en-GB"/>
               <a:t>pages_show_list (so /me/accounts returns your Pages)</a:t>
             </a:r>
-            <a:endParaRPr/>
+            <a:endParaRPr lang="en-GB"/>
           </a:p>
           <a:p>
-            <a:pPr indent="-342900" lvl="0" marL="457200" rtl="0" algn="l">
+            <a:pPr marL="457200" lvl="0" indent="-342900" algn="l" rtl="0">
               <a:spcBef>
                 <a:spcPts val="0"/>
               </a:spcBef>
@@ -12296,10 +12163,10 @@
               <a:rPr lang="en-GB"/>
               <a:t>pages_read_engagement (read comments/engagement)</a:t>
             </a:r>
-            <a:endParaRPr/>
+            <a:endParaRPr lang="en-GB"/>
           </a:p>
           <a:p>
-            <a:pPr indent="-342900" lvl="0" marL="457200" rtl="0" algn="l">
+            <a:pPr marL="457200" lvl="0" indent="-342900" algn="l" rtl="0">
               <a:spcBef>
                 <a:spcPts val="0"/>
               </a:spcBef>
@@ -12313,10 +12180,10 @@
               <a:rPr lang="en-GB"/>
               <a:t>pages_manage_engagement (reply to comments)</a:t>
             </a:r>
-            <a:endParaRPr/>
+            <a:endParaRPr lang="en-GB"/>
           </a:p>
           <a:p>
-            <a:pPr indent="-342900" lvl="0" marL="457200" rtl="0" algn="l">
+            <a:pPr marL="457200" lvl="0" indent="-342900" algn="l" rtl="0">
               <a:spcBef>
                 <a:spcPts val="0"/>
               </a:spcBef>
@@ -12330,10 +12197,10 @@
               <a:rPr lang="en-GB"/>
               <a:t>pages_manage_metadata (commonly required for Page reads)</a:t>
             </a:r>
-            <a:endParaRPr/>
+            <a:endParaRPr lang="en-GB"/>
           </a:p>
           <a:p>
-            <a:pPr indent="-342900" lvl="0" marL="457200" rtl="0" algn="l">
+            <a:pPr marL="457200" lvl="0" indent="-342900" algn="l" rtl="0">
               <a:spcBef>
                 <a:spcPts val="0"/>
               </a:spcBef>
@@ -12347,7 +12214,7 @@
               <a:rPr lang="en-GB"/>
               <a:t>Note: App Review/Advanced access is required for production use beyond your own assets.</a:t>
             </a:r>
-            <a:endParaRPr/>
+            <a:endParaRPr lang="en-GB"/>
           </a:p>
         </p:txBody>
       </p:sp>
@@ -12360,7 +12227,7 @@
 </file>
 
 <file path=ppt/slides/slide8.xml><?xml version="1.0" encoding="utf-8"?>
-<p:sld xmlns:a="http://schemas.openxmlformats.org/drawingml/2006/main" xmlns:r="http://schemas.openxmlformats.org/officeDocument/2006/relationships" xmlns:mc="http://schemas.openxmlformats.org/markup-compatibility/2006" xmlns:mv="urn:schemas-microsoft-com:mac:vml" xmlns:p="http://schemas.openxmlformats.org/presentationml/2006/main" xmlns:c="http://schemas.openxmlformats.org/drawingml/2006/chart" xmlns:dgm="http://schemas.openxmlformats.org/drawingml/2006/diagram" xmlns:o="urn:schemas-microsoft-com:office:office" xmlns:v="urn:schemas-microsoft-com:vml" xmlns:pvml="urn:schemas-microsoft-com:office:powerpoint" xmlns:com="http://schemas.openxmlformats.org/drawingml/2006/compatibility" xmlns:p14="http://schemas.microsoft.com/office/powerpoint/2010/main" xmlns:p15="http://schemas.microsoft.com/office/powerpoint/2012/main" xmlns:ahyp="http://schemas.microsoft.com/office/drawing/2018/hyperlinkcolor">
+<p:sld xmlns:a="http://schemas.openxmlformats.org/drawingml/2006/main" xmlns:r="http://schemas.openxmlformats.org/officeDocument/2006/relationships" xmlns:p="http://schemas.openxmlformats.org/presentationml/2006/main">
   <p:cSld>
     <p:spTree>
       <p:nvGrpSpPr>
@@ -12394,12 +12261,12 @@
           </a:prstGeom>
         </p:spPr>
         <p:txBody>
-          <a:bodyPr anchorCtr="0" anchor="t" bIns="91425" lIns="91425" spcFirstLastPara="1" rIns="91425" wrap="square" tIns="91425">
+          <a:bodyPr spcFirstLastPara="1" wrap="square" lIns="91425" tIns="91425" rIns="91425" bIns="91425" anchor="t" anchorCtr="0">
             <a:normAutofit fontScale="90000"/>
           </a:bodyPr>
           <a:lstStyle/>
           <a:p>
-            <a:pPr indent="0" lvl="0" marL="0" rtl="0" algn="l">
+            <a:pPr marL="0" lvl="0" indent="0" algn="l" rtl="0">
               <a:spcBef>
                 <a:spcPts val="0"/>
               </a:spcBef>
@@ -12412,7 +12279,7 @@
               <a:rPr lang="en-GB"/>
               <a:t>Token WorkFlow</a:t>
             </a:r>
-            <a:endParaRPr/>
+            <a:endParaRPr lang="en-GB"/>
           </a:p>
         </p:txBody>
       </p:sp>
@@ -12421,7 +12288,7 @@
           <p:cNvPr id="128" name="Google Shape;128;p20"/>
           <p:cNvSpPr txBox="1"/>
           <p:nvPr>
-            <p:ph idx="1" type="body"/>
+            <p:ph type="body" idx="1"/>
           </p:nvPr>
         </p:nvSpPr>
         <p:spPr>
@@ -12434,12 +12301,12 @@
           </a:prstGeom>
         </p:spPr>
         <p:txBody>
-          <a:bodyPr anchorCtr="0" anchor="t" bIns="91425" lIns="91425" spcFirstLastPara="1" rIns="91425" wrap="square" tIns="91425">
+          <a:bodyPr spcFirstLastPara="1" wrap="square" lIns="91425" tIns="91425" rIns="91425" bIns="91425" anchor="t" anchorCtr="0">
             <a:normAutofit/>
           </a:bodyPr>
           <a:lstStyle/>
           <a:p>
-            <a:pPr indent="0" lvl="0" marL="0" rtl="0" algn="l">
+            <a:pPr marL="0" lvl="0" indent="0" algn="l" rtl="0">
               <a:spcBef>
                 <a:spcPts val="0"/>
               </a:spcBef>
@@ -12452,10 +12319,10 @@
               <a:rPr lang="en-GB"/>
               <a:t>1) Generate a User access token in Graph API Explorer with the permissions above</a:t>
             </a:r>
-            <a:endParaRPr/>
+            <a:endParaRPr lang="en-GB"/>
           </a:p>
           <a:p>
-            <a:pPr indent="0" lvl="0" marL="0" rtl="0" algn="l">
+            <a:pPr marL="0" lvl="0" indent="0" algn="l" rtl="0">
               <a:spcBef>
                 <a:spcPts val="1200"/>
               </a:spcBef>
@@ -12468,10 +12335,10 @@
               <a:rPr lang="en-GB"/>
               <a:t>2) Call GET /me/accounts to list Pages you manage</a:t>
             </a:r>
-            <a:endParaRPr/>
+            <a:endParaRPr lang="en-GB"/>
           </a:p>
           <a:p>
-            <a:pPr indent="0" lvl="0" marL="0" rtl="0" algn="l">
+            <a:pPr marL="0" lvl="0" indent="0" algn="l" rtl="0">
               <a:spcBef>
                 <a:spcPts val="1200"/>
               </a:spcBef>
@@ -12484,10 +12351,10 @@
               <a:rPr lang="en-GB"/>
               <a:t>3) Copy the Page id → FB_PAGE_ID</a:t>
             </a:r>
-            <a:endParaRPr/>
+            <a:endParaRPr lang="en-GB"/>
           </a:p>
           <a:p>
-            <a:pPr indent="0" lvl="0" marL="0" rtl="0" algn="l">
+            <a:pPr marL="0" lvl="0" indent="0" algn="l" rtl="0">
               <a:spcBef>
                 <a:spcPts val="1200"/>
               </a:spcBef>
@@ -12500,7 +12367,7 @@
               <a:rPr lang="en-GB"/>
               <a:t>4) Copy the Page access_token → FB_ACCESS_TOKEN (this is what the agent uses)</a:t>
             </a:r>
-            <a:endParaRPr/>
+            <a:endParaRPr lang="en-GB"/>
           </a:p>
         </p:txBody>
       </p:sp>
@@ -12513,7 +12380,7 @@
 </file>
 
 <file path=ppt/slides/slide9.xml><?xml version="1.0" encoding="utf-8"?>
-<p:sld xmlns:a="http://schemas.openxmlformats.org/drawingml/2006/main" xmlns:r="http://schemas.openxmlformats.org/officeDocument/2006/relationships" xmlns:mc="http://schemas.openxmlformats.org/markup-compatibility/2006" xmlns:mv="urn:schemas-microsoft-com:mac:vml" xmlns:p="http://schemas.openxmlformats.org/presentationml/2006/main" xmlns:c="http://schemas.openxmlformats.org/drawingml/2006/chart" xmlns:dgm="http://schemas.openxmlformats.org/drawingml/2006/diagram" xmlns:o="urn:schemas-microsoft-com:office:office" xmlns:v="urn:schemas-microsoft-com:vml" xmlns:pvml="urn:schemas-microsoft-com:office:powerpoint" xmlns:com="http://schemas.openxmlformats.org/drawingml/2006/compatibility" xmlns:p14="http://schemas.microsoft.com/office/powerpoint/2010/main" xmlns:p15="http://schemas.microsoft.com/office/powerpoint/2012/main" xmlns:ahyp="http://schemas.microsoft.com/office/drawing/2018/hyperlinkcolor">
+<p:sld xmlns:a="http://schemas.openxmlformats.org/drawingml/2006/main" xmlns:r="http://schemas.openxmlformats.org/officeDocument/2006/relationships" xmlns:p="http://schemas.openxmlformats.org/presentationml/2006/main">
   <p:cSld>
     <p:spTree>
       <p:nvGrpSpPr>
@@ -12547,12 +12414,12 @@
           </a:prstGeom>
         </p:spPr>
         <p:txBody>
-          <a:bodyPr anchorCtr="0" anchor="t" bIns="91425" lIns="91425" spcFirstLastPara="1" rIns="91425" wrap="square" tIns="91425">
+          <a:bodyPr spcFirstLastPara="1" wrap="square" lIns="91425" tIns="91425" rIns="91425" bIns="91425" anchor="t" anchorCtr="0">
             <a:normAutofit fontScale="90000"/>
           </a:bodyPr>
           <a:lstStyle/>
           <a:p>
-            <a:pPr indent="0" lvl="0" marL="0" rtl="0" algn="l">
+            <a:pPr marL="0" lvl="0" indent="0" algn="l" rtl="0">
               <a:spcBef>
                 <a:spcPts val="0"/>
               </a:spcBef>
@@ -12565,10 +12432,10 @@
               <a:rPr lang="en-GB"/>
               <a:t>Local configuration (.env)</a:t>
             </a:r>
-            <a:endParaRPr/>
+            <a:endParaRPr lang="en-GB"/>
           </a:p>
           <a:p>
-            <a:pPr indent="0" lvl="0" marL="0" rtl="0" algn="l">
+            <a:pPr marL="0" lvl="0" indent="0" algn="l" rtl="0">
               <a:spcBef>
                 <a:spcPts val="0"/>
               </a:spcBef>
@@ -12577,13 +12444,9 @@
               </a:spcAft>
               <a:buNone/>
             </a:pPr>
-            <a:r>
-              <a:t/>
-            </a:r>
-            <a:endParaRPr/>
           </a:p>
           <a:p>
-            <a:pPr indent="0" lvl="0" marL="0" rtl="0" algn="l">
+            <a:pPr marL="0" lvl="0" indent="0" algn="l" rtl="0">
               <a:spcBef>
                 <a:spcPts val="0"/>
               </a:spcBef>
@@ -12592,10 +12455,6 @@
               </a:spcAft>
               <a:buNone/>
             </a:pPr>
-            <a:r>
-              <a:t/>
-            </a:r>
-            <a:endParaRPr/>
           </a:p>
         </p:txBody>
       </p:sp>
@@ -12604,7 +12463,7 @@
           <p:cNvPr id="134" name="Google Shape;134;p21"/>
           <p:cNvSpPr txBox="1"/>
           <p:nvPr>
-            <p:ph idx="1" type="body"/>
+            <p:ph type="body" idx="1"/>
           </p:nvPr>
         </p:nvSpPr>
         <p:spPr>
@@ -12617,12 +12476,12 @@
           </a:prstGeom>
         </p:spPr>
         <p:txBody>
-          <a:bodyPr anchorCtr="0" anchor="t" bIns="91425" lIns="91425" spcFirstLastPara="1" rIns="91425" wrap="square" tIns="91425">
+          <a:bodyPr spcFirstLastPara="1" wrap="square" lIns="91425" tIns="91425" rIns="91425" bIns="91425" anchor="t" anchorCtr="0">
             <a:normAutofit/>
           </a:bodyPr>
           <a:lstStyle/>
           <a:p>
-            <a:pPr indent="-342900" lvl="0" marL="457200" rtl="0" algn="l">
+            <a:pPr marL="457200" lvl="0" indent="-342900" algn="l" rtl="0">
               <a:spcBef>
                 <a:spcPts val="0"/>
               </a:spcBef>
@@ -12636,10 +12495,10 @@
               <a:rPr lang="en-GB"/>
               <a:t>Create /workspace/.env (exact name) next to requirements.txt</a:t>
             </a:r>
-            <a:endParaRPr/>
+            <a:endParaRPr lang="en-GB"/>
           </a:p>
           <a:p>
-            <a:pPr indent="-342900" lvl="0" marL="457200" rtl="0" algn="l">
+            <a:pPr marL="457200" lvl="0" indent="-342900" algn="l" rtl="0">
               <a:spcBef>
                 <a:spcPts val="0"/>
               </a:spcBef>
@@ -12653,10 +12512,10 @@
               <a:rPr lang="en-GB"/>
               <a:t>Set FB_PAGE_ID and FB_ACCESS_TOKEN</a:t>
             </a:r>
-            <a:endParaRPr/>
+            <a:endParaRPr lang="en-GB"/>
           </a:p>
           <a:p>
-            <a:pPr indent="-342900" lvl="0" marL="457200" rtl="0" algn="l">
+            <a:pPr marL="457200" lvl="0" indent="-342900" algn="l" rtl="0">
               <a:spcBef>
                 <a:spcPts val="0"/>
               </a:spcBef>
@@ -12670,10 +12529,10 @@
               <a:rPr lang="en-GB"/>
               <a:t>Set DRY_RUN=true for first tests; switch to false to post replies</a:t>
             </a:r>
-            <a:endParaRPr/>
+            <a:endParaRPr lang="en-GB"/>
           </a:p>
           <a:p>
-            <a:pPr indent="-342900" lvl="0" marL="457200" rtl="0" algn="l">
+            <a:pPr marL="457200" lvl="0" indent="-342900" algn="l" rtl="0">
               <a:spcBef>
                 <a:spcPts val="0"/>
               </a:spcBef>
@@ -12691,7 +12550,7 @@
               <a:rPr lang="en-GB"/>
               <a:t>T</a:t>
             </a:r>
-            <a:endParaRPr/>
+            <a:endParaRPr lang="en-GB"/>
           </a:p>
         </p:txBody>
       </p:sp>
@@ -12704,7 +12563,291 @@
 </file>
 
 <file path=ppt/theme/theme1.xml><?xml version="1.0" encoding="utf-8"?>
-<a:theme xmlns:a="http://schemas.openxmlformats.org/drawingml/2006/main" xmlns:r="http://schemas.openxmlformats.org/officeDocument/2006/relationships">
+<a:theme xmlns:a="http://schemas.openxmlformats.org/drawingml/2006/main" name="Geometric">
+  <a:themeElements>
+    <a:clrScheme name="Geometric">
+      <a:dk1>
+        <a:srgbClr val="2A3990"/>
+      </a:dk1>
+      <a:lt1>
+        <a:srgbClr val="FFFFFF"/>
+      </a:lt1>
+      <a:dk2>
+        <a:srgbClr val="434343"/>
+      </a:dk2>
+      <a:lt2>
+        <a:srgbClr val="999999"/>
+      </a:lt2>
+      <a:accent1>
+        <a:srgbClr val="212D74"/>
+      </a:accent1>
+      <a:accent2>
+        <a:srgbClr val="3949AB"/>
+      </a:accent2>
+      <a:accent3>
+        <a:srgbClr val="9C254D"/>
+      </a:accent3>
+      <a:accent4>
+        <a:srgbClr val="D23369"/>
+      </a:accent4>
+      <a:accent5>
+        <a:srgbClr val="F06292"/>
+      </a:accent5>
+      <a:accent6>
+        <a:srgbClr val="7890CD"/>
+      </a:accent6>
+      <a:hlink>
+        <a:srgbClr val="F06292"/>
+      </a:hlink>
+      <a:folHlink>
+        <a:srgbClr val="F06292"/>
+      </a:folHlink>
+    </a:clrScheme>
+    <a:fontScheme name="Office">
+      <a:majorFont>
+        <a:latin typeface="Arial"/>
+        <a:ea typeface=""/>
+        <a:cs typeface=""/>
+        <a:font script="Jpan" typeface="ＭＳ Ｐゴシック"/>
+        <a:font script="Hang" typeface="맑은 고딕"/>
+        <a:font script="Hans" typeface="宋体"/>
+        <a:font script="Hant" typeface="新細明體"/>
+        <a:font script="Arab" typeface="Times New Roman"/>
+        <a:font script="Hebr" typeface="Times New Roman"/>
+        <a:font script="Thai" typeface="Angsana New"/>
+        <a:font script="Ethi" typeface="Nyala"/>
+        <a:font script="Beng" typeface="Vrinda"/>
+        <a:font script="Gujr" typeface="Shruti"/>
+        <a:font script="Khmr" typeface="MoolBoran"/>
+        <a:font script="Knda" typeface="Tunga"/>
+        <a:font script="Guru" typeface="Raavi"/>
+        <a:font script="Cans" typeface="Euphemia"/>
+        <a:font script="Cher" typeface="Plantagenet Cherokee"/>
+        <a:font script="Yiii" typeface="Microsoft Yi Baiti"/>
+        <a:font script="Tibt" typeface="Microsoft Himalaya"/>
+        <a:font script="Thaa" typeface="MV Boli"/>
+        <a:font script="Deva" typeface="Mangal"/>
+        <a:font script="Telu" typeface="Gautami"/>
+        <a:font script="Taml" typeface="Latha"/>
+        <a:font script="Syrc" typeface="Estrangelo Edessa"/>
+        <a:font script="Orya" typeface="Kalinga"/>
+        <a:font script="Mlym" typeface="Kartika"/>
+        <a:font script="Laoo" typeface="DokChampa"/>
+        <a:font script="Sinh" typeface="Iskoola Pota"/>
+        <a:font script="Mong" typeface="Mongolian Baiti"/>
+        <a:font script="Viet" typeface="Times New Roman"/>
+        <a:font script="Uigh" typeface="Microsoft Uighur"/>
+        <a:font script="Geor" typeface="Sylfaen"/>
+      </a:majorFont>
+      <a:minorFont>
+        <a:latin typeface="Arial"/>
+        <a:ea typeface=""/>
+        <a:cs typeface=""/>
+        <a:font script="Jpan" typeface="ＭＳ Ｐゴシック"/>
+        <a:font script="Hang" typeface="맑은 고딕"/>
+        <a:font script="Hans" typeface="宋体"/>
+        <a:font script="Hant" typeface="新細明體"/>
+        <a:font script="Arab" typeface="Arial"/>
+        <a:font script="Hebr" typeface="Arial"/>
+        <a:font script="Thai" typeface="Cordia New"/>
+        <a:font script="Ethi" typeface="Nyala"/>
+        <a:font script="Beng" typeface="Vrinda"/>
+        <a:font script="Gujr" typeface="Shruti"/>
+        <a:font script="Khmr" typeface="DaunPenh"/>
+        <a:font script="Knda" typeface="Tunga"/>
+        <a:font script="Guru" typeface="Raavi"/>
+        <a:font script="Cans" typeface="Euphemia"/>
+        <a:font script="Cher" typeface="Plantagenet Cherokee"/>
+        <a:font script="Yiii" typeface="Microsoft Yi Baiti"/>
+        <a:font script="Tibt" typeface="Microsoft Himalaya"/>
+        <a:font script="Thaa" typeface="MV Boli"/>
+        <a:font script="Deva" typeface="Mangal"/>
+        <a:font script="Telu" typeface="Gautami"/>
+        <a:font script="Taml" typeface="Latha"/>
+        <a:font script="Syrc" typeface="Estrangelo Edessa"/>
+        <a:font script="Orya" typeface="Kalinga"/>
+        <a:font script="Mlym" typeface="Kartika"/>
+        <a:font script="Laoo" typeface="DokChampa"/>
+        <a:font script="Sinh" typeface="Iskoola Pota"/>
+        <a:font script="Mong" typeface="Mongolian Baiti"/>
+        <a:font script="Viet" typeface="Arial"/>
+        <a:font script="Uigh" typeface="Microsoft Uighur"/>
+        <a:font script="Geor" typeface="Sylfaen"/>
+      </a:minorFont>
+    </a:fontScheme>
+    <a:fmtScheme name="Office">
+      <a:fillStyleLst>
+        <a:solidFill>
+          <a:schemeClr val="phClr"/>
+        </a:solidFill>
+        <a:gradFill rotWithShape="1">
+          <a:gsLst>
+            <a:gs pos="0">
+              <a:schemeClr val="phClr">
+                <a:tint val="50000"/>
+                <a:satMod val="300000"/>
+              </a:schemeClr>
+            </a:gs>
+            <a:gs pos="35000">
+              <a:schemeClr val="phClr">
+                <a:tint val="37000"/>
+                <a:satMod val="300000"/>
+              </a:schemeClr>
+            </a:gs>
+            <a:gs pos="100000">
+              <a:schemeClr val="phClr">
+                <a:tint val="15000"/>
+                <a:satMod val="350000"/>
+              </a:schemeClr>
+            </a:gs>
+          </a:gsLst>
+          <a:lin ang="16200000" scaled="1"/>
+        </a:gradFill>
+        <a:gradFill rotWithShape="1">
+          <a:gsLst>
+            <a:gs pos="0">
+              <a:schemeClr val="phClr">
+                <a:tint val="100000"/>
+                <a:shade val="100000"/>
+                <a:satMod val="130000"/>
+              </a:schemeClr>
+            </a:gs>
+            <a:gs pos="100000">
+              <a:schemeClr val="phClr">
+                <a:tint val="50000"/>
+                <a:shade val="100000"/>
+                <a:satMod val="350000"/>
+              </a:schemeClr>
+            </a:gs>
+          </a:gsLst>
+          <a:lin ang="16200000" scaled="0"/>
+        </a:gradFill>
+      </a:fillStyleLst>
+      <a:lnStyleLst>
+        <a:ln w="9525" cap="flat" cmpd="sng" algn="ctr">
+          <a:solidFill>
+            <a:schemeClr val="phClr">
+              <a:shade val="95000"/>
+              <a:satMod val="105000"/>
+            </a:schemeClr>
+          </a:solidFill>
+          <a:prstDash val="solid"/>
+        </a:ln>
+        <a:ln w="25400" cap="flat" cmpd="sng" algn="ctr">
+          <a:solidFill>
+            <a:schemeClr val="phClr"/>
+          </a:solidFill>
+          <a:prstDash val="solid"/>
+        </a:ln>
+        <a:ln w="38100" cap="flat" cmpd="sng" algn="ctr">
+          <a:solidFill>
+            <a:schemeClr val="phClr"/>
+          </a:solidFill>
+          <a:prstDash val="solid"/>
+        </a:ln>
+      </a:lnStyleLst>
+      <a:effectStyleLst>
+        <a:effectStyle>
+          <a:effectLst>
+            <a:outerShdw blurRad="40000" dist="20000" dir="5400000" rotWithShape="0">
+              <a:srgbClr val="000000">
+                <a:alpha val="38000"/>
+              </a:srgbClr>
+            </a:outerShdw>
+          </a:effectLst>
+        </a:effectStyle>
+        <a:effectStyle>
+          <a:effectLst>
+            <a:outerShdw blurRad="40000" dist="23000" dir="5400000" rotWithShape="0">
+              <a:srgbClr val="000000">
+                <a:alpha val="35000"/>
+              </a:srgbClr>
+            </a:outerShdw>
+          </a:effectLst>
+        </a:effectStyle>
+        <a:effectStyle>
+          <a:effectLst>
+            <a:outerShdw blurRad="40000" dist="23000" dir="5400000" rotWithShape="0">
+              <a:srgbClr val="000000">
+                <a:alpha val="35000"/>
+              </a:srgbClr>
+            </a:outerShdw>
+          </a:effectLst>
+          <a:scene3d>
+            <a:camera prst="orthographicFront">
+              <a:rot lat="0" lon="0" rev="0"/>
+            </a:camera>
+            <a:lightRig rig="threePt" dir="t">
+              <a:rot lat="0" lon="0" rev="1200000"/>
+            </a:lightRig>
+          </a:scene3d>
+          <a:sp3d>
+            <a:bevelT w="63500" h="25400"/>
+          </a:sp3d>
+        </a:effectStyle>
+      </a:effectStyleLst>
+      <a:bgFillStyleLst>
+        <a:solidFill>
+          <a:schemeClr val="phClr"/>
+        </a:solidFill>
+        <a:gradFill rotWithShape="1">
+          <a:gsLst>
+            <a:gs pos="0">
+              <a:schemeClr val="phClr">
+                <a:tint val="40000"/>
+                <a:satMod val="350000"/>
+              </a:schemeClr>
+            </a:gs>
+            <a:gs pos="40000">
+              <a:schemeClr val="phClr">
+                <a:tint val="45000"/>
+                <a:shade val="99000"/>
+                <a:satMod val="350000"/>
+              </a:schemeClr>
+            </a:gs>
+            <a:gs pos="100000">
+              <a:schemeClr val="phClr">
+                <a:shade val="20000"/>
+                <a:satMod val="255000"/>
+              </a:schemeClr>
+            </a:gs>
+          </a:gsLst>
+          <a:path path="circle">
+            <a:fillToRect l="50000" t="-80000" r="50000" b="180000"/>
+          </a:path>
+        </a:gradFill>
+        <a:gradFill rotWithShape="1">
+          <a:gsLst>
+            <a:gs pos="0">
+              <a:schemeClr val="phClr">
+                <a:tint val="80000"/>
+                <a:satMod val="300000"/>
+              </a:schemeClr>
+            </a:gs>
+            <a:gs pos="100000">
+              <a:schemeClr val="phClr">
+                <a:shade val="30000"/>
+                <a:satMod val="200000"/>
+              </a:schemeClr>
+            </a:gs>
+          </a:gsLst>
+          <a:path path="circle">
+            <a:fillToRect l="50000" t="50000" r="50000" b="50000"/>
+          </a:path>
+        </a:gradFill>
+      </a:bgFillStyleLst>
+    </a:fmtScheme>
+  </a:themeElements>
+  <a:extLst>
+    <a:ext uri="{05A4C25C-085E-4340-85A3-A5531E510DB2}">
+      <thm15:themeFamily xmlns:thm15="http://schemas.microsoft.com/office/thememl/2012/main" name="Office Theme" id="{62F939B6-93AF-4DB8-9C6B-D6C7DFDC589F}" vid="{4A3C46E8-61CC-4603-A589-7422A47A8E4A}"/>
+    </a:ext>
+  </a:extLst>
+</a:theme>
+</file>
+
+<file path=ppt/theme/theme2.xml><?xml version="1.0" encoding="utf-8"?>
+<a:theme xmlns:a="http://schemas.openxmlformats.org/drawingml/2006/main">
   <a:themeElements>
     <a:clrScheme name="Default">
       <a:dk1>
@@ -12979,284 +13122,10 @@
       </a:bgFillStyleLst>
     </a:fmtScheme>
   </a:themeElements>
-</a:theme>
-</file>
-
-<file path=ppt/theme/theme2.xml><?xml version="1.0" encoding="utf-8"?>
-<a:theme xmlns:a="http://schemas.openxmlformats.org/drawingml/2006/main" xmlns:r="http://schemas.openxmlformats.org/officeDocument/2006/relationships" name="Geometric">
-  <a:themeElements>
-    <a:clrScheme name="Geometric">
-      <a:dk1>
-        <a:srgbClr val="2A3990"/>
-      </a:dk1>
-      <a:lt1>
-        <a:srgbClr val="FFFFFF"/>
-      </a:lt1>
-      <a:dk2>
-        <a:srgbClr val="434343"/>
-      </a:dk2>
-      <a:lt2>
-        <a:srgbClr val="999999"/>
-      </a:lt2>
-      <a:accent1>
-        <a:srgbClr val="212D74"/>
-      </a:accent1>
-      <a:accent2>
-        <a:srgbClr val="3949AB"/>
-      </a:accent2>
-      <a:accent3>
-        <a:srgbClr val="9C254D"/>
-      </a:accent3>
-      <a:accent4>
-        <a:srgbClr val="D23369"/>
-      </a:accent4>
-      <a:accent5>
-        <a:srgbClr val="F06292"/>
-      </a:accent5>
-      <a:accent6>
-        <a:srgbClr val="7890CD"/>
-      </a:accent6>
-      <a:hlink>
-        <a:srgbClr val="F06292"/>
-      </a:hlink>
-      <a:folHlink>
-        <a:srgbClr val="F06292"/>
-      </a:folHlink>
-    </a:clrScheme>
-    <a:fontScheme name="Office">
-      <a:majorFont>
-        <a:latin typeface="Arial"/>
-        <a:ea typeface=""/>
-        <a:cs typeface=""/>
-        <a:font script="Jpan" typeface="ＭＳ Ｐゴシック"/>
-        <a:font script="Hang" typeface="맑은 고딕"/>
-        <a:font script="Hans" typeface="宋体"/>
-        <a:font script="Hant" typeface="新細明體"/>
-        <a:font script="Arab" typeface="Times New Roman"/>
-        <a:font script="Hebr" typeface="Times New Roman"/>
-        <a:font script="Thai" typeface="Angsana New"/>
-        <a:font script="Ethi" typeface="Nyala"/>
-        <a:font script="Beng" typeface="Vrinda"/>
-        <a:font script="Gujr" typeface="Shruti"/>
-        <a:font script="Khmr" typeface="MoolBoran"/>
-        <a:font script="Knda" typeface="Tunga"/>
-        <a:font script="Guru" typeface="Raavi"/>
-        <a:font script="Cans" typeface="Euphemia"/>
-        <a:font script="Cher" typeface="Plantagenet Cherokee"/>
-        <a:font script="Yiii" typeface="Microsoft Yi Baiti"/>
-        <a:font script="Tibt" typeface="Microsoft Himalaya"/>
-        <a:font script="Thaa" typeface="MV Boli"/>
-        <a:font script="Deva" typeface="Mangal"/>
-        <a:font script="Telu" typeface="Gautami"/>
-        <a:font script="Taml" typeface="Latha"/>
-        <a:font script="Syrc" typeface="Estrangelo Edessa"/>
-        <a:font script="Orya" typeface="Kalinga"/>
-        <a:font script="Mlym" typeface="Kartika"/>
-        <a:font script="Laoo" typeface="DokChampa"/>
-        <a:font script="Sinh" typeface="Iskoola Pota"/>
-        <a:font script="Mong" typeface="Mongolian Baiti"/>
-        <a:font script="Viet" typeface="Times New Roman"/>
-        <a:font script="Uigh" typeface="Microsoft Uighur"/>
-        <a:font script="Geor" typeface="Sylfaen"/>
-      </a:majorFont>
-      <a:minorFont>
-        <a:latin typeface="Arial"/>
-        <a:ea typeface=""/>
-        <a:cs typeface=""/>
-        <a:font script="Jpan" typeface="ＭＳ Ｐゴシック"/>
-        <a:font script="Hang" typeface="맑은 고딕"/>
-        <a:font script="Hans" typeface="宋体"/>
-        <a:font script="Hant" typeface="新細明體"/>
-        <a:font script="Arab" typeface="Arial"/>
-        <a:font script="Hebr" typeface="Arial"/>
-        <a:font script="Thai" typeface="Cordia New"/>
-        <a:font script="Ethi" typeface="Nyala"/>
-        <a:font script="Beng" typeface="Vrinda"/>
-        <a:font script="Gujr" typeface="Shruti"/>
-        <a:font script="Khmr" typeface="DaunPenh"/>
-        <a:font script="Knda" typeface="Tunga"/>
-        <a:font script="Guru" typeface="Raavi"/>
-        <a:font script="Cans" typeface="Euphemia"/>
-        <a:font script="Cher" typeface="Plantagenet Cherokee"/>
-        <a:font script="Yiii" typeface="Microsoft Yi Baiti"/>
-        <a:font script="Tibt" typeface="Microsoft Himalaya"/>
-        <a:font script="Thaa" typeface="MV Boli"/>
-        <a:font script="Deva" typeface="Mangal"/>
-        <a:font script="Telu" typeface="Gautami"/>
-        <a:font script="Taml" typeface="Latha"/>
-        <a:font script="Syrc" typeface="Estrangelo Edessa"/>
-        <a:font script="Orya" typeface="Kalinga"/>
-        <a:font script="Mlym" typeface="Kartika"/>
-        <a:font script="Laoo" typeface="DokChampa"/>
-        <a:font script="Sinh" typeface="Iskoola Pota"/>
-        <a:font script="Mong" typeface="Mongolian Baiti"/>
-        <a:font script="Viet" typeface="Arial"/>
-        <a:font script="Uigh" typeface="Microsoft Uighur"/>
-        <a:font script="Geor" typeface="Sylfaen"/>
-      </a:minorFont>
-    </a:fontScheme>
-    <a:fmtScheme name="Office">
-      <a:fillStyleLst>
-        <a:solidFill>
-          <a:schemeClr val="phClr"/>
-        </a:solidFill>
-        <a:gradFill rotWithShape="1">
-          <a:gsLst>
-            <a:gs pos="0">
-              <a:schemeClr val="phClr">
-                <a:tint val="50000"/>
-                <a:satMod val="300000"/>
-              </a:schemeClr>
-            </a:gs>
-            <a:gs pos="35000">
-              <a:schemeClr val="phClr">
-                <a:tint val="37000"/>
-                <a:satMod val="300000"/>
-              </a:schemeClr>
-            </a:gs>
-            <a:gs pos="100000">
-              <a:schemeClr val="phClr">
-                <a:tint val="15000"/>
-                <a:satMod val="350000"/>
-              </a:schemeClr>
-            </a:gs>
-          </a:gsLst>
-          <a:lin ang="16200000" scaled="1"/>
-        </a:gradFill>
-        <a:gradFill rotWithShape="1">
-          <a:gsLst>
-            <a:gs pos="0">
-              <a:schemeClr val="phClr">
-                <a:tint val="100000"/>
-                <a:shade val="100000"/>
-                <a:satMod val="130000"/>
-              </a:schemeClr>
-            </a:gs>
-            <a:gs pos="100000">
-              <a:schemeClr val="phClr">
-                <a:tint val="50000"/>
-                <a:shade val="100000"/>
-                <a:satMod val="350000"/>
-              </a:schemeClr>
-            </a:gs>
-          </a:gsLst>
-          <a:lin ang="16200000" scaled="0"/>
-        </a:gradFill>
-      </a:fillStyleLst>
-      <a:lnStyleLst>
-        <a:ln w="9525" cap="flat" cmpd="sng" algn="ctr">
-          <a:solidFill>
-            <a:schemeClr val="phClr">
-              <a:shade val="95000"/>
-              <a:satMod val="105000"/>
-            </a:schemeClr>
-          </a:solidFill>
-          <a:prstDash val="solid"/>
-        </a:ln>
-        <a:ln w="25400" cap="flat" cmpd="sng" algn="ctr">
-          <a:solidFill>
-            <a:schemeClr val="phClr"/>
-          </a:solidFill>
-          <a:prstDash val="solid"/>
-        </a:ln>
-        <a:ln w="38100" cap="flat" cmpd="sng" algn="ctr">
-          <a:solidFill>
-            <a:schemeClr val="phClr"/>
-          </a:solidFill>
-          <a:prstDash val="solid"/>
-        </a:ln>
-      </a:lnStyleLst>
-      <a:effectStyleLst>
-        <a:effectStyle>
-          <a:effectLst>
-            <a:outerShdw blurRad="40000" dist="20000" dir="5400000" rotWithShape="0">
-              <a:srgbClr val="000000">
-                <a:alpha val="38000"/>
-              </a:srgbClr>
-            </a:outerShdw>
-          </a:effectLst>
-        </a:effectStyle>
-        <a:effectStyle>
-          <a:effectLst>
-            <a:outerShdw blurRad="40000" dist="23000" dir="5400000" rotWithShape="0">
-              <a:srgbClr val="000000">
-                <a:alpha val="35000"/>
-              </a:srgbClr>
-            </a:outerShdw>
-          </a:effectLst>
-        </a:effectStyle>
-        <a:effectStyle>
-          <a:effectLst>
-            <a:outerShdw blurRad="40000" dist="23000" dir="5400000" rotWithShape="0">
-              <a:srgbClr val="000000">
-                <a:alpha val="35000"/>
-              </a:srgbClr>
-            </a:outerShdw>
-          </a:effectLst>
-          <a:scene3d>
-            <a:camera prst="orthographicFront">
-              <a:rot lat="0" lon="0" rev="0"/>
-            </a:camera>
-            <a:lightRig rig="threePt" dir="t">
-              <a:rot lat="0" lon="0" rev="1200000"/>
-            </a:lightRig>
-          </a:scene3d>
-          <a:sp3d>
-            <a:bevelT w="63500" h="25400"/>
-          </a:sp3d>
-        </a:effectStyle>
-      </a:effectStyleLst>
-      <a:bgFillStyleLst>
-        <a:solidFill>
-          <a:schemeClr val="phClr"/>
-        </a:solidFill>
-        <a:gradFill rotWithShape="1">
-          <a:gsLst>
-            <a:gs pos="0">
-              <a:schemeClr val="phClr">
-                <a:tint val="40000"/>
-                <a:satMod val="350000"/>
-              </a:schemeClr>
-            </a:gs>
-            <a:gs pos="40000">
-              <a:schemeClr val="phClr">
-                <a:tint val="45000"/>
-                <a:shade val="99000"/>
-                <a:satMod val="350000"/>
-              </a:schemeClr>
-            </a:gs>
-            <a:gs pos="100000">
-              <a:schemeClr val="phClr">
-                <a:shade val="20000"/>
-                <a:satMod val="255000"/>
-              </a:schemeClr>
-            </a:gs>
-          </a:gsLst>
-          <a:path path="circle">
-            <a:fillToRect l="50000" t="-80000" r="50000" b="180000"/>
-          </a:path>
-        </a:gradFill>
-        <a:gradFill rotWithShape="1">
-          <a:gsLst>
-            <a:gs pos="0">
-              <a:schemeClr val="phClr">
-                <a:tint val="80000"/>
-                <a:satMod val="300000"/>
-              </a:schemeClr>
-            </a:gs>
-            <a:gs pos="100000">
-              <a:schemeClr val="phClr">
-                <a:shade val="30000"/>
-                <a:satMod val="200000"/>
-              </a:schemeClr>
-            </a:gs>
-          </a:gsLst>
-          <a:path path="circle">
-            <a:fillToRect l="50000" t="50000" r="50000" b="50000"/>
-          </a:path>
-        </a:gradFill>
-      </a:bgFillStyleLst>
-    </a:fmtScheme>
-  </a:themeElements>
+  <a:extLst>
+    <a:ext uri="{05A4C25C-085E-4340-85A3-A5531E510DB2}">
+      <thm15:themeFamily xmlns:thm15="http://schemas.microsoft.com/office/thememl/2012/main" name="Office Theme" id="{62F939B6-93AF-4DB8-9C6B-D6C7DFDC589F}" vid="{4A3C46E8-61CC-4603-A589-7422A47A8E4A}"/>
+    </a:ext>
+  </a:extLst>
 </a:theme>
 </file>